--- a/TG1_final.pptx
+++ b/TG1_final.pptx
@@ -28,6 +28,10 @@
     <p:sldId id="280" r:id="rId22"/>
     <p:sldId id="281" r:id="rId23"/>
     <p:sldId id="282" r:id="rId24"/>
+    <p:sldId id="283" r:id="rId25"/>
+    <p:sldId id="284" r:id="rId26"/>
+    <p:sldId id="285" r:id="rId27"/>
+    <p:sldId id="286" r:id="rId28"/>
   </p:sldIdLst>
   <p:sldSz cx="12192000" cy="6858000"/>
   <p:notesSz cx="6858000" cy="9144000"/>
@@ -126,6 +130,11 @@
       </a:defRPr>
     </a:lvl9pPr>
   </p:defaultTextStyle>
+  <p:extLst>
+    <p:ext uri="{EFAFB233-063F-42B5-8137-9DF3F51BA10A}">
+      <p15:sldGuideLst xmlns:p15="http://schemas.microsoft.com/office/powerpoint/2012/main"/>
+    </p:ext>
+  </p:extLst>
 </p:presentation>
 </file>
 
@@ -8285,6 +8294,2468 @@
 </p:sld>
 </file>
 
+<file path=ppt/slides/slide24.xml><?xml version="1.0" encoding="utf-8"?>
+<p:sld xmlns:a="http://schemas.openxmlformats.org/drawingml/2006/main" xmlns:r="http://schemas.openxmlformats.org/officeDocument/2006/relationships" xmlns:p="http://schemas.openxmlformats.org/presentationml/2006/main">
+  <p:cSld>
+    <p:spTree>
+      <p:nvGrpSpPr>
+        <p:cNvPr id="1" name=""/>
+        <p:cNvGrpSpPr/>
+        <p:nvPr/>
+      </p:nvGrpSpPr>
+      <p:grpSpPr>
+        <a:xfrm>
+          <a:off x="0" y="0"/>
+          <a:ext cx="0" cy="0"/>
+          <a:chOff x="0" y="0"/>
+          <a:chExt cx="0" cy="0"/>
+        </a:xfrm>
+      </p:grpSpPr>
+      <p:sp>
+        <p:nvSpPr>
+          <p:cNvPr id="2" name="Título 1">
+            <a:extLst>
+              <a:ext uri="{FF2B5EF4-FFF2-40B4-BE49-F238E27FC236}">
+                <a16:creationId xmlns:a16="http://schemas.microsoft.com/office/drawing/2014/main" id="{6BAE3F2D-3FC2-4518-A197-DE7D9F2A5183}"/>
+              </a:ext>
+            </a:extLst>
+          </p:cNvPr>
+          <p:cNvSpPr>
+            <a:spLocks noGrp="1"/>
+          </p:cNvSpPr>
+          <p:nvPr>
+            <p:ph type="title"/>
+          </p:nvPr>
+        </p:nvSpPr>
+        <p:spPr>
+          <a:xfrm>
+            <a:off x="1484312" y="721896"/>
+            <a:ext cx="3549121" cy="926432"/>
+          </a:xfrm>
+        </p:spPr>
+        <p:txBody>
+          <a:bodyPr/>
+          <a:lstStyle/>
+          <a:p>
+            <a:r>
+              <a:rPr lang="es-ES"/>
+              <a:t>BECAS DE CARÁCTER GENERAL </a:t>
+            </a:r>
+            <a:endParaRPr lang="es-ES" dirty="0"/>
+          </a:p>
+        </p:txBody>
+      </p:sp>
+      <p:pic>
+        <p:nvPicPr>
+          <p:cNvPr id="5" name="Marcador de contenido 4">
+            <a:extLst>
+              <a:ext uri="{FF2B5EF4-FFF2-40B4-BE49-F238E27FC236}">
+                <a16:creationId xmlns:a16="http://schemas.microsoft.com/office/drawing/2014/main" id="{CFC5D1F2-E23A-416E-BF31-DFF5083C7696}"/>
+              </a:ext>
+            </a:extLst>
+          </p:cNvPr>
+          <p:cNvPicPr>
+            <a:picLocks noGrp="1" noChangeAspect="1"/>
+          </p:cNvPicPr>
+          <p:nvPr>
+            <p:ph idx="1"/>
+          </p:nvPr>
+        </p:nvPicPr>
+        <p:blipFill>
+          <a:blip r:embed="rId2"/>
+          <a:stretch>
+            <a:fillRect/>
+          </a:stretch>
+        </p:blipFill>
+        <p:spPr>
+          <a:xfrm>
+            <a:off x="5683828" y="2623073"/>
+            <a:ext cx="5729910" cy="1756422"/>
+          </a:xfrm>
+          <a:prstGeom prst="rect">
+            <a:avLst/>
+          </a:prstGeom>
+        </p:spPr>
+      </p:pic>
+      <p:sp>
+        <p:nvSpPr>
+          <p:cNvPr id="4" name="Marcador de texto 3">
+            <a:extLst>
+              <a:ext uri="{FF2B5EF4-FFF2-40B4-BE49-F238E27FC236}">
+                <a16:creationId xmlns:a16="http://schemas.microsoft.com/office/drawing/2014/main" id="{439717E3-E765-4128-8E40-6C8713D75B95}"/>
+              </a:ext>
+            </a:extLst>
+          </p:cNvPr>
+          <p:cNvSpPr>
+            <a:spLocks noGrp="1"/>
+          </p:cNvSpPr>
+          <p:nvPr>
+            <p:ph type="body" sz="half" idx="2"/>
+          </p:nvPr>
+        </p:nvSpPr>
+        <p:spPr>
+          <a:xfrm>
+            <a:off x="1484312" y="1997241"/>
+            <a:ext cx="3549121" cy="4138863"/>
+          </a:xfrm>
+        </p:spPr>
+        <p:txBody>
+          <a:bodyPr>
+            <a:normAutofit lnSpcReduction="10000"/>
+          </a:bodyPr>
+          <a:lstStyle/>
+          <a:p>
+            <a:pPr lvl="0" algn="l">
+              <a:spcBef>
+                <a:spcPts val="0"/>
+              </a:spcBef>
+              <a:spcAft>
+                <a:spcPts val="0"/>
+              </a:spcAft>
+              <a:defRPr sz="1800" b="0" i="0" u="none" strike="noStrike" kern="0" cap="none" spc="0" baseline="0">
+                <a:solidFill>
+                  <a:srgbClr val="000000"/>
+                </a:solidFill>
+                <a:uFillTx/>
+              </a:defRPr>
+            </a:pPr>
+            <a:r>
+              <a:rPr lang="es-ES" dirty="0">
+                <a:solidFill>
+                  <a:srgbClr val="000000"/>
+                </a:solidFill>
+                <a:latin typeface="Corbel" panose="020B0503020204020204" pitchFamily="34" charset="0"/>
+              </a:rPr>
+              <a:t>BECAS DEL MINISTERIO DE EDUCACION Y CIENCIAS </a:t>
+            </a:r>
+          </a:p>
+          <a:p>
+            <a:pPr lvl="0" algn="l">
+              <a:spcBef>
+                <a:spcPts val="0"/>
+              </a:spcBef>
+              <a:spcAft>
+                <a:spcPts val="0"/>
+              </a:spcAft>
+              <a:defRPr sz="1800" b="0" i="0" u="none" strike="noStrike" kern="0" cap="none" spc="0" baseline="0">
+                <a:solidFill>
+                  <a:srgbClr val="000000"/>
+                </a:solidFill>
+                <a:uFillTx/>
+              </a:defRPr>
+            </a:pPr>
+            <a:endParaRPr lang="es-ES" dirty="0">
+              <a:solidFill>
+                <a:srgbClr val="000000"/>
+              </a:solidFill>
+              <a:latin typeface="Corbel" panose="020B0503020204020204" pitchFamily="34" charset="0"/>
+            </a:endParaRPr>
+          </a:p>
+          <a:p>
+            <a:pPr lvl="0" algn="l">
+              <a:spcBef>
+                <a:spcPts val="0"/>
+              </a:spcBef>
+              <a:spcAft>
+                <a:spcPts val="0"/>
+              </a:spcAft>
+              <a:defRPr sz="1800" b="0" i="0" u="none" strike="noStrike" kern="0" cap="none" spc="0" baseline="0">
+                <a:solidFill>
+                  <a:srgbClr val="000000"/>
+                </a:solidFill>
+                <a:uFillTx/>
+              </a:defRPr>
+            </a:pPr>
+            <a:r>
+              <a:rPr lang="es-ES" dirty="0">
+                <a:solidFill>
+                  <a:srgbClr val="000000"/>
+                </a:solidFill>
+                <a:latin typeface="Corbel" panose="020B0503020204020204" pitchFamily="34" charset="0"/>
+              </a:rPr>
+              <a:t>NACIONALIDAD ESPAÑOLA  O UNION EUROPEA O TRABAJADOR EN ESPAÑA</a:t>
+            </a:r>
+          </a:p>
+          <a:p>
+            <a:pPr lvl="0" algn="l">
+              <a:spcBef>
+                <a:spcPts val="0"/>
+              </a:spcBef>
+              <a:spcAft>
+                <a:spcPts val="0"/>
+              </a:spcAft>
+              <a:defRPr sz="1800" b="0" i="0" u="none" strike="noStrike" kern="0" cap="none" spc="0" baseline="0">
+                <a:solidFill>
+                  <a:srgbClr val="000000"/>
+                </a:solidFill>
+                <a:uFillTx/>
+              </a:defRPr>
+            </a:pPr>
+            <a:endParaRPr lang="es-ES" dirty="0">
+              <a:solidFill>
+                <a:srgbClr val="000000"/>
+              </a:solidFill>
+              <a:latin typeface="Corbel" panose="020B0503020204020204" pitchFamily="34" charset="0"/>
+            </a:endParaRPr>
+          </a:p>
+          <a:p>
+            <a:pPr lvl="0" algn="l">
+              <a:spcBef>
+                <a:spcPts val="0"/>
+              </a:spcBef>
+              <a:spcAft>
+                <a:spcPts val="0"/>
+              </a:spcAft>
+              <a:defRPr sz="1800" b="0" i="0" u="none" strike="noStrike" kern="0" cap="none" spc="0" baseline="0">
+                <a:solidFill>
+                  <a:srgbClr val="000000"/>
+                </a:solidFill>
+                <a:uFillTx/>
+              </a:defRPr>
+            </a:pPr>
+            <a:endParaRPr lang="es-ES" dirty="0">
+              <a:solidFill>
+                <a:srgbClr val="000000"/>
+              </a:solidFill>
+              <a:latin typeface="Corbel" panose="020B0503020204020204" pitchFamily="34" charset="0"/>
+            </a:endParaRPr>
+          </a:p>
+          <a:p>
+            <a:pPr lvl="0" algn="l">
+              <a:spcBef>
+                <a:spcPts val="0"/>
+              </a:spcBef>
+              <a:spcAft>
+                <a:spcPts val="0"/>
+              </a:spcAft>
+              <a:defRPr sz="1800" b="0" i="0" u="none" strike="noStrike" kern="0" cap="none" spc="0" baseline="0">
+                <a:solidFill>
+                  <a:srgbClr val="000000"/>
+                </a:solidFill>
+                <a:uFillTx/>
+              </a:defRPr>
+            </a:pPr>
+            <a:r>
+              <a:rPr lang="es-ES" dirty="0">
+                <a:solidFill>
+                  <a:srgbClr val="000000"/>
+                </a:solidFill>
+                <a:latin typeface="Corbel" panose="020B0503020204020204" pitchFamily="34" charset="0"/>
+              </a:rPr>
+              <a:t>HABER APROBADO EL 60% EN GRADOS TECNICOS Y 80% EN OTRAS TITULACIONES </a:t>
+            </a:r>
+          </a:p>
+          <a:p>
+            <a:pPr lvl="0" algn="l">
+              <a:spcBef>
+                <a:spcPts val="0"/>
+              </a:spcBef>
+              <a:spcAft>
+                <a:spcPts val="0"/>
+              </a:spcAft>
+              <a:defRPr sz="1800" b="0" i="0" u="none" strike="noStrike" kern="0" cap="none" spc="0" baseline="0">
+                <a:solidFill>
+                  <a:srgbClr val="000000"/>
+                </a:solidFill>
+                <a:uFillTx/>
+              </a:defRPr>
+            </a:pPr>
+            <a:endParaRPr lang="es-ES" dirty="0">
+              <a:solidFill>
+                <a:srgbClr val="000000"/>
+              </a:solidFill>
+              <a:latin typeface="Corbel" panose="020B0503020204020204" pitchFamily="34" charset="0"/>
+            </a:endParaRPr>
+          </a:p>
+          <a:p>
+            <a:pPr lvl="0" algn="l">
+              <a:spcBef>
+                <a:spcPts val="0"/>
+              </a:spcBef>
+              <a:spcAft>
+                <a:spcPts val="0"/>
+              </a:spcAft>
+              <a:defRPr sz="1800" b="0" i="0" u="none" strike="noStrike" kern="0" cap="none" spc="0" baseline="0">
+                <a:solidFill>
+                  <a:srgbClr val="000000"/>
+                </a:solidFill>
+                <a:uFillTx/>
+              </a:defRPr>
+            </a:pPr>
+            <a:endParaRPr lang="es-ES" dirty="0">
+              <a:solidFill>
+                <a:srgbClr val="000000"/>
+              </a:solidFill>
+              <a:latin typeface="Corbel" panose="020B0503020204020204" pitchFamily="34" charset="0"/>
+            </a:endParaRPr>
+          </a:p>
+          <a:p>
+            <a:pPr lvl="0" algn="l">
+              <a:spcBef>
+                <a:spcPts val="0"/>
+              </a:spcBef>
+              <a:spcAft>
+                <a:spcPts val="0"/>
+              </a:spcAft>
+              <a:defRPr sz="1800" b="0" i="0" u="none" strike="noStrike" kern="0" cap="none" spc="0" baseline="0">
+                <a:solidFill>
+                  <a:srgbClr val="000000"/>
+                </a:solidFill>
+                <a:uFillTx/>
+              </a:defRPr>
+            </a:pPr>
+            <a:r>
+              <a:rPr lang="es-ES" dirty="0">
+                <a:solidFill>
+                  <a:srgbClr val="000000"/>
+                </a:solidFill>
+                <a:latin typeface="Corbel" panose="020B0503020204020204" pitchFamily="34" charset="0"/>
+              </a:rPr>
+              <a:t>DEPSNDIENDO DEL NIVEL ECONOMICO DE FAMILIA</a:t>
+            </a:r>
+          </a:p>
+          <a:p>
+            <a:endParaRPr lang="es-ES" dirty="0"/>
+          </a:p>
+        </p:txBody>
+      </p:sp>
+    </p:spTree>
+    <p:extLst>
+      <p:ext uri="{BB962C8B-B14F-4D97-AF65-F5344CB8AC3E}">
+        <p14:creationId xmlns:p14="http://schemas.microsoft.com/office/powerpoint/2010/main" val="3160781622"/>
+      </p:ext>
+    </p:extLst>
+  </p:cSld>
+  <p:clrMapOvr>
+    <a:masterClrMapping/>
+  </p:clrMapOvr>
+</p:sld>
+</file>
+
+<file path=ppt/slides/slide25.xml><?xml version="1.0" encoding="utf-8"?>
+<p:sld xmlns:a="http://schemas.openxmlformats.org/drawingml/2006/main" xmlns:r="http://schemas.openxmlformats.org/officeDocument/2006/relationships" xmlns:p="http://schemas.openxmlformats.org/presentationml/2006/main">
+  <p:cSld>
+    <p:spTree>
+      <p:nvGrpSpPr>
+        <p:cNvPr id="1" name=""/>
+        <p:cNvGrpSpPr/>
+        <p:nvPr/>
+      </p:nvGrpSpPr>
+      <p:grpSpPr>
+        <a:xfrm>
+          <a:off x="0" y="0"/>
+          <a:ext cx="0" cy="0"/>
+          <a:chOff x="0" y="0"/>
+          <a:chExt cx="0" cy="0"/>
+        </a:xfrm>
+      </p:grpSpPr>
+      <p:sp>
+        <p:nvSpPr>
+          <p:cNvPr id="2" name="Título 1">
+            <a:extLst>
+              <a:ext uri="{FF2B5EF4-FFF2-40B4-BE49-F238E27FC236}">
+                <a16:creationId xmlns:a16="http://schemas.microsoft.com/office/drawing/2014/main" id="{BB85FC81-7A3A-4F97-9C25-16430D0B9ED6}"/>
+              </a:ext>
+            </a:extLst>
+          </p:cNvPr>
+          <p:cNvSpPr>
+            <a:spLocks noGrp="1"/>
+          </p:cNvSpPr>
+          <p:nvPr>
+            <p:ph type="title"/>
+          </p:nvPr>
+        </p:nvSpPr>
+        <p:spPr>
+          <a:xfrm>
+            <a:off x="1484312" y="685799"/>
+            <a:ext cx="3549121" cy="565484"/>
+          </a:xfrm>
+        </p:spPr>
+        <p:txBody>
+          <a:bodyPr/>
+          <a:lstStyle/>
+          <a:p>
+            <a:r>
+              <a:rPr lang="es-ES" dirty="0"/>
+              <a:t>BECAS DE MOVILIDAD</a:t>
+            </a:r>
+          </a:p>
+        </p:txBody>
+      </p:sp>
+      <p:pic>
+        <p:nvPicPr>
+          <p:cNvPr id="5" name="Marcador de contenido 4">
+            <a:extLst>
+              <a:ext uri="{FF2B5EF4-FFF2-40B4-BE49-F238E27FC236}">
+                <a16:creationId xmlns:a16="http://schemas.microsoft.com/office/drawing/2014/main" id="{B9FBDEA7-A02A-48BD-8D4D-02CF155F90AB}"/>
+              </a:ext>
+            </a:extLst>
+          </p:cNvPr>
+          <p:cNvPicPr>
+            <a:picLocks noGrp="1" noChangeAspect="1"/>
+          </p:cNvPicPr>
+          <p:nvPr>
+            <p:ph idx="1"/>
+          </p:nvPr>
+        </p:nvPicPr>
+        <p:blipFill>
+          <a:blip r:embed="rId2"/>
+          <a:stretch>
+            <a:fillRect/>
+          </a:stretch>
+        </p:blipFill>
+        <p:spPr>
+          <a:xfrm>
+            <a:off x="6264442" y="1660358"/>
+            <a:ext cx="4761389" cy="969348"/>
+          </a:xfrm>
+          <a:prstGeom prst="rect">
+            <a:avLst/>
+          </a:prstGeom>
+        </p:spPr>
+      </p:pic>
+      <p:sp>
+        <p:nvSpPr>
+          <p:cNvPr id="4" name="Marcador de texto 3">
+            <a:extLst>
+              <a:ext uri="{FF2B5EF4-FFF2-40B4-BE49-F238E27FC236}">
+                <a16:creationId xmlns:a16="http://schemas.microsoft.com/office/drawing/2014/main" id="{81CC1F74-9147-4CAE-B1E1-6C13F084B291}"/>
+              </a:ext>
+            </a:extLst>
+          </p:cNvPr>
+          <p:cNvSpPr>
+            <a:spLocks noGrp="1"/>
+          </p:cNvSpPr>
+          <p:nvPr>
+            <p:ph type="body" sz="half" idx="2"/>
+          </p:nvPr>
+        </p:nvSpPr>
+        <p:spPr>
+          <a:xfrm>
+            <a:off x="1484312" y="1660358"/>
+            <a:ext cx="3549121" cy="4130842"/>
+          </a:xfrm>
+        </p:spPr>
+        <p:txBody>
+          <a:bodyPr>
+            <a:normAutofit fontScale="92500" lnSpcReduction="20000"/>
+          </a:bodyPr>
+          <a:lstStyle/>
+          <a:p>
+            <a:pPr lvl="0" algn="l">
+              <a:spcBef>
+                <a:spcPts val="0"/>
+              </a:spcBef>
+              <a:spcAft>
+                <a:spcPts val="0"/>
+              </a:spcAft>
+              <a:defRPr sz="1800" b="0" i="0" u="none" strike="noStrike" kern="0" cap="none" spc="0" baseline="0">
+                <a:solidFill>
+                  <a:srgbClr val="000000"/>
+                </a:solidFill>
+                <a:uFillTx/>
+              </a:defRPr>
+            </a:pPr>
+            <a:r>
+              <a:rPr lang="es-ES" dirty="0">
+                <a:solidFill>
+                  <a:srgbClr val="000000"/>
+                </a:solidFill>
+                <a:latin typeface="Corbel" panose="020B0503020204020204" pitchFamily="34" charset="0"/>
+              </a:rPr>
+              <a:t>ERASMUS</a:t>
+            </a:r>
+          </a:p>
+          <a:p>
+            <a:pPr lvl="0" algn="l">
+              <a:spcBef>
+                <a:spcPts val="0"/>
+              </a:spcBef>
+              <a:spcAft>
+                <a:spcPts val="0"/>
+              </a:spcAft>
+              <a:defRPr sz="1800" b="0" i="0" u="none" strike="noStrike" kern="0" cap="none" spc="0" baseline="0">
+                <a:solidFill>
+                  <a:srgbClr val="000000"/>
+                </a:solidFill>
+                <a:uFillTx/>
+              </a:defRPr>
+            </a:pPr>
+            <a:endParaRPr lang="es-ES" dirty="0">
+              <a:solidFill>
+                <a:srgbClr val="000000"/>
+              </a:solidFill>
+              <a:latin typeface="Corbel" panose="020B0503020204020204" pitchFamily="34" charset="0"/>
+            </a:endParaRPr>
+          </a:p>
+          <a:p>
+            <a:pPr marL="285750" lvl="0" indent="-285750" algn="l">
+              <a:spcBef>
+                <a:spcPts val="0"/>
+              </a:spcBef>
+              <a:spcAft>
+                <a:spcPts val="0"/>
+              </a:spcAft>
+              <a:buSzPct val="100000"/>
+              <a:buChar char="-"/>
+              <a:defRPr sz="1800" b="0" i="0" u="none" strike="noStrike" kern="0" cap="none" spc="0" baseline="0">
+                <a:solidFill>
+                  <a:srgbClr val="000000"/>
+                </a:solidFill>
+                <a:uFillTx/>
+              </a:defRPr>
+            </a:pPr>
+            <a:r>
+              <a:rPr lang="es-ES" dirty="0">
+                <a:solidFill>
+                  <a:srgbClr val="000000"/>
+                </a:solidFill>
+                <a:latin typeface="Corbel" panose="020B0503020204020204" pitchFamily="34" charset="0"/>
+              </a:rPr>
+              <a:t>PRIMERO APROBADO</a:t>
+            </a:r>
+          </a:p>
+          <a:p>
+            <a:pPr marL="285750" lvl="0" indent="-285750" algn="l">
+              <a:spcBef>
+                <a:spcPts val="0"/>
+              </a:spcBef>
+              <a:spcAft>
+                <a:spcPts val="0"/>
+              </a:spcAft>
+              <a:buSzPct val="100000"/>
+              <a:buChar char="-"/>
+              <a:defRPr sz="1800" b="0" i="0" u="none" strike="noStrike" kern="0" cap="none" spc="0" baseline="0">
+                <a:solidFill>
+                  <a:srgbClr val="000000"/>
+                </a:solidFill>
+                <a:uFillTx/>
+              </a:defRPr>
+            </a:pPr>
+            <a:endParaRPr lang="es-ES" dirty="0">
+              <a:solidFill>
+                <a:srgbClr val="000000"/>
+              </a:solidFill>
+              <a:latin typeface="Corbel" panose="020B0503020204020204" pitchFamily="34" charset="0"/>
+            </a:endParaRPr>
+          </a:p>
+          <a:p>
+            <a:pPr marL="285750" lvl="0" indent="-285750" algn="l">
+              <a:spcBef>
+                <a:spcPts val="0"/>
+              </a:spcBef>
+              <a:spcAft>
+                <a:spcPts val="0"/>
+              </a:spcAft>
+              <a:buSzPct val="100000"/>
+              <a:buChar char="-"/>
+              <a:defRPr sz="1800" b="0" i="0" u="none" strike="noStrike" kern="0" cap="none" spc="0" baseline="0">
+                <a:solidFill>
+                  <a:srgbClr val="000000"/>
+                </a:solidFill>
+                <a:uFillTx/>
+              </a:defRPr>
+            </a:pPr>
+            <a:r>
+              <a:rPr lang="es-ES" dirty="0">
+                <a:solidFill>
+                  <a:srgbClr val="000000"/>
+                </a:solidFill>
+                <a:latin typeface="Corbel" panose="020B0503020204020204" pitchFamily="34" charset="0"/>
+              </a:rPr>
+              <a:t>NIVEL MEDIO DE LENGUA DE PAIS DE DESTINO </a:t>
+            </a:r>
+          </a:p>
+          <a:p>
+            <a:pPr marL="285750" lvl="0" indent="-285750" algn="l">
+              <a:spcBef>
+                <a:spcPts val="0"/>
+              </a:spcBef>
+              <a:spcAft>
+                <a:spcPts val="0"/>
+              </a:spcAft>
+              <a:buSzPct val="100000"/>
+              <a:buChar char="-"/>
+              <a:defRPr sz="1800" b="0" i="0" u="none" strike="noStrike" kern="0" cap="none" spc="0" baseline="0">
+                <a:solidFill>
+                  <a:srgbClr val="000000"/>
+                </a:solidFill>
+                <a:uFillTx/>
+              </a:defRPr>
+            </a:pPr>
+            <a:endParaRPr lang="es-ES" dirty="0">
+              <a:solidFill>
+                <a:srgbClr val="000000"/>
+              </a:solidFill>
+              <a:latin typeface="Corbel" panose="020B0503020204020204" pitchFamily="34" charset="0"/>
+            </a:endParaRPr>
+          </a:p>
+          <a:p>
+            <a:pPr marL="285750" lvl="0" indent="-285750" algn="l">
+              <a:spcBef>
+                <a:spcPts val="0"/>
+              </a:spcBef>
+              <a:spcAft>
+                <a:spcPts val="0"/>
+              </a:spcAft>
+              <a:buSzPct val="100000"/>
+              <a:buChar char="-"/>
+              <a:defRPr sz="1800" b="0" i="0" u="none" strike="noStrike" kern="0" cap="none" spc="0" baseline="0">
+                <a:solidFill>
+                  <a:srgbClr val="000000"/>
+                </a:solidFill>
+                <a:uFillTx/>
+              </a:defRPr>
+            </a:pPr>
+            <a:endParaRPr lang="es-ES" dirty="0">
+              <a:solidFill>
+                <a:srgbClr val="000000"/>
+              </a:solidFill>
+              <a:latin typeface="Corbel" panose="020B0503020204020204" pitchFamily="34" charset="0"/>
+            </a:endParaRPr>
+          </a:p>
+          <a:p>
+            <a:pPr marL="285750" lvl="0" indent="-285750" algn="l">
+              <a:spcBef>
+                <a:spcPts val="0"/>
+              </a:spcBef>
+              <a:spcAft>
+                <a:spcPts val="0"/>
+              </a:spcAft>
+              <a:buSzPct val="100000"/>
+              <a:buChar char="-"/>
+              <a:defRPr sz="1800" b="0" i="0" u="none" strike="noStrike" kern="0" cap="none" spc="0" baseline="0">
+                <a:solidFill>
+                  <a:srgbClr val="000000"/>
+                </a:solidFill>
+                <a:uFillTx/>
+              </a:defRPr>
+            </a:pPr>
+            <a:endParaRPr lang="es-ES" dirty="0">
+              <a:solidFill>
+                <a:srgbClr val="000000"/>
+              </a:solidFill>
+              <a:latin typeface="Corbel" panose="020B0503020204020204" pitchFamily="34" charset="0"/>
+            </a:endParaRPr>
+          </a:p>
+          <a:p>
+            <a:pPr lvl="0" algn="l">
+              <a:spcBef>
+                <a:spcPts val="0"/>
+              </a:spcBef>
+              <a:spcAft>
+                <a:spcPts val="0"/>
+              </a:spcAft>
+              <a:defRPr sz="1800" b="0" i="0" u="none" strike="noStrike" kern="0" cap="none" spc="0" baseline="0">
+                <a:solidFill>
+                  <a:srgbClr val="000000"/>
+                </a:solidFill>
+                <a:uFillTx/>
+              </a:defRPr>
+            </a:pPr>
+            <a:r>
+              <a:rPr lang="es-ES" dirty="0">
+                <a:solidFill>
+                  <a:srgbClr val="000000"/>
+                </a:solidFill>
+                <a:latin typeface="Corbel" panose="020B0503020204020204" pitchFamily="34" charset="0"/>
+              </a:rPr>
+              <a:t>BECAS SICUE</a:t>
+            </a:r>
+          </a:p>
+          <a:p>
+            <a:pPr lvl="0" algn="l">
+              <a:spcBef>
+                <a:spcPts val="0"/>
+              </a:spcBef>
+              <a:spcAft>
+                <a:spcPts val="0"/>
+              </a:spcAft>
+              <a:defRPr sz="1800" b="0" i="0" u="none" strike="noStrike" kern="0" cap="none" spc="0" baseline="0">
+                <a:solidFill>
+                  <a:srgbClr val="000000"/>
+                </a:solidFill>
+                <a:uFillTx/>
+              </a:defRPr>
+            </a:pPr>
+            <a:endParaRPr lang="es-ES" dirty="0">
+              <a:solidFill>
+                <a:srgbClr val="000000"/>
+              </a:solidFill>
+              <a:latin typeface="Corbel" panose="020B0503020204020204" pitchFamily="34" charset="0"/>
+            </a:endParaRPr>
+          </a:p>
+          <a:p>
+            <a:pPr marL="285750" lvl="0" indent="-285750" algn="l">
+              <a:spcBef>
+                <a:spcPts val="0"/>
+              </a:spcBef>
+              <a:spcAft>
+                <a:spcPts val="0"/>
+              </a:spcAft>
+              <a:buSzPct val="100000"/>
+              <a:buChar char="-"/>
+              <a:defRPr sz="1800" b="0" i="0" u="none" strike="noStrike" kern="0" cap="none" spc="0" baseline="0">
+                <a:solidFill>
+                  <a:srgbClr val="000000"/>
+                </a:solidFill>
+                <a:uFillTx/>
+              </a:defRPr>
+            </a:pPr>
+            <a:r>
+              <a:rPr lang="es-ES" dirty="0">
+                <a:solidFill>
+                  <a:srgbClr val="000000"/>
+                </a:solidFill>
+                <a:latin typeface="Corbel" panose="020B0503020204020204" pitchFamily="34" charset="0"/>
+              </a:rPr>
+              <a:t>NOTA MEDIA </a:t>
+            </a:r>
+          </a:p>
+          <a:p>
+            <a:pPr marL="285750" lvl="0" indent="-285750" algn="l">
+              <a:spcBef>
+                <a:spcPts val="0"/>
+              </a:spcBef>
+              <a:spcAft>
+                <a:spcPts val="0"/>
+              </a:spcAft>
+              <a:buSzPct val="100000"/>
+              <a:buChar char="-"/>
+              <a:defRPr sz="1800" b="0" i="0" u="none" strike="noStrike" kern="0" cap="none" spc="0" baseline="0">
+                <a:solidFill>
+                  <a:srgbClr val="000000"/>
+                </a:solidFill>
+                <a:uFillTx/>
+              </a:defRPr>
+            </a:pPr>
+            <a:endParaRPr lang="es-ES" dirty="0">
+              <a:solidFill>
+                <a:srgbClr val="000000"/>
+              </a:solidFill>
+              <a:latin typeface="Corbel" panose="020B0503020204020204" pitchFamily="34" charset="0"/>
+            </a:endParaRPr>
+          </a:p>
+          <a:p>
+            <a:pPr marL="285750" lvl="0" indent="-285750" algn="l">
+              <a:spcBef>
+                <a:spcPts val="0"/>
+              </a:spcBef>
+              <a:spcAft>
+                <a:spcPts val="0"/>
+              </a:spcAft>
+              <a:buSzPct val="100000"/>
+              <a:buChar char="-"/>
+              <a:defRPr sz="1800" b="0" i="0" u="none" strike="noStrike" kern="0" cap="none" spc="0" baseline="0">
+                <a:solidFill>
+                  <a:srgbClr val="000000"/>
+                </a:solidFill>
+                <a:uFillTx/>
+              </a:defRPr>
+            </a:pPr>
+            <a:r>
+              <a:rPr lang="es-ES" dirty="0">
+                <a:solidFill>
+                  <a:srgbClr val="000000"/>
+                </a:solidFill>
+                <a:latin typeface="Corbel" panose="020B0503020204020204" pitchFamily="34" charset="0"/>
+              </a:rPr>
+              <a:t>NUMERO DE CREDITOS APROBADOS</a:t>
+            </a:r>
+          </a:p>
+          <a:p>
+            <a:pPr marL="285750" lvl="0" indent="-285750" algn="l">
+              <a:spcBef>
+                <a:spcPts val="0"/>
+              </a:spcBef>
+              <a:spcAft>
+                <a:spcPts val="0"/>
+              </a:spcAft>
+              <a:buSzPct val="100000"/>
+              <a:buChar char="-"/>
+              <a:defRPr sz="1800" b="0" i="0" u="none" strike="noStrike" kern="0" cap="none" spc="0" baseline="0">
+                <a:solidFill>
+                  <a:srgbClr val="000000"/>
+                </a:solidFill>
+                <a:uFillTx/>
+              </a:defRPr>
+            </a:pPr>
+            <a:endParaRPr lang="es-ES" dirty="0">
+              <a:solidFill>
+                <a:srgbClr val="000000"/>
+              </a:solidFill>
+              <a:latin typeface="Corbel" panose="020B0503020204020204" pitchFamily="34" charset="0"/>
+            </a:endParaRPr>
+          </a:p>
+          <a:p>
+            <a:pPr marL="285750" lvl="0" indent="-285750" algn="l">
+              <a:spcBef>
+                <a:spcPts val="0"/>
+              </a:spcBef>
+              <a:spcAft>
+                <a:spcPts val="0"/>
+              </a:spcAft>
+              <a:buSzPct val="100000"/>
+              <a:buChar char="-"/>
+              <a:defRPr sz="1800" b="0" i="0" u="none" strike="noStrike" kern="0" cap="none" spc="0" baseline="0">
+                <a:solidFill>
+                  <a:srgbClr val="000000"/>
+                </a:solidFill>
+                <a:uFillTx/>
+              </a:defRPr>
+            </a:pPr>
+            <a:r>
+              <a:rPr lang="es-ES" dirty="0">
+                <a:solidFill>
+                  <a:srgbClr val="000000"/>
+                </a:solidFill>
+                <a:latin typeface="Corbel" panose="020B0503020204020204" pitchFamily="34" charset="0"/>
+              </a:rPr>
+              <a:t>ASIGNATURAS OBLIGATORIAS DEL GRADO </a:t>
+            </a:r>
+          </a:p>
+          <a:p>
+            <a:endParaRPr lang="es-ES" dirty="0"/>
+          </a:p>
+        </p:txBody>
+      </p:sp>
+      <p:pic>
+        <p:nvPicPr>
+          <p:cNvPr id="6" name="Imagen 5">
+            <a:extLst>
+              <a:ext uri="{FF2B5EF4-FFF2-40B4-BE49-F238E27FC236}">
+                <a16:creationId xmlns:a16="http://schemas.microsoft.com/office/drawing/2014/main" id="{10E9D202-42D8-4B49-B526-6F7784B9DF53}"/>
+              </a:ext>
+            </a:extLst>
+          </p:cNvPr>
+          <p:cNvPicPr>
+            <a:picLocks noChangeAspect="1"/>
+          </p:cNvPicPr>
+          <p:nvPr/>
+        </p:nvPicPr>
+        <p:blipFill>
+          <a:blip r:embed="rId3"/>
+          <a:stretch>
+            <a:fillRect/>
+          </a:stretch>
+        </p:blipFill>
+        <p:spPr>
+          <a:xfrm>
+            <a:off x="7158569" y="2977222"/>
+            <a:ext cx="3140533" cy="3038568"/>
+          </a:xfrm>
+          <a:prstGeom prst="rect">
+            <a:avLst/>
+          </a:prstGeom>
+        </p:spPr>
+      </p:pic>
+    </p:spTree>
+    <p:extLst>
+      <p:ext uri="{BB962C8B-B14F-4D97-AF65-F5344CB8AC3E}">
+        <p14:creationId xmlns:p14="http://schemas.microsoft.com/office/powerpoint/2010/main" val="1759327517"/>
+      </p:ext>
+    </p:extLst>
+  </p:cSld>
+  <p:clrMapOvr>
+    <a:masterClrMapping/>
+  </p:clrMapOvr>
+</p:sld>
+</file>
+
+<file path=ppt/slides/slide26.xml><?xml version="1.0" encoding="utf-8"?>
+<p:sld xmlns:a="http://schemas.openxmlformats.org/drawingml/2006/main" xmlns:r="http://schemas.openxmlformats.org/officeDocument/2006/relationships" xmlns:p="http://schemas.openxmlformats.org/presentationml/2006/main">
+  <p:cSld>
+    <p:bg>
+      <p:bgPr>
+        <a:blipFill rotWithShape="1">
+          <a:blip r:embed="rId2">
+            <a:duotone>
+              <a:schemeClr val="bg2">
+                <a:shade val="76000"/>
+                <a:satMod val="180000"/>
+              </a:schemeClr>
+              <a:schemeClr val="bg2">
+                <a:tint val="80000"/>
+                <a:satMod val="120000"/>
+                <a:lumMod val="180000"/>
+              </a:schemeClr>
+            </a:duotone>
+            <a:extLst/>
+          </a:blip>
+          <a:stretch/>
+        </a:blipFill>
+        <a:effectLst/>
+      </p:bgPr>
+    </p:bg>
+    <p:spTree>
+      <p:nvGrpSpPr>
+        <p:cNvPr id="1" name=""/>
+        <p:cNvGrpSpPr/>
+        <p:nvPr/>
+      </p:nvGrpSpPr>
+      <p:grpSpPr>
+        <a:xfrm>
+          <a:off x="0" y="0"/>
+          <a:ext cx="0" cy="0"/>
+          <a:chOff x="0" y="0"/>
+          <a:chExt cx="0" cy="0"/>
+        </a:xfrm>
+      </p:grpSpPr>
+      <p:grpSp>
+        <p:nvGrpSpPr>
+          <p:cNvPr id="25" name="Group 9">
+            <a:extLst>
+              <a:ext uri="{FF2B5EF4-FFF2-40B4-BE49-F238E27FC236}">
+                <a16:creationId xmlns:a16="http://schemas.microsoft.com/office/drawing/2014/main" id="{260ACC13-B825-49F3-93DE-C8B8F2FA37A1}"/>
+              </a:ext>
+            </a:extLst>
+          </p:cNvPr>
+          <p:cNvGrpSpPr>
+            <a:grpSpLocks noGrp="1" noUngrp="1" noRot="1" noChangeAspect="1" noMove="1" noResize="1"/>
+          </p:cNvGrpSpPr>
+          <p:nvPr>
+            <p:extLst>
+              <p:ext uri="{386F3935-93C4-4BCD-93E2-E3B085C9AB24}">
+                <p16:designElem xmlns:p16="http://schemas.microsoft.com/office/powerpoint/2015/main" val="1"/>
+              </p:ext>
+            </p:extLst>
+          </p:nvPr>
+        </p:nvGrpSpPr>
+        <p:grpSpPr>
+          <a:xfrm>
+            <a:off x="150812" y="0"/>
+            <a:ext cx="2436813" cy="6858001"/>
+            <a:chOff x="1320800" y="0"/>
+            <a:chExt cx="2436813" cy="6858001"/>
+          </a:xfrm>
+        </p:grpSpPr>
+        <p:sp>
+          <p:nvSpPr>
+            <p:cNvPr id="11" name="Freeform 6">
+              <a:extLst>
+                <a:ext uri="{FF2B5EF4-FFF2-40B4-BE49-F238E27FC236}">
+                  <a16:creationId xmlns:a16="http://schemas.microsoft.com/office/drawing/2014/main" id="{F947B31F-CA03-4793-845D-FD86BABC1A18}"/>
+                </a:ext>
+              </a:extLst>
+            </p:cNvPr>
+            <p:cNvSpPr/>
+            <p:nvPr>
+              <p:extLst>
+                <p:ext uri="{386F3935-93C4-4BCD-93E2-E3B085C9AB24}">
+                  <p16:designElem xmlns:p16="http://schemas.microsoft.com/office/powerpoint/2015/main" val="1"/>
+                </p:ext>
+              </p:extLst>
+            </p:nvPr>
+          </p:nvSpPr>
+          <p:spPr bwMode="auto">
+            <a:xfrm>
+              <a:off x="1627188" y="0"/>
+              <a:ext cx="1122363" cy="5329238"/>
+            </a:xfrm>
+            <a:custGeom>
+              <a:avLst/>
+              <a:gdLst/>
+              <a:ahLst/>
+              <a:cxnLst/>
+              <a:rect l="0" t="0" r="r" b="b"/>
+              <a:pathLst>
+                <a:path w="707" h="3357">
+                  <a:moveTo>
+                    <a:pt x="0" y="3330"/>
+                  </a:moveTo>
+                  <a:lnTo>
+                    <a:pt x="156" y="3357"/>
+                  </a:lnTo>
+                  <a:lnTo>
+                    <a:pt x="707" y="0"/>
+                  </a:lnTo>
+                  <a:lnTo>
+                    <a:pt x="547" y="0"/>
+                  </a:lnTo>
+                  <a:lnTo>
+                    <a:pt x="0" y="3330"/>
+                  </a:lnTo>
+                  <a:close/>
+                </a:path>
+              </a:pathLst>
+            </a:custGeom>
+            <a:solidFill>
+              <a:schemeClr val="accent1"/>
+            </a:solidFill>
+            <a:ln>
+              <a:noFill/>
+            </a:ln>
+          </p:spPr>
+        </p:sp>
+        <p:sp>
+          <p:nvSpPr>
+            <p:cNvPr id="12" name="Freeform 7">
+              <a:extLst>
+                <a:ext uri="{FF2B5EF4-FFF2-40B4-BE49-F238E27FC236}">
+                  <a16:creationId xmlns:a16="http://schemas.microsoft.com/office/drawing/2014/main" id="{DCDDE94D-F78C-4A48-AEA6-E922FC99A159}"/>
+                </a:ext>
+              </a:extLst>
+            </p:cNvPr>
+            <p:cNvSpPr/>
+            <p:nvPr>
+              <p:extLst>
+                <p:ext uri="{386F3935-93C4-4BCD-93E2-E3B085C9AB24}">
+                  <p16:designElem xmlns:p16="http://schemas.microsoft.com/office/powerpoint/2015/main" val="1"/>
+                </p:ext>
+              </p:extLst>
+            </p:nvPr>
+          </p:nvSpPr>
+          <p:spPr bwMode="auto">
+            <a:xfrm>
+              <a:off x="1320800" y="0"/>
+              <a:ext cx="1117600" cy="5276850"/>
+            </a:xfrm>
+            <a:custGeom>
+              <a:avLst/>
+              <a:gdLst/>
+              <a:ahLst/>
+              <a:cxnLst/>
+              <a:rect l="0" t="0" r="r" b="b"/>
+              <a:pathLst>
+                <a:path w="704" h="3324">
+                  <a:moveTo>
+                    <a:pt x="704" y="0"/>
+                  </a:moveTo>
+                  <a:lnTo>
+                    <a:pt x="545" y="0"/>
+                  </a:lnTo>
+                  <a:lnTo>
+                    <a:pt x="0" y="3300"/>
+                  </a:lnTo>
+                  <a:lnTo>
+                    <a:pt x="157" y="3324"/>
+                  </a:lnTo>
+                  <a:lnTo>
+                    <a:pt x="704" y="0"/>
+                  </a:lnTo>
+                  <a:close/>
+                </a:path>
+              </a:pathLst>
+            </a:custGeom>
+            <a:solidFill>
+              <a:schemeClr val="tx1">
+                <a:lumMod val="65000"/>
+                <a:lumOff val="35000"/>
+              </a:schemeClr>
+            </a:solidFill>
+            <a:ln>
+              <a:noFill/>
+            </a:ln>
+          </p:spPr>
+        </p:sp>
+        <p:sp>
+          <p:nvSpPr>
+            <p:cNvPr id="13" name="Freeform 8">
+              <a:extLst>
+                <a:ext uri="{FF2B5EF4-FFF2-40B4-BE49-F238E27FC236}">
+                  <a16:creationId xmlns:a16="http://schemas.microsoft.com/office/drawing/2014/main" id="{3445A886-F3CA-4DE4-90D7-535F9707B799}"/>
+                </a:ext>
+              </a:extLst>
+            </p:cNvPr>
+            <p:cNvSpPr/>
+            <p:nvPr>
+              <p:extLst>
+                <p:ext uri="{386F3935-93C4-4BCD-93E2-E3B085C9AB24}">
+                  <p16:designElem xmlns:p16="http://schemas.microsoft.com/office/powerpoint/2015/main" val="1"/>
+                </p:ext>
+              </p:extLst>
+            </p:nvPr>
+          </p:nvSpPr>
+          <p:spPr bwMode="auto">
+            <a:xfrm>
+              <a:off x="1320800" y="5238750"/>
+              <a:ext cx="1228725" cy="1619250"/>
+            </a:xfrm>
+            <a:custGeom>
+              <a:avLst/>
+              <a:gdLst/>
+              <a:ahLst/>
+              <a:cxnLst/>
+              <a:rect l="0" t="0" r="r" b="b"/>
+              <a:pathLst>
+                <a:path w="774" h="1020">
+                  <a:moveTo>
+                    <a:pt x="0" y="0"/>
+                  </a:moveTo>
+                  <a:lnTo>
+                    <a:pt x="740" y="1020"/>
+                  </a:lnTo>
+                  <a:lnTo>
+                    <a:pt x="774" y="1020"/>
+                  </a:lnTo>
+                  <a:lnTo>
+                    <a:pt x="0" y="0"/>
+                  </a:lnTo>
+                  <a:close/>
+                </a:path>
+              </a:pathLst>
+            </a:custGeom>
+            <a:solidFill>
+              <a:schemeClr val="tx1">
+                <a:lumMod val="85000"/>
+                <a:lumOff val="15000"/>
+              </a:schemeClr>
+            </a:solidFill>
+            <a:ln>
+              <a:noFill/>
+            </a:ln>
+          </p:spPr>
+        </p:sp>
+        <p:sp>
+          <p:nvSpPr>
+            <p:cNvPr id="14" name="Freeform 9">
+              <a:extLst>
+                <a:ext uri="{FF2B5EF4-FFF2-40B4-BE49-F238E27FC236}">
+                  <a16:creationId xmlns:a16="http://schemas.microsoft.com/office/drawing/2014/main" id="{A8999CB6-C053-418B-AE37-E470804D251D}"/>
+                </a:ext>
+              </a:extLst>
+            </p:cNvPr>
+            <p:cNvSpPr/>
+            <p:nvPr>
+              <p:extLst>
+                <p:ext uri="{386F3935-93C4-4BCD-93E2-E3B085C9AB24}">
+                  <p16:designElem xmlns:p16="http://schemas.microsoft.com/office/powerpoint/2015/main" val="1"/>
+                </p:ext>
+              </p:extLst>
+            </p:nvPr>
+          </p:nvSpPr>
+          <p:spPr bwMode="auto">
+            <a:xfrm>
+              <a:off x="1627188" y="5291138"/>
+              <a:ext cx="1495425" cy="1566863"/>
+            </a:xfrm>
+            <a:custGeom>
+              <a:avLst/>
+              <a:gdLst/>
+              <a:ahLst/>
+              <a:cxnLst/>
+              <a:rect l="0" t="0" r="r" b="b"/>
+              <a:pathLst>
+                <a:path w="942" h="987">
+                  <a:moveTo>
+                    <a:pt x="0" y="0"/>
+                  </a:moveTo>
+                  <a:lnTo>
+                    <a:pt x="909" y="987"/>
+                  </a:lnTo>
+                  <a:lnTo>
+                    <a:pt x="942" y="987"/>
+                  </a:lnTo>
+                  <a:lnTo>
+                    <a:pt x="0" y="0"/>
+                  </a:lnTo>
+                  <a:close/>
+                </a:path>
+              </a:pathLst>
+            </a:custGeom>
+            <a:solidFill>
+              <a:schemeClr val="accent1">
+                <a:lumMod val="50000"/>
+              </a:schemeClr>
+            </a:solidFill>
+            <a:ln>
+              <a:noFill/>
+            </a:ln>
+          </p:spPr>
+        </p:sp>
+        <p:sp>
+          <p:nvSpPr>
+            <p:cNvPr id="15" name="Freeform 10">
+              <a:extLst>
+                <a:ext uri="{FF2B5EF4-FFF2-40B4-BE49-F238E27FC236}">
+                  <a16:creationId xmlns:a16="http://schemas.microsoft.com/office/drawing/2014/main" id="{81EA3E26-BFCD-4396-AE8A-2A9828BFFBA2}"/>
+                </a:ext>
+              </a:extLst>
+            </p:cNvPr>
+            <p:cNvSpPr/>
+            <p:nvPr>
+              <p:extLst>
+                <p:ext uri="{386F3935-93C4-4BCD-93E2-E3B085C9AB24}">
+                  <p16:designElem xmlns:p16="http://schemas.microsoft.com/office/powerpoint/2015/main" val="1"/>
+                </p:ext>
+              </p:extLst>
+            </p:nvPr>
+          </p:nvSpPr>
+          <p:spPr bwMode="auto">
+            <a:xfrm>
+              <a:off x="1627188" y="5286375"/>
+              <a:ext cx="2130425" cy="1571625"/>
+            </a:xfrm>
+            <a:custGeom>
+              <a:avLst/>
+              <a:gdLst/>
+              <a:ahLst/>
+              <a:cxnLst/>
+              <a:rect l="0" t="0" r="r" b="b"/>
+              <a:pathLst>
+                <a:path w="1342" h="990">
+                  <a:moveTo>
+                    <a:pt x="0" y="3"/>
+                  </a:moveTo>
+                  <a:lnTo>
+                    <a:pt x="942" y="990"/>
+                  </a:lnTo>
+                  <a:lnTo>
+                    <a:pt x="1342" y="990"/>
+                  </a:lnTo>
+                  <a:lnTo>
+                    <a:pt x="156" y="27"/>
+                  </a:lnTo>
+                  <a:lnTo>
+                    <a:pt x="0" y="0"/>
+                  </a:lnTo>
+                  <a:lnTo>
+                    <a:pt x="0" y="3"/>
+                  </a:lnTo>
+                  <a:close/>
+                </a:path>
+              </a:pathLst>
+            </a:custGeom>
+            <a:solidFill>
+              <a:schemeClr val="accent1">
+                <a:lumMod val="75000"/>
+              </a:schemeClr>
+            </a:solidFill>
+            <a:ln>
+              <a:noFill/>
+            </a:ln>
+          </p:spPr>
+        </p:sp>
+        <p:sp>
+          <p:nvSpPr>
+            <p:cNvPr id="16" name="Freeform 11">
+              <a:extLst>
+                <a:ext uri="{FF2B5EF4-FFF2-40B4-BE49-F238E27FC236}">
+                  <a16:creationId xmlns:a16="http://schemas.microsoft.com/office/drawing/2014/main" id="{5F9BC582-73A6-4D8A-8738-E36476489351}"/>
+                </a:ext>
+              </a:extLst>
+            </p:cNvPr>
+            <p:cNvSpPr/>
+            <p:nvPr>
+              <p:extLst>
+                <p:ext uri="{386F3935-93C4-4BCD-93E2-E3B085C9AB24}">
+                  <p16:designElem xmlns:p16="http://schemas.microsoft.com/office/powerpoint/2015/main" val="1"/>
+                </p:ext>
+              </p:extLst>
+            </p:nvPr>
+          </p:nvSpPr>
+          <p:spPr bwMode="auto">
+            <a:xfrm>
+              <a:off x="1320800" y="5238750"/>
+              <a:ext cx="1695450" cy="1619250"/>
+            </a:xfrm>
+            <a:custGeom>
+              <a:avLst/>
+              <a:gdLst/>
+              <a:ahLst/>
+              <a:cxnLst/>
+              <a:rect l="0" t="0" r="r" b="b"/>
+              <a:pathLst>
+                <a:path w="1068" h="1020">
+                  <a:moveTo>
+                    <a:pt x="1068" y="1020"/>
+                  </a:moveTo>
+                  <a:lnTo>
+                    <a:pt x="184" y="60"/>
+                  </a:lnTo>
+                  <a:lnTo>
+                    <a:pt x="154" y="27"/>
+                  </a:lnTo>
+                  <a:lnTo>
+                    <a:pt x="157" y="27"/>
+                  </a:lnTo>
+                  <a:lnTo>
+                    <a:pt x="157" y="24"/>
+                  </a:lnTo>
+                  <a:lnTo>
+                    <a:pt x="154" y="24"/>
+                  </a:lnTo>
+                  <a:lnTo>
+                    <a:pt x="0" y="0"/>
+                  </a:lnTo>
+                  <a:lnTo>
+                    <a:pt x="0" y="0"/>
+                  </a:lnTo>
+                  <a:lnTo>
+                    <a:pt x="774" y="1020"/>
+                  </a:lnTo>
+                  <a:lnTo>
+                    <a:pt x="1068" y="1020"/>
+                  </a:lnTo>
+                  <a:close/>
+                </a:path>
+              </a:pathLst>
+            </a:custGeom>
+            <a:solidFill>
+              <a:schemeClr val="tx1">
+                <a:lumMod val="75000"/>
+                <a:lumOff val="25000"/>
+              </a:schemeClr>
+            </a:solidFill>
+            <a:ln>
+              <a:noFill/>
+            </a:ln>
+          </p:spPr>
+        </p:sp>
+      </p:grpSp>
+      <p:grpSp>
+        <p:nvGrpSpPr>
+          <p:cNvPr id="18" name="Group 17">
+            <a:extLst>
+              <a:ext uri="{FF2B5EF4-FFF2-40B4-BE49-F238E27FC236}">
+                <a16:creationId xmlns:a16="http://schemas.microsoft.com/office/drawing/2014/main" id="{A2E861A3-F23C-46B8-A38A-4A22E453D993}"/>
+              </a:ext>
+            </a:extLst>
+          </p:cNvPr>
+          <p:cNvGrpSpPr>
+            <a:grpSpLocks noGrp="1" noUngrp="1" noRot="1" noChangeAspect="1" noMove="1" noResize="1"/>
+          </p:cNvGrpSpPr>
+          <p:nvPr>
+            <p:extLst>
+              <p:ext uri="{386F3935-93C4-4BCD-93E2-E3B085C9AB24}">
+                <p16:designElem xmlns:p16="http://schemas.microsoft.com/office/powerpoint/2015/main" val="1"/>
+              </p:ext>
+            </p:extLst>
+          </p:nvPr>
+        </p:nvGrpSpPr>
+        <p:grpSpPr>
+          <a:xfrm>
+            <a:off x="150812" y="0"/>
+            <a:ext cx="2436813" cy="6858001"/>
+            <a:chOff x="1320800" y="0"/>
+            <a:chExt cx="2436813" cy="6858001"/>
+          </a:xfrm>
+        </p:grpSpPr>
+        <p:sp>
+          <p:nvSpPr>
+            <p:cNvPr id="19" name="Freeform 6">
+              <a:extLst>
+                <a:ext uri="{FF2B5EF4-FFF2-40B4-BE49-F238E27FC236}">
+                  <a16:creationId xmlns:a16="http://schemas.microsoft.com/office/drawing/2014/main" id="{8BC3D220-643B-4160-B5A9-59DF5D21F410}"/>
+                </a:ext>
+              </a:extLst>
+            </p:cNvPr>
+            <p:cNvSpPr/>
+            <p:nvPr>
+              <p:extLst>
+                <p:ext uri="{386F3935-93C4-4BCD-93E2-E3B085C9AB24}">
+                  <p16:designElem xmlns:p16="http://schemas.microsoft.com/office/powerpoint/2015/main" val="1"/>
+                </p:ext>
+              </p:extLst>
+            </p:nvPr>
+          </p:nvSpPr>
+          <p:spPr bwMode="auto">
+            <a:xfrm>
+              <a:off x="1627188" y="0"/>
+              <a:ext cx="1122363" cy="5329238"/>
+            </a:xfrm>
+            <a:custGeom>
+              <a:avLst/>
+              <a:gdLst/>
+              <a:ahLst/>
+              <a:cxnLst/>
+              <a:rect l="0" t="0" r="r" b="b"/>
+              <a:pathLst>
+                <a:path w="707" h="3357">
+                  <a:moveTo>
+                    <a:pt x="0" y="3330"/>
+                  </a:moveTo>
+                  <a:lnTo>
+                    <a:pt x="156" y="3357"/>
+                  </a:lnTo>
+                  <a:lnTo>
+                    <a:pt x="707" y="0"/>
+                  </a:lnTo>
+                  <a:lnTo>
+                    <a:pt x="547" y="0"/>
+                  </a:lnTo>
+                  <a:lnTo>
+                    <a:pt x="0" y="3330"/>
+                  </a:lnTo>
+                  <a:close/>
+                </a:path>
+              </a:pathLst>
+            </a:custGeom>
+            <a:solidFill>
+              <a:schemeClr val="accent1"/>
+            </a:solidFill>
+            <a:ln>
+              <a:noFill/>
+            </a:ln>
+          </p:spPr>
+        </p:sp>
+        <p:sp>
+          <p:nvSpPr>
+            <p:cNvPr id="20" name="Freeform 7">
+              <a:extLst>
+                <a:ext uri="{FF2B5EF4-FFF2-40B4-BE49-F238E27FC236}">
+                  <a16:creationId xmlns:a16="http://schemas.microsoft.com/office/drawing/2014/main" id="{B92237DE-D518-4625-8392-66D7084588A0}"/>
+                </a:ext>
+              </a:extLst>
+            </p:cNvPr>
+            <p:cNvSpPr/>
+            <p:nvPr>
+              <p:extLst>
+                <p:ext uri="{386F3935-93C4-4BCD-93E2-E3B085C9AB24}">
+                  <p16:designElem xmlns:p16="http://schemas.microsoft.com/office/powerpoint/2015/main" val="1"/>
+                </p:ext>
+              </p:extLst>
+            </p:nvPr>
+          </p:nvSpPr>
+          <p:spPr bwMode="auto">
+            <a:xfrm>
+              <a:off x="1320800" y="0"/>
+              <a:ext cx="1117600" cy="5276850"/>
+            </a:xfrm>
+            <a:custGeom>
+              <a:avLst/>
+              <a:gdLst/>
+              <a:ahLst/>
+              <a:cxnLst/>
+              <a:rect l="0" t="0" r="r" b="b"/>
+              <a:pathLst>
+                <a:path w="704" h="3324">
+                  <a:moveTo>
+                    <a:pt x="704" y="0"/>
+                  </a:moveTo>
+                  <a:lnTo>
+                    <a:pt x="545" y="0"/>
+                  </a:lnTo>
+                  <a:lnTo>
+                    <a:pt x="0" y="3300"/>
+                  </a:lnTo>
+                  <a:lnTo>
+                    <a:pt x="157" y="3324"/>
+                  </a:lnTo>
+                  <a:lnTo>
+                    <a:pt x="704" y="0"/>
+                  </a:lnTo>
+                  <a:close/>
+                </a:path>
+              </a:pathLst>
+            </a:custGeom>
+            <a:solidFill>
+              <a:schemeClr val="tx1">
+                <a:lumMod val="65000"/>
+                <a:lumOff val="35000"/>
+              </a:schemeClr>
+            </a:solidFill>
+            <a:ln>
+              <a:noFill/>
+            </a:ln>
+          </p:spPr>
+        </p:sp>
+        <p:sp>
+          <p:nvSpPr>
+            <p:cNvPr id="21" name="Freeform 8">
+              <a:extLst>
+                <a:ext uri="{FF2B5EF4-FFF2-40B4-BE49-F238E27FC236}">
+                  <a16:creationId xmlns:a16="http://schemas.microsoft.com/office/drawing/2014/main" id="{F290F0DD-E80A-4263-94E1-A41F57D84CC5}"/>
+                </a:ext>
+              </a:extLst>
+            </p:cNvPr>
+            <p:cNvSpPr/>
+            <p:nvPr>
+              <p:extLst>
+                <p:ext uri="{386F3935-93C4-4BCD-93E2-E3B085C9AB24}">
+                  <p16:designElem xmlns:p16="http://schemas.microsoft.com/office/powerpoint/2015/main" val="1"/>
+                </p:ext>
+              </p:extLst>
+            </p:nvPr>
+          </p:nvSpPr>
+          <p:spPr bwMode="auto">
+            <a:xfrm>
+              <a:off x="1320800" y="5238750"/>
+              <a:ext cx="1228725" cy="1619250"/>
+            </a:xfrm>
+            <a:custGeom>
+              <a:avLst/>
+              <a:gdLst/>
+              <a:ahLst/>
+              <a:cxnLst/>
+              <a:rect l="0" t="0" r="r" b="b"/>
+              <a:pathLst>
+                <a:path w="774" h="1020">
+                  <a:moveTo>
+                    <a:pt x="0" y="0"/>
+                  </a:moveTo>
+                  <a:lnTo>
+                    <a:pt x="740" y="1020"/>
+                  </a:lnTo>
+                  <a:lnTo>
+                    <a:pt x="774" y="1020"/>
+                  </a:lnTo>
+                  <a:lnTo>
+                    <a:pt x="0" y="0"/>
+                  </a:lnTo>
+                  <a:close/>
+                </a:path>
+              </a:pathLst>
+            </a:custGeom>
+            <a:solidFill>
+              <a:schemeClr val="tx1">
+                <a:lumMod val="85000"/>
+                <a:lumOff val="15000"/>
+              </a:schemeClr>
+            </a:solidFill>
+            <a:ln>
+              <a:noFill/>
+            </a:ln>
+          </p:spPr>
+        </p:sp>
+        <p:sp>
+          <p:nvSpPr>
+            <p:cNvPr id="22" name="Freeform 9">
+              <a:extLst>
+                <a:ext uri="{FF2B5EF4-FFF2-40B4-BE49-F238E27FC236}">
+                  <a16:creationId xmlns:a16="http://schemas.microsoft.com/office/drawing/2014/main" id="{D78EA7D2-CCEA-435E-873D-36BF0522FFED}"/>
+                </a:ext>
+              </a:extLst>
+            </p:cNvPr>
+            <p:cNvSpPr/>
+            <p:nvPr>
+              <p:extLst>
+                <p:ext uri="{386F3935-93C4-4BCD-93E2-E3B085C9AB24}">
+                  <p16:designElem xmlns:p16="http://schemas.microsoft.com/office/powerpoint/2015/main" val="1"/>
+                </p:ext>
+              </p:extLst>
+            </p:nvPr>
+          </p:nvSpPr>
+          <p:spPr bwMode="auto">
+            <a:xfrm>
+              <a:off x="1627188" y="5291138"/>
+              <a:ext cx="1495425" cy="1566863"/>
+            </a:xfrm>
+            <a:custGeom>
+              <a:avLst/>
+              <a:gdLst/>
+              <a:ahLst/>
+              <a:cxnLst/>
+              <a:rect l="0" t="0" r="r" b="b"/>
+              <a:pathLst>
+                <a:path w="942" h="987">
+                  <a:moveTo>
+                    <a:pt x="0" y="0"/>
+                  </a:moveTo>
+                  <a:lnTo>
+                    <a:pt x="909" y="987"/>
+                  </a:lnTo>
+                  <a:lnTo>
+                    <a:pt x="942" y="987"/>
+                  </a:lnTo>
+                  <a:lnTo>
+                    <a:pt x="0" y="0"/>
+                  </a:lnTo>
+                  <a:close/>
+                </a:path>
+              </a:pathLst>
+            </a:custGeom>
+            <a:solidFill>
+              <a:schemeClr val="accent1">
+                <a:lumMod val="50000"/>
+              </a:schemeClr>
+            </a:solidFill>
+            <a:ln>
+              <a:noFill/>
+            </a:ln>
+          </p:spPr>
+        </p:sp>
+        <p:sp>
+          <p:nvSpPr>
+            <p:cNvPr id="23" name="Freeform 10">
+              <a:extLst>
+                <a:ext uri="{FF2B5EF4-FFF2-40B4-BE49-F238E27FC236}">
+                  <a16:creationId xmlns:a16="http://schemas.microsoft.com/office/drawing/2014/main" id="{9DFA731E-D6BB-42CC-AA05-64023DC81FE6}"/>
+                </a:ext>
+              </a:extLst>
+            </p:cNvPr>
+            <p:cNvSpPr/>
+            <p:nvPr>
+              <p:extLst>
+                <p:ext uri="{386F3935-93C4-4BCD-93E2-E3B085C9AB24}">
+                  <p16:designElem xmlns:p16="http://schemas.microsoft.com/office/powerpoint/2015/main" val="1"/>
+                </p:ext>
+              </p:extLst>
+            </p:nvPr>
+          </p:nvSpPr>
+          <p:spPr bwMode="auto">
+            <a:xfrm>
+              <a:off x="1627188" y="5286375"/>
+              <a:ext cx="2130425" cy="1571625"/>
+            </a:xfrm>
+            <a:custGeom>
+              <a:avLst/>
+              <a:gdLst/>
+              <a:ahLst/>
+              <a:cxnLst/>
+              <a:rect l="0" t="0" r="r" b="b"/>
+              <a:pathLst>
+                <a:path w="1342" h="990">
+                  <a:moveTo>
+                    <a:pt x="0" y="3"/>
+                  </a:moveTo>
+                  <a:lnTo>
+                    <a:pt x="942" y="990"/>
+                  </a:lnTo>
+                  <a:lnTo>
+                    <a:pt x="1342" y="990"/>
+                  </a:lnTo>
+                  <a:lnTo>
+                    <a:pt x="156" y="27"/>
+                  </a:lnTo>
+                  <a:lnTo>
+                    <a:pt x="0" y="0"/>
+                  </a:lnTo>
+                  <a:lnTo>
+                    <a:pt x="0" y="3"/>
+                  </a:lnTo>
+                  <a:close/>
+                </a:path>
+              </a:pathLst>
+            </a:custGeom>
+            <a:solidFill>
+              <a:schemeClr val="accent1">
+                <a:lumMod val="75000"/>
+              </a:schemeClr>
+            </a:solidFill>
+            <a:ln>
+              <a:noFill/>
+            </a:ln>
+          </p:spPr>
+        </p:sp>
+        <p:sp>
+          <p:nvSpPr>
+            <p:cNvPr id="24" name="Freeform 11">
+              <a:extLst>
+                <a:ext uri="{FF2B5EF4-FFF2-40B4-BE49-F238E27FC236}">
+                  <a16:creationId xmlns:a16="http://schemas.microsoft.com/office/drawing/2014/main" id="{B00D0483-90FB-4EB4-9770-CA8A310D503B}"/>
+                </a:ext>
+              </a:extLst>
+            </p:cNvPr>
+            <p:cNvSpPr/>
+            <p:nvPr>
+              <p:extLst>
+                <p:ext uri="{386F3935-93C4-4BCD-93E2-E3B085C9AB24}">
+                  <p16:designElem xmlns:p16="http://schemas.microsoft.com/office/powerpoint/2015/main" val="1"/>
+                </p:ext>
+              </p:extLst>
+            </p:nvPr>
+          </p:nvSpPr>
+          <p:spPr bwMode="auto">
+            <a:xfrm>
+              <a:off x="1320800" y="5238750"/>
+              <a:ext cx="1695450" cy="1619250"/>
+            </a:xfrm>
+            <a:custGeom>
+              <a:avLst/>
+              <a:gdLst/>
+              <a:ahLst/>
+              <a:cxnLst/>
+              <a:rect l="0" t="0" r="r" b="b"/>
+              <a:pathLst>
+                <a:path w="1068" h="1020">
+                  <a:moveTo>
+                    <a:pt x="1068" y="1020"/>
+                  </a:moveTo>
+                  <a:lnTo>
+                    <a:pt x="184" y="60"/>
+                  </a:lnTo>
+                  <a:lnTo>
+                    <a:pt x="154" y="27"/>
+                  </a:lnTo>
+                  <a:lnTo>
+                    <a:pt x="157" y="27"/>
+                  </a:lnTo>
+                  <a:lnTo>
+                    <a:pt x="157" y="24"/>
+                  </a:lnTo>
+                  <a:lnTo>
+                    <a:pt x="154" y="24"/>
+                  </a:lnTo>
+                  <a:lnTo>
+                    <a:pt x="0" y="0"/>
+                  </a:lnTo>
+                  <a:lnTo>
+                    <a:pt x="0" y="0"/>
+                  </a:lnTo>
+                  <a:lnTo>
+                    <a:pt x="774" y="1020"/>
+                  </a:lnTo>
+                  <a:lnTo>
+                    <a:pt x="1068" y="1020"/>
+                  </a:lnTo>
+                  <a:close/>
+                </a:path>
+              </a:pathLst>
+            </a:custGeom>
+            <a:solidFill>
+              <a:schemeClr val="tx1">
+                <a:lumMod val="75000"/>
+                <a:lumOff val="25000"/>
+              </a:schemeClr>
+            </a:solidFill>
+            <a:ln>
+              <a:noFill/>
+            </a:ln>
+          </p:spPr>
+        </p:sp>
+      </p:grpSp>
+      <p:sp>
+        <p:nvSpPr>
+          <p:cNvPr id="26" name="Rounded Rectangle 16">
+            <a:extLst>
+              <a:ext uri="{FF2B5EF4-FFF2-40B4-BE49-F238E27FC236}">
+                <a16:creationId xmlns:a16="http://schemas.microsoft.com/office/drawing/2014/main" id="{DD7EED39-224E-4230-8FD1-B1E1AF6C6E36}"/>
+              </a:ext>
+            </a:extLst>
+          </p:cNvPr>
+          <p:cNvSpPr>
+            <a:spLocks noGrp="1" noRot="1" noChangeAspect="1" noMove="1" noResize="1" noEditPoints="1" noAdjustHandles="1" noChangeArrowheads="1" noChangeShapeType="1" noTextEdit="1"/>
+          </p:cNvSpPr>
+          <p:nvPr>
+            <p:extLst>
+              <p:ext uri="{386F3935-93C4-4BCD-93E2-E3B085C9AB24}">
+                <p16:designElem xmlns:p16="http://schemas.microsoft.com/office/powerpoint/2015/main" val="1"/>
+              </p:ext>
+            </p:extLst>
+          </p:nvPr>
+        </p:nvSpPr>
+        <p:spPr>
+          <a:xfrm>
+            <a:off x="6096000" y="648931"/>
+            <a:ext cx="5407023" cy="5231964"/>
+          </a:xfrm>
+          <a:prstGeom prst="roundRect">
+            <a:avLst>
+              <a:gd name="adj" fmla="val 4834"/>
+            </a:avLst>
+          </a:prstGeom>
+          <a:solidFill>
+            <a:schemeClr val="bg1"/>
+          </a:solidFill>
+          <a:ln w="38100">
+            <a:gradFill flip="none" rotWithShape="1">
+              <a:gsLst>
+                <a:gs pos="0">
+                  <a:schemeClr val="bg2"/>
+                </a:gs>
+                <a:gs pos="100000">
+                  <a:schemeClr val="bg2">
+                    <a:lumMod val="75000"/>
+                  </a:schemeClr>
+                </a:gs>
+              </a:gsLst>
+              <a:lin ang="5400000" scaled="0"/>
+              <a:tileRect/>
+            </a:gradFill>
+          </a:ln>
+          <a:effectLst>
+            <a:innerShdw blurRad="57150" dist="38100" dir="14460000">
+              <a:srgbClr val="000000">
+                <a:alpha val="70000"/>
+              </a:srgbClr>
+            </a:innerShdw>
+          </a:effectLst>
+        </p:spPr>
+        <p:style>
+          <a:lnRef idx="2">
+            <a:schemeClr val="accent1">
+              <a:shade val="50000"/>
+            </a:schemeClr>
+          </a:lnRef>
+          <a:fillRef idx="1">
+            <a:schemeClr val="accent1"/>
+          </a:fillRef>
+          <a:effectRef idx="0">
+            <a:schemeClr val="accent1"/>
+          </a:effectRef>
+          <a:fontRef idx="minor">
+            <a:schemeClr val="lt1"/>
+          </a:fontRef>
+        </p:style>
+        <p:txBody>
+          <a:bodyPr rtlCol="0" anchor="ctr"/>
+          <a:lstStyle/>
+          <a:p>
+            <a:pPr algn="ctr"/>
+            <a:endParaRPr lang="en-US"/>
+          </a:p>
+        </p:txBody>
+      </p:sp>
+      <p:pic>
+        <p:nvPicPr>
+          <p:cNvPr id="5" name="Marcador de contenido 4">
+            <a:extLst>
+              <a:ext uri="{FF2B5EF4-FFF2-40B4-BE49-F238E27FC236}">
+                <a16:creationId xmlns:a16="http://schemas.microsoft.com/office/drawing/2014/main" id="{8F1622F1-3240-439D-85C8-B09D21C0E237}"/>
+              </a:ext>
+            </a:extLst>
+          </p:cNvPr>
+          <p:cNvPicPr>
+            <a:picLocks noGrp="1" noChangeAspect="1"/>
+          </p:cNvPicPr>
+          <p:nvPr>
+            <p:ph idx="1"/>
+          </p:nvPr>
+        </p:nvPicPr>
+        <p:blipFill rotWithShape="1">
+          <a:blip r:embed="rId3"/>
+          <a:srcRect l="15709" r="16730" b="1"/>
+          <a:stretch/>
+        </p:blipFill>
+        <p:spPr>
+          <a:xfrm>
+            <a:off x="6434407" y="1011765"/>
+            <a:ext cx="4744154" cy="4546708"/>
+          </a:xfrm>
+          <a:prstGeom prst="rect">
+            <a:avLst/>
+          </a:prstGeom>
+        </p:spPr>
+      </p:pic>
+      <p:sp>
+        <p:nvSpPr>
+          <p:cNvPr id="2" name="Título 1">
+            <a:extLst>
+              <a:ext uri="{FF2B5EF4-FFF2-40B4-BE49-F238E27FC236}">
+                <a16:creationId xmlns:a16="http://schemas.microsoft.com/office/drawing/2014/main" id="{03D4C93A-1385-4FF7-ADC1-E1AC598A057F}"/>
+              </a:ext>
+            </a:extLst>
+          </p:cNvPr>
+          <p:cNvSpPr>
+            <a:spLocks noGrp="1"/>
+          </p:cNvSpPr>
+          <p:nvPr>
+            <p:ph type="title"/>
+          </p:nvPr>
+        </p:nvSpPr>
+        <p:spPr>
+          <a:xfrm>
+            <a:off x="1484312" y="685800"/>
+            <a:ext cx="4278928" cy="1752599"/>
+          </a:xfrm>
+        </p:spPr>
+        <p:txBody>
+          <a:bodyPr vert="horz" lIns="91440" tIns="45720" rIns="91440" bIns="45720" rtlCol="0" anchor="ctr">
+            <a:normAutofit/>
+          </a:bodyPr>
+          <a:lstStyle/>
+          <a:p>
+            <a:r>
+              <a:rPr lang="en-US" sz="4000"/>
+              <a:t>BECAS AUTONOMICAS </a:t>
+            </a:r>
+          </a:p>
+        </p:txBody>
+      </p:sp>
+      <p:sp>
+        <p:nvSpPr>
+          <p:cNvPr id="4" name="Marcador de texto 3">
+            <a:extLst>
+              <a:ext uri="{FF2B5EF4-FFF2-40B4-BE49-F238E27FC236}">
+                <a16:creationId xmlns:a16="http://schemas.microsoft.com/office/drawing/2014/main" id="{B1AA6F1D-07D8-4462-B892-831272FBC4E5}"/>
+              </a:ext>
+            </a:extLst>
+          </p:cNvPr>
+          <p:cNvSpPr>
+            <a:spLocks noGrp="1"/>
+          </p:cNvSpPr>
+          <p:nvPr>
+            <p:ph type="body" sz="half" idx="2"/>
+          </p:nvPr>
+        </p:nvSpPr>
+        <p:spPr>
+          <a:xfrm>
+            <a:off x="1484310" y="2666999"/>
+            <a:ext cx="4278929" cy="3124201"/>
+          </a:xfrm>
+        </p:spPr>
+        <p:txBody>
+          <a:bodyPr vert="horz" lIns="91440" tIns="45720" rIns="91440" bIns="45720" rtlCol="0" anchor="ctr">
+            <a:normAutofit/>
+          </a:bodyPr>
+          <a:lstStyle/>
+          <a:p>
+            <a:pPr lvl="0" algn="l">
+              <a:lnSpc>
+                <a:spcPct val="90000"/>
+              </a:lnSpc>
+              <a:buFont typeface="Arial"/>
+              <a:buChar char="•"/>
+              <a:defRPr sz="1800" b="0" i="0" u="none" strike="noStrike" kern="0" cap="none" spc="0" baseline="0">
+                <a:solidFill>
+                  <a:srgbClr val="000000"/>
+                </a:solidFill>
+                <a:uFillTx/>
+              </a:defRPr>
+            </a:pPr>
+            <a:r>
+              <a:rPr lang="en-US" sz="1700"/>
+              <a:t>BECA A ESTUDIANTES EXCELENTES </a:t>
+            </a:r>
+          </a:p>
+          <a:p>
+            <a:pPr lvl="0" algn="l">
+              <a:lnSpc>
+                <a:spcPct val="90000"/>
+              </a:lnSpc>
+              <a:buFont typeface="Arial"/>
+              <a:buChar char="•"/>
+              <a:defRPr sz="1800" b="0" i="0" u="none" strike="noStrike" kern="0" cap="none" spc="0" baseline="0">
+                <a:solidFill>
+                  <a:srgbClr val="000000"/>
+                </a:solidFill>
+                <a:uFillTx/>
+              </a:defRPr>
+            </a:pPr>
+            <a:endParaRPr lang="en-US" sz="1700"/>
+          </a:p>
+          <a:p>
+            <a:pPr marL="285750" lvl="0" indent="-285750" algn="l">
+              <a:lnSpc>
+                <a:spcPct val="90000"/>
+              </a:lnSpc>
+              <a:buFont typeface="Arial"/>
+              <a:buChar char="•"/>
+              <a:defRPr sz="1800" b="0" i="0" u="none" strike="noStrike" kern="0" cap="none" spc="0" baseline="0">
+                <a:solidFill>
+                  <a:srgbClr val="000000"/>
+                </a:solidFill>
+                <a:uFillTx/>
+              </a:defRPr>
+            </a:pPr>
+            <a:r>
+              <a:rPr lang="en-US" sz="1700"/>
+              <a:t>ESTAR MATRICULADO EN CUALQUIER UNIVERSIDAD DE MADRID</a:t>
+            </a:r>
+          </a:p>
+          <a:p>
+            <a:pPr marL="285750" lvl="0" indent="-285750" algn="l">
+              <a:lnSpc>
+                <a:spcPct val="90000"/>
+              </a:lnSpc>
+              <a:buFont typeface="Arial"/>
+              <a:buChar char="•"/>
+              <a:defRPr sz="1800" b="0" i="0" u="none" strike="noStrike" kern="0" cap="none" spc="0" baseline="0">
+                <a:solidFill>
+                  <a:srgbClr val="000000"/>
+                </a:solidFill>
+                <a:uFillTx/>
+              </a:defRPr>
+            </a:pPr>
+            <a:endParaRPr lang="en-US" sz="1700"/>
+          </a:p>
+          <a:p>
+            <a:pPr marL="285750" lvl="0" indent="-285750" algn="l">
+              <a:lnSpc>
+                <a:spcPct val="90000"/>
+              </a:lnSpc>
+              <a:buFont typeface="Arial"/>
+              <a:buChar char="•"/>
+              <a:defRPr sz="1800" b="0" i="0" u="none" strike="noStrike" kern="0" cap="none" spc="0" baseline="0">
+                <a:solidFill>
+                  <a:srgbClr val="000000"/>
+                </a:solidFill>
+                <a:uFillTx/>
+              </a:defRPr>
+            </a:pPr>
+            <a:r>
+              <a:rPr lang="en-US" sz="1700"/>
+              <a:t>CURSAR UN GRADO OFICIAL DE LA COMUNIDAD DE MADRID </a:t>
+            </a:r>
+          </a:p>
+          <a:p>
+            <a:pPr marL="285750" lvl="0" indent="-285750" algn="l">
+              <a:lnSpc>
+                <a:spcPct val="90000"/>
+              </a:lnSpc>
+              <a:buFont typeface="Arial"/>
+              <a:buChar char="•"/>
+              <a:defRPr sz="1800" b="0" i="0" u="none" strike="noStrike" kern="0" cap="none" spc="0" baseline="0">
+                <a:solidFill>
+                  <a:srgbClr val="000000"/>
+                </a:solidFill>
+                <a:uFillTx/>
+              </a:defRPr>
+            </a:pPr>
+            <a:endParaRPr lang="en-US" sz="1700"/>
+          </a:p>
+          <a:p>
+            <a:pPr marL="285750" lvl="0" indent="-285750" algn="l">
+              <a:lnSpc>
+                <a:spcPct val="90000"/>
+              </a:lnSpc>
+              <a:buFont typeface="Arial"/>
+              <a:buChar char="•"/>
+              <a:defRPr sz="1800" b="0" i="0" u="none" strike="noStrike" kern="0" cap="none" spc="0" baseline="0">
+                <a:solidFill>
+                  <a:srgbClr val="000000"/>
+                </a:solidFill>
+                <a:uFillTx/>
+              </a:defRPr>
+            </a:pPr>
+            <a:r>
+              <a:rPr lang="en-US" sz="1700"/>
+              <a:t>NOTA MEDIA 8,25</a:t>
+            </a:r>
+          </a:p>
+          <a:p>
+            <a:pPr algn="l">
+              <a:lnSpc>
+                <a:spcPct val="90000"/>
+              </a:lnSpc>
+              <a:buFont typeface="Arial"/>
+              <a:buChar char="•"/>
+            </a:pPr>
+            <a:endParaRPr lang="en-US" sz="1700"/>
+          </a:p>
+        </p:txBody>
+      </p:sp>
+    </p:spTree>
+    <p:extLst>
+      <p:ext uri="{BB962C8B-B14F-4D97-AF65-F5344CB8AC3E}">
+        <p14:creationId xmlns:p14="http://schemas.microsoft.com/office/powerpoint/2010/main" val="2576770198"/>
+      </p:ext>
+    </p:extLst>
+  </p:cSld>
+  <p:clrMapOvr>
+    <a:masterClrMapping/>
+  </p:clrMapOvr>
+</p:sld>
+</file>
+
+<file path=ppt/slides/slide27.xml><?xml version="1.0" encoding="utf-8"?>
+<p:sld xmlns:a="http://schemas.openxmlformats.org/drawingml/2006/main" xmlns:r="http://schemas.openxmlformats.org/officeDocument/2006/relationships" xmlns:p="http://schemas.openxmlformats.org/presentationml/2006/main">
+  <p:cSld>
+    <p:spTree>
+      <p:nvGrpSpPr>
+        <p:cNvPr id="1" name=""/>
+        <p:cNvGrpSpPr/>
+        <p:nvPr/>
+      </p:nvGrpSpPr>
+      <p:grpSpPr>
+        <a:xfrm>
+          <a:off x="0" y="0"/>
+          <a:ext cx="0" cy="0"/>
+          <a:chOff x="0" y="0"/>
+          <a:chExt cx="0" cy="0"/>
+        </a:xfrm>
+      </p:grpSpPr>
+      <p:sp>
+        <p:nvSpPr>
+          <p:cNvPr id="2" name="Título 1">
+            <a:extLst>
+              <a:ext uri="{FF2B5EF4-FFF2-40B4-BE49-F238E27FC236}">
+                <a16:creationId xmlns:a16="http://schemas.microsoft.com/office/drawing/2014/main" id="{B8D1FC69-69C3-4247-8063-2D7898F7A730}"/>
+              </a:ext>
+            </a:extLst>
+          </p:cNvPr>
+          <p:cNvSpPr>
+            <a:spLocks noGrp="1"/>
+          </p:cNvSpPr>
+          <p:nvPr>
+            <p:ph type="title"/>
+          </p:nvPr>
+        </p:nvSpPr>
+        <p:spPr>
+          <a:xfrm>
+            <a:off x="1598612" y="685799"/>
+            <a:ext cx="3549121" cy="1191126"/>
+          </a:xfrm>
+        </p:spPr>
+        <p:txBody>
+          <a:bodyPr/>
+          <a:lstStyle/>
+          <a:p>
+            <a:r>
+              <a:rPr lang="es-ES" dirty="0"/>
+              <a:t>BECAS DE CARÁCTER PRIVADO </a:t>
+            </a:r>
+            <a:br>
+              <a:rPr lang="es-ES" dirty="0"/>
+            </a:br>
+            <a:endParaRPr lang="es-ES" dirty="0"/>
+          </a:p>
+        </p:txBody>
+      </p:sp>
+      <p:pic>
+        <p:nvPicPr>
+          <p:cNvPr id="6" name="Marcador de contenido 5">
+            <a:extLst>
+              <a:ext uri="{FF2B5EF4-FFF2-40B4-BE49-F238E27FC236}">
+                <a16:creationId xmlns:a16="http://schemas.microsoft.com/office/drawing/2014/main" id="{58D8EAA4-D969-4DBA-BD80-9ABA9F13C8B6}"/>
+              </a:ext>
+            </a:extLst>
+          </p:cNvPr>
+          <p:cNvPicPr>
+            <a:picLocks noGrp="1" noChangeAspect="1"/>
+          </p:cNvPicPr>
+          <p:nvPr>
+            <p:ph idx="1"/>
+          </p:nvPr>
+        </p:nvPicPr>
+        <p:blipFill>
+          <a:blip r:embed="rId2"/>
+          <a:stretch>
+            <a:fillRect/>
+          </a:stretch>
+        </p:blipFill>
+        <p:spPr>
+          <a:xfrm>
+            <a:off x="5262563" y="1312668"/>
+            <a:ext cx="6240462" cy="3851663"/>
+          </a:xfrm>
+          <a:prstGeom prst="rect">
+            <a:avLst/>
+          </a:prstGeom>
+        </p:spPr>
+      </p:pic>
+      <p:sp>
+        <p:nvSpPr>
+          <p:cNvPr id="4" name="Marcador de texto 3">
+            <a:extLst>
+              <a:ext uri="{FF2B5EF4-FFF2-40B4-BE49-F238E27FC236}">
+                <a16:creationId xmlns:a16="http://schemas.microsoft.com/office/drawing/2014/main" id="{66EF58C8-05EE-43D4-89FD-A2FCCD83CA64}"/>
+              </a:ext>
+            </a:extLst>
+          </p:cNvPr>
+          <p:cNvSpPr>
+            <a:spLocks noGrp="1"/>
+          </p:cNvSpPr>
+          <p:nvPr>
+            <p:ph type="body" sz="half" idx="2"/>
+          </p:nvPr>
+        </p:nvSpPr>
+        <p:spPr>
+          <a:xfrm>
+            <a:off x="1484312" y="1612232"/>
+            <a:ext cx="3549121" cy="4178968"/>
+          </a:xfrm>
+        </p:spPr>
+        <p:txBody>
+          <a:bodyPr>
+            <a:normAutofit fontScale="85000" lnSpcReduction="10000"/>
+          </a:bodyPr>
+          <a:lstStyle/>
+          <a:p>
+            <a:pPr lvl="0" algn="l">
+              <a:spcBef>
+                <a:spcPts val="0"/>
+              </a:spcBef>
+              <a:spcAft>
+                <a:spcPts val="0"/>
+              </a:spcAft>
+              <a:defRPr sz="1800" b="0" i="0" u="none" strike="noStrike" kern="0" cap="none" spc="0" baseline="0">
+                <a:solidFill>
+                  <a:srgbClr val="000000"/>
+                </a:solidFill>
+                <a:uFillTx/>
+              </a:defRPr>
+            </a:pPr>
+            <a:r>
+              <a:rPr lang="es-ES" dirty="0">
+                <a:solidFill>
+                  <a:srgbClr val="000000"/>
+                </a:solidFill>
+                <a:latin typeface="Corbel" panose="020B0503020204020204" pitchFamily="34" charset="0"/>
+              </a:rPr>
+              <a:t>ESTAS BECAS SON OFRECIDAS POR ENTIDADES PRIVADAS COMO BANCOS Y CAJAS DE AHORRO, COMO EJEMPLO TENEMOS EL SANTANDER</a:t>
+            </a:r>
+          </a:p>
+          <a:p>
+            <a:pPr lvl="0" algn="l">
+              <a:spcBef>
+                <a:spcPts val="0"/>
+              </a:spcBef>
+              <a:spcAft>
+                <a:spcPts val="0"/>
+              </a:spcAft>
+              <a:defRPr sz="1800" b="0" i="0" u="none" strike="noStrike" kern="0" cap="none" spc="0" baseline="0">
+                <a:solidFill>
+                  <a:srgbClr val="000000"/>
+                </a:solidFill>
+                <a:uFillTx/>
+              </a:defRPr>
+            </a:pPr>
+            <a:endParaRPr lang="es-ES" dirty="0">
+              <a:solidFill>
+                <a:srgbClr val="000000"/>
+              </a:solidFill>
+              <a:latin typeface="Corbel" panose="020B0503020204020204" pitchFamily="34" charset="0"/>
+            </a:endParaRPr>
+          </a:p>
+          <a:p>
+            <a:pPr marL="285750" lvl="0" indent="-285750" algn="l">
+              <a:spcBef>
+                <a:spcPts val="0"/>
+              </a:spcBef>
+              <a:spcAft>
+                <a:spcPts val="0"/>
+              </a:spcAft>
+              <a:buSzPct val="100000"/>
+              <a:buChar char="-"/>
+              <a:defRPr sz="1800" b="0" i="0" u="none" strike="noStrike" kern="0" cap="none" spc="0" baseline="0">
+                <a:solidFill>
+                  <a:srgbClr val="000000"/>
+                </a:solidFill>
+                <a:uFillTx/>
+              </a:defRPr>
+            </a:pPr>
+            <a:r>
+              <a:rPr lang="es-ES" u="sng" dirty="0">
+                <a:solidFill>
+                  <a:srgbClr val="000000"/>
+                </a:solidFill>
+                <a:latin typeface="Corbel" panose="020B0503020204020204" pitchFamily="34" charset="0"/>
+              </a:rPr>
+              <a:t>Becas Iberoamérica Santander Grado</a:t>
+            </a:r>
+            <a:r>
+              <a:rPr lang="es-ES" dirty="0">
+                <a:solidFill>
+                  <a:srgbClr val="000000"/>
+                </a:solidFill>
+                <a:latin typeface="Corbel" panose="020B0503020204020204" pitchFamily="34" charset="0"/>
+              </a:rPr>
+              <a:t> </a:t>
+            </a:r>
+          </a:p>
+          <a:p>
+            <a:pPr marL="285750" lvl="0" indent="-285750" algn="l">
+              <a:spcBef>
+                <a:spcPts val="0"/>
+              </a:spcBef>
+              <a:spcAft>
+                <a:spcPts val="0"/>
+              </a:spcAft>
+              <a:buSzPct val="100000"/>
+              <a:buChar char="-"/>
+              <a:defRPr sz="1800" b="0" i="0" u="none" strike="noStrike" kern="0" cap="none" spc="0" baseline="0">
+                <a:solidFill>
+                  <a:srgbClr val="000000"/>
+                </a:solidFill>
+                <a:uFillTx/>
+              </a:defRPr>
+            </a:pPr>
+            <a:endParaRPr lang="es-ES" dirty="0">
+              <a:solidFill>
+                <a:srgbClr val="000000"/>
+              </a:solidFill>
+              <a:latin typeface="Corbel" panose="020B0503020204020204" pitchFamily="34" charset="0"/>
+            </a:endParaRPr>
+          </a:p>
+          <a:p>
+            <a:pPr marL="285750" lvl="0" indent="-285750" algn="l">
+              <a:spcBef>
+                <a:spcPts val="0"/>
+              </a:spcBef>
+              <a:spcAft>
+                <a:spcPts val="0"/>
+              </a:spcAft>
+              <a:buSzPct val="100000"/>
+              <a:buChar char="-"/>
+              <a:defRPr sz="1800" b="0" i="0" u="none" strike="noStrike" kern="0" cap="none" spc="0" baseline="0">
+                <a:solidFill>
+                  <a:srgbClr val="000000"/>
+                </a:solidFill>
+                <a:uFillTx/>
+              </a:defRPr>
+            </a:pPr>
+            <a:r>
+              <a:rPr lang="es-ES" u="sng" dirty="0">
+                <a:solidFill>
+                  <a:srgbClr val="000000"/>
+                </a:solidFill>
+                <a:latin typeface="Corbel" panose="020B0503020204020204" pitchFamily="34" charset="0"/>
+              </a:rPr>
+              <a:t>Becas Iberoamérica Santander Investigación</a:t>
+            </a:r>
+          </a:p>
+          <a:p>
+            <a:pPr marL="285750" lvl="0" indent="-285750" algn="l">
+              <a:spcBef>
+                <a:spcPts val="0"/>
+              </a:spcBef>
+              <a:spcAft>
+                <a:spcPts val="0"/>
+              </a:spcAft>
+              <a:buSzPct val="100000"/>
+              <a:buChar char="-"/>
+              <a:defRPr sz="1800" b="0" i="0" u="none" strike="noStrike" kern="0" cap="none" spc="0" baseline="0">
+                <a:solidFill>
+                  <a:srgbClr val="000000"/>
+                </a:solidFill>
+                <a:uFillTx/>
+              </a:defRPr>
+            </a:pPr>
+            <a:endParaRPr lang="es-ES" u="sng" dirty="0">
+              <a:solidFill>
+                <a:srgbClr val="000000"/>
+              </a:solidFill>
+              <a:latin typeface="Corbel" panose="020B0503020204020204" pitchFamily="34" charset="0"/>
+            </a:endParaRPr>
+          </a:p>
+          <a:p>
+            <a:pPr marL="285750" lvl="0" indent="-285750" algn="l">
+              <a:spcBef>
+                <a:spcPts val="0"/>
+              </a:spcBef>
+              <a:spcAft>
+                <a:spcPts val="0"/>
+              </a:spcAft>
+              <a:buSzPct val="100000"/>
+              <a:buChar char="-"/>
+              <a:defRPr sz="1800" b="0" i="0" u="none" strike="noStrike" kern="0" cap="none" spc="0" baseline="0">
+                <a:solidFill>
+                  <a:srgbClr val="000000"/>
+                </a:solidFill>
+                <a:uFillTx/>
+              </a:defRPr>
+            </a:pPr>
+            <a:r>
+              <a:rPr lang="es-ES" u="sng" dirty="0">
+                <a:solidFill>
+                  <a:srgbClr val="000000"/>
+                </a:solidFill>
+                <a:latin typeface="Corbel" panose="020B0503020204020204" pitchFamily="34" charset="0"/>
+              </a:rPr>
+              <a:t>Becas colaboración Universidad Politécnica de Madrid</a:t>
+            </a:r>
+          </a:p>
+          <a:p>
+            <a:pPr marL="285750" lvl="0" indent="-285750" algn="l">
+              <a:spcBef>
+                <a:spcPts val="0"/>
+              </a:spcBef>
+              <a:spcAft>
+                <a:spcPts val="0"/>
+              </a:spcAft>
+              <a:buSzPct val="100000"/>
+              <a:buChar char="-"/>
+              <a:defRPr sz="1800" b="0" i="0" u="none" strike="noStrike" kern="0" cap="none" spc="0" baseline="0">
+                <a:solidFill>
+                  <a:srgbClr val="000000"/>
+                </a:solidFill>
+                <a:uFillTx/>
+              </a:defRPr>
+            </a:pPr>
+            <a:endParaRPr lang="es-ES" u="sng" dirty="0">
+              <a:solidFill>
+                <a:srgbClr val="000000"/>
+              </a:solidFill>
+              <a:latin typeface="Corbel" panose="020B0503020204020204" pitchFamily="34" charset="0"/>
+            </a:endParaRPr>
+          </a:p>
+          <a:p>
+            <a:pPr marL="285750" lvl="0" indent="-285750" algn="l">
+              <a:spcBef>
+                <a:spcPts val="0"/>
+              </a:spcBef>
+              <a:spcAft>
+                <a:spcPts val="0"/>
+              </a:spcAft>
+              <a:buSzPct val="100000"/>
+              <a:buChar char="-"/>
+              <a:defRPr sz="1800" b="0" i="0" u="none" strike="noStrike" kern="0" cap="none" spc="0" baseline="0">
+                <a:solidFill>
+                  <a:srgbClr val="000000"/>
+                </a:solidFill>
+                <a:uFillTx/>
+              </a:defRPr>
+            </a:pPr>
+            <a:r>
+              <a:rPr lang="es-ES" u="sng" dirty="0">
+                <a:solidFill>
+                  <a:srgbClr val="000000"/>
+                </a:solidFill>
+                <a:latin typeface="Corbel" panose="020B0503020204020204" pitchFamily="34" charset="0"/>
+              </a:rPr>
+              <a:t>Aula universitaria del Estrecho. Universidad de Cádiz</a:t>
+            </a:r>
+          </a:p>
+          <a:p>
+            <a:pPr marL="285750" lvl="0" indent="-285750" algn="l">
+              <a:spcBef>
+                <a:spcPts val="0"/>
+              </a:spcBef>
+              <a:spcAft>
+                <a:spcPts val="0"/>
+              </a:spcAft>
+              <a:buSzPct val="100000"/>
+              <a:buChar char="-"/>
+              <a:defRPr sz="1800" b="0" i="0" u="none" strike="noStrike" kern="0" cap="none" spc="0" baseline="0">
+                <a:solidFill>
+                  <a:srgbClr val="000000"/>
+                </a:solidFill>
+                <a:uFillTx/>
+              </a:defRPr>
+            </a:pPr>
+            <a:endParaRPr lang="es-ES" u="sng" dirty="0">
+              <a:solidFill>
+                <a:srgbClr val="000000"/>
+              </a:solidFill>
+              <a:latin typeface="Corbel" panose="020B0503020204020204" pitchFamily="34" charset="0"/>
+            </a:endParaRPr>
+          </a:p>
+          <a:p>
+            <a:pPr marL="285750" lvl="0" indent="-285750" algn="l">
+              <a:spcBef>
+                <a:spcPts val="0"/>
+              </a:spcBef>
+              <a:spcAft>
+                <a:spcPts val="0"/>
+              </a:spcAft>
+              <a:buSzPct val="100000"/>
+              <a:buChar char="-"/>
+              <a:defRPr sz="1800" b="0" i="0" u="none" strike="noStrike" kern="0" cap="none" spc="0" baseline="0">
+                <a:solidFill>
+                  <a:srgbClr val="000000"/>
+                </a:solidFill>
+                <a:uFillTx/>
+              </a:defRPr>
+            </a:pPr>
+            <a:r>
+              <a:rPr lang="es-ES" u="sng" dirty="0">
+                <a:solidFill>
+                  <a:srgbClr val="000000"/>
+                </a:solidFill>
+                <a:latin typeface="Corbel" panose="020B0503020204020204" pitchFamily="34" charset="0"/>
+              </a:rPr>
+              <a:t>Becas y ayudas a la movilidad Investigadora</a:t>
+            </a:r>
+            <a:r>
+              <a:rPr lang="es-ES" dirty="0">
+                <a:solidFill>
+                  <a:srgbClr val="000000"/>
+                </a:solidFill>
+                <a:latin typeface="Corbel" panose="020B0503020204020204" pitchFamily="34" charset="0"/>
+              </a:rPr>
+              <a:t>  </a:t>
+            </a:r>
+          </a:p>
+          <a:p>
+            <a:endParaRPr lang="es-ES" dirty="0"/>
+          </a:p>
+        </p:txBody>
+      </p:sp>
+    </p:spTree>
+    <p:extLst>
+      <p:ext uri="{BB962C8B-B14F-4D97-AF65-F5344CB8AC3E}">
+        <p14:creationId xmlns:p14="http://schemas.microsoft.com/office/powerpoint/2010/main" val="1202826474"/>
+      </p:ext>
+    </p:extLst>
+  </p:cSld>
+  <p:clrMapOvr>
+    <a:masterClrMapping/>
+  </p:clrMapOvr>
+</p:sld>
+</file>
+
 <file path=ppt/slides/slide3.xml><?xml version="1.0" encoding="utf-8"?>
 <p:sld xmlns:a="http://schemas.openxmlformats.org/drawingml/2006/main" xmlns:r="http://schemas.openxmlformats.org/officeDocument/2006/relationships" xmlns:p="http://schemas.openxmlformats.org/presentationml/2006/main">
   <p:cSld>

--- a/TG1_final.pptx
+++ b/TG1_final.pptx
@@ -28,10 +28,26 @@
     <p:sldId id="280" r:id="rId22"/>
     <p:sldId id="281" r:id="rId23"/>
     <p:sldId id="282" r:id="rId24"/>
-    <p:sldId id="283" r:id="rId25"/>
+    <p:sldId id="285" r:id="rId25"/>
     <p:sldId id="284" r:id="rId26"/>
-    <p:sldId id="285" r:id="rId27"/>
-    <p:sldId id="286" r:id="rId28"/>
+    <p:sldId id="286" r:id="rId27"/>
+    <p:sldId id="287" r:id="rId28"/>
+    <p:sldId id="289" r:id="rId29"/>
+    <p:sldId id="288" r:id="rId30"/>
+    <p:sldId id="290" r:id="rId31"/>
+    <p:sldId id="292" r:id="rId32"/>
+    <p:sldId id="293" r:id="rId33"/>
+    <p:sldId id="291" r:id="rId34"/>
+    <p:sldId id="294" r:id="rId35"/>
+    <p:sldId id="295" r:id="rId36"/>
+    <p:sldId id="301" r:id="rId37"/>
+    <p:sldId id="297" r:id="rId38"/>
+    <p:sldId id="298" r:id="rId39"/>
+    <p:sldId id="299" r:id="rId40"/>
+    <p:sldId id="300" r:id="rId41"/>
+    <p:sldId id="302" r:id="rId42"/>
+    <p:sldId id="303" r:id="rId43"/>
+    <p:sldId id="304" r:id="rId44"/>
   </p:sldIdLst>
   <p:sldSz cx="12192000" cy="6858000"/>
   <p:notesSz cx="6858000" cy="9144000"/>
@@ -130,11 +146,6 @@
       </a:defRPr>
     </a:lvl9pPr>
   </p:defaultTextStyle>
-  <p:extLst>
-    <p:ext uri="{EFAFB233-063F-42B5-8137-9DF3F51BA10A}">
-      <p15:sldGuideLst xmlns:p15="http://schemas.microsoft.com/office/powerpoint/2012/main"/>
-    </p:ext>
-  </p:extLst>
 </p:presentation>
 </file>
 
@@ -640,6 +651,7 @@
           <a:p>
             <a:fld id="{4E09027A-23D5-45B0-A13C-B97BC03D06A0}" type="datetimeFigureOut">
               <a:rPr lang="es-ES" smtClean="0"/>
+              <a:pPr/>
               <a:t>19/03/2018</a:t>
             </a:fld>
             <a:endParaRPr lang="es-ES"/>
@@ -687,6 +699,7 @@
           <a:p>
             <a:fld id="{60BC1716-6DD1-4E01-8164-6CD327E3913F}" type="slidenum">
               <a:rPr lang="es-ES" smtClean="0"/>
+              <a:pPr/>
               <a:t>‹Nº›</a:t>
             </a:fld>
             <a:endParaRPr lang="es-ES"/>
@@ -696,7 +709,7 @@
     </p:spTree>
     <p:extLst>
       <p:ext uri="{BB962C8B-B14F-4D97-AF65-F5344CB8AC3E}">
-        <p14:creationId xmlns:p14="http://schemas.microsoft.com/office/powerpoint/2010/main" val="145429723"/>
+        <p14:creationId xmlns:p14="http://schemas.microsoft.com/office/powerpoint/2010/main" xmlns="" val="145429723"/>
       </p:ext>
     </p:extLst>
   </p:cSld>
@@ -936,6 +949,7 @@
           <a:p>
             <a:fld id="{4E09027A-23D5-45B0-A13C-B97BC03D06A0}" type="datetimeFigureOut">
               <a:rPr lang="es-ES" smtClean="0"/>
+              <a:pPr/>
               <a:t>19/03/2018</a:t>
             </a:fld>
             <a:endParaRPr lang="es-ES"/>
@@ -978,6 +992,7 @@
           <a:p>
             <a:fld id="{60BC1716-6DD1-4E01-8164-6CD327E3913F}" type="slidenum">
               <a:rPr lang="es-ES" smtClean="0"/>
+              <a:pPr/>
               <a:t>‹Nº›</a:t>
             </a:fld>
             <a:endParaRPr lang="es-ES"/>
@@ -987,7 +1002,7 @@
     </p:spTree>
     <p:extLst>
       <p:ext uri="{BB962C8B-B14F-4D97-AF65-F5344CB8AC3E}">
-        <p14:creationId xmlns:p14="http://schemas.microsoft.com/office/powerpoint/2010/main" val="587282285"/>
+        <p14:creationId xmlns:p14="http://schemas.microsoft.com/office/powerpoint/2010/main" xmlns="" val="587282285"/>
       </p:ext>
     </p:extLst>
   </p:cSld>
@@ -1184,6 +1199,7 @@
           <a:p>
             <a:fld id="{4E09027A-23D5-45B0-A13C-B97BC03D06A0}" type="datetimeFigureOut">
               <a:rPr lang="es-ES" smtClean="0"/>
+              <a:pPr/>
               <a:t>19/03/2018</a:t>
             </a:fld>
             <a:endParaRPr lang="es-ES"/>
@@ -1226,6 +1242,7 @@
           <a:p>
             <a:fld id="{60BC1716-6DD1-4E01-8164-6CD327E3913F}" type="slidenum">
               <a:rPr lang="es-ES" smtClean="0"/>
+              <a:pPr/>
               <a:t>‹Nº›</a:t>
             </a:fld>
             <a:endParaRPr lang="es-ES"/>
@@ -1235,7 +1252,7 @@
     </p:spTree>
     <p:extLst>
       <p:ext uri="{BB962C8B-B14F-4D97-AF65-F5344CB8AC3E}">
-        <p14:creationId xmlns:p14="http://schemas.microsoft.com/office/powerpoint/2010/main" val="1496223512"/>
+        <p14:creationId xmlns:p14="http://schemas.microsoft.com/office/powerpoint/2010/main" xmlns="" val="1496223512"/>
       </p:ext>
     </p:extLst>
   </p:cSld>
@@ -1724,6 +1741,7 @@
           <a:p>
             <a:fld id="{4E09027A-23D5-45B0-A13C-B97BC03D06A0}" type="datetimeFigureOut">
               <a:rPr lang="es-ES" smtClean="0"/>
+              <a:pPr/>
               <a:t>19/03/2018</a:t>
             </a:fld>
             <a:endParaRPr lang="es-ES"/>
@@ -1766,6 +1784,7 @@
           <a:p>
             <a:fld id="{60BC1716-6DD1-4E01-8164-6CD327E3913F}" type="slidenum">
               <a:rPr lang="es-ES" smtClean="0"/>
+              <a:pPr/>
               <a:t>‹Nº›</a:t>
             </a:fld>
             <a:endParaRPr lang="es-ES"/>
@@ -1775,7 +1794,7 @@
     </p:spTree>
     <p:extLst>
       <p:ext uri="{BB962C8B-B14F-4D97-AF65-F5344CB8AC3E}">
-        <p14:creationId xmlns:p14="http://schemas.microsoft.com/office/powerpoint/2010/main" val="1224146503"/>
+        <p14:creationId xmlns:p14="http://schemas.microsoft.com/office/powerpoint/2010/main" xmlns="" val="1224146503"/>
       </p:ext>
     </p:extLst>
   </p:cSld>
@@ -1972,6 +1991,7 @@
           <a:p>
             <a:fld id="{4E09027A-23D5-45B0-A13C-B97BC03D06A0}" type="datetimeFigureOut">
               <a:rPr lang="es-ES" smtClean="0"/>
+              <a:pPr/>
               <a:t>19/03/2018</a:t>
             </a:fld>
             <a:endParaRPr lang="es-ES"/>
@@ -2014,6 +2034,7 @@
           <a:p>
             <a:fld id="{60BC1716-6DD1-4E01-8164-6CD327E3913F}" type="slidenum">
               <a:rPr lang="es-ES" smtClean="0"/>
+              <a:pPr/>
               <a:t>‹Nº›</a:t>
             </a:fld>
             <a:endParaRPr lang="es-ES"/>
@@ -2023,7 +2044,7 @@
     </p:spTree>
     <p:extLst>
       <p:ext uri="{BB962C8B-B14F-4D97-AF65-F5344CB8AC3E}">
-        <p14:creationId xmlns:p14="http://schemas.microsoft.com/office/powerpoint/2010/main" val="4109242150"/>
+        <p14:creationId xmlns:p14="http://schemas.microsoft.com/office/powerpoint/2010/main" xmlns="" val="4109242150"/>
       </p:ext>
     </p:extLst>
   </p:cSld>
@@ -2504,6 +2525,7 @@
           <a:p>
             <a:fld id="{4E09027A-23D5-45B0-A13C-B97BC03D06A0}" type="datetimeFigureOut">
               <a:rPr lang="es-ES" smtClean="0"/>
+              <a:pPr/>
               <a:t>19/03/2018</a:t>
             </a:fld>
             <a:endParaRPr lang="es-ES"/>
@@ -2546,6 +2568,7 @@
           <a:p>
             <a:fld id="{60BC1716-6DD1-4E01-8164-6CD327E3913F}" type="slidenum">
               <a:rPr lang="es-ES" smtClean="0"/>
+              <a:pPr/>
               <a:t>‹Nº›</a:t>
             </a:fld>
             <a:endParaRPr lang="es-ES"/>
@@ -2555,7 +2578,7 @@
     </p:spTree>
     <p:extLst>
       <p:ext uri="{BB962C8B-B14F-4D97-AF65-F5344CB8AC3E}">
-        <p14:creationId xmlns:p14="http://schemas.microsoft.com/office/powerpoint/2010/main" val="976043927"/>
+        <p14:creationId xmlns:p14="http://schemas.microsoft.com/office/powerpoint/2010/main" xmlns="" val="976043927"/>
       </p:ext>
     </p:extLst>
   </p:cSld>
@@ -2801,6 +2824,7 @@
           <a:p>
             <a:fld id="{4E09027A-23D5-45B0-A13C-B97BC03D06A0}" type="datetimeFigureOut">
               <a:rPr lang="es-ES" smtClean="0"/>
+              <a:pPr/>
               <a:t>19/03/2018</a:t>
             </a:fld>
             <a:endParaRPr lang="es-ES"/>
@@ -2843,6 +2867,7 @@
           <a:p>
             <a:fld id="{60BC1716-6DD1-4E01-8164-6CD327E3913F}" type="slidenum">
               <a:rPr lang="es-ES" smtClean="0"/>
+              <a:pPr/>
               <a:t>‹Nº›</a:t>
             </a:fld>
             <a:endParaRPr lang="es-ES"/>
@@ -2852,7 +2877,7 @@
     </p:spTree>
     <p:extLst>
       <p:ext uri="{BB962C8B-B14F-4D97-AF65-F5344CB8AC3E}">
-        <p14:creationId xmlns:p14="http://schemas.microsoft.com/office/powerpoint/2010/main" val="98039592"/>
+        <p14:creationId xmlns:p14="http://schemas.microsoft.com/office/powerpoint/2010/main" xmlns="" val="98039592"/>
       </p:ext>
     </p:extLst>
   </p:cSld>
@@ -2975,6 +3000,7 @@
           <a:p>
             <a:fld id="{4E09027A-23D5-45B0-A13C-B97BC03D06A0}" type="datetimeFigureOut">
               <a:rPr lang="es-ES" smtClean="0"/>
+              <a:pPr/>
               <a:t>19/03/2018</a:t>
             </a:fld>
             <a:endParaRPr lang="es-ES"/>
@@ -3017,6 +3043,7 @@
           <a:p>
             <a:fld id="{60BC1716-6DD1-4E01-8164-6CD327E3913F}" type="slidenum">
               <a:rPr lang="es-ES" smtClean="0"/>
+              <a:pPr/>
               <a:t>‹Nº›</a:t>
             </a:fld>
             <a:endParaRPr lang="es-ES"/>
@@ -3026,7 +3053,7 @@
     </p:spTree>
     <p:extLst>
       <p:ext uri="{BB962C8B-B14F-4D97-AF65-F5344CB8AC3E}">
-        <p14:creationId xmlns:p14="http://schemas.microsoft.com/office/powerpoint/2010/main" val="2107234353"/>
+        <p14:creationId xmlns:p14="http://schemas.microsoft.com/office/powerpoint/2010/main" xmlns="" val="2107234353"/>
       </p:ext>
     </p:extLst>
   </p:cSld>
@@ -3155,6 +3182,7 @@
           <a:p>
             <a:fld id="{4E09027A-23D5-45B0-A13C-B97BC03D06A0}" type="datetimeFigureOut">
               <a:rPr lang="es-ES" smtClean="0"/>
+              <a:pPr/>
               <a:t>19/03/2018</a:t>
             </a:fld>
             <a:endParaRPr lang="es-ES"/>
@@ -3197,6 +3225,7 @@
           <a:p>
             <a:fld id="{60BC1716-6DD1-4E01-8164-6CD327E3913F}" type="slidenum">
               <a:rPr lang="es-ES" smtClean="0"/>
+              <a:pPr/>
               <a:t>‹Nº›</a:t>
             </a:fld>
             <a:endParaRPr lang="es-ES"/>
@@ -3206,7 +3235,7 @@
     </p:spTree>
     <p:extLst>
       <p:ext uri="{BB962C8B-B14F-4D97-AF65-F5344CB8AC3E}">
-        <p14:creationId xmlns:p14="http://schemas.microsoft.com/office/powerpoint/2010/main" val="1379799038"/>
+        <p14:creationId xmlns:p14="http://schemas.microsoft.com/office/powerpoint/2010/main" xmlns="" val="1379799038"/>
       </p:ext>
     </p:extLst>
   </p:cSld>
@@ -3325,6 +3354,7 @@
           <a:p>
             <a:fld id="{4E09027A-23D5-45B0-A13C-B97BC03D06A0}" type="datetimeFigureOut">
               <a:rPr lang="es-ES" smtClean="0"/>
+              <a:pPr/>
               <a:t>19/03/2018</a:t>
             </a:fld>
             <a:endParaRPr lang="es-ES"/>
@@ -3372,6 +3402,7 @@
           <a:p>
             <a:fld id="{60BC1716-6DD1-4E01-8164-6CD327E3913F}" type="slidenum">
               <a:rPr lang="es-ES" smtClean="0"/>
+              <a:pPr/>
               <a:t>‹Nº›</a:t>
             </a:fld>
             <a:endParaRPr lang="es-ES"/>
@@ -3381,7 +3412,7 @@
     </p:spTree>
     <p:extLst>
       <p:ext uri="{BB962C8B-B14F-4D97-AF65-F5344CB8AC3E}">
-        <p14:creationId xmlns:p14="http://schemas.microsoft.com/office/powerpoint/2010/main" val="2973176028"/>
+        <p14:creationId xmlns:p14="http://schemas.microsoft.com/office/powerpoint/2010/main" xmlns="" val="2973176028"/>
       </p:ext>
     </p:extLst>
   </p:cSld>
@@ -3576,6 +3607,7 @@
           <a:p>
             <a:fld id="{4E09027A-23D5-45B0-A13C-B97BC03D06A0}" type="datetimeFigureOut">
               <a:rPr lang="es-ES" smtClean="0"/>
+              <a:pPr/>
               <a:t>19/03/2018</a:t>
             </a:fld>
             <a:endParaRPr lang="es-ES"/>
@@ -3618,6 +3650,7 @@
           <a:p>
             <a:fld id="{60BC1716-6DD1-4E01-8164-6CD327E3913F}" type="slidenum">
               <a:rPr lang="es-ES" smtClean="0"/>
+              <a:pPr/>
               <a:t>‹Nº›</a:t>
             </a:fld>
             <a:endParaRPr lang="es-ES"/>
@@ -3627,7 +3660,7 @@
     </p:spTree>
     <p:extLst>
       <p:ext uri="{BB962C8B-B14F-4D97-AF65-F5344CB8AC3E}">
-        <p14:creationId xmlns:p14="http://schemas.microsoft.com/office/powerpoint/2010/main" val="427937256"/>
+        <p14:creationId xmlns:p14="http://schemas.microsoft.com/office/powerpoint/2010/main" xmlns="" val="427937256"/>
       </p:ext>
     </p:extLst>
   </p:cSld>
@@ -3873,6 +3906,7 @@
           <a:p>
             <a:fld id="{4E09027A-23D5-45B0-A13C-B97BC03D06A0}" type="datetimeFigureOut">
               <a:rPr lang="es-ES" smtClean="0"/>
+              <a:pPr/>
               <a:t>19/03/2018</a:t>
             </a:fld>
             <a:endParaRPr lang="es-ES"/>
@@ -3915,6 +3949,7 @@
           <a:p>
             <a:fld id="{60BC1716-6DD1-4E01-8164-6CD327E3913F}" type="slidenum">
               <a:rPr lang="es-ES" smtClean="0"/>
+              <a:pPr/>
               <a:t>‹Nº›</a:t>
             </a:fld>
             <a:endParaRPr lang="es-ES"/>
@@ -3924,7 +3959,7 @@
     </p:spTree>
     <p:extLst>
       <p:ext uri="{BB962C8B-B14F-4D97-AF65-F5344CB8AC3E}">
-        <p14:creationId xmlns:p14="http://schemas.microsoft.com/office/powerpoint/2010/main" val="1542030933"/>
+        <p14:creationId xmlns:p14="http://schemas.microsoft.com/office/powerpoint/2010/main" xmlns="" val="1542030933"/>
       </p:ext>
     </p:extLst>
   </p:cSld>
@@ -4315,6 +4350,7 @@
           <a:p>
             <a:fld id="{4E09027A-23D5-45B0-A13C-B97BC03D06A0}" type="datetimeFigureOut">
               <a:rPr lang="es-ES" smtClean="0"/>
+              <a:pPr/>
               <a:t>19/03/2018</a:t>
             </a:fld>
             <a:endParaRPr lang="es-ES"/>
@@ -4357,6 +4393,7 @@
           <a:p>
             <a:fld id="{60BC1716-6DD1-4E01-8164-6CD327E3913F}" type="slidenum">
               <a:rPr lang="es-ES" smtClean="0"/>
+              <a:pPr/>
               <a:t>‹Nº›</a:t>
             </a:fld>
             <a:endParaRPr lang="es-ES"/>
@@ -4366,7 +4403,7 @@
     </p:spTree>
     <p:extLst>
       <p:ext uri="{BB962C8B-B14F-4D97-AF65-F5344CB8AC3E}">
-        <p14:creationId xmlns:p14="http://schemas.microsoft.com/office/powerpoint/2010/main" val="2100034981"/>
+        <p14:creationId xmlns:p14="http://schemas.microsoft.com/office/powerpoint/2010/main" xmlns="" val="2100034981"/>
       </p:ext>
     </p:extLst>
   </p:cSld>
@@ -4433,6 +4470,7 @@
           <a:p>
             <a:fld id="{4E09027A-23D5-45B0-A13C-B97BC03D06A0}" type="datetimeFigureOut">
               <a:rPr lang="es-ES" smtClean="0"/>
+              <a:pPr/>
               <a:t>19/03/2018</a:t>
             </a:fld>
             <a:endParaRPr lang="es-ES"/>
@@ -4475,6 +4513,7 @@
           <a:p>
             <a:fld id="{60BC1716-6DD1-4E01-8164-6CD327E3913F}" type="slidenum">
               <a:rPr lang="es-ES" smtClean="0"/>
+              <a:pPr/>
               <a:t>‹Nº›</a:t>
             </a:fld>
             <a:endParaRPr lang="es-ES"/>
@@ -4484,7 +4523,7 @@
     </p:spTree>
     <p:extLst>
       <p:ext uri="{BB962C8B-B14F-4D97-AF65-F5344CB8AC3E}">
-        <p14:creationId xmlns:p14="http://schemas.microsoft.com/office/powerpoint/2010/main" val="1804604732"/>
+        <p14:creationId xmlns:p14="http://schemas.microsoft.com/office/powerpoint/2010/main" xmlns="" val="1804604732"/>
       </p:ext>
     </p:extLst>
   </p:cSld>
@@ -4528,6 +4567,7 @@
           <a:p>
             <a:fld id="{4E09027A-23D5-45B0-A13C-B97BC03D06A0}" type="datetimeFigureOut">
               <a:rPr lang="es-ES" smtClean="0"/>
+              <a:pPr/>
               <a:t>19/03/2018</a:t>
             </a:fld>
             <a:endParaRPr lang="es-ES"/>
@@ -4570,6 +4610,7 @@
           <a:p>
             <a:fld id="{60BC1716-6DD1-4E01-8164-6CD327E3913F}" type="slidenum">
               <a:rPr lang="es-ES" smtClean="0"/>
+              <a:pPr/>
               <a:t>‹Nº›</a:t>
             </a:fld>
             <a:endParaRPr lang="es-ES"/>
@@ -4579,7 +4620,7 @@
     </p:spTree>
     <p:extLst>
       <p:ext uri="{BB962C8B-B14F-4D97-AF65-F5344CB8AC3E}">
-        <p14:creationId xmlns:p14="http://schemas.microsoft.com/office/powerpoint/2010/main" val="2306903096"/>
+        <p14:creationId xmlns:p14="http://schemas.microsoft.com/office/powerpoint/2010/main" xmlns="" val="2306903096"/>
       </p:ext>
     </p:extLst>
   </p:cSld>
@@ -4811,6 +4852,7 @@
           <a:p>
             <a:fld id="{4E09027A-23D5-45B0-A13C-B97BC03D06A0}" type="datetimeFigureOut">
               <a:rPr lang="es-ES" smtClean="0"/>
+              <a:pPr/>
               <a:t>19/03/2018</a:t>
             </a:fld>
             <a:endParaRPr lang="es-ES"/>
@@ -4853,6 +4895,7 @@
           <a:p>
             <a:fld id="{60BC1716-6DD1-4E01-8164-6CD327E3913F}" type="slidenum">
               <a:rPr lang="es-ES" smtClean="0"/>
+              <a:pPr/>
               <a:t>‹Nº›</a:t>
             </a:fld>
             <a:endParaRPr lang="es-ES"/>
@@ -4862,7 +4905,7 @@
     </p:spTree>
     <p:extLst>
       <p:ext uri="{BB962C8B-B14F-4D97-AF65-F5344CB8AC3E}">
-        <p14:creationId xmlns:p14="http://schemas.microsoft.com/office/powerpoint/2010/main" val="4000225066"/>
+        <p14:creationId xmlns:p14="http://schemas.microsoft.com/office/powerpoint/2010/main" xmlns="" val="4000225066"/>
       </p:ext>
     </p:extLst>
   </p:cSld>
@@ -5102,6 +5145,7 @@
           <a:p>
             <a:fld id="{4E09027A-23D5-45B0-A13C-B97BC03D06A0}" type="datetimeFigureOut">
               <a:rPr lang="es-ES" smtClean="0"/>
+              <a:pPr/>
               <a:t>19/03/2018</a:t>
             </a:fld>
             <a:endParaRPr lang="es-ES"/>
@@ -5144,6 +5188,7 @@
           <a:p>
             <a:fld id="{60BC1716-6DD1-4E01-8164-6CD327E3913F}" type="slidenum">
               <a:rPr lang="es-ES" smtClean="0"/>
+              <a:pPr/>
               <a:t>‹Nº›</a:t>
             </a:fld>
             <a:endParaRPr lang="es-ES"/>
@@ -5153,7 +5198,7 @@
     </p:spTree>
     <p:extLst>
       <p:ext uri="{BB962C8B-B14F-4D97-AF65-F5344CB8AC3E}">
-        <p14:creationId xmlns:p14="http://schemas.microsoft.com/office/powerpoint/2010/main" val="3818199339"/>
+        <p14:creationId xmlns:p14="http://schemas.microsoft.com/office/powerpoint/2010/main" xmlns="" val="3818199339"/>
       </p:ext>
     </p:extLst>
   </p:cSld>
@@ -5632,6 +5677,7 @@
           <a:p>
             <a:fld id="{4E09027A-23D5-45B0-A13C-B97BC03D06A0}" type="datetimeFigureOut">
               <a:rPr lang="es-ES" smtClean="0"/>
+              <a:pPr/>
               <a:t>19/03/2018</a:t>
             </a:fld>
             <a:endParaRPr lang="es-ES"/>
@@ -5710,6 +5756,7 @@
           <a:p>
             <a:fld id="{60BC1716-6DD1-4E01-8164-6CD327E3913F}" type="slidenum">
               <a:rPr lang="es-ES" smtClean="0"/>
+              <a:pPr/>
               <a:t>‹Nº›</a:t>
             </a:fld>
             <a:endParaRPr lang="es-ES"/>
@@ -5719,7 +5766,7 @@
     </p:spTree>
     <p:extLst>
       <p:ext uri="{BB962C8B-B14F-4D97-AF65-F5344CB8AC3E}">
-        <p14:creationId xmlns:p14="http://schemas.microsoft.com/office/powerpoint/2010/main" val="3642700443"/>
+        <p14:creationId xmlns:p14="http://schemas.microsoft.com/office/powerpoint/2010/main" xmlns="" val="3642700443"/>
       </p:ext>
     </p:extLst>
   </p:cSld>
@@ -6168,7 +6215,7 @@
           <p:cNvPr id="4" name="Rectangle 1">
             <a:extLst>
               <a:ext uri="{FF2B5EF4-FFF2-40B4-BE49-F238E27FC236}">
-                <a16:creationId xmlns:a16="http://schemas.microsoft.com/office/drawing/2014/main" id="{5200A39F-E0B6-436F-9EF6-9811625475CA}"/>
+                <a16:creationId xmlns:a16="http://schemas.microsoft.com/office/drawing/2014/main" xmlns="" id="{5200A39F-E0B6-436F-9EF6-9811625475CA}"/>
               </a:ext>
             </a:extLst>
           </p:cNvPr>
@@ -6194,14 +6241,14 @@
           <a:effectLst/>
           <a:extLst>
             <a:ext uri="{909E8E84-426E-40DD-AFC4-6F175D3DCCD1}">
-              <a14:hiddenFill xmlns:a14="http://schemas.microsoft.com/office/drawing/2010/main">
+              <a14:hiddenFill xmlns:a14="http://schemas.microsoft.com/office/drawing/2010/main" xmlns="">
                 <a:solidFill>
                   <a:schemeClr val="accent1"/>
                 </a:solidFill>
               </a14:hiddenFill>
             </a:ext>
             <a:ext uri="{91240B29-F687-4F45-9708-019B960494DF}">
-              <a14:hiddenLine xmlns:a14="http://schemas.microsoft.com/office/drawing/2010/main" w="9525">
+              <a14:hiddenLine xmlns:a14="http://schemas.microsoft.com/office/drawing/2010/main" xmlns="" w="9525">
                 <a:solidFill>
                   <a:schemeClr val="tx1"/>
                 </a:solidFill>
@@ -6211,7 +6258,7 @@
               </a14:hiddenLine>
             </a:ext>
             <a:ext uri="{AF507438-7753-43E0-B8FC-AC1667EBCBE1}">
-              <a14:hiddenEffects xmlns:a14="http://schemas.microsoft.com/office/drawing/2010/main">
+              <a14:hiddenEffects xmlns:a14="http://schemas.microsoft.com/office/drawing/2010/main" xmlns="">
                 <a:effectLst>
                   <a:outerShdw dist="35921" dir="2700000" algn="ctr" rotWithShape="0">
                     <a:schemeClr val="bg2"/>
@@ -6271,7 +6318,7 @@
     </p:spTree>
     <p:extLst>
       <p:ext uri="{BB962C8B-B14F-4D97-AF65-F5344CB8AC3E}">
-        <p14:creationId xmlns:p14="http://schemas.microsoft.com/office/powerpoint/2010/main" val="2844962143"/>
+        <p14:creationId xmlns:p14="http://schemas.microsoft.com/office/powerpoint/2010/main" xmlns="" val="2844962143"/>
       </p:ext>
     </p:extLst>
   </p:cSld>
@@ -6303,7 +6350,7 @@
           <p:cNvPr id="2" name="Título 1">
             <a:extLst>
               <a:ext uri="{FF2B5EF4-FFF2-40B4-BE49-F238E27FC236}">
-                <a16:creationId xmlns:a16="http://schemas.microsoft.com/office/drawing/2014/main" id="{9FE52B98-D91F-461E-A2FC-8EA927408B7E}"/>
+                <a16:creationId xmlns:a16="http://schemas.microsoft.com/office/drawing/2014/main" xmlns="" id="{9FE52B98-D91F-461E-A2FC-8EA927408B7E}"/>
               </a:ext>
             </a:extLst>
           </p:cNvPr>
@@ -6343,7 +6390,7 @@
           <p:cNvPr id="5" name="Marcador de contenido 4">
             <a:extLst>
               <a:ext uri="{FF2B5EF4-FFF2-40B4-BE49-F238E27FC236}">
-                <a16:creationId xmlns:a16="http://schemas.microsoft.com/office/drawing/2014/main" id="{A60F805A-1BA5-4F47-A9AA-DB758A2386CE}"/>
+                <a16:creationId xmlns:a16="http://schemas.microsoft.com/office/drawing/2014/main" xmlns="" id="{A60F805A-1BA5-4F47-A9AA-DB758A2386CE}"/>
               </a:ext>
             </a:extLst>
           </p:cNvPr>
@@ -6355,10 +6402,10 @@
           </p:nvPr>
         </p:nvPicPr>
         <p:blipFill>
-          <a:blip r:embed="rId2">
+          <a:blip r:embed="rId2" cstate="print">
             <a:extLst>
               <a:ext uri="{28A0092B-C50C-407E-A947-70E740481C1C}">
-                <a14:useLocalDpi xmlns:a14="http://schemas.microsoft.com/office/drawing/2010/main" val="0"/>
+                <a14:useLocalDpi xmlns:a14="http://schemas.microsoft.com/office/drawing/2010/main" xmlns="" val="0"/>
               </a:ext>
             </a:extLst>
           </a:blip>
@@ -6378,7 +6425,7 @@
           <p:cNvPr id="6" name="CuadroTexto 5">
             <a:extLst>
               <a:ext uri="{FF2B5EF4-FFF2-40B4-BE49-F238E27FC236}">
-                <a16:creationId xmlns:a16="http://schemas.microsoft.com/office/drawing/2014/main" id="{87EBCACE-EECB-49A5-9276-011B1AD5574E}"/>
+                <a16:creationId xmlns:a16="http://schemas.microsoft.com/office/drawing/2014/main" xmlns="" id="{87EBCACE-EECB-49A5-9276-011B1AD5574E}"/>
               </a:ext>
             </a:extLst>
           </p:cNvPr>
@@ -6419,7 +6466,7 @@
     </p:spTree>
     <p:extLst>
       <p:ext uri="{BB962C8B-B14F-4D97-AF65-F5344CB8AC3E}">
-        <p14:creationId xmlns:p14="http://schemas.microsoft.com/office/powerpoint/2010/main" val="4073422291"/>
+        <p14:creationId xmlns:p14="http://schemas.microsoft.com/office/powerpoint/2010/main" xmlns="" val="4073422291"/>
       </p:ext>
     </p:extLst>
   </p:cSld>
@@ -6451,7 +6498,7 @@
           <p:cNvPr id="5" name="Marcador de contenido 4">
             <a:extLst>
               <a:ext uri="{FF2B5EF4-FFF2-40B4-BE49-F238E27FC236}">
-                <a16:creationId xmlns:a16="http://schemas.microsoft.com/office/drawing/2014/main" id="{1965555F-581B-4685-9274-D2BE54AABFA6}"/>
+                <a16:creationId xmlns:a16="http://schemas.microsoft.com/office/drawing/2014/main" xmlns="" id="{1965555F-581B-4685-9274-D2BE54AABFA6}"/>
               </a:ext>
             </a:extLst>
           </p:cNvPr>
@@ -6463,10 +6510,10 @@
           </p:nvPr>
         </p:nvPicPr>
         <p:blipFill>
-          <a:blip r:embed="rId2">
+          <a:blip r:embed="rId2" cstate="print">
             <a:extLst>
               <a:ext uri="{28A0092B-C50C-407E-A947-70E740481C1C}">
-                <a14:useLocalDpi xmlns:a14="http://schemas.microsoft.com/office/drawing/2010/main" val="0"/>
+                <a14:useLocalDpi xmlns:a14="http://schemas.microsoft.com/office/drawing/2010/main" xmlns="" val="0"/>
               </a:ext>
             </a:extLst>
           </a:blip>
@@ -6486,7 +6533,7 @@
           <p:cNvPr id="8" name="Título 1">
             <a:extLst>
               <a:ext uri="{FF2B5EF4-FFF2-40B4-BE49-F238E27FC236}">
-                <a16:creationId xmlns:a16="http://schemas.microsoft.com/office/drawing/2014/main" id="{6DDF33C2-BAE7-4F0B-88B9-6D70C96ADCEB}"/>
+                <a16:creationId xmlns:a16="http://schemas.microsoft.com/office/drawing/2014/main" xmlns="" id="{6DDF33C2-BAE7-4F0B-88B9-6D70C96ADCEB}"/>
               </a:ext>
             </a:extLst>
           </p:cNvPr>
@@ -6526,7 +6573,7 @@
           <p:cNvPr id="9" name="CuadroTexto 8">
             <a:extLst>
               <a:ext uri="{FF2B5EF4-FFF2-40B4-BE49-F238E27FC236}">
-                <a16:creationId xmlns:a16="http://schemas.microsoft.com/office/drawing/2014/main" id="{DAD1FFD1-9535-40B7-BEBB-F0D4B68219C9}"/>
+                <a16:creationId xmlns:a16="http://schemas.microsoft.com/office/drawing/2014/main" xmlns="" id="{DAD1FFD1-9535-40B7-BEBB-F0D4B68219C9}"/>
               </a:ext>
             </a:extLst>
           </p:cNvPr>
@@ -6560,7 +6607,7 @@
     </p:spTree>
     <p:extLst>
       <p:ext uri="{BB962C8B-B14F-4D97-AF65-F5344CB8AC3E}">
-        <p14:creationId xmlns:p14="http://schemas.microsoft.com/office/powerpoint/2010/main" val="3363499208"/>
+        <p14:creationId xmlns:p14="http://schemas.microsoft.com/office/powerpoint/2010/main" xmlns="" val="3363499208"/>
       </p:ext>
     </p:extLst>
   </p:cSld>
@@ -6592,7 +6639,7 @@
           <p:cNvPr id="5" name="Marcador de contenido 4">
             <a:extLst>
               <a:ext uri="{FF2B5EF4-FFF2-40B4-BE49-F238E27FC236}">
-                <a16:creationId xmlns:a16="http://schemas.microsoft.com/office/drawing/2014/main" id="{AAED34D4-8C4A-489D-A070-242F7AFA439C}"/>
+                <a16:creationId xmlns:a16="http://schemas.microsoft.com/office/drawing/2014/main" xmlns="" id="{AAED34D4-8C4A-489D-A070-242F7AFA439C}"/>
               </a:ext>
             </a:extLst>
           </p:cNvPr>
@@ -6604,10 +6651,10 @@
           </p:nvPr>
         </p:nvPicPr>
         <p:blipFill>
-          <a:blip r:embed="rId2">
+          <a:blip r:embed="rId2" cstate="print">
             <a:extLst>
               <a:ext uri="{28A0092B-C50C-407E-A947-70E740481C1C}">
-                <a14:useLocalDpi xmlns:a14="http://schemas.microsoft.com/office/drawing/2010/main" val="0"/>
+                <a14:useLocalDpi xmlns:a14="http://schemas.microsoft.com/office/drawing/2010/main" xmlns="" val="0"/>
               </a:ext>
             </a:extLst>
           </a:blip>
@@ -6627,7 +6674,7 @@
           <p:cNvPr id="8" name="Título 1">
             <a:extLst>
               <a:ext uri="{FF2B5EF4-FFF2-40B4-BE49-F238E27FC236}">
-                <a16:creationId xmlns:a16="http://schemas.microsoft.com/office/drawing/2014/main" id="{78C8A824-878F-4CF4-BEDB-31869F6E49AE}"/>
+                <a16:creationId xmlns:a16="http://schemas.microsoft.com/office/drawing/2014/main" xmlns="" id="{78C8A824-878F-4CF4-BEDB-31869F6E49AE}"/>
               </a:ext>
             </a:extLst>
           </p:cNvPr>
@@ -6667,7 +6714,7 @@
           <p:cNvPr id="10" name="CuadroTexto 9">
             <a:extLst>
               <a:ext uri="{FF2B5EF4-FFF2-40B4-BE49-F238E27FC236}">
-                <a16:creationId xmlns:a16="http://schemas.microsoft.com/office/drawing/2014/main" id="{6ACDB81B-B655-4511-AA31-DA6141D9D2A3}"/>
+                <a16:creationId xmlns:a16="http://schemas.microsoft.com/office/drawing/2014/main" xmlns="" id="{6ACDB81B-B655-4511-AA31-DA6141D9D2A3}"/>
               </a:ext>
             </a:extLst>
           </p:cNvPr>
@@ -6701,7 +6748,7 @@
     </p:spTree>
     <p:extLst>
       <p:ext uri="{BB962C8B-B14F-4D97-AF65-F5344CB8AC3E}">
-        <p14:creationId xmlns:p14="http://schemas.microsoft.com/office/powerpoint/2010/main" val="3190186267"/>
+        <p14:creationId xmlns:p14="http://schemas.microsoft.com/office/powerpoint/2010/main" xmlns="" val="3190186267"/>
       </p:ext>
     </p:extLst>
   </p:cSld>
@@ -6733,7 +6780,7 @@
           <p:cNvPr id="5" name="Marcador de contenido 4">
             <a:extLst>
               <a:ext uri="{FF2B5EF4-FFF2-40B4-BE49-F238E27FC236}">
-                <a16:creationId xmlns:a16="http://schemas.microsoft.com/office/drawing/2014/main" id="{AC2D9BEC-7342-495D-AFEC-79803514D955}"/>
+                <a16:creationId xmlns:a16="http://schemas.microsoft.com/office/drawing/2014/main" xmlns="" id="{AC2D9BEC-7342-495D-AFEC-79803514D955}"/>
               </a:ext>
             </a:extLst>
           </p:cNvPr>
@@ -6745,10 +6792,10 @@
           </p:nvPr>
         </p:nvPicPr>
         <p:blipFill>
-          <a:blip r:embed="rId2">
+          <a:blip r:embed="rId2" cstate="print">
             <a:extLst>
               <a:ext uri="{28A0092B-C50C-407E-A947-70E740481C1C}">
-                <a14:useLocalDpi xmlns:a14="http://schemas.microsoft.com/office/drawing/2010/main" val="0"/>
+                <a14:useLocalDpi xmlns:a14="http://schemas.microsoft.com/office/drawing/2010/main" xmlns="" val="0"/>
               </a:ext>
             </a:extLst>
           </a:blip>
@@ -6768,7 +6815,7 @@
           <p:cNvPr id="6" name="Título 1">
             <a:extLst>
               <a:ext uri="{FF2B5EF4-FFF2-40B4-BE49-F238E27FC236}">
-                <a16:creationId xmlns:a16="http://schemas.microsoft.com/office/drawing/2014/main" id="{D4368A4F-4A18-4615-B632-D5E6A96E775A}"/>
+                <a16:creationId xmlns:a16="http://schemas.microsoft.com/office/drawing/2014/main" xmlns="" id="{D4368A4F-4A18-4615-B632-D5E6A96E775A}"/>
               </a:ext>
             </a:extLst>
           </p:cNvPr>
@@ -6808,7 +6855,7 @@
           <p:cNvPr id="8" name="CuadroTexto 7">
             <a:extLst>
               <a:ext uri="{FF2B5EF4-FFF2-40B4-BE49-F238E27FC236}">
-                <a16:creationId xmlns:a16="http://schemas.microsoft.com/office/drawing/2014/main" id="{A529F5CE-55C5-4C69-B273-21614E63B638}"/>
+                <a16:creationId xmlns:a16="http://schemas.microsoft.com/office/drawing/2014/main" xmlns="" id="{A529F5CE-55C5-4C69-B273-21614E63B638}"/>
               </a:ext>
             </a:extLst>
           </p:cNvPr>
@@ -6841,7 +6888,7 @@
     </p:spTree>
     <p:extLst>
       <p:ext uri="{BB962C8B-B14F-4D97-AF65-F5344CB8AC3E}">
-        <p14:creationId xmlns:p14="http://schemas.microsoft.com/office/powerpoint/2010/main" val="1893446835"/>
+        <p14:creationId xmlns:p14="http://schemas.microsoft.com/office/powerpoint/2010/main" xmlns="" val="1893446835"/>
       </p:ext>
     </p:extLst>
   </p:cSld>
@@ -6870,35 +6917,10 @@
       </p:grpSpPr>
       <p:sp>
         <p:nvSpPr>
-          <p:cNvPr id="3" name="Marcador de contenido 2">
-            <a:extLst>
-              <a:ext uri="{FF2B5EF4-FFF2-40B4-BE49-F238E27FC236}">
-                <a16:creationId xmlns:a16="http://schemas.microsoft.com/office/drawing/2014/main" id="{90D978D9-F65A-4209-9E59-561750E21892}"/>
-              </a:ext>
-            </a:extLst>
-          </p:cNvPr>
-          <p:cNvSpPr>
-            <a:spLocks noGrp="1"/>
-          </p:cNvSpPr>
-          <p:nvPr>
-            <p:ph idx="1"/>
-          </p:nvPr>
-        </p:nvSpPr>
-        <p:spPr/>
-        <p:txBody>
-          <a:bodyPr/>
-          <a:lstStyle/>
-          <a:p>
-            <a:endParaRPr lang="es-ES" dirty="0"/>
-          </a:p>
-        </p:txBody>
-      </p:sp>
-      <p:sp>
-        <p:nvSpPr>
           <p:cNvPr id="4" name="Título 1">
             <a:extLst>
               <a:ext uri="{FF2B5EF4-FFF2-40B4-BE49-F238E27FC236}">
-                <a16:creationId xmlns:a16="http://schemas.microsoft.com/office/drawing/2014/main" id="{6BF97EBE-CBAF-44D0-814A-EEE9926D2C48}"/>
+                <a16:creationId xmlns:a16="http://schemas.microsoft.com/office/drawing/2014/main" xmlns="" id="{6BF97EBE-CBAF-44D0-814A-EEE9926D2C48}"/>
               </a:ext>
             </a:extLst>
           </p:cNvPr>
@@ -6933,10 +6955,124 @@
           </a:p>
         </p:txBody>
       </p:sp>
+      <p:pic>
+        <p:nvPicPr>
+          <p:cNvPr id="2050" name="Picture 2" descr="D:\Sistemas de informacion\Tercer curso\Segundo Cuatrimestre\Desarollo con tecnologias emergentes\Trabajo TG1\Fotos\IJARCET.png"/>
+          <p:cNvPicPr>
+            <a:picLocks noGrp="1" noChangeAspect="1" noChangeArrowheads="1"/>
+          </p:cNvPicPr>
+          <p:nvPr>
+            <p:ph idx="1"/>
+          </p:nvPr>
+        </p:nvPicPr>
+        <p:blipFill>
+          <a:blip r:embed="rId2" cstate="print"/>
+          <a:srcRect/>
+          <a:stretch>
+            <a:fillRect/>
+          </a:stretch>
+        </p:blipFill>
+        <p:spPr bwMode="auto">
+          <a:xfrm>
+            <a:off x="1697270" y="2791019"/>
+            <a:ext cx="3117824" cy="1558912"/>
+          </a:xfrm>
+          <a:prstGeom prst="rect">
+            <a:avLst/>
+          </a:prstGeom>
+          <a:noFill/>
+        </p:spPr>
+      </p:pic>
+      <p:sp>
+        <p:nvSpPr>
+          <p:cNvPr id="6" name="5 CuadroTexto"/>
+          <p:cNvSpPr txBox="1"/>
+          <p:nvPr/>
+        </p:nvSpPr>
+        <p:spPr>
+          <a:xfrm>
+            <a:off x="5238207" y="2886890"/>
+            <a:ext cx="6518364" cy="1200329"/>
+          </a:xfrm>
+          <a:prstGeom prst="rect">
+            <a:avLst/>
+          </a:prstGeom>
+          <a:noFill/>
+        </p:spPr>
+        <p:txBody>
+          <a:bodyPr wrap="square" rtlCol="0">
+            <a:spAutoFit/>
+          </a:bodyPr>
+          <a:lstStyle/>
+          <a:p>
+            <a:r>
+              <a:rPr lang="es-ES" sz="2400" b="1" dirty="0" smtClean="0"/>
+              <a:t>Trabajo de investigación expuesto en  </a:t>
+            </a:r>
+            <a:r>
+              <a:rPr lang="es-ES" sz="2400" b="1" i="1" dirty="0" smtClean="0"/>
+              <a:t>International </a:t>
+            </a:r>
+            <a:r>
+              <a:rPr lang="es-ES" sz="2400" b="1" i="1" dirty="0" err="1" smtClean="0"/>
+              <a:t>Journal</a:t>
+            </a:r>
+            <a:r>
+              <a:rPr lang="es-ES" sz="2400" b="1" i="1" dirty="0" smtClean="0"/>
+              <a:t> of </a:t>
+            </a:r>
+            <a:r>
+              <a:rPr lang="es-ES" sz="2400" b="1" i="1" dirty="0" err="1" smtClean="0"/>
+              <a:t>Advanced</a:t>
+            </a:r>
+            <a:r>
+              <a:rPr lang="es-ES" sz="2400" b="1" i="1" dirty="0" smtClean="0"/>
+              <a:t> </a:t>
+            </a:r>
+            <a:r>
+              <a:rPr lang="es-ES" sz="2400" b="1" i="1" dirty="0" err="1" smtClean="0"/>
+              <a:t>Research</a:t>
+            </a:r>
+            <a:r>
+              <a:rPr lang="es-ES" sz="2400" b="1" i="1" dirty="0" smtClean="0"/>
+              <a:t> in </a:t>
+            </a:r>
+            <a:r>
+              <a:rPr lang="es-ES" sz="2400" b="1" i="1" dirty="0" err="1" smtClean="0"/>
+              <a:t>Computer</a:t>
+            </a:r>
+            <a:r>
+              <a:rPr lang="es-ES" sz="2400" b="1" i="1" dirty="0" smtClean="0"/>
+              <a:t> </a:t>
+            </a:r>
+            <a:r>
+              <a:rPr lang="es-ES" sz="2400" b="1" i="1" dirty="0" err="1" smtClean="0"/>
+              <a:t>Engineering</a:t>
+            </a:r>
+            <a:r>
+              <a:rPr lang="es-ES" sz="2400" b="1" i="1" dirty="0" smtClean="0"/>
+              <a:t> &amp; </a:t>
+            </a:r>
+            <a:r>
+              <a:rPr lang="es-ES" sz="2400" b="1" i="1" dirty="0" err="1" smtClean="0"/>
+              <a:t>Technology</a:t>
+            </a:r>
+            <a:r>
+              <a:rPr lang="es-ES" sz="2400" b="1" i="1" dirty="0" smtClean="0"/>
+              <a:t> </a:t>
+            </a:r>
+            <a:r>
+              <a:rPr lang="es-ES" sz="2400" b="1" dirty="0" smtClean="0"/>
+              <a:t>(IJARCET)</a:t>
+            </a:r>
+            <a:endParaRPr lang="es-ES" sz="2400" b="1" i="1" dirty="0"/>
+          </a:p>
+        </p:txBody>
+      </p:sp>
     </p:spTree>
     <p:extLst>
       <p:ext uri="{BB962C8B-B14F-4D97-AF65-F5344CB8AC3E}">
-        <p14:creationId xmlns:p14="http://schemas.microsoft.com/office/powerpoint/2010/main" val="3542186442"/>
+        <p14:creationId xmlns:p14="http://schemas.microsoft.com/office/powerpoint/2010/main" xmlns="" val="3542186442"/>
       </p:ext>
     </p:extLst>
   </p:cSld>
@@ -6965,35 +7101,10 @@
       </p:grpSpPr>
       <p:sp>
         <p:nvSpPr>
-          <p:cNvPr id="3" name="Marcador de contenido 2">
-            <a:extLst>
-              <a:ext uri="{FF2B5EF4-FFF2-40B4-BE49-F238E27FC236}">
-                <a16:creationId xmlns:a16="http://schemas.microsoft.com/office/drawing/2014/main" id="{90D978D9-F65A-4209-9E59-561750E21892}"/>
-              </a:ext>
-            </a:extLst>
-          </p:cNvPr>
-          <p:cNvSpPr>
-            <a:spLocks noGrp="1"/>
-          </p:cNvSpPr>
-          <p:nvPr>
-            <p:ph idx="1"/>
-          </p:nvPr>
-        </p:nvSpPr>
-        <p:spPr/>
-        <p:txBody>
-          <a:bodyPr/>
-          <a:lstStyle/>
-          <a:p>
-            <a:endParaRPr lang="es-ES" dirty="0"/>
-          </a:p>
-        </p:txBody>
-      </p:sp>
-      <p:sp>
-        <p:nvSpPr>
           <p:cNvPr id="4" name="Título 1">
             <a:extLst>
               <a:ext uri="{FF2B5EF4-FFF2-40B4-BE49-F238E27FC236}">
-                <a16:creationId xmlns:a16="http://schemas.microsoft.com/office/drawing/2014/main" id="{6BF97EBE-CBAF-44D0-814A-EEE9926D2C48}"/>
+                <a16:creationId xmlns:a16="http://schemas.microsoft.com/office/drawing/2014/main" xmlns="" id="{6BF97EBE-CBAF-44D0-814A-EEE9926D2C48}"/>
               </a:ext>
             </a:extLst>
           </p:cNvPr>
@@ -7028,10 +7139,68 @@
           </a:p>
         </p:txBody>
       </p:sp>
+      <p:pic>
+        <p:nvPicPr>
+          <p:cNvPr id="1026" name="Picture 2" descr="D:\Sistemas de informacion\Tercer curso\Segundo Cuatrimestre\Desarollo con tecnologias emergentes\Trabajo TG1\Fotos\MHE_Logo_RGB.png"/>
+          <p:cNvPicPr>
+            <a:picLocks noGrp="1" noChangeAspect="1" noChangeArrowheads="1"/>
+          </p:cNvPicPr>
+          <p:nvPr>
+            <p:ph idx="1"/>
+          </p:nvPr>
+        </p:nvPicPr>
+        <p:blipFill>
+          <a:blip r:embed="rId2" cstate="print"/>
+          <a:srcRect/>
+          <a:stretch>
+            <a:fillRect/>
+          </a:stretch>
+        </p:blipFill>
+        <p:spPr bwMode="auto">
+          <a:xfrm>
+            <a:off x="1796484" y="2157548"/>
+            <a:ext cx="3124200" cy="3124200"/>
+          </a:xfrm>
+          <a:prstGeom prst="rect">
+            <a:avLst/>
+          </a:prstGeom>
+          <a:noFill/>
+        </p:spPr>
+      </p:pic>
+      <p:sp>
+        <p:nvSpPr>
+          <p:cNvPr id="5" name="4 CuadroTexto"/>
+          <p:cNvSpPr txBox="1"/>
+          <p:nvPr/>
+        </p:nvSpPr>
+        <p:spPr>
+          <a:xfrm>
+            <a:off x="5930537" y="3004457"/>
+            <a:ext cx="4937760" cy="1384995"/>
+          </a:xfrm>
+          <a:prstGeom prst="rect">
+            <a:avLst/>
+          </a:prstGeom>
+          <a:noFill/>
+        </p:spPr>
+        <p:txBody>
+          <a:bodyPr wrap="square" rtlCol="0">
+            <a:spAutoFit/>
+          </a:bodyPr>
+          <a:lstStyle/>
+          <a:p>
+            <a:r>
+              <a:rPr lang="es-ES" sz="2800" b="1" dirty="0" smtClean="0"/>
+              <a:t>Libro de seguridad informática utilizado para certificados de profesionalidad</a:t>
+            </a:r>
+            <a:endParaRPr lang="es-ES" sz="2800" b="1" dirty="0"/>
+          </a:p>
+        </p:txBody>
+      </p:sp>
     </p:spTree>
     <p:extLst>
       <p:ext uri="{BB962C8B-B14F-4D97-AF65-F5344CB8AC3E}">
-        <p14:creationId xmlns:p14="http://schemas.microsoft.com/office/powerpoint/2010/main" val="2764739611"/>
+        <p14:creationId xmlns:p14="http://schemas.microsoft.com/office/powerpoint/2010/main" xmlns="" val="2764739611"/>
       </p:ext>
     </p:extLst>
   </p:cSld>
@@ -7063,7 +7232,7 @@
           <p:cNvPr id="2" name="Título 1">
             <a:extLst>
               <a:ext uri="{FF2B5EF4-FFF2-40B4-BE49-F238E27FC236}">
-                <a16:creationId xmlns:a16="http://schemas.microsoft.com/office/drawing/2014/main" id="{27CE5748-96E8-4F47-9111-1E280B70EEB0}"/>
+                <a16:creationId xmlns:a16="http://schemas.microsoft.com/office/drawing/2014/main" xmlns="" id="{27CE5748-96E8-4F47-9111-1E280B70EEB0}"/>
               </a:ext>
             </a:extLst>
           </p:cNvPr>
@@ -7095,7 +7264,7 @@
           <p:cNvPr id="5" name="Marcador de contenido 4">
             <a:extLst>
               <a:ext uri="{FF2B5EF4-FFF2-40B4-BE49-F238E27FC236}">
-                <a16:creationId xmlns:a16="http://schemas.microsoft.com/office/drawing/2014/main" id="{FD668333-E21A-4105-9DC8-202A0D4EB723}"/>
+                <a16:creationId xmlns:a16="http://schemas.microsoft.com/office/drawing/2014/main" xmlns="" id="{FD668333-E21A-4105-9DC8-202A0D4EB723}"/>
               </a:ext>
             </a:extLst>
           </p:cNvPr>
@@ -7107,10 +7276,10 @@
           </p:nvPr>
         </p:nvPicPr>
         <p:blipFill>
-          <a:blip r:embed="rId2">
+          <a:blip r:embed="rId2" cstate="print">
             <a:extLst>
               <a:ext uri="{28A0092B-C50C-407E-A947-70E740481C1C}">
-                <a14:useLocalDpi xmlns:a14="http://schemas.microsoft.com/office/drawing/2010/main" val="0"/>
+                <a14:useLocalDpi xmlns:a14="http://schemas.microsoft.com/office/drawing/2010/main" xmlns="" val="0"/>
               </a:ext>
             </a:extLst>
           </a:blip>
@@ -7130,7 +7299,7 @@
           <p:cNvPr id="6" name="CuadroTexto 5">
             <a:extLst>
               <a:ext uri="{FF2B5EF4-FFF2-40B4-BE49-F238E27FC236}">
-                <a16:creationId xmlns:a16="http://schemas.microsoft.com/office/drawing/2014/main" id="{67AEA6FD-79EC-49C7-9C40-44EA187C829D}"/>
+                <a16:creationId xmlns:a16="http://schemas.microsoft.com/office/drawing/2014/main" xmlns="" id="{67AEA6FD-79EC-49C7-9C40-44EA187C829D}"/>
               </a:ext>
             </a:extLst>
           </p:cNvPr>
@@ -7171,7 +7340,7 @@
     </p:spTree>
     <p:extLst>
       <p:ext uri="{BB962C8B-B14F-4D97-AF65-F5344CB8AC3E}">
-        <p14:creationId xmlns:p14="http://schemas.microsoft.com/office/powerpoint/2010/main" val="325247903"/>
+        <p14:creationId xmlns:p14="http://schemas.microsoft.com/office/powerpoint/2010/main" xmlns="" val="325247903"/>
       </p:ext>
     </p:extLst>
   </p:cSld>
@@ -7203,7 +7372,7 @@
           <p:cNvPr id="2" name="Título 1">
             <a:extLst>
               <a:ext uri="{FF2B5EF4-FFF2-40B4-BE49-F238E27FC236}">
-                <a16:creationId xmlns:a16="http://schemas.microsoft.com/office/drawing/2014/main" id="{27CE5748-96E8-4F47-9111-1E280B70EEB0}"/>
+                <a16:creationId xmlns:a16="http://schemas.microsoft.com/office/drawing/2014/main" xmlns="" id="{27CE5748-96E8-4F47-9111-1E280B70EEB0}"/>
               </a:ext>
             </a:extLst>
           </p:cNvPr>
@@ -7235,7 +7404,7 @@
           <p:cNvPr id="4" name="Imagen 3">
             <a:extLst>
               <a:ext uri="{FF2B5EF4-FFF2-40B4-BE49-F238E27FC236}">
-                <a16:creationId xmlns:a16="http://schemas.microsoft.com/office/drawing/2014/main" id="{A8718A1D-D8AB-454D-80C0-7D15DB67F621}"/>
+                <a16:creationId xmlns:a16="http://schemas.microsoft.com/office/drawing/2014/main" xmlns="" id="{A8718A1D-D8AB-454D-80C0-7D15DB67F621}"/>
               </a:ext>
             </a:extLst>
           </p:cNvPr>
@@ -7245,10 +7414,10 @@
           <p:nvPr/>
         </p:nvPicPr>
         <p:blipFill>
-          <a:blip r:embed="rId2">
+          <a:blip r:embed="rId2" cstate="print">
             <a:extLst>
               <a:ext uri="{28A0092B-C50C-407E-A947-70E740481C1C}">
-                <a14:useLocalDpi xmlns:a14="http://schemas.microsoft.com/office/drawing/2010/main" val="0"/>
+                <a14:useLocalDpi xmlns:a14="http://schemas.microsoft.com/office/drawing/2010/main" xmlns="" val="0"/>
               </a:ext>
             </a:extLst>
           </a:blip>
@@ -7271,7 +7440,7 @@
           <p:cNvPr id="9" name="CuadroTexto 8">
             <a:extLst>
               <a:ext uri="{FF2B5EF4-FFF2-40B4-BE49-F238E27FC236}">
-                <a16:creationId xmlns:a16="http://schemas.microsoft.com/office/drawing/2014/main" id="{477A0A18-CCFB-47CD-B77C-D9415B255EC6}"/>
+                <a16:creationId xmlns:a16="http://schemas.microsoft.com/office/drawing/2014/main" xmlns="" id="{477A0A18-CCFB-47CD-B77C-D9415B255EC6}"/>
               </a:ext>
             </a:extLst>
           </p:cNvPr>
@@ -7304,7 +7473,7 @@
     </p:spTree>
     <p:extLst>
       <p:ext uri="{BB962C8B-B14F-4D97-AF65-F5344CB8AC3E}">
-        <p14:creationId xmlns:p14="http://schemas.microsoft.com/office/powerpoint/2010/main" val="2946313479"/>
+        <p14:creationId xmlns:p14="http://schemas.microsoft.com/office/powerpoint/2010/main" xmlns="" val="2946313479"/>
       </p:ext>
     </p:extLst>
   </p:cSld>
@@ -7336,7 +7505,7 @@
           <p:cNvPr id="2" name="Título 1">
             <a:extLst>
               <a:ext uri="{FF2B5EF4-FFF2-40B4-BE49-F238E27FC236}">
-                <a16:creationId xmlns:a16="http://schemas.microsoft.com/office/drawing/2014/main" id="{27CE5748-96E8-4F47-9111-1E280B70EEB0}"/>
+                <a16:creationId xmlns:a16="http://schemas.microsoft.com/office/drawing/2014/main" xmlns="" id="{27CE5748-96E8-4F47-9111-1E280B70EEB0}"/>
               </a:ext>
             </a:extLst>
           </p:cNvPr>
@@ -7368,7 +7537,7 @@
           <p:cNvPr id="9" name="CuadroTexto 8">
             <a:extLst>
               <a:ext uri="{FF2B5EF4-FFF2-40B4-BE49-F238E27FC236}">
-                <a16:creationId xmlns:a16="http://schemas.microsoft.com/office/drawing/2014/main" id="{477A0A18-CCFB-47CD-B77C-D9415B255EC6}"/>
+                <a16:creationId xmlns:a16="http://schemas.microsoft.com/office/drawing/2014/main" xmlns="" id="{477A0A18-CCFB-47CD-B77C-D9415B255EC6}"/>
               </a:ext>
             </a:extLst>
           </p:cNvPr>
@@ -7403,7 +7572,7 @@
           <p:cNvPr id="5" name="Imagen 4">
             <a:extLst>
               <a:ext uri="{FF2B5EF4-FFF2-40B4-BE49-F238E27FC236}">
-                <a16:creationId xmlns:a16="http://schemas.microsoft.com/office/drawing/2014/main" id="{5A0562ED-38A5-4AEB-910A-1D355A69665B}"/>
+                <a16:creationId xmlns:a16="http://schemas.microsoft.com/office/drawing/2014/main" xmlns="" id="{5A0562ED-38A5-4AEB-910A-1D355A69665B}"/>
               </a:ext>
             </a:extLst>
           </p:cNvPr>
@@ -7413,10 +7582,10 @@
           <p:nvPr/>
         </p:nvPicPr>
         <p:blipFill>
-          <a:blip r:embed="rId2">
+          <a:blip r:embed="rId2" cstate="print">
             <a:extLst>
               <a:ext uri="{28A0092B-C50C-407E-A947-70E740481C1C}">
-                <a14:useLocalDpi xmlns:a14="http://schemas.microsoft.com/office/drawing/2010/main" val="0"/>
+                <a14:useLocalDpi xmlns:a14="http://schemas.microsoft.com/office/drawing/2010/main" xmlns="" val="0"/>
               </a:ext>
             </a:extLst>
           </a:blip>
@@ -7437,7 +7606,7 @@
     </p:spTree>
     <p:extLst>
       <p:ext uri="{BB962C8B-B14F-4D97-AF65-F5344CB8AC3E}">
-        <p14:creationId xmlns:p14="http://schemas.microsoft.com/office/powerpoint/2010/main" val="2184460929"/>
+        <p14:creationId xmlns:p14="http://schemas.microsoft.com/office/powerpoint/2010/main" xmlns="" val="2184460929"/>
       </p:ext>
     </p:extLst>
   </p:cSld>
@@ -7469,7 +7638,7 @@
           <p:cNvPr id="2" name="Título 1">
             <a:extLst>
               <a:ext uri="{FF2B5EF4-FFF2-40B4-BE49-F238E27FC236}">
-                <a16:creationId xmlns:a16="http://schemas.microsoft.com/office/drawing/2014/main" id="{FBD9E5A4-5370-4DA9-A647-51FE54C60D94}"/>
+                <a16:creationId xmlns:a16="http://schemas.microsoft.com/office/drawing/2014/main" xmlns="" id="{FBD9E5A4-5370-4DA9-A647-51FE54C60D94}"/>
               </a:ext>
             </a:extLst>
           </p:cNvPr>
@@ -7487,15 +7656,31 @@
           </a:bodyPr>
           <a:lstStyle/>
           <a:p>
+            <a:r>
+              <a:rPr lang="es-ES" sz="4800" b="1" dirty="0"/>
+              <a:t/>
+            </a:r>
             <a:br>
               <a:rPr lang="es-ES" sz="4800" b="1" dirty="0"/>
             </a:br>
+            <a:r>
+              <a:rPr lang="es-ES" sz="4800" b="1" dirty="0"/>
+              <a:t/>
+            </a:r>
             <a:br>
               <a:rPr lang="es-ES" sz="4800" b="1" dirty="0"/>
             </a:br>
+            <a:r>
+              <a:rPr lang="es-ES" sz="4800" b="1" dirty="0"/>
+              <a:t/>
+            </a:r>
             <a:br>
               <a:rPr lang="es-ES" sz="4800" b="1" dirty="0"/>
             </a:br>
+            <a:r>
+              <a:rPr lang="es-ES" sz="4800" b="1" dirty="0"/>
+              <a:t/>
+            </a:r>
             <a:br>
               <a:rPr lang="es-ES" sz="4800" b="1" dirty="0"/>
             </a:br>
@@ -7510,7 +7695,7 @@
     </p:spTree>
     <p:extLst>
       <p:ext uri="{BB962C8B-B14F-4D97-AF65-F5344CB8AC3E}">
-        <p14:creationId xmlns:p14="http://schemas.microsoft.com/office/powerpoint/2010/main" val="33740604"/>
+        <p14:creationId xmlns:p14="http://schemas.microsoft.com/office/powerpoint/2010/main" xmlns="" val="33740604"/>
       </p:ext>
     </p:extLst>
   </p:cSld>
@@ -7542,7 +7727,7 @@
           <p:cNvPr id="2" name="Título 1">
             <a:extLst>
               <a:ext uri="{FF2B5EF4-FFF2-40B4-BE49-F238E27FC236}">
-                <a16:creationId xmlns:a16="http://schemas.microsoft.com/office/drawing/2014/main" id="{DB459F96-5400-4565-B30E-CC0BF103DD59}"/>
+                <a16:creationId xmlns:a16="http://schemas.microsoft.com/office/drawing/2014/main" xmlns="" id="{DB459F96-5400-4565-B30E-CC0BF103DD59}"/>
               </a:ext>
             </a:extLst>
           </p:cNvPr>
@@ -7575,7 +7760,7 @@
           <p:cNvPr id="3" name="Marcador de contenido 2">
             <a:extLst>
               <a:ext uri="{FF2B5EF4-FFF2-40B4-BE49-F238E27FC236}">
-                <a16:creationId xmlns:a16="http://schemas.microsoft.com/office/drawing/2014/main" id="{6515217E-89DA-4B09-8EC9-0410A63694F9}"/>
+                <a16:creationId xmlns:a16="http://schemas.microsoft.com/office/drawing/2014/main" xmlns="" id="{6515217E-89DA-4B09-8EC9-0410A63694F9}"/>
               </a:ext>
             </a:extLst>
           </p:cNvPr>
@@ -7744,7 +7929,7 @@
     </p:spTree>
     <p:extLst>
       <p:ext uri="{BB962C8B-B14F-4D97-AF65-F5344CB8AC3E}">
-        <p14:creationId xmlns:p14="http://schemas.microsoft.com/office/powerpoint/2010/main" val="1499922670"/>
+        <p14:creationId xmlns:p14="http://schemas.microsoft.com/office/powerpoint/2010/main" xmlns="" val="1499922670"/>
       </p:ext>
     </p:extLst>
   </p:cSld>
@@ -7776,7 +7961,7 @@
           <p:cNvPr id="5" name="Marcador de contenido 4">
             <a:extLst>
               <a:ext uri="{FF2B5EF4-FFF2-40B4-BE49-F238E27FC236}">
-                <a16:creationId xmlns:a16="http://schemas.microsoft.com/office/drawing/2014/main" id="{C60E4B72-A122-4EBF-8C57-D26F410C13F1}"/>
+                <a16:creationId xmlns:a16="http://schemas.microsoft.com/office/drawing/2014/main" xmlns="" id="{C60E4B72-A122-4EBF-8C57-D26F410C13F1}"/>
               </a:ext>
             </a:extLst>
           </p:cNvPr>
@@ -7788,10 +7973,10 @@
           </p:nvPr>
         </p:nvPicPr>
         <p:blipFill>
-          <a:blip r:embed="rId2">
+          <a:blip r:embed="rId2" cstate="print">
             <a:extLst>
               <a:ext uri="{28A0092B-C50C-407E-A947-70E740481C1C}">
-                <a14:useLocalDpi xmlns:a14="http://schemas.microsoft.com/office/drawing/2010/main" val="0"/>
+                <a14:useLocalDpi xmlns:a14="http://schemas.microsoft.com/office/drawing/2010/main" xmlns="" val="0"/>
               </a:ext>
             </a:extLst>
           </a:blip>
@@ -7811,7 +7996,7 @@
           <p:cNvPr id="8" name="Título 1">
             <a:extLst>
               <a:ext uri="{FF2B5EF4-FFF2-40B4-BE49-F238E27FC236}">
-                <a16:creationId xmlns:a16="http://schemas.microsoft.com/office/drawing/2014/main" id="{838AE204-C6DD-4B2D-AB01-E442527CDB2F}"/>
+                <a16:creationId xmlns:a16="http://schemas.microsoft.com/office/drawing/2014/main" xmlns="" id="{838AE204-C6DD-4B2D-AB01-E442527CDB2F}"/>
               </a:ext>
             </a:extLst>
           </p:cNvPr>
@@ -7846,7 +8031,7 @@
           <p:cNvPr id="9" name="CuadroTexto 8">
             <a:extLst>
               <a:ext uri="{FF2B5EF4-FFF2-40B4-BE49-F238E27FC236}">
-                <a16:creationId xmlns:a16="http://schemas.microsoft.com/office/drawing/2014/main" id="{95E1959A-94D3-49A0-8F48-B893C53CDC72}"/>
+                <a16:creationId xmlns:a16="http://schemas.microsoft.com/office/drawing/2014/main" xmlns="" id="{95E1959A-94D3-49A0-8F48-B893C53CDC72}"/>
               </a:ext>
             </a:extLst>
           </p:cNvPr>
@@ -7879,7 +8064,7 @@
     </p:spTree>
     <p:extLst>
       <p:ext uri="{BB962C8B-B14F-4D97-AF65-F5344CB8AC3E}">
-        <p14:creationId xmlns:p14="http://schemas.microsoft.com/office/powerpoint/2010/main" val="1890834230"/>
+        <p14:creationId xmlns:p14="http://schemas.microsoft.com/office/powerpoint/2010/main" xmlns="" val="1890834230"/>
       </p:ext>
     </p:extLst>
   </p:cSld>
@@ -7911,7 +8096,7 @@
           <p:cNvPr id="8" name="Título 1">
             <a:extLst>
               <a:ext uri="{FF2B5EF4-FFF2-40B4-BE49-F238E27FC236}">
-                <a16:creationId xmlns:a16="http://schemas.microsoft.com/office/drawing/2014/main" id="{838AE204-C6DD-4B2D-AB01-E442527CDB2F}"/>
+                <a16:creationId xmlns:a16="http://schemas.microsoft.com/office/drawing/2014/main" xmlns="" id="{838AE204-C6DD-4B2D-AB01-E442527CDB2F}"/>
               </a:ext>
             </a:extLst>
           </p:cNvPr>
@@ -7946,7 +8131,7 @@
           <p:cNvPr id="9" name="CuadroTexto 8">
             <a:extLst>
               <a:ext uri="{FF2B5EF4-FFF2-40B4-BE49-F238E27FC236}">
-                <a16:creationId xmlns:a16="http://schemas.microsoft.com/office/drawing/2014/main" id="{95E1959A-94D3-49A0-8F48-B893C53CDC72}"/>
+                <a16:creationId xmlns:a16="http://schemas.microsoft.com/office/drawing/2014/main" xmlns="" id="{95E1959A-94D3-49A0-8F48-B893C53CDC72}"/>
               </a:ext>
             </a:extLst>
           </p:cNvPr>
@@ -7981,7 +8166,7 @@
           <p:cNvPr id="6" name="Marcador de contenido 5">
             <a:extLst>
               <a:ext uri="{FF2B5EF4-FFF2-40B4-BE49-F238E27FC236}">
-                <a16:creationId xmlns:a16="http://schemas.microsoft.com/office/drawing/2014/main" id="{BEACF138-DC53-425D-9C15-62B86AA8FD2B}"/>
+                <a16:creationId xmlns:a16="http://schemas.microsoft.com/office/drawing/2014/main" xmlns="" id="{BEACF138-DC53-425D-9C15-62B86AA8FD2B}"/>
               </a:ext>
             </a:extLst>
           </p:cNvPr>
@@ -7993,10 +8178,10 @@
           </p:nvPr>
         </p:nvPicPr>
         <p:blipFill>
-          <a:blip r:embed="rId2">
+          <a:blip r:embed="rId2" cstate="print">
             <a:extLst>
               <a:ext uri="{28A0092B-C50C-407E-A947-70E740481C1C}">
-                <a14:useLocalDpi xmlns:a14="http://schemas.microsoft.com/office/drawing/2010/main" val="0"/>
+                <a14:useLocalDpi xmlns:a14="http://schemas.microsoft.com/office/drawing/2010/main" xmlns="" val="0"/>
               </a:ext>
             </a:extLst>
           </a:blip>
@@ -8014,7 +8199,7 @@
     </p:spTree>
     <p:extLst>
       <p:ext uri="{BB962C8B-B14F-4D97-AF65-F5344CB8AC3E}">
-        <p14:creationId xmlns:p14="http://schemas.microsoft.com/office/powerpoint/2010/main" val="818075824"/>
+        <p14:creationId xmlns:p14="http://schemas.microsoft.com/office/powerpoint/2010/main" xmlns="" val="818075824"/>
       </p:ext>
     </p:extLst>
   </p:cSld>
@@ -8046,7 +8231,7 @@
           <p:cNvPr id="8" name="Título 1">
             <a:extLst>
               <a:ext uri="{FF2B5EF4-FFF2-40B4-BE49-F238E27FC236}">
-                <a16:creationId xmlns:a16="http://schemas.microsoft.com/office/drawing/2014/main" id="{838AE204-C6DD-4B2D-AB01-E442527CDB2F}"/>
+                <a16:creationId xmlns:a16="http://schemas.microsoft.com/office/drawing/2014/main" xmlns="" id="{838AE204-C6DD-4B2D-AB01-E442527CDB2F}"/>
               </a:ext>
             </a:extLst>
           </p:cNvPr>
@@ -8081,7 +8266,7 @@
           <p:cNvPr id="9" name="CuadroTexto 8">
             <a:extLst>
               <a:ext uri="{FF2B5EF4-FFF2-40B4-BE49-F238E27FC236}">
-                <a16:creationId xmlns:a16="http://schemas.microsoft.com/office/drawing/2014/main" id="{95E1959A-94D3-49A0-8F48-B893C53CDC72}"/>
+                <a16:creationId xmlns:a16="http://schemas.microsoft.com/office/drawing/2014/main" xmlns="" id="{95E1959A-94D3-49A0-8F48-B893C53CDC72}"/>
               </a:ext>
             </a:extLst>
           </p:cNvPr>
@@ -8116,7 +8301,7 @@
           <p:cNvPr id="5" name="Marcador de contenido 4">
             <a:extLst>
               <a:ext uri="{FF2B5EF4-FFF2-40B4-BE49-F238E27FC236}">
-                <a16:creationId xmlns:a16="http://schemas.microsoft.com/office/drawing/2014/main" id="{77D9E8CA-0B3D-4CE8-98CB-4C95A1F11CEB}"/>
+                <a16:creationId xmlns:a16="http://schemas.microsoft.com/office/drawing/2014/main" xmlns="" id="{77D9E8CA-0B3D-4CE8-98CB-4C95A1F11CEB}"/>
               </a:ext>
             </a:extLst>
           </p:cNvPr>
@@ -8128,10 +8313,10 @@
           </p:nvPr>
         </p:nvPicPr>
         <p:blipFill>
-          <a:blip r:embed="rId2">
+          <a:blip r:embed="rId2" cstate="print">
             <a:extLst>
               <a:ext uri="{28A0092B-C50C-407E-A947-70E740481C1C}">
-                <a14:useLocalDpi xmlns:a14="http://schemas.microsoft.com/office/drawing/2010/main" val="0"/>
+                <a14:useLocalDpi xmlns:a14="http://schemas.microsoft.com/office/drawing/2010/main" xmlns="" val="0"/>
               </a:ext>
             </a:extLst>
           </a:blip>
@@ -8149,7 +8334,7 @@
     </p:spTree>
     <p:extLst>
       <p:ext uri="{BB962C8B-B14F-4D97-AF65-F5344CB8AC3E}">
-        <p14:creationId xmlns:p14="http://schemas.microsoft.com/office/powerpoint/2010/main" val="3786599913"/>
+        <p14:creationId xmlns:p14="http://schemas.microsoft.com/office/powerpoint/2010/main" xmlns="" val="3786599913"/>
       </p:ext>
     </p:extLst>
   </p:cSld>
@@ -8181,7 +8366,7 @@
           <p:cNvPr id="8" name="Título 1">
             <a:extLst>
               <a:ext uri="{FF2B5EF4-FFF2-40B4-BE49-F238E27FC236}">
-                <a16:creationId xmlns:a16="http://schemas.microsoft.com/office/drawing/2014/main" id="{838AE204-C6DD-4B2D-AB01-E442527CDB2F}"/>
+                <a16:creationId xmlns:a16="http://schemas.microsoft.com/office/drawing/2014/main" xmlns="" id="{838AE204-C6DD-4B2D-AB01-E442527CDB2F}"/>
               </a:ext>
             </a:extLst>
           </p:cNvPr>
@@ -8216,7 +8401,7 @@
           <p:cNvPr id="9" name="CuadroTexto 8">
             <a:extLst>
               <a:ext uri="{FF2B5EF4-FFF2-40B4-BE49-F238E27FC236}">
-                <a16:creationId xmlns:a16="http://schemas.microsoft.com/office/drawing/2014/main" id="{95E1959A-94D3-49A0-8F48-B893C53CDC72}"/>
+                <a16:creationId xmlns:a16="http://schemas.microsoft.com/office/drawing/2014/main" xmlns="" id="{95E1959A-94D3-49A0-8F48-B893C53CDC72}"/>
               </a:ext>
             </a:extLst>
           </p:cNvPr>
@@ -8251,7 +8436,7 @@
           <p:cNvPr id="6" name="Marcador de contenido 5">
             <a:extLst>
               <a:ext uri="{FF2B5EF4-FFF2-40B4-BE49-F238E27FC236}">
-                <a16:creationId xmlns:a16="http://schemas.microsoft.com/office/drawing/2014/main" id="{5C0C2E31-6AE0-4666-B0FB-10C1D37A8D7F}"/>
+                <a16:creationId xmlns:a16="http://schemas.microsoft.com/office/drawing/2014/main" xmlns="" id="{5C0C2E31-6AE0-4666-B0FB-10C1D37A8D7F}"/>
               </a:ext>
             </a:extLst>
           </p:cNvPr>
@@ -8263,10 +8448,10 @@
           </p:nvPr>
         </p:nvPicPr>
         <p:blipFill>
-          <a:blip r:embed="rId2">
+          <a:blip r:embed="rId2" cstate="print">
             <a:extLst>
               <a:ext uri="{28A0092B-C50C-407E-A947-70E740481C1C}">
-                <a14:useLocalDpi xmlns:a14="http://schemas.microsoft.com/office/drawing/2010/main" val="0"/>
+                <a14:useLocalDpi xmlns:a14="http://schemas.microsoft.com/office/drawing/2010/main" xmlns="" val="0"/>
               </a:ext>
             </a:extLst>
           </a:blip>
@@ -8284,7 +8469,7 @@
     </p:spTree>
     <p:extLst>
       <p:ext uri="{BB962C8B-B14F-4D97-AF65-F5344CB8AC3E}">
-        <p14:creationId xmlns:p14="http://schemas.microsoft.com/office/powerpoint/2010/main" val="1853866790"/>
+        <p14:creationId xmlns:p14="http://schemas.microsoft.com/office/powerpoint/2010/main" xmlns="" val="1853866790"/>
       </p:ext>
     </p:extLst>
   </p:cSld>
@@ -8313,13 +8498,7 @@
       </p:grpSpPr>
       <p:sp>
         <p:nvSpPr>
-          <p:cNvPr id="2" name="Título 1">
-            <a:extLst>
-              <a:ext uri="{FF2B5EF4-FFF2-40B4-BE49-F238E27FC236}">
-                <a16:creationId xmlns:a16="http://schemas.microsoft.com/office/drawing/2014/main" id="{6BAE3F2D-3FC2-4518-A197-DE7D9F2A5183}"/>
-              </a:ext>
-            </a:extLst>
-          </p:cNvPr>
+          <p:cNvPr id="2" name="1 Título"/>
           <p:cNvSpPr>
             <a:spLocks noGrp="1"/>
           </p:cNvSpPr>
@@ -8327,304 +8506,35 @@
             <p:ph type="title"/>
           </p:nvPr>
         </p:nvSpPr>
-        <p:spPr>
-          <a:xfrm>
-            <a:off x="1484312" y="721896"/>
-            <a:ext cx="3549121" cy="926432"/>
-          </a:xfrm>
-        </p:spPr>
+        <p:spPr/>
         <p:txBody>
           <a:bodyPr/>
           <a:lstStyle/>
           <a:p>
-            <a:r>
-              <a:rPr lang="es-ES"/>
-              <a:t>BECAS DE CARÁCTER GENERAL </a:t>
-            </a:r>
-            <a:endParaRPr lang="es-ES" dirty="0"/>
-          </a:p>
-        </p:txBody>
-      </p:sp>
-      <p:pic>
-        <p:nvPicPr>
-          <p:cNvPr id="5" name="Marcador de contenido 4">
-            <a:extLst>
-              <a:ext uri="{FF2B5EF4-FFF2-40B4-BE49-F238E27FC236}">
-                <a16:creationId xmlns:a16="http://schemas.microsoft.com/office/drawing/2014/main" id="{CFC5D1F2-E23A-416E-BF31-DFF5083C7696}"/>
-              </a:ext>
-            </a:extLst>
-          </p:cNvPr>
-          <p:cNvPicPr>
-            <a:picLocks noGrp="1" noChangeAspect="1"/>
-          </p:cNvPicPr>
+            <a:endParaRPr lang="es-ES"/>
+          </a:p>
+        </p:txBody>
+      </p:sp>
+      <p:sp>
+        <p:nvSpPr>
+          <p:cNvPr id="3" name="2 Marcador de contenido"/>
+          <p:cNvSpPr>
+            <a:spLocks noGrp="1"/>
+          </p:cNvSpPr>
           <p:nvPr>
             <p:ph idx="1"/>
           </p:nvPr>
-        </p:nvPicPr>
-        <p:blipFill>
-          <a:blip r:embed="rId2"/>
-          <a:stretch>
-            <a:fillRect/>
-          </a:stretch>
-        </p:blipFill>
-        <p:spPr>
-          <a:xfrm>
-            <a:off x="5683828" y="2623073"/>
-            <a:ext cx="5729910" cy="1756422"/>
-          </a:xfrm>
-          <a:prstGeom prst="rect">
-            <a:avLst/>
-          </a:prstGeom>
-        </p:spPr>
-      </p:pic>
-      <p:sp>
-        <p:nvSpPr>
-          <p:cNvPr id="4" name="Marcador de texto 3">
-            <a:extLst>
-              <a:ext uri="{FF2B5EF4-FFF2-40B4-BE49-F238E27FC236}">
-                <a16:creationId xmlns:a16="http://schemas.microsoft.com/office/drawing/2014/main" id="{439717E3-E765-4128-8E40-6C8713D75B95}"/>
-              </a:ext>
-            </a:extLst>
-          </p:cNvPr>
-          <p:cNvSpPr>
-            <a:spLocks noGrp="1"/>
-          </p:cNvSpPr>
-          <p:nvPr>
-            <p:ph type="body" sz="half" idx="2"/>
-          </p:nvPr>
-        </p:nvSpPr>
-        <p:spPr>
-          <a:xfrm>
-            <a:off x="1484312" y="1997241"/>
-            <a:ext cx="3549121" cy="4138863"/>
-          </a:xfrm>
-        </p:spPr>
-        <p:txBody>
-          <a:bodyPr>
-            <a:normAutofit lnSpcReduction="10000"/>
-          </a:bodyPr>
+        </p:nvSpPr>
+        <p:spPr/>
+        <p:txBody>
+          <a:bodyPr/>
           <a:lstStyle/>
           <a:p>
-            <a:pPr lvl="0" algn="l">
-              <a:spcBef>
-                <a:spcPts val="0"/>
-              </a:spcBef>
-              <a:spcAft>
-                <a:spcPts val="0"/>
-              </a:spcAft>
-              <a:defRPr sz="1800" b="0" i="0" u="none" strike="noStrike" kern="0" cap="none" spc="0" baseline="0">
-                <a:solidFill>
-                  <a:srgbClr val="000000"/>
-                </a:solidFill>
-                <a:uFillTx/>
-              </a:defRPr>
-            </a:pPr>
-            <a:r>
-              <a:rPr lang="es-ES" dirty="0">
-                <a:solidFill>
-                  <a:srgbClr val="000000"/>
-                </a:solidFill>
-                <a:latin typeface="Corbel" panose="020B0503020204020204" pitchFamily="34" charset="0"/>
-              </a:rPr>
-              <a:t>BECAS DEL MINISTERIO DE EDUCACION Y CIENCIAS </a:t>
-            </a:r>
-          </a:p>
-          <a:p>
-            <a:pPr lvl="0" algn="l">
-              <a:spcBef>
-                <a:spcPts val="0"/>
-              </a:spcBef>
-              <a:spcAft>
-                <a:spcPts val="0"/>
-              </a:spcAft>
-              <a:defRPr sz="1800" b="0" i="0" u="none" strike="noStrike" kern="0" cap="none" spc="0" baseline="0">
-                <a:solidFill>
-                  <a:srgbClr val="000000"/>
-                </a:solidFill>
-                <a:uFillTx/>
-              </a:defRPr>
-            </a:pPr>
-            <a:endParaRPr lang="es-ES" dirty="0">
-              <a:solidFill>
-                <a:srgbClr val="000000"/>
-              </a:solidFill>
-              <a:latin typeface="Corbel" panose="020B0503020204020204" pitchFamily="34" charset="0"/>
-            </a:endParaRPr>
-          </a:p>
-          <a:p>
-            <a:pPr lvl="0" algn="l">
-              <a:spcBef>
-                <a:spcPts val="0"/>
-              </a:spcBef>
-              <a:spcAft>
-                <a:spcPts val="0"/>
-              </a:spcAft>
-              <a:defRPr sz="1800" b="0" i="0" u="none" strike="noStrike" kern="0" cap="none" spc="0" baseline="0">
-                <a:solidFill>
-                  <a:srgbClr val="000000"/>
-                </a:solidFill>
-                <a:uFillTx/>
-              </a:defRPr>
-            </a:pPr>
-            <a:r>
-              <a:rPr lang="es-ES" dirty="0">
-                <a:solidFill>
-                  <a:srgbClr val="000000"/>
-                </a:solidFill>
-                <a:latin typeface="Corbel" panose="020B0503020204020204" pitchFamily="34" charset="0"/>
-              </a:rPr>
-              <a:t>NACIONALIDAD ESPAÑOLA  O UNION EUROPEA O TRABAJADOR EN ESPAÑA</a:t>
-            </a:r>
-          </a:p>
-          <a:p>
-            <a:pPr lvl="0" algn="l">
-              <a:spcBef>
-                <a:spcPts val="0"/>
-              </a:spcBef>
-              <a:spcAft>
-                <a:spcPts val="0"/>
-              </a:spcAft>
-              <a:defRPr sz="1800" b="0" i="0" u="none" strike="noStrike" kern="0" cap="none" spc="0" baseline="0">
-                <a:solidFill>
-                  <a:srgbClr val="000000"/>
-                </a:solidFill>
-                <a:uFillTx/>
-              </a:defRPr>
-            </a:pPr>
-            <a:endParaRPr lang="es-ES" dirty="0">
-              <a:solidFill>
-                <a:srgbClr val="000000"/>
-              </a:solidFill>
-              <a:latin typeface="Corbel" panose="020B0503020204020204" pitchFamily="34" charset="0"/>
-            </a:endParaRPr>
-          </a:p>
-          <a:p>
-            <a:pPr lvl="0" algn="l">
-              <a:spcBef>
-                <a:spcPts val="0"/>
-              </a:spcBef>
-              <a:spcAft>
-                <a:spcPts val="0"/>
-              </a:spcAft>
-              <a:defRPr sz="1800" b="0" i="0" u="none" strike="noStrike" kern="0" cap="none" spc="0" baseline="0">
-                <a:solidFill>
-                  <a:srgbClr val="000000"/>
-                </a:solidFill>
-                <a:uFillTx/>
-              </a:defRPr>
-            </a:pPr>
-            <a:endParaRPr lang="es-ES" dirty="0">
-              <a:solidFill>
-                <a:srgbClr val="000000"/>
-              </a:solidFill>
-              <a:latin typeface="Corbel" panose="020B0503020204020204" pitchFamily="34" charset="0"/>
-            </a:endParaRPr>
-          </a:p>
-          <a:p>
-            <a:pPr lvl="0" algn="l">
-              <a:spcBef>
-                <a:spcPts val="0"/>
-              </a:spcBef>
-              <a:spcAft>
-                <a:spcPts val="0"/>
-              </a:spcAft>
-              <a:defRPr sz="1800" b="0" i="0" u="none" strike="noStrike" kern="0" cap="none" spc="0" baseline="0">
-                <a:solidFill>
-                  <a:srgbClr val="000000"/>
-                </a:solidFill>
-                <a:uFillTx/>
-              </a:defRPr>
-            </a:pPr>
-            <a:r>
-              <a:rPr lang="es-ES" dirty="0">
-                <a:solidFill>
-                  <a:srgbClr val="000000"/>
-                </a:solidFill>
-                <a:latin typeface="Corbel" panose="020B0503020204020204" pitchFamily="34" charset="0"/>
-              </a:rPr>
-              <a:t>HABER APROBADO EL 60% EN GRADOS TECNICOS Y 80% EN OTRAS TITULACIONES </a:t>
-            </a:r>
-          </a:p>
-          <a:p>
-            <a:pPr lvl="0" algn="l">
-              <a:spcBef>
-                <a:spcPts val="0"/>
-              </a:spcBef>
-              <a:spcAft>
-                <a:spcPts val="0"/>
-              </a:spcAft>
-              <a:defRPr sz="1800" b="0" i="0" u="none" strike="noStrike" kern="0" cap="none" spc="0" baseline="0">
-                <a:solidFill>
-                  <a:srgbClr val="000000"/>
-                </a:solidFill>
-                <a:uFillTx/>
-              </a:defRPr>
-            </a:pPr>
-            <a:endParaRPr lang="es-ES" dirty="0">
-              <a:solidFill>
-                <a:srgbClr val="000000"/>
-              </a:solidFill>
-              <a:latin typeface="Corbel" panose="020B0503020204020204" pitchFamily="34" charset="0"/>
-            </a:endParaRPr>
-          </a:p>
-          <a:p>
-            <a:pPr lvl="0" algn="l">
-              <a:spcBef>
-                <a:spcPts val="0"/>
-              </a:spcBef>
-              <a:spcAft>
-                <a:spcPts val="0"/>
-              </a:spcAft>
-              <a:defRPr sz="1800" b="0" i="0" u="none" strike="noStrike" kern="0" cap="none" spc="0" baseline="0">
-                <a:solidFill>
-                  <a:srgbClr val="000000"/>
-                </a:solidFill>
-                <a:uFillTx/>
-              </a:defRPr>
-            </a:pPr>
-            <a:endParaRPr lang="es-ES" dirty="0">
-              <a:solidFill>
-                <a:srgbClr val="000000"/>
-              </a:solidFill>
-              <a:latin typeface="Corbel" panose="020B0503020204020204" pitchFamily="34" charset="0"/>
-            </a:endParaRPr>
-          </a:p>
-          <a:p>
-            <a:pPr lvl="0" algn="l">
-              <a:spcBef>
-                <a:spcPts val="0"/>
-              </a:spcBef>
-              <a:spcAft>
-                <a:spcPts val="0"/>
-              </a:spcAft>
-              <a:defRPr sz="1800" b="0" i="0" u="none" strike="noStrike" kern="0" cap="none" spc="0" baseline="0">
-                <a:solidFill>
-                  <a:srgbClr val="000000"/>
-                </a:solidFill>
-                <a:uFillTx/>
-              </a:defRPr>
-            </a:pPr>
-            <a:r>
-              <a:rPr lang="es-ES" dirty="0">
-                <a:solidFill>
-                  <a:srgbClr val="000000"/>
-                </a:solidFill>
-                <a:latin typeface="Corbel" panose="020B0503020204020204" pitchFamily="34" charset="0"/>
-              </a:rPr>
-              <a:t>DEPSNDIENDO DEL NIVEL ECONOMICO DE FAMILIA</a:t>
-            </a:r>
-          </a:p>
-          <a:p>
-            <a:endParaRPr lang="es-ES" dirty="0"/>
+            <a:endParaRPr lang="es-ES"/>
           </a:p>
         </p:txBody>
       </p:sp>
     </p:spTree>
-    <p:extLst>
-      <p:ext uri="{BB962C8B-B14F-4D97-AF65-F5344CB8AC3E}">
-        <p14:creationId xmlns:p14="http://schemas.microsoft.com/office/powerpoint/2010/main" val="3160781622"/>
-      </p:ext>
-    </p:extLst>
   </p:cSld>
   <p:clrMapOvr>
     <a:masterClrMapping/>
@@ -8654,7 +8564,7 @@
           <p:cNvPr id="2" name="Título 1">
             <a:extLst>
               <a:ext uri="{FF2B5EF4-FFF2-40B4-BE49-F238E27FC236}">
-                <a16:creationId xmlns:a16="http://schemas.microsoft.com/office/drawing/2014/main" id="{BB85FC81-7A3A-4F97-9C25-16430D0B9ED6}"/>
+                <a16:creationId xmlns:a16="http://schemas.microsoft.com/office/drawing/2014/main" xmlns="" id="{FBD9E5A4-5370-4DA9-A647-51FE54C60D94}"/>
               </a:ext>
             </a:extLst>
           </p:cNvPr>
@@ -8665,494 +8575,61 @@
             <p:ph type="title"/>
           </p:nvPr>
         </p:nvSpPr>
-        <p:spPr>
-          <a:xfrm>
-            <a:off x="1484312" y="685799"/>
-            <a:ext cx="3549121" cy="565484"/>
-          </a:xfrm>
-        </p:spPr>
-        <p:txBody>
-          <a:bodyPr/>
-          <a:lstStyle/>
-          <a:p>
-            <a:r>
-              <a:rPr lang="es-ES" dirty="0"/>
-              <a:t>BECAS DE MOVILIDAD</a:t>
-            </a:r>
-          </a:p>
-        </p:txBody>
-      </p:sp>
-      <p:pic>
-        <p:nvPicPr>
-          <p:cNvPr id="5" name="Marcador de contenido 4">
-            <a:extLst>
-              <a:ext uri="{FF2B5EF4-FFF2-40B4-BE49-F238E27FC236}">
-                <a16:creationId xmlns:a16="http://schemas.microsoft.com/office/drawing/2014/main" id="{B9FBDEA7-A02A-48BD-8D4D-02CF155F90AB}"/>
-              </a:ext>
-            </a:extLst>
-          </p:cNvPr>
-          <p:cNvPicPr>
-            <a:picLocks noGrp="1" noChangeAspect="1"/>
-          </p:cNvPicPr>
-          <p:nvPr>
-            <p:ph idx="1"/>
-          </p:nvPr>
-        </p:nvPicPr>
-        <p:blipFill>
-          <a:blip r:embed="rId2"/>
-          <a:stretch>
-            <a:fillRect/>
-          </a:stretch>
-        </p:blipFill>
-        <p:spPr>
-          <a:xfrm>
-            <a:off x="6264442" y="1660358"/>
-            <a:ext cx="4761389" cy="969348"/>
-          </a:xfrm>
-          <a:prstGeom prst="rect">
-            <a:avLst/>
-          </a:prstGeom>
-        </p:spPr>
-      </p:pic>
-      <p:sp>
-        <p:nvSpPr>
-          <p:cNvPr id="4" name="Marcador de texto 3">
-            <a:extLst>
-              <a:ext uri="{FF2B5EF4-FFF2-40B4-BE49-F238E27FC236}">
-                <a16:creationId xmlns:a16="http://schemas.microsoft.com/office/drawing/2014/main" id="{81CC1F74-9147-4CAE-B1E1-6C13F084B291}"/>
-              </a:ext>
-            </a:extLst>
-          </p:cNvPr>
-          <p:cNvSpPr>
-            <a:spLocks noGrp="1"/>
-          </p:cNvSpPr>
-          <p:nvPr>
-            <p:ph type="body" sz="half" idx="2"/>
-          </p:nvPr>
-        </p:nvSpPr>
-        <p:spPr>
-          <a:xfrm>
-            <a:off x="1484312" y="1660358"/>
-            <a:ext cx="3549121" cy="4130842"/>
-          </a:xfrm>
-        </p:spPr>
+        <p:spPr/>
         <p:txBody>
           <a:bodyPr>
-            <a:normAutofit fontScale="92500" lnSpcReduction="20000"/>
+            <a:normAutofit fontScale="90000"/>
           </a:bodyPr>
           <a:lstStyle/>
           <a:p>
-            <a:pPr lvl="0" algn="l">
-              <a:spcBef>
-                <a:spcPts val="0"/>
-              </a:spcBef>
-              <a:spcAft>
-                <a:spcPts val="0"/>
-              </a:spcAft>
-              <a:defRPr sz="1800" b="0" i="0" u="none" strike="noStrike" kern="0" cap="none" spc="0" baseline="0">
-                <a:solidFill>
-                  <a:srgbClr val="000000"/>
-                </a:solidFill>
-                <a:uFillTx/>
-              </a:defRPr>
-            </a:pPr>
-            <a:r>
-              <a:rPr lang="es-ES" dirty="0">
-                <a:solidFill>
-                  <a:srgbClr val="000000"/>
-                </a:solidFill>
-                <a:latin typeface="Corbel" panose="020B0503020204020204" pitchFamily="34" charset="0"/>
-              </a:rPr>
-              <a:t>ERASMUS</a:t>
-            </a:r>
-          </a:p>
-          <a:p>
-            <a:pPr lvl="0" algn="l">
-              <a:spcBef>
-                <a:spcPts val="0"/>
-              </a:spcBef>
-              <a:spcAft>
-                <a:spcPts val="0"/>
-              </a:spcAft>
-              <a:defRPr sz="1800" b="0" i="0" u="none" strike="noStrike" kern="0" cap="none" spc="0" baseline="0">
-                <a:solidFill>
-                  <a:srgbClr val="000000"/>
-                </a:solidFill>
-                <a:uFillTx/>
-              </a:defRPr>
-            </a:pPr>
-            <a:endParaRPr lang="es-ES" dirty="0">
-              <a:solidFill>
-                <a:srgbClr val="000000"/>
-              </a:solidFill>
-              <a:latin typeface="Corbel" panose="020B0503020204020204" pitchFamily="34" charset="0"/>
-            </a:endParaRPr>
-          </a:p>
-          <a:p>
-            <a:pPr marL="285750" lvl="0" indent="-285750" algn="l">
-              <a:spcBef>
-                <a:spcPts val="0"/>
-              </a:spcBef>
-              <a:spcAft>
-                <a:spcPts val="0"/>
-              </a:spcAft>
-              <a:buSzPct val="100000"/>
-              <a:buChar char="-"/>
-              <a:defRPr sz="1800" b="0" i="0" u="none" strike="noStrike" kern="0" cap="none" spc="0" baseline="0">
-                <a:solidFill>
-                  <a:srgbClr val="000000"/>
-                </a:solidFill>
-                <a:uFillTx/>
-              </a:defRPr>
-            </a:pPr>
-            <a:r>
-              <a:rPr lang="es-ES" dirty="0">
-                <a:solidFill>
-                  <a:srgbClr val="000000"/>
-                </a:solidFill>
-                <a:latin typeface="Corbel" panose="020B0503020204020204" pitchFamily="34" charset="0"/>
-              </a:rPr>
-              <a:t>PRIMERO APROBADO</a:t>
-            </a:r>
-          </a:p>
-          <a:p>
-            <a:pPr marL="285750" lvl="0" indent="-285750" algn="l">
-              <a:spcBef>
-                <a:spcPts val="0"/>
-              </a:spcBef>
-              <a:spcAft>
-                <a:spcPts val="0"/>
-              </a:spcAft>
-              <a:buSzPct val="100000"/>
-              <a:buChar char="-"/>
-              <a:defRPr sz="1800" b="0" i="0" u="none" strike="noStrike" kern="0" cap="none" spc="0" baseline="0">
-                <a:solidFill>
-                  <a:srgbClr val="000000"/>
-                </a:solidFill>
-                <a:uFillTx/>
-              </a:defRPr>
-            </a:pPr>
-            <a:endParaRPr lang="es-ES" dirty="0">
-              <a:solidFill>
-                <a:srgbClr val="000000"/>
-              </a:solidFill>
-              <a:latin typeface="Corbel" panose="020B0503020204020204" pitchFamily="34" charset="0"/>
-            </a:endParaRPr>
-          </a:p>
-          <a:p>
-            <a:pPr marL="285750" lvl="0" indent="-285750" algn="l">
-              <a:spcBef>
-                <a:spcPts val="0"/>
-              </a:spcBef>
-              <a:spcAft>
-                <a:spcPts val="0"/>
-              </a:spcAft>
-              <a:buSzPct val="100000"/>
-              <a:buChar char="-"/>
-              <a:defRPr sz="1800" b="0" i="0" u="none" strike="noStrike" kern="0" cap="none" spc="0" baseline="0">
-                <a:solidFill>
-                  <a:srgbClr val="000000"/>
-                </a:solidFill>
-                <a:uFillTx/>
-              </a:defRPr>
-            </a:pPr>
-            <a:r>
-              <a:rPr lang="es-ES" dirty="0">
-                <a:solidFill>
-                  <a:srgbClr val="000000"/>
-                </a:solidFill>
-                <a:latin typeface="Corbel" panose="020B0503020204020204" pitchFamily="34" charset="0"/>
-              </a:rPr>
-              <a:t>NIVEL MEDIO DE LENGUA DE PAIS DE DESTINO </a:t>
-            </a:r>
-          </a:p>
-          <a:p>
-            <a:pPr marL="285750" lvl="0" indent="-285750" algn="l">
-              <a:spcBef>
-                <a:spcPts val="0"/>
-              </a:spcBef>
-              <a:spcAft>
-                <a:spcPts val="0"/>
-              </a:spcAft>
-              <a:buSzPct val="100000"/>
-              <a:buChar char="-"/>
-              <a:defRPr sz="1800" b="0" i="0" u="none" strike="noStrike" kern="0" cap="none" spc="0" baseline="0">
-                <a:solidFill>
-                  <a:srgbClr val="000000"/>
-                </a:solidFill>
-                <a:uFillTx/>
-              </a:defRPr>
-            </a:pPr>
-            <a:endParaRPr lang="es-ES" dirty="0">
-              <a:solidFill>
-                <a:srgbClr val="000000"/>
-              </a:solidFill>
-              <a:latin typeface="Corbel" panose="020B0503020204020204" pitchFamily="34" charset="0"/>
-            </a:endParaRPr>
-          </a:p>
-          <a:p>
-            <a:pPr marL="285750" lvl="0" indent="-285750" algn="l">
-              <a:spcBef>
-                <a:spcPts val="0"/>
-              </a:spcBef>
-              <a:spcAft>
-                <a:spcPts val="0"/>
-              </a:spcAft>
-              <a:buSzPct val="100000"/>
-              <a:buChar char="-"/>
-              <a:defRPr sz="1800" b="0" i="0" u="none" strike="noStrike" kern="0" cap="none" spc="0" baseline="0">
-                <a:solidFill>
-                  <a:srgbClr val="000000"/>
-                </a:solidFill>
-                <a:uFillTx/>
-              </a:defRPr>
-            </a:pPr>
-            <a:endParaRPr lang="es-ES" dirty="0">
-              <a:solidFill>
-                <a:srgbClr val="000000"/>
-              </a:solidFill>
-              <a:latin typeface="Corbel" panose="020B0503020204020204" pitchFamily="34" charset="0"/>
-            </a:endParaRPr>
-          </a:p>
-          <a:p>
-            <a:pPr marL="285750" lvl="0" indent="-285750" algn="l">
-              <a:spcBef>
-                <a:spcPts val="0"/>
-              </a:spcBef>
-              <a:spcAft>
-                <a:spcPts val="0"/>
-              </a:spcAft>
-              <a:buSzPct val="100000"/>
-              <a:buChar char="-"/>
-              <a:defRPr sz="1800" b="0" i="0" u="none" strike="noStrike" kern="0" cap="none" spc="0" baseline="0">
-                <a:solidFill>
-                  <a:srgbClr val="000000"/>
-                </a:solidFill>
-                <a:uFillTx/>
-              </a:defRPr>
-            </a:pPr>
-            <a:endParaRPr lang="es-ES" dirty="0">
-              <a:solidFill>
-                <a:srgbClr val="000000"/>
-              </a:solidFill>
-              <a:latin typeface="Corbel" panose="020B0503020204020204" pitchFamily="34" charset="0"/>
-            </a:endParaRPr>
-          </a:p>
-          <a:p>
-            <a:pPr lvl="0" algn="l">
-              <a:spcBef>
-                <a:spcPts val="0"/>
-              </a:spcBef>
-              <a:spcAft>
-                <a:spcPts val="0"/>
-              </a:spcAft>
-              <a:defRPr sz="1800" b="0" i="0" u="none" strike="noStrike" kern="0" cap="none" spc="0" baseline="0">
-                <a:solidFill>
-                  <a:srgbClr val="000000"/>
-                </a:solidFill>
-                <a:uFillTx/>
-              </a:defRPr>
-            </a:pPr>
-            <a:r>
-              <a:rPr lang="es-ES" dirty="0">
-                <a:solidFill>
-                  <a:srgbClr val="000000"/>
-                </a:solidFill>
-                <a:latin typeface="Corbel" panose="020B0503020204020204" pitchFamily="34" charset="0"/>
-              </a:rPr>
-              <a:t>BECAS SICUE</a:t>
-            </a:r>
-          </a:p>
-          <a:p>
-            <a:pPr lvl="0" algn="l">
-              <a:spcBef>
-                <a:spcPts val="0"/>
-              </a:spcBef>
-              <a:spcAft>
-                <a:spcPts val="0"/>
-              </a:spcAft>
-              <a:defRPr sz="1800" b="0" i="0" u="none" strike="noStrike" kern="0" cap="none" spc="0" baseline="0">
-                <a:solidFill>
-                  <a:srgbClr val="000000"/>
-                </a:solidFill>
-                <a:uFillTx/>
-              </a:defRPr>
-            </a:pPr>
-            <a:endParaRPr lang="es-ES" dirty="0">
-              <a:solidFill>
-                <a:srgbClr val="000000"/>
-              </a:solidFill>
-              <a:latin typeface="Corbel" panose="020B0503020204020204" pitchFamily="34" charset="0"/>
-            </a:endParaRPr>
-          </a:p>
-          <a:p>
-            <a:pPr marL="285750" lvl="0" indent="-285750" algn="l">
-              <a:spcBef>
-                <a:spcPts val="0"/>
-              </a:spcBef>
-              <a:spcAft>
-                <a:spcPts val="0"/>
-              </a:spcAft>
-              <a:buSzPct val="100000"/>
-              <a:buChar char="-"/>
-              <a:defRPr sz="1800" b="0" i="0" u="none" strike="noStrike" kern="0" cap="none" spc="0" baseline="0">
-                <a:solidFill>
-                  <a:srgbClr val="000000"/>
-                </a:solidFill>
-                <a:uFillTx/>
-              </a:defRPr>
-            </a:pPr>
-            <a:r>
-              <a:rPr lang="es-ES" dirty="0">
-                <a:solidFill>
-                  <a:srgbClr val="000000"/>
-                </a:solidFill>
-                <a:latin typeface="Corbel" panose="020B0503020204020204" pitchFamily="34" charset="0"/>
-              </a:rPr>
-              <a:t>NOTA MEDIA </a:t>
-            </a:r>
-          </a:p>
-          <a:p>
-            <a:pPr marL="285750" lvl="0" indent="-285750" algn="l">
-              <a:spcBef>
-                <a:spcPts val="0"/>
-              </a:spcBef>
-              <a:spcAft>
-                <a:spcPts val="0"/>
-              </a:spcAft>
-              <a:buSzPct val="100000"/>
-              <a:buChar char="-"/>
-              <a:defRPr sz="1800" b="0" i="0" u="none" strike="noStrike" kern="0" cap="none" spc="0" baseline="0">
-                <a:solidFill>
-                  <a:srgbClr val="000000"/>
-                </a:solidFill>
-                <a:uFillTx/>
-              </a:defRPr>
-            </a:pPr>
-            <a:endParaRPr lang="es-ES" dirty="0">
-              <a:solidFill>
-                <a:srgbClr val="000000"/>
-              </a:solidFill>
-              <a:latin typeface="Corbel" panose="020B0503020204020204" pitchFamily="34" charset="0"/>
-            </a:endParaRPr>
-          </a:p>
-          <a:p>
-            <a:pPr marL="285750" lvl="0" indent="-285750" algn="l">
-              <a:spcBef>
-                <a:spcPts val="0"/>
-              </a:spcBef>
-              <a:spcAft>
-                <a:spcPts val="0"/>
-              </a:spcAft>
-              <a:buSzPct val="100000"/>
-              <a:buChar char="-"/>
-              <a:defRPr sz="1800" b="0" i="0" u="none" strike="noStrike" kern="0" cap="none" spc="0" baseline="0">
-                <a:solidFill>
-                  <a:srgbClr val="000000"/>
-                </a:solidFill>
-                <a:uFillTx/>
-              </a:defRPr>
-            </a:pPr>
-            <a:r>
-              <a:rPr lang="es-ES" dirty="0">
-                <a:solidFill>
-                  <a:srgbClr val="000000"/>
-                </a:solidFill>
-                <a:latin typeface="Corbel" panose="020B0503020204020204" pitchFamily="34" charset="0"/>
-              </a:rPr>
-              <a:t>NUMERO DE CREDITOS APROBADOS</a:t>
-            </a:r>
-          </a:p>
-          <a:p>
-            <a:pPr marL="285750" lvl="0" indent="-285750" algn="l">
-              <a:spcBef>
-                <a:spcPts val="0"/>
-              </a:spcBef>
-              <a:spcAft>
-                <a:spcPts val="0"/>
-              </a:spcAft>
-              <a:buSzPct val="100000"/>
-              <a:buChar char="-"/>
-              <a:defRPr sz="1800" b="0" i="0" u="none" strike="noStrike" kern="0" cap="none" spc="0" baseline="0">
-                <a:solidFill>
-                  <a:srgbClr val="000000"/>
-                </a:solidFill>
-                <a:uFillTx/>
-              </a:defRPr>
-            </a:pPr>
-            <a:endParaRPr lang="es-ES" dirty="0">
-              <a:solidFill>
-                <a:srgbClr val="000000"/>
-              </a:solidFill>
-              <a:latin typeface="Corbel" panose="020B0503020204020204" pitchFamily="34" charset="0"/>
-            </a:endParaRPr>
-          </a:p>
-          <a:p>
-            <a:pPr marL="285750" lvl="0" indent="-285750" algn="l">
-              <a:spcBef>
-                <a:spcPts val="0"/>
-              </a:spcBef>
-              <a:spcAft>
-                <a:spcPts val="0"/>
-              </a:spcAft>
-              <a:buSzPct val="100000"/>
-              <a:buChar char="-"/>
-              <a:defRPr sz="1800" b="0" i="0" u="none" strike="noStrike" kern="0" cap="none" spc="0" baseline="0">
-                <a:solidFill>
-                  <a:srgbClr val="000000"/>
-                </a:solidFill>
-                <a:uFillTx/>
-              </a:defRPr>
-            </a:pPr>
-            <a:r>
-              <a:rPr lang="es-ES" dirty="0">
-                <a:solidFill>
-                  <a:srgbClr val="000000"/>
-                </a:solidFill>
-                <a:latin typeface="Corbel" panose="020B0503020204020204" pitchFamily="34" charset="0"/>
-              </a:rPr>
-              <a:t>ASIGNATURAS OBLIGATORIAS DEL GRADO </a:t>
-            </a:r>
-          </a:p>
-          <a:p>
-            <a:endParaRPr lang="es-ES" dirty="0"/>
-          </a:p>
-        </p:txBody>
-      </p:sp>
-      <p:pic>
-        <p:nvPicPr>
-          <p:cNvPr id="6" name="Imagen 5">
-            <a:extLst>
-              <a:ext uri="{FF2B5EF4-FFF2-40B4-BE49-F238E27FC236}">
-                <a16:creationId xmlns:a16="http://schemas.microsoft.com/office/drawing/2014/main" id="{10E9D202-42D8-4B49-B526-6F7784B9DF53}"/>
-              </a:ext>
-            </a:extLst>
-          </p:cNvPr>
-          <p:cNvPicPr>
-            <a:picLocks noChangeAspect="1"/>
-          </p:cNvPicPr>
-          <p:nvPr/>
-        </p:nvPicPr>
-        <p:blipFill>
-          <a:blip r:embed="rId3"/>
-          <a:stretch>
-            <a:fillRect/>
-          </a:stretch>
-        </p:blipFill>
-        <p:spPr>
-          <a:xfrm>
-            <a:off x="7158569" y="2977222"/>
-            <a:ext cx="3140533" cy="3038568"/>
-          </a:xfrm>
-          <a:prstGeom prst="rect">
-            <a:avLst/>
-          </a:prstGeom>
-        </p:spPr>
-      </p:pic>
+            <a:r>
+              <a:rPr lang="es-ES" sz="4800" b="1" dirty="0"/>
+              <a:t/>
+            </a:r>
+            <a:br>
+              <a:rPr lang="es-ES" sz="4800" b="1" dirty="0"/>
+            </a:br>
+            <a:r>
+              <a:rPr lang="es-ES" sz="4800" b="1" dirty="0"/>
+              <a:t/>
+            </a:r>
+            <a:br>
+              <a:rPr lang="es-ES" sz="4800" b="1" dirty="0"/>
+            </a:br>
+            <a:r>
+              <a:rPr lang="es-ES" sz="4800" b="1" dirty="0"/>
+              <a:t/>
+            </a:r>
+            <a:br>
+              <a:rPr lang="es-ES" sz="4800" b="1" dirty="0"/>
+            </a:br>
+            <a:r>
+              <a:rPr lang="es-ES" sz="4800" b="1" dirty="0"/>
+              <a:t/>
+            </a:r>
+            <a:br>
+              <a:rPr lang="es-ES" sz="4800" b="1" dirty="0"/>
+            </a:br>
+            <a:r>
+              <a:rPr lang="es-ES" sz="7300" b="1" dirty="0"/>
+              <a:t>Fuentes de información (</a:t>
+            </a:r>
+            <a:r>
+              <a:rPr lang="es-ES" sz="7300" b="1" dirty="0" smtClean="0"/>
+              <a:t>cursos </a:t>
+            </a:r>
+            <a:r>
+              <a:rPr lang="es-ES" sz="7300" b="1" dirty="0"/>
+              <a:t>gratuitos)</a:t>
+            </a:r>
+            <a:endParaRPr lang="es-ES" sz="4800" b="1" dirty="0"/>
+          </a:p>
+        </p:txBody>
+      </p:sp>
     </p:spTree>
     <p:extLst>
       <p:ext uri="{BB962C8B-B14F-4D97-AF65-F5344CB8AC3E}">
-        <p14:creationId xmlns:p14="http://schemas.microsoft.com/office/powerpoint/2010/main" val="1759327517"/>
+        <p14:creationId xmlns:p14="http://schemas.microsoft.com/office/powerpoint/2010/main" xmlns="" val="33740604"/>
       </p:ext>
     </p:extLst>
   </p:cSld>
@@ -9165,28 +8642,2458 @@
 <file path=ppt/slides/slide26.xml><?xml version="1.0" encoding="utf-8"?>
 <p:sld xmlns:a="http://schemas.openxmlformats.org/drawingml/2006/main" xmlns:r="http://schemas.openxmlformats.org/officeDocument/2006/relationships" xmlns:p="http://schemas.openxmlformats.org/presentationml/2006/main">
   <p:cSld>
-    <p:bg>
-      <p:bgPr>
-        <a:blipFill rotWithShape="1">
-          <a:blip r:embed="rId2">
-            <a:duotone>
-              <a:schemeClr val="bg2">
-                <a:shade val="76000"/>
-                <a:satMod val="180000"/>
-              </a:schemeClr>
-              <a:schemeClr val="bg2">
-                <a:tint val="80000"/>
-                <a:satMod val="120000"/>
-                <a:lumMod val="180000"/>
-              </a:schemeClr>
-            </a:duotone>
-            <a:extLst/>
+    <p:spTree>
+      <p:nvGrpSpPr>
+        <p:cNvPr id="1" name=""/>
+        <p:cNvGrpSpPr/>
+        <p:nvPr/>
+      </p:nvGrpSpPr>
+      <p:grpSpPr>
+        <a:xfrm>
+          <a:off x="0" y="0"/>
+          <a:ext cx="0" cy="0"/>
+          <a:chOff x="0" y="0"/>
+          <a:chExt cx="0" cy="0"/>
+        </a:xfrm>
+      </p:grpSpPr>
+      <p:sp>
+        <p:nvSpPr>
+          <p:cNvPr id="8" name="Título 1">
+            <a:extLst>
+              <a:ext uri="{FF2B5EF4-FFF2-40B4-BE49-F238E27FC236}">
+                <a16:creationId xmlns:a16="http://schemas.microsoft.com/office/drawing/2014/main" xmlns="" id="{838AE204-C6DD-4B2D-AB01-E442527CDB2F}"/>
+              </a:ext>
+            </a:extLst>
+          </p:cNvPr>
+          <p:cNvSpPr>
+            <a:spLocks noGrp="1"/>
+          </p:cNvSpPr>
+          <p:nvPr>
+            <p:ph type="title"/>
+          </p:nvPr>
+        </p:nvSpPr>
+        <p:spPr>
+          <a:xfrm>
+            <a:off x="1484311" y="296214"/>
+            <a:ext cx="10018713" cy="1752599"/>
+          </a:xfrm>
+        </p:spPr>
+        <p:txBody>
+          <a:bodyPr>
+            <a:normAutofit/>
+          </a:bodyPr>
+          <a:lstStyle/>
+          <a:p>
+            <a:r>
+              <a:rPr lang="es-ES" sz="5400" dirty="0" smtClean="0"/>
+              <a:t>CURSOS </a:t>
+            </a:r>
+            <a:r>
+              <a:rPr lang="es-ES" sz="5400" dirty="0"/>
+              <a:t>GENERALES</a:t>
+            </a:r>
+          </a:p>
+        </p:txBody>
+      </p:sp>
+      <p:sp>
+        <p:nvSpPr>
+          <p:cNvPr id="9" name="CuadroTexto 8">
+            <a:extLst>
+              <a:ext uri="{FF2B5EF4-FFF2-40B4-BE49-F238E27FC236}">
+                <a16:creationId xmlns:a16="http://schemas.microsoft.com/office/drawing/2014/main" xmlns="" id="{95E1959A-94D3-49A0-8F48-B893C53CDC72}"/>
+              </a:ext>
+            </a:extLst>
+          </p:cNvPr>
+          <p:cNvSpPr txBox="1"/>
+          <p:nvPr/>
+        </p:nvSpPr>
+        <p:spPr>
+          <a:xfrm>
+            <a:off x="5609338" y="3402874"/>
+            <a:ext cx="6739416" cy="523220"/>
+          </a:xfrm>
+          <a:prstGeom prst="rect">
+            <a:avLst/>
+          </a:prstGeom>
+          <a:noFill/>
+        </p:spPr>
+        <p:txBody>
+          <a:bodyPr wrap="square" rtlCol="0">
+            <a:spAutoFit/>
+          </a:bodyPr>
+          <a:lstStyle/>
+          <a:p>
+            <a:r>
+              <a:rPr lang="es-ES" sz="2800" b="1" dirty="0" smtClean="0"/>
+              <a:t>Curso online de seguridad informática </a:t>
+            </a:r>
+            <a:endParaRPr lang="es-ES" sz="2800" b="1" dirty="0"/>
+          </a:p>
+        </p:txBody>
+      </p:sp>
+      <p:pic>
+        <p:nvPicPr>
+          <p:cNvPr id="3074" name="Picture 2" descr="D:\Sistemas de informacion\Tercer curso\Segundo Cuatrimestre\Desarollo con tecnologias emergentes\Trabajo TG1\Fotos\Miriada-logo.jpg"/>
+          <p:cNvPicPr>
+            <a:picLocks noGrp="1" noChangeAspect="1" noChangeArrowheads="1"/>
+          </p:cNvPicPr>
+          <p:nvPr>
+            <p:ph idx="1"/>
+          </p:nvPr>
+        </p:nvPicPr>
+        <p:blipFill>
+          <a:blip r:embed="rId2" cstate="print"/>
+          <a:srcRect/>
+          <a:stretch>
+            <a:fillRect/>
+          </a:stretch>
+        </p:blipFill>
+        <p:spPr bwMode="auto">
+          <a:xfrm>
+            <a:off x="917054" y="2735716"/>
+            <a:ext cx="4543425" cy="2333625"/>
+          </a:xfrm>
+          <a:prstGeom prst="rect">
+            <a:avLst/>
+          </a:prstGeom>
+          <a:noFill/>
+        </p:spPr>
+      </p:pic>
+    </p:spTree>
+    <p:extLst>
+      <p:ext uri="{BB962C8B-B14F-4D97-AF65-F5344CB8AC3E}">
+        <p14:creationId xmlns:p14="http://schemas.microsoft.com/office/powerpoint/2010/main" xmlns="" val="1853866790"/>
+      </p:ext>
+    </p:extLst>
+  </p:cSld>
+  <p:clrMapOvr>
+    <a:masterClrMapping/>
+  </p:clrMapOvr>
+</p:sld>
+</file>
+
+<file path=ppt/slides/slide27.xml><?xml version="1.0" encoding="utf-8"?>
+<p:sld xmlns:a="http://schemas.openxmlformats.org/drawingml/2006/main" xmlns:r="http://schemas.openxmlformats.org/officeDocument/2006/relationships" xmlns:p="http://schemas.openxmlformats.org/presentationml/2006/main">
+  <p:cSld>
+    <p:spTree>
+      <p:nvGrpSpPr>
+        <p:cNvPr id="1" name=""/>
+        <p:cNvGrpSpPr/>
+        <p:nvPr/>
+      </p:nvGrpSpPr>
+      <p:grpSpPr>
+        <a:xfrm>
+          <a:off x="0" y="0"/>
+          <a:ext cx="0" cy="0"/>
+          <a:chOff x="0" y="0"/>
+          <a:chExt cx="0" cy="0"/>
+        </a:xfrm>
+      </p:grpSpPr>
+      <p:sp>
+        <p:nvSpPr>
+          <p:cNvPr id="8" name="Título 1">
+            <a:extLst>
+              <a:ext uri="{FF2B5EF4-FFF2-40B4-BE49-F238E27FC236}">
+                <a16:creationId xmlns:a16="http://schemas.microsoft.com/office/drawing/2014/main" xmlns="" id="{838AE204-C6DD-4B2D-AB01-E442527CDB2F}"/>
+              </a:ext>
+            </a:extLst>
+          </p:cNvPr>
+          <p:cNvSpPr>
+            <a:spLocks noGrp="1"/>
+          </p:cNvSpPr>
+          <p:nvPr>
+            <p:ph type="title"/>
+          </p:nvPr>
+        </p:nvSpPr>
+        <p:spPr>
+          <a:xfrm>
+            <a:off x="1484311" y="296214"/>
+            <a:ext cx="10018713" cy="1752599"/>
+          </a:xfrm>
+        </p:spPr>
+        <p:txBody>
+          <a:bodyPr>
+            <a:normAutofit/>
+          </a:bodyPr>
+          <a:lstStyle/>
+          <a:p>
+            <a:r>
+              <a:rPr lang="es-ES" sz="5400" dirty="0" smtClean="0"/>
+              <a:t>CURSOS </a:t>
+            </a:r>
+            <a:r>
+              <a:rPr lang="es-ES" sz="5400" dirty="0"/>
+              <a:t>GENERALES</a:t>
+            </a:r>
+          </a:p>
+        </p:txBody>
+      </p:sp>
+      <p:sp>
+        <p:nvSpPr>
+          <p:cNvPr id="9" name="CuadroTexto 8">
+            <a:extLst>
+              <a:ext uri="{FF2B5EF4-FFF2-40B4-BE49-F238E27FC236}">
+                <a16:creationId xmlns:a16="http://schemas.microsoft.com/office/drawing/2014/main" xmlns="" id="{95E1959A-94D3-49A0-8F48-B893C53CDC72}"/>
+              </a:ext>
+            </a:extLst>
+          </p:cNvPr>
+          <p:cNvSpPr txBox="1"/>
+          <p:nvPr/>
+        </p:nvSpPr>
+        <p:spPr>
+          <a:xfrm>
+            <a:off x="5609338" y="3402874"/>
+            <a:ext cx="6739416" cy="523220"/>
+          </a:xfrm>
+          <a:prstGeom prst="rect">
+            <a:avLst/>
+          </a:prstGeom>
+          <a:noFill/>
+        </p:spPr>
+        <p:txBody>
+          <a:bodyPr wrap="square" rtlCol="0">
+            <a:spAutoFit/>
+          </a:bodyPr>
+          <a:lstStyle/>
+          <a:p>
+            <a:r>
+              <a:rPr lang="es-ES" sz="2800" b="1" dirty="0" smtClean="0"/>
+              <a:t>Curso de seguridad </a:t>
+            </a:r>
+            <a:r>
+              <a:rPr lang="es-ES" sz="2800" b="1" dirty="0" err="1" smtClean="0"/>
+              <a:t>esetec</a:t>
+            </a:r>
+            <a:endParaRPr lang="es-ES" sz="2800" b="1" dirty="0"/>
+          </a:p>
+        </p:txBody>
+      </p:sp>
+      <p:pic>
+        <p:nvPicPr>
+          <p:cNvPr id="4098" name="Picture 2" descr="D:\Sistemas de informacion\Tercer curso\Segundo Cuatrimestre\Desarollo con tecnologias emergentes\Trabajo TG1\Fotos\51715.jpg"/>
+          <p:cNvPicPr>
+            <a:picLocks noGrp="1" noChangeAspect="1" noChangeArrowheads="1"/>
+          </p:cNvPicPr>
+          <p:nvPr>
+            <p:ph idx="1"/>
+          </p:nvPr>
+        </p:nvPicPr>
+        <p:blipFill>
+          <a:blip r:embed="rId2" cstate="print"/>
+          <a:srcRect/>
+          <a:stretch>
+            <a:fillRect/>
+          </a:stretch>
+        </p:blipFill>
+        <p:spPr bwMode="auto">
+          <a:xfrm>
+            <a:off x="1337867" y="2649472"/>
+            <a:ext cx="3839462" cy="2183783"/>
+          </a:xfrm>
+          <a:prstGeom prst="rect">
+            <a:avLst/>
+          </a:prstGeom>
+          <a:noFill/>
+        </p:spPr>
+      </p:pic>
+    </p:spTree>
+    <p:extLst>
+      <p:ext uri="{BB962C8B-B14F-4D97-AF65-F5344CB8AC3E}">
+        <p14:creationId xmlns:p14="http://schemas.microsoft.com/office/powerpoint/2010/main" xmlns="" val="1853866790"/>
+      </p:ext>
+    </p:extLst>
+  </p:cSld>
+  <p:clrMapOvr>
+    <a:masterClrMapping/>
+  </p:clrMapOvr>
+</p:sld>
+</file>
+
+<file path=ppt/slides/slide28.xml><?xml version="1.0" encoding="utf-8"?>
+<p:sld xmlns:a="http://schemas.openxmlformats.org/drawingml/2006/main" xmlns:r="http://schemas.openxmlformats.org/officeDocument/2006/relationships" xmlns:p="http://schemas.openxmlformats.org/presentationml/2006/main">
+  <p:cSld>
+    <p:spTree>
+      <p:nvGrpSpPr>
+        <p:cNvPr id="1" name=""/>
+        <p:cNvGrpSpPr/>
+        <p:nvPr/>
+      </p:nvGrpSpPr>
+      <p:grpSpPr>
+        <a:xfrm>
+          <a:off x="0" y="0"/>
+          <a:ext cx="0" cy="0"/>
+          <a:chOff x="0" y="0"/>
+          <a:chExt cx="0" cy="0"/>
+        </a:xfrm>
+      </p:grpSpPr>
+      <p:sp>
+        <p:nvSpPr>
+          <p:cNvPr id="8" name="Título 1">
+            <a:extLst>
+              <a:ext uri="{FF2B5EF4-FFF2-40B4-BE49-F238E27FC236}">
+                <a16:creationId xmlns:a16="http://schemas.microsoft.com/office/drawing/2014/main" xmlns="" id="{838AE204-C6DD-4B2D-AB01-E442527CDB2F}"/>
+              </a:ext>
+            </a:extLst>
+          </p:cNvPr>
+          <p:cNvSpPr>
+            <a:spLocks noGrp="1"/>
+          </p:cNvSpPr>
+          <p:nvPr>
+            <p:ph type="title"/>
+          </p:nvPr>
+        </p:nvSpPr>
+        <p:spPr>
+          <a:xfrm>
+            <a:off x="1484311" y="296214"/>
+            <a:ext cx="10018713" cy="1752599"/>
+          </a:xfrm>
+        </p:spPr>
+        <p:txBody>
+          <a:bodyPr>
+            <a:normAutofit/>
+          </a:bodyPr>
+          <a:lstStyle/>
+          <a:p>
+            <a:r>
+              <a:rPr lang="es-ES" sz="5400" dirty="0" smtClean="0"/>
+              <a:t>CURSOS </a:t>
+            </a:r>
+            <a:r>
+              <a:rPr lang="es-ES" sz="5400" dirty="0"/>
+              <a:t>GENERALES</a:t>
+            </a:r>
+          </a:p>
+        </p:txBody>
+      </p:sp>
+      <p:sp>
+        <p:nvSpPr>
+          <p:cNvPr id="9" name="CuadroTexto 8">
+            <a:extLst>
+              <a:ext uri="{FF2B5EF4-FFF2-40B4-BE49-F238E27FC236}">
+                <a16:creationId xmlns:a16="http://schemas.microsoft.com/office/drawing/2014/main" xmlns="" id="{95E1959A-94D3-49A0-8F48-B893C53CDC72}"/>
+              </a:ext>
+            </a:extLst>
+          </p:cNvPr>
+          <p:cNvSpPr txBox="1"/>
+          <p:nvPr/>
+        </p:nvSpPr>
+        <p:spPr>
+          <a:xfrm>
+            <a:off x="5609338" y="3402874"/>
+            <a:ext cx="6739416" cy="523220"/>
+          </a:xfrm>
+          <a:prstGeom prst="rect">
+            <a:avLst/>
+          </a:prstGeom>
+          <a:noFill/>
+        </p:spPr>
+        <p:txBody>
+          <a:bodyPr wrap="square" rtlCol="0">
+            <a:spAutoFit/>
+          </a:bodyPr>
+          <a:lstStyle/>
+          <a:p>
+            <a:r>
+              <a:rPr lang="es-ES" sz="2800" b="1" dirty="0" smtClean="0"/>
+              <a:t>Curso hacking </a:t>
+            </a:r>
+            <a:r>
+              <a:rPr lang="es-ES" sz="2800" b="1" dirty="0" err="1" smtClean="0"/>
+              <a:t>edutin</a:t>
+            </a:r>
+            <a:endParaRPr lang="es-ES" sz="2800" b="1" dirty="0"/>
+          </a:p>
+        </p:txBody>
+      </p:sp>
+      <p:pic>
+        <p:nvPicPr>
+          <p:cNvPr id="5122" name="Picture 2" descr="D:\Sistemas de informacion\Tercer curso\Segundo Cuatrimestre\Desarollo con tecnologias emergentes\Trabajo TG1\Fotos\descarga.png"/>
+          <p:cNvPicPr>
+            <a:picLocks noGrp="1" noChangeAspect="1" noChangeArrowheads="1"/>
+          </p:cNvPicPr>
+          <p:nvPr>
+            <p:ph idx="1"/>
+          </p:nvPr>
+        </p:nvPicPr>
+        <p:blipFill>
+          <a:blip r:embed="rId2" cstate="print"/>
+          <a:srcRect/>
+          <a:stretch>
+            <a:fillRect/>
+          </a:stretch>
+        </p:blipFill>
+        <p:spPr bwMode="auto">
+          <a:xfrm>
+            <a:off x="1299414" y="3135494"/>
+            <a:ext cx="3704603" cy="1122998"/>
+          </a:xfrm>
+          <a:prstGeom prst="rect">
+            <a:avLst/>
+          </a:prstGeom>
+          <a:noFill/>
+        </p:spPr>
+      </p:pic>
+    </p:spTree>
+    <p:extLst>
+      <p:ext uri="{BB962C8B-B14F-4D97-AF65-F5344CB8AC3E}">
+        <p14:creationId xmlns:p14="http://schemas.microsoft.com/office/powerpoint/2010/main" xmlns="" val="1853866790"/>
+      </p:ext>
+    </p:extLst>
+  </p:cSld>
+  <p:clrMapOvr>
+    <a:masterClrMapping/>
+  </p:clrMapOvr>
+</p:sld>
+</file>
+
+<file path=ppt/slides/slide29.xml><?xml version="1.0" encoding="utf-8"?>
+<p:sld xmlns:a="http://schemas.openxmlformats.org/drawingml/2006/main" xmlns:r="http://schemas.openxmlformats.org/officeDocument/2006/relationships" xmlns:p="http://schemas.openxmlformats.org/presentationml/2006/main">
+  <p:cSld>
+    <p:spTree>
+      <p:nvGrpSpPr>
+        <p:cNvPr id="1" name=""/>
+        <p:cNvGrpSpPr/>
+        <p:nvPr/>
+      </p:nvGrpSpPr>
+      <p:grpSpPr>
+        <a:xfrm>
+          <a:off x="0" y="0"/>
+          <a:ext cx="0" cy="0"/>
+          <a:chOff x="0" y="0"/>
+          <a:chExt cx="0" cy="0"/>
+        </a:xfrm>
+      </p:grpSpPr>
+      <p:sp>
+        <p:nvSpPr>
+          <p:cNvPr id="8" name="Título 1">
+            <a:extLst>
+              <a:ext uri="{FF2B5EF4-FFF2-40B4-BE49-F238E27FC236}">
+                <a16:creationId xmlns:a16="http://schemas.microsoft.com/office/drawing/2014/main" xmlns="" id="{838AE204-C6DD-4B2D-AB01-E442527CDB2F}"/>
+              </a:ext>
+            </a:extLst>
+          </p:cNvPr>
+          <p:cNvSpPr>
+            <a:spLocks noGrp="1"/>
+          </p:cNvSpPr>
+          <p:nvPr>
+            <p:ph type="title"/>
+          </p:nvPr>
+        </p:nvSpPr>
+        <p:spPr>
+          <a:xfrm>
+            <a:off x="1484311" y="296214"/>
+            <a:ext cx="10018713" cy="1752599"/>
+          </a:xfrm>
+        </p:spPr>
+        <p:txBody>
+          <a:bodyPr>
+            <a:normAutofit/>
+          </a:bodyPr>
+          <a:lstStyle/>
+          <a:p>
+            <a:r>
+              <a:rPr lang="es-ES" sz="5400" dirty="0" smtClean="0"/>
+              <a:t>CURSOS </a:t>
+            </a:r>
+            <a:r>
+              <a:rPr lang="es-ES" sz="5400" dirty="0"/>
+              <a:t>GENERALES</a:t>
+            </a:r>
+          </a:p>
+        </p:txBody>
+      </p:sp>
+      <p:sp>
+        <p:nvSpPr>
+          <p:cNvPr id="9" name="CuadroTexto 8">
+            <a:extLst>
+              <a:ext uri="{FF2B5EF4-FFF2-40B4-BE49-F238E27FC236}">
+                <a16:creationId xmlns:a16="http://schemas.microsoft.com/office/drawing/2014/main" xmlns="" id="{95E1959A-94D3-49A0-8F48-B893C53CDC72}"/>
+              </a:ext>
+            </a:extLst>
+          </p:cNvPr>
+          <p:cNvSpPr txBox="1"/>
+          <p:nvPr/>
+        </p:nvSpPr>
+        <p:spPr>
+          <a:xfrm>
+            <a:off x="3662972" y="4251959"/>
+            <a:ext cx="6739416" cy="523220"/>
+          </a:xfrm>
+          <a:prstGeom prst="rect">
+            <a:avLst/>
+          </a:prstGeom>
+          <a:noFill/>
+        </p:spPr>
+        <p:txBody>
+          <a:bodyPr wrap="square" rtlCol="0">
+            <a:spAutoFit/>
+          </a:bodyPr>
+          <a:lstStyle/>
+          <a:p>
+            <a:r>
+              <a:rPr lang="es-ES" sz="2800" b="1" dirty="0" smtClean="0"/>
+              <a:t>Curso de </a:t>
+            </a:r>
+            <a:r>
+              <a:rPr lang="es-ES" sz="2800" b="1" dirty="0" err="1" smtClean="0"/>
+              <a:t>craking</a:t>
+            </a:r>
+            <a:r>
+              <a:rPr lang="es-ES" sz="2800" b="1" dirty="0" smtClean="0"/>
+              <a:t> de Ricardo </a:t>
+            </a:r>
+            <a:r>
+              <a:rPr lang="es-ES" sz="2800" b="1" dirty="0" err="1" smtClean="0"/>
+              <a:t>Narvaja</a:t>
+            </a:r>
+            <a:endParaRPr lang="es-ES" sz="2800" b="1" dirty="0"/>
+          </a:p>
+        </p:txBody>
+      </p:sp>
+      <p:pic>
+        <p:nvPicPr>
+          <p:cNvPr id="6146" name="Picture 2" descr="D:\Sistemas de informacion\Tercer curso\Segundo Cuatrimestre\Desarollo con tecnologias emergentes\Trabajo TG1\Fotos\19-03-2018 22-01-04.png"/>
+          <p:cNvPicPr>
+            <a:picLocks noGrp="1" noChangeAspect="1" noChangeArrowheads="1"/>
+          </p:cNvPicPr>
+          <p:nvPr>
+            <p:ph idx="1"/>
+          </p:nvPr>
+        </p:nvPicPr>
+        <p:blipFill>
+          <a:blip r:embed="rId2" cstate="print"/>
+          <a:srcRect/>
+          <a:stretch>
+            <a:fillRect/>
+          </a:stretch>
+        </p:blipFill>
+        <p:spPr bwMode="auto">
+          <a:xfrm>
+            <a:off x="3758725" y="2315346"/>
+            <a:ext cx="5809524" cy="1476191"/>
+          </a:xfrm>
+          <a:prstGeom prst="rect">
+            <a:avLst/>
+          </a:prstGeom>
+          <a:noFill/>
+        </p:spPr>
+      </p:pic>
+    </p:spTree>
+    <p:extLst>
+      <p:ext uri="{BB962C8B-B14F-4D97-AF65-F5344CB8AC3E}">
+        <p14:creationId xmlns:p14="http://schemas.microsoft.com/office/powerpoint/2010/main" xmlns="" val="1853866790"/>
+      </p:ext>
+    </p:extLst>
+  </p:cSld>
+  <p:clrMapOvr>
+    <a:masterClrMapping/>
+  </p:clrMapOvr>
+</p:sld>
+</file>
+
+<file path=ppt/slides/slide3.xml><?xml version="1.0" encoding="utf-8"?>
+<p:sld xmlns:a="http://schemas.openxmlformats.org/drawingml/2006/main" xmlns:r="http://schemas.openxmlformats.org/officeDocument/2006/relationships" xmlns:p="http://schemas.openxmlformats.org/presentationml/2006/main">
+  <p:cSld>
+    <p:spTree>
+      <p:nvGrpSpPr>
+        <p:cNvPr id="1" name=""/>
+        <p:cNvGrpSpPr/>
+        <p:nvPr/>
+      </p:nvGrpSpPr>
+      <p:grpSpPr>
+        <a:xfrm>
+          <a:off x="0" y="0"/>
+          <a:ext cx="0" cy="0"/>
+          <a:chOff x="0" y="0"/>
+          <a:chExt cx="0" cy="0"/>
+        </a:xfrm>
+      </p:grpSpPr>
+      <p:sp>
+        <p:nvSpPr>
+          <p:cNvPr id="2" name="Título 1">
+            <a:extLst>
+              <a:ext uri="{FF2B5EF4-FFF2-40B4-BE49-F238E27FC236}">
+                <a16:creationId xmlns:a16="http://schemas.microsoft.com/office/drawing/2014/main" xmlns="" id="{B2C057FB-291A-4A52-9173-DF87107540AB}"/>
+              </a:ext>
+            </a:extLst>
+          </p:cNvPr>
+          <p:cNvSpPr>
+            <a:spLocks noGrp="1"/>
+          </p:cNvSpPr>
+          <p:nvPr>
+            <p:ph type="title"/>
+          </p:nvPr>
+        </p:nvSpPr>
+        <p:spPr/>
+        <p:txBody>
+          <a:bodyPr>
+            <a:normAutofit/>
+          </a:bodyPr>
+          <a:lstStyle/>
+          <a:p>
+            <a:r>
+              <a:rPr lang="es-ES" sz="4800" b="1" dirty="0"/>
+              <a:t>¿CONTRASEÑAS?</a:t>
+            </a:r>
+          </a:p>
+        </p:txBody>
+      </p:sp>
+      <p:sp>
+        <p:nvSpPr>
+          <p:cNvPr id="3" name="Marcador de contenido 2">
+            <a:extLst>
+              <a:ext uri="{FF2B5EF4-FFF2-40B4-BE49-F238E27FC236}">
+                <a16:creationId xmlns:a16="http://schemas.microsoft.com/office/drawing/2014/main" xmlns="" id="{D35A326C-E279-4404-8431-630CB1140A86}"/>
+              </a:ext>
+            </a:extLst>
+          </p:cNvPr>
+          <p:cNvSpPr>
+            <a:spLocks noGrp="1"/>
+          </p:cNvSpPr>
+          <p:nvPr>
+            <p:ph idx="1"/>
+          </p:nvPr>
+        </p:nvSpPr>
+        <p:spPr/>
+        <p:txBody>
+          <a:bodyPr>
+            <a:normAutofit/>
+          </a:bodyPr>
+          <a:lstStyle/>
+          <a:p>
+            <a:r>
+              <a:rPr lang="es-ES" sz="4000" b="1" dirty="0"/>
+              <a:t>¿POR QUÉ?</a:t>
+            </a:r>
+          </a:p>
+          <a:p>
+            <a:r>
+              <a:rPr lang="es-ES" sz="4000" b="1" dirty="0"/>
+              <a:t>HERRAMIENTAS PARA CRACKEARLAS</a:t>
+            </a:r>
+          </a:p>
+        </p:txBody>
+      </p:sp>
+    </p:spTree>
+    <p:extLst>
+      <p:ext uri="{BB962C8B-B14F-4D97-AF65-F5344CB8AC3E}">
+        <p14:creationId xmlns:p14="http://schemas.microsoft.com/office/powerpoint/2010/main" xmlns="" val="2253214096"/>
+      </p:ext>
+    </p:extLst>
+  </p:cSld>
+  <p:clrMapOvr>
+    <a:masterClrMapping/>
+  </p:clrMapOvr>
+</p:sld>
+</file>
+
+<file path=ppt/slides/slide30.xml><?xml version="1.0" encoding="utf-8"?>
+<p:sld xmlns:a="http://schemas.openxmlformats.org/drawingml/2006/main" xmlns:r="http://schemas.openxmlformats.org/officeDocument/2006/relationships" xmlns:p="http://schemas.openxmlformats.org/presentationml/2006/main">
+  <p:cSld>
+    <p:spTree>
+      <p:nvGrpSpPr>
+        <p:cNvPr id="1" name=""/>
+        <p:cNvGrpSpPr/>
+        <p:nvPr/>
+      </p:nvGrpSpPr>
+      <p:grpSpPr>
+        <a:xfrm>
+          <a:off x="0" y="0"/>
+          <a:ext cx="0" cy="0"/>
+          <a:chOff x="0" y="0"/>
+          <a:chExt cx="0" cy="0"/>
+        </a:xfrm>
+      </p:grpSpPr>
+      <p:sp>
+        <p:nvSpPr>
+          <p:cNvPr id="8" name="Título 1">
+            <a:extLst>
+              <a:ext uri="{FF2B5EF4-FFF2-40B4-BE49-F238E27FC236}">
+                <a16:creationId xmlns:a16="http://schemas.microsoft.com/office/drawing/2014/main" xmlns="" id="{838AE204-C6DD-4B2D-AB01-E442527CDB2F}"/>
+              </a:ext>
+            </a:extLst>
+          </p:cNvPr>
+          <p:cNvSpPr>
+            <a:spLocks noGrp="1"/>
+          </p:cNvSpPr>
+          <p:nvPr>
+            <p:ph type="title"/>
+          </p:nvPr>
+        </p:nvSpPr>
+        <p:spPr>
+          <a:xfrm>
+            <a:off x="1484311" y="296214"/>
+            <a:ext cx="10018713" cy="1752599"/>
+          </a:xfrm>
+        </p:spPr>
+        <p:txBody>
+          <a:bodyPr>
+            <a:normAutofit/>
+          </a:bodyPr>
+          <a:lstStyle/>
+          <a:p>
+            <a:r>
+              <a:rPr lang="es-ES" sz="5400" dirty="0" smtClean="0"/>
+              <a:t>CURSOS AIRCRACK-NG</a:t>
+            </a:r>
+            <a:endParaRPr lang="es-ES" sz="5400" dirty="0"/>
+          </a:p>
+        </p:txBody>
+      </p:sp>
+      <p:pic>
+        <p:nvPicPr>
+          <p:cNvPr id="6" name="Marcador de contenido 4">
+            <a:extLst>
+              <a:ext uri="{FF2B5EF4-FFF2-40B4-BE49-F238E27FC236}">
+                <a16:creationId xmlns:a16="http://schemas.microsoft.com/office/drawing/2014/main" xmlns="" id="{1348B7E0-BDF7-4C73-AF6B-C8290C8E4F84}"/>
+              </a:ext>
+            </a:extLst>
+          </p:cNvPr>
+          <p:cNvPicPr>
+            <a:picLocks noGrp="1" noChangeAspect="1"/>
+          </p:cNvPicPr>
+          <p:nvPr>
+            <p:ph idx="1"/>
+          </p:nvPr>
+        </p:nvPicPr>
+        <p:blipFill>
+          <a:blip r:embed="rId2" cstate="print">
+            <a:extLst>
+              <a:ext uri="{28A0092B-C50C-407E-A947-70E740481C1C}">
+                <a14:useLocalDpi xmlns:a14="http://schemas.microsoft.com/office/drawing/2010/main" xmlns="" val="0"/>
+              </a:ext>
+            </a:extLst>
           </a:blip>
-          <a:stretch/>
-        </a:blipFill>
-        <a:effectLst/>
-      </p:bgPr>
-    </p:bg>
+          <a:stretch>
+            <a:fillRect/>
+          </a:stretch>
+        </p:blipFill>
+        <p:spPr>
+          <a:xfrm>
+            <a:off x="2441891" y="2209024"/>
+            <a:ext cx="6986592" cy="1651376"/>
+          </a:xfrm>
+        </p:spPr>
+      </p:pic>
+      <p:sp>
+        <p:nvSpPr>
+          <p:cNvPr id="7" name="6 CuadroTexto"/>
+          <p:cNvSpPr txBox="1"/>
+          <p:nvPr/>
+        </p:nvSpPr>
+        <p:spPr>
+          <a:xfrm>
+            <a:off x="3252652" y="4310742"/>
+            <a:ext cx="6518366" cy="523220"/>
+          </a:xfrm>
+          <a:prstGeom prst="rect">
+            <a:avLst/>
+          </a:prstGeom>
+          <a:noFill/>
+        </p:spPr>
+        <p:txBody>
+          <a:bodyPr wrap="square" rtlCol="0">
+            <a:spAutoFit/>
+          </a:bodyPr>
+          <a:lstStyle/>
+          <a:p>
+            <a:pPr algn="ctr"/>
+            <a:r>
+              <a:rPr lang="es-ES" sz="2800" b="1" dirty="0" smtClean="0"/>
+              <a:t>Curso de dragonJAR.org</a:t>
+            </a:r>
+            <a:endParaRPr lang="es-ES" sz="2800" b="1" dirty="0"/>
+          </a:p>
+        </p:txBody>
+      </p:sp>
+    </p:spTree>
+    <p:extLst>
+      <p:ext uri="{BB962C8B-B14F-4D97-AF65-F5344CB8AC3E}">
+        <p14:creationId xmlns:p14="http://schemas.microsoft.com/office/powerpoint/2010/main" xmlns="" val="1853866790"/>
+      </p:ext>
+    </p:extLst>
+  </p:cSld>
+  <p:clrMapOvr>
+    <a:masterClrMapping/>
+  </p:clrMapOvr>
+</p:sld>
+</file>
+
+<file path=ppt/slides/slide31.xml><?xml version="1.0" encoding="utf-8"?>
+<p:sld xmlns:a="http://schemas.openxmlformats.org/drawingml/2006/main" xmlns:r="http://schemas.openxmlformats.org/officeDocument/2006/relationships" xmlns:p="http://schemas.openxmlformats.org/presentationml/2006/main">
+  <p:cSld>
+    <p:spTree>
+      <p:nvGrpSpPr>
+        <p:cNvPr id="1" name=""/>
+        <p:cNvGrpSpPr/>
+        <p:nvPr/>
+      </p:nvGrpSpPr>
+      <p:grpSpPr>
+        <a:xfrm>
+          <a:off x="0" y="0"/>
+          <a:ext cx="0" cy="0"/>
+          <a:chOff x="0" y="0"/>
+          <a:chExt cx="0" cy="0"/>
+        </a:xfrm>
+      </p:grpSpPr>
+      <p:sp>
+        <p:nvSpPr>
+          <p:cNvPr id="8" name="Título 1">
+            <a:extLst>
+              <a:ext uri="{FF2B5EF4-FFF2-40B4-BE49-F238E27FC236}">
+                <a16:creationId xmlns:a16="http://schemas.microsoft.com/office/drawing/2014/main" xmlns="" id="{838AE204-C6DD-4B2D-AB01-E442527CDB2F}"/>
+              </a:ext>
+            </a:extLst>
+          </p:cNvPr>
+          <p:cNvSpPr>
+            <a:spLocks noGrp="1"/>
+          </p:cNvSpPr>
+          <p:nvPr>
+            <p:ph type="title"/>
+          </p:nvPr>
+        </p:nvSpPr>
+        <p:spPr>
+          <a:xfrm>
+            <a:off x="1484311" y="296214"/>
+            <a:ext cx="10018713" cy="1752599"/>
+          </a:xfrm>
+        </p:spPr>
+        <p:txBody>
+          <a:bodyPr>
+            <a:normAutofit/>
+          </a:bodyPr>
+          <a:lstStyle/>
+          <a:p>
+            <a:r>
+              <a:rPr lang="es-ES" sz="5400" dirty="0" smtClean="0"/>
+              <a:t>CURSOS AIRCRACK-NG</a:t>
+            </a:r>
+            <a:endParaRPr lang="es-ES" sz="5400" dirty="0"/>
+          </a:p>
+        </p:txBody>
+      </p:sp>
+      <p:pic>
+        <p:nvPicPr>
+          <p:cNvPr id="4" name="Marcador de contenido 4">
+            <a:extLst>
+              <a:ext uri="{FF2B5EF4-FFF2-40B4-BE49-F238E27FC236}">
+                <a16:creationId xmlns:a16="http://schemas.microsoft.com/office/drawing/2014/main" xmlns="" id="{A60F805A-1BA5-4F47-A9AA-DB758A2386CE}"/>
+              </a:ext>
+            </a:extLst>
+          </p:cNvPr>
+          <p:cNvPicPr>
+            <a:picLocks noGrp="1" noChangeAspect="1"/>
+          </p:cNvPicPr>
+          <p:nvPr>
+            <p:ph idx="1"/>
+          </p:nvPr>
+        </p:nvPicPr>
+        <p:blipFill>
+          <a:blip r:embed="rId2" cstate="print">
+            <a:extLst>
+              <a:ext uri="{28A0092B-C50C-407E-A947-70E740481C1C}">
+                <a14:useLocalDpi xmlns:a14="http://schemas.microsoft.com/office/drawing/2010/main" xmlns="" val="0"/>
+              </a:ext>
+            </a:extLst>
+          </a:blip>
+          <a:stretch>
+            <a:fillRect/>
+          </a:stretch>
+        </p:blipFill>
+        <p:spPr>
+          <a:xfrm>
+            <a:off x="1304149" y="2400074"/>
+            <a:ext cx="4512875" cy="2198052"/>
+          </a:xfrm>
+        </p:spPr>
+      </p:pic>
+      <p:sp>
+        <p:nvSpPr>
+          <p:cNvPr id="6" name="5 CuadroTexto"/>
+          <p:cNvSpPr txBox="1"/>
+          <p:nvPr/>
+        </p:nvSpPr>
+        <p:spPr>
+          <a:xfrm>
+            <a:off x="6583680" y="2704011"/>
+            <a:ext cx="4702629" cy="369332"/>
+          </a:xfrm>
+          <a:prstGeom prst="rect">
+            <a:avLst/>
+          </a:prstGeom>
+          <a:noFill/>
+        </p:spPr>
+        <p:txBody>
+          <a:bodyPr wrap="square" rtlCol="0">
+            <a:spAutoFit/>
+          </a:bodyPr>
+          <a:lstStyle/>
+          <a:p>
+            <a:r>
+              <a:rPr lang="es-ES" dirty="0" smtClean="0"/>
+              <a:t>Tutoriales </a:t>
+            </a:r>
+            <a:r>
+              <a:rPr lang="es-ES" dirty="0" err="1" smtClean="0"/>
+              <a:t>Aircrack</a:t>
+            </a:r>
+            <a:r>
+              <a:rPr lang="es-ES" dirty="0" smtClean="0"/>
+              <a:t>-NG</a:t>
+            </a:r>
+            <a:endParaRPr lang="es-ES" dirty="0"/>
+          </a:p>
+        </p:txBody>
+      </p:sp>
+    </p:spTree>
+    <p:extLst>
+      <p:ext uri="{BB962C8B-B14F-4D97-AF65-F5344CB8AC3E}">
+        <p14:creationId xmlns:p14="http://schemas.microsoft.com/office/powerpoint/2010/main" xmlns="" val="1853866790"/>
+      </p:ext>
+    </p:extLst>
+  </p:cSld>
+  <p:clrMapOvr>
+    <a:masterClrMapping/>
+  </p:clrMapOvr>
+</p:sld>
+</file>
+
+<file path=ppt/slides/slide32.xml><?xml version="1.0" encoding="utf-8"?>
+<p:sld xmlns:a="http://schemas.openxmlformats.org/drawingml/2006/main" xmlns:r="http://schemas.openxmlformats.org/officeDocument/2006/relationships" xmlns:p="http://schemas.openxmlformats.org/presentationml/2006/main">
+  <p:cSld>
+    <p:spTree>
+      <p:nvGrpSpPr>
+        <p:cNvPr id="1" name=""/>
+        <p:cNvGrpSpPr/>
+        <p:nvPr/>
+      </p:nvGrpSpPr>
+      <p:grpSpPr>
+        <a:xfrm>
+          <a:off x="0" y="0"/>
+          <a:ext cx="0" cy="0"/>
+          <a:chOff x="0" y="0"/>
+          <a:chExt cx="0" cy="0"/>
+        </a:xfrm>
+      </p:grpSpPr>
+      <p:sp>
+        <p:nvSpPr>
+          <p:cNvPr id="8" name="Título 1">
+            <a:extLst>
+              <a:ext uri="{FF2B5EF4-FFF2-40B4-BE49-F238E27FC236}">
+                <a16:creationId xmlns:a16="http://schemas.microsoft.com/office/drawing/2014/main" xmlns="" id="{838AE204-C6DD-4B2D-AB01-E442527CDB2F}"/>
+              </a:ext>
+            </a:extLst>
+          </p:cNvPr>
+          <p:cNvSpPr>
+            <a:spLocks noGrp="1"/>
+          </p:cNvSpPr>
+          <p:nvPr>
+            <p:ph type="title"/>
+          </p:nvPr>
+        </p:nvSpPr>
+        <p:spPr>
+          <a:xfrm>
+            <a:off x="1484311" y="296214"/>
+            <a:ext cx="10018713" cy="1752599"/>
+          </a:xfrm>
+        </p:spPr>
+        <p:txBody>
+          <a:bodyPr>
+            <a:normAutofit/>
+          </a:bodyPr>
+          <a:lstStyle/>
+          <a:p>
+            <a:r>
+              <a:rPr lang="es-ES" sz="5400" dirty="0" smtClean="0"/>
+              <a:t>CURSOS AIRCRACK-NG</a:t>
+            </a:r>
+            <a:endParaRPr lang="es-ES" sz="5400" dirty="0"/>
+          </a:p>
+        </p:txBody>
+      </p:sp>
+      <p:pic>
+        <p:nvPicPr>
+          <p:cNvPr id="7170" name="Picture 2" descr="D:\Sistemas de informacion\Tercer curso\Segundo Cuatrimestre\Desarollo con tecnologias emergentes\Trabajo TG1\Fotos\19-03-2018 22-09-18.png"/>
+          <p:cNvPicPr>
+            <a:picLocks noGrp="1" noChangeAspect="1" noChangeArrowheads="1"/>
+          </p:cNvPicPr>
+          <p:nvPr>
+            <p:ph idx="1"/>
+          </p:nvPr>
+        </p:nvPicPr>
+        <p:blipFill>
+          <a:blip r:embed="rId2" cstate="print"/>
+          <a:srcRect/>
+          <a:stretch>
+            <a:fillRect/>
+          </a:stretch>
+        </p:blipFill>
+        <p:spPr bwMode="auto">
+          <a:xfrm>
+            <a:off x="1320127" y="3221834"/>
+            <a:ext cx="3987698" cy="1350166"/>
+          </a:xfrm>
+          <a:prstGeom prst="rect">
+            <a:avLst/>
+          </a:prstGeom>
+          <a:noFill/>
+        </p:spPr>
+      </p:pic>
+      <p:sp>
+        <p:nvSpPr>
+          <p:cNvPr id="6" name="5 CuadroTexto"/>
+          <p:cNvSpPr txBox="1"/>
+          <p:nvPr/>
+        </p:nvSpPr>
+        <p:spPr>
+          <a:xfrm>
+            <a:off x="5891349" y="3487783"/>
+            <a:ext cx="5669280" cy="584775"/>
+          </a:xfrm>
+          <a:prstGeom prst="rect">
+            <a:avLst/>
+          </a:prstGeom>
+          <a:noFill/>
+        </p:spPr>
+        <p:txBody>
+          <a:bodyPr wrap="square" rtlCol="0">
+            <a:spAutoFit/>
+          </a:bodyPr>
+          <a:lstStyle/>
+          <a:p>
+            <a:r>
+              <a:rPr lang="es-ES" sz="3200" b="1" dirty="0" smtClean="0"/>
+              <a:t>Curso de hacking  pkred.com</a:t>
+            </a:r>
+            <a:endParaRPr lang="es-ES" sz="3200" b="1" dirty="0"/>
+          </a:p>
+        </p:txBody>
+      </p:sp>
+    </p:spTree>
+    <p:extLst>
+      <p:ext uri="{BB962C8B-B14F-4D97-AF65-F5344CB8AC3E}">
+        <p14:creationId xmlns:p14="http://schemas.microsoft.com/office/powerpoint/2010/main" xmlns="" val="1853866790"/>
+      </p:ext>
+    </p:extLst>
+  </p:cSld>
+  <p:clrMapOvr>
+    <a:masterClrMapping/>
+  </p:clrMapOvr>
+</p:sld>
+</file>
+
+<file path=ppt/slides/slide33.xml><?xml version="1.0" encoding="utf-8"?>
+<p:sld xmlns:a="http://schemas.openxmlformats.org/drawingml/2006/main" xmlns:r="http://schemas.openxmlformats.org/officeDocument/2006/relationships" xmlns:p="http://schemas.openxmlformats.org/presentationml/2006/main">
+  <p:cSld>
+    <p:spTree>
+      <p:nvGrpSpPr>
+        <p:cNvPr id="1" name=""/>
+        <p:cNvGrpSpPr/>
+        <p:nvPr/>
+      </p:nvGrpSpPr>
+      <p:grpSpPr>
+        <a:xfrm>
+          <a:off x="0" y="0"/>
+          <a:ext cx="0" cy="0"/>
+          <a:chOff x="0" y="0"/>
+          <a:chExt cx="0" cy="0"/>
+        </a:xfrm>
+      </p:grpSpPr>
+      <p:sp>
+        <p:nvSpPr>
+          <p:cNvPr id="8" name="Título 1">
+            <a:extLst>
+              <a:ext uri="{FF2B5EF4-FFF2-40B4-BE49-F238E27FC236}">
+                <a16:creationId xmlns:a16="http://schemas.microsoft.com/office/drawing/2014/main" xmlns="" id="{838AE204-C6DD-4B2D-AB01-E442527CDB2F}"/>
+              </a:ext>
+            </a:extLst>
+          </p:cNvPr>
+          <p:cNvSpPr>
+            <a:spLocks noGrp="1"/>
+          </p:cNvSpPr>
+          <p:nvPr>
+            <p:ph type="title"/>
+          </p:nvPr>
+        </p:nvSpPr>
+        <p:spPr>
+          <a:xfrm>
+            <a:off x="1484311" y="296214"/>
+            <a:ext cx="10018713" cy="1752599"/>
+          </a:xfrm>
+        </p:spPr>
+        <p:txBody>
+          <a:bodyPr>
+            <a:normAutofit/>
+          </a:bodyPr>
+          <a:lstStyle/>
+          <a:p>
+            <a:r>
+              <a:rPr lang="es-ES" sz="5400" dirty="0" smtClean="0"/>
+              <a:t>CURSOS AIRCRACK-NG</a:t>
+            </a:r>
+            <a:endParaRPr lang="es-ES" sz="5400" dirty="0"/>
+          </a:p>
+        </p:txBody>
+      </p:sp>
+      <p:pic>
+        <p:nvPicPr>
+          <p:cNvPr id="8194" name="Picture 2" descr="D:\Sistemas de informacion\Tercer curso\Segundo Cuatrimestre\Desarollo con tecnologias emergentes\Trabajo TG1\Fotos\337238_574c_2.jpg"/>
+          <p:cNvPicPr>
+            <a:picLocks noGrp="1" noChangeAspect="1" noChangeArrowheads="1"/>
+          </p:cNvPicPr>
+          <p:nvPr>
+            <p:ph idx="1"/>
+          </p:nvPr>
+        </p:nvPicPr>
+        <p:blipFill>
+          <a:blip r:embed="rId2" cstate="print"/>
+          <a:srcRect/>
+          <a:stretch>
+            <a:fillRect/>
+          </a:stretch>
+        </p:blipFill>
+        <p:spPr bwMode="auto">
+          <a:xfrm>
+            <a:off x="1055822" y="2373948"/>
+            <a:ext cx="4974425" cy="2798943"/>
+          </a:xfrm>
+          <a:prstGeom prst="rect">
+            <a:avLst/>
+          </a:prstGeom>
+          <a:noFill/>
+        </p:spPr>
+      </p:pic>
+      <p:sp>
+        <p:nvSpPr>
+          <p:cNvPr id="6" name="5 CuadroTexto"/>
+          <p:cNvSpPr txBox="1"/>
+          <p:nvPr/>
+        </p:nvSpPr>
+        <p:spPr>
+          <a:xfrm>
+            <a:off x="6126480" y="2913019"/>
+            <a:ext cx="5891348" cy="1200329"/>
+          </a:xfrm>
+          <a:prstGeom prst="rect">
+            <a:avLst/>
+          </a:prstGeom>
+          <a:noFill/>
+        </p:spPr>
+        <p:txBody>
+          <a:bodyPr wrap="square" rtlCol="0">
+            <a:spAutoFit/>
+          </a:bodyPr>
+          <a:lstStyle/>
+          <a:p>
+            <a:r>
+              <a:rPr lang="es-ES" sz="2400" b="1" dirty="0" smtClean="0"/>
+              <a:t>Curso sobre “</a:t>
+            </a:r>
+            <a:r>
+              <a:rPr lang="es-ES" sz="2400" b="1" dirty="0" err="1" smtClean="0"/>
+              <a:t>Wireless</a:t>
+            </a:r>
+            <a:r>
+              <a:rPr lang="es-ES" sz="2400" b="1" dirty="0" smtClean="0"/>
+              <a:t> </a:t>
+            </a:r>
+            <a:r>
+              <a:rPr lang="es-ES" sz="2400" b="1" dirty="0" err="1" smtClean="0"/>
+              <a:t>penetration</a:t>
+            </a:r>
+            <a:r>
+              <a:rPr lang="es-ES" sz="2400" b="1" dirty="0" smtClean="0"/>
+              <a:t> </a:t>
+            </a:r>
+            <a:r>
+              <a:rPr lang="es-ES" sz="2400" b="1" dirty="0" err="1" smtClean="0"/>
+              <a:t>testing</a:t>
+            </a:r>
+            <a:r>
+              <a:rPr lang="es-ES" sz="2400" b="1" dirty="0" smtClean="0"/>
+              <a:t> con </a:t>
+            </a:r>
+            <a:r>
+              <a:rPr lang="es-ES" sz="2400" b="1" dirty="0" err="1" smtClean="0"/>
+              <a:t>Kali</a:t>
+            </a:r>
+            <a:r>
+              <a:rPr lang="es-ES" sz="2400" b="1" dirty="0" smtClean="0"/>
+              <a:t> Linux</a:t>
+            </a:r>
+            <a:r>
+              <a:rPr lang="es-ES" sz="2400" b="1" dirty="0" smtClean="0"/>
+              <a:t>” impartido por Marcos Mendoza.</a:t>
+            </a:r>
+            <a:endParaRPr lang="es-ES" sz="2400" b="1" dirty="0"/>
+          </a:p>
+        </p:txBody>
+      </p:sp>
+    </p:spTree>
+    <p:extLst>
+      <p:ext uri="{BB962C8B-B14F-4D97-AF65-F5344CB8AC3E}">
+        <p14:creationId xmlns:p14="http://schemas.microsoft.com/office/powerpoint/2010/main" xmlns="" val="1853866790"/>
+      </p:ext>
+    </p:extLst>
+  </p:cSld>
+  <p:clrMapOvr>
+    <a:masterClrMapping/>
+  </p:clrMapOvr>
+</p:sld>
+</file>
+
+<file path=ppt/slides/slide34.xml><?xml version="1.0" encoding="utf-8"?>
+<p:sld xmlns:a="http://schemas.openxmlformats.org/drawingml/2006/main" xmlns:r="http://schemas.openxmlformats.org/officeDocument/2006/relationships" xmlns:p="http://schemas.openxmlformats.org/presentationml/2006/main">
+  <p:cSld>
+    <p:spTree>
+      <p:nvGrpSpPr>
+        <p:cNvPr id="1" name=""/>
+        <p:cNvGrpSpPr/>
+        <p:nvPr/>
+      </p:nvGrpSpPr>
+      <p:grpSpPr>
+        <a:xfrm>
+          <a:off x="0" y="0"/>
+          <a:ext cx="0" cy="0"/>
+          <a:chOff x="0" y="0"/>
+          <a:chExt cx="0" cy="0"/>
+        </a:xfrm>
+      </p:grpSpPr>
+      <p:sp>
+        <p:nvSpPr>
+          <p:cNvPr id="8" name="Título 1">
+            <a:extLst>
+              <a:ext uri="{FF2B5EF4-FFF2-40B4-BE49-F238E27FC236}">
+                <a16:creationId xmlns:a16="http://schemas.microsoft.com/office/drawing/2014/main" xmlns="" id="{838AE204-C6DD-4B2D-AB01-E442527CDB2F}"/>
+              </a:ext>
+            </a:extLst>
+          </p:cNvPr>
+          <p:cNvSpPr>
+            <a:spLocks noGrp="1"/>
+          </p:cNvSpPr>
+          <p:nvPr>
+            <p:ph type="title"/>
+          </p:nvPr>
+        </p:nvSpPr>
+        <p:spPr>
+          <a:xfrm>
+            <a:off x="1484311" y="296214"/>
+            <a:ext cx="10018713" cy="1752599"/>
+          </a:xfrm>
+        </p:spPr>
+        <p:txBody>
+          <a:bodyPr>
+            <a:normAutofit/>
+          </a:bodyPr>
+          <a:lstStyle/>
+          <a:p>
+            <a:r>
+              <a:rPr lang="es-ES" sz="4400" dirty="0" smtClean="0"/>
+              <a:t>CURSOS </a:t>
+            </a:r>
+            <a:r>
+              <a:rPr lang="es-ES" sz="4400" dirty="0" smtClean="0"/>
+              <a:t>FERN WIFI WIRELESS CRACKER</a:t>
+            </a:r>
+            <a:endParaRPr lang="es-ES" sz="4400" dirty="0"/>
+          </a:p>
+        </p:txBody>
+      </p:sp>
+      <p:pic>
+        <p:nvPicPr>
+          <p:cNvPr id="9218" name="Picture 2" descr="D:\Sistemas de informacion\Tercer curso\Segundo Cuatrimestre\Desarollo con tecnologias emergentes\Trabajo TG1\Fotos\110a1-fern-wifi-cracker.png"/>
+          <p:cNvPicPr>
+            <a:picLocks noGrp="1" noChangeAspect="1" noChangeArrowheads="1"/>
+          </p:cNvPicPr>
+          <p:nvPr>
+            <p:ph idx="1"/>
+          </p:nvPr>
+        </p:nvPicPr>
+        <p:blipFill>
+          <a:blip r:embed="rId2" cstate="print"/>
+          <a:srcRect/>
+          <a:stretch>
+            <a:fillRect/>
+          </a:stretch>
+        </p:blipFill>
+        <p:spPr bwMode="auto">
+          <a:xfrm>
+            <a:off x="1339284" y="2353491"/>
+            <a:ext cx="3124200" cy="3124200"/>
+          </a:xfrm>
+          <a:prstGeom prst="rect">
+            <a:avLst/>
+          </a:prstGeom>
+          <a:noFill/>
+        </p:spPr>
+      </p:pic>
+      <p:sp>
+        <p:nvSpPr>
+          <p:cNvPr id="7" name="6 CuadroTexto"/>
+          <p:cNvSpPr txBox="1"/>
+          <p:nvPr/>
+        </p:nvSpPr>
+        <p:spPr>
+          <a:xfrm>
+            <a:off x="5316582" y="3082834"/>
+            <a:ext cx="6544492" cy="954107"/>
+          </a:xfrm>
+          <a:prstGeom prst="rect">
+            <a:avLst/>
+          </a:prstGeom>
+          <a:noFill/>
+        </p:spPr>
+        <p:txBody>
+          <a:bodyPr wrap="square" rtlCol="0">
+            <a:spAutoFit/>
+          </a:bodyPr>
+          <a:lstStyle/>
+          <a:p>
+            <a:r>
+              <a:rPr lang="es-ES" sz="2800" b="1" dirty="0" smtClean="0"/>
+              <a:t>Curso sobre “</a:t>
+            </a:r>
+            <a:r>
+              <a:rPr lang="es-ES" sz="2800" b="1" dirty="0" err="1" smtClean="0"/>
+              <a:t>Hackear</a:t>
+            </a:r>
+            <a:r>
+              <a:rPr lang="es-ES" sz="2800" b="1" dirty="0" smtClean="0"/>
+              <a:t> redes WPA con </a:t>
+            </a:r>
+            <a:r>
+              <a:rPr lang="es-ES" sz="2800" b="1" dirty="0" err="1" smtClean="0"/>
+              <a:t>Fern</a:t>
+            </a:r>
+            <a:r>
+              <a:rPr lang="es-ES" sz="2800" b="1" dirty="0" smtClean="0"/>
+              <a:t> </a:t>
+            </a:r>
+            <a:r>
+              <a:rPr lang="es-ES" sz="2800" b="1" dirty="0" err="1" smtClean="0"/>
+              <a:t>Wifi</a:t>
+            </a:r>
+            <a:r>
+              <a:rPr lang="es-ES" sz="2800" b="1" dirty="0" smtClean="0"/>
+              <a:t> Cracker” </a:t>
+            </a:r>
+            <a:endParaRPr lang="es-ES" sz="2800" b="1" dirty="0"/>
+          </a:p>
+        </p:txBody>
+      </p:sp>
+    </p:spTree>
+    <p:extLst>
+      <p:ext uri="{BB962C8B-B14F-4D97-AF65-F5344CB8AC3E}">
+        <p14:creationId xmlns:p14="http://schemas.microsoft.com/office/powerpoint/2010/main" xmlns="" val="1853866790"/>
+      </p:ext>
+    </p:extLst>
+  </p:cSld>
+  <p:clrMapOvr>
+    <a:masterClrMapping/>
+  </p:clrMapOvr>
+</p:sld>
+</file>
+
+<file path=ppt/slides/slide35.xml><?xml version="1.0" encoding="utf-8"?>
+<p:sld xmlns:a="http://schemas.openxmlformats.org/drawingml/2006/main" xmlns:r="http://schemas.openxmlformats.org/officeDocument/2006/relationships" xmlns:p="http://schemas.openxmlformats.org/presentationml/2006/main">
+  <p:cSld>
+    <p:spTree>
+      <p:nvGrpSpPr>
+        <p:cNvPr id="1" name=""/>
+        <p:cNvGrpSpPr/>
+        <p:nvPr/>
+      </p:nvGrpSpPr>
+      <p:grpSpPr>
+        <a:xfrm>
+          <a:off x="0" y="0"/>
+          <a:ext cx="0" cy="0"/>
+          <a:chOff x="0" y="0"/>
+          <a:chExt cx="0" cy="0"/>
+        </a:xfrm>
+      </p:grpSpPr>
+      <p:sp>
+        <p:nvSpPr>
+          <p:cNvPr id="8" name="Título 1">
+            <a:extLst>
+              <a:ext uri="{FF2B5EF4-FFF2-40B4-BE49-F238E27FC236}">
+                <a16:creationId xmlns:a16="http://schemas.microsoft.com/office/drawing/2014/main" xmlns="" id="{838AE204-C6DD-4B2D-AB01-E442527CDB2F}"/>
+              </a:ext>
+            </a:extLst>
+          </p:cNvPr>
+          <p:cNvSpPr>
+            <a:spLocks noGrp="1"/>
+          </p:cNvSpPr>
+          <p:nvPr>
+            <p:ph type="title"/>
+          </p:nvPr>
+        </p:nvSpPr>
+        <p:spPr>
+          <a:xfrm>
+            <a:off x="1484311" y="296214"/>
+            <a:ext cx="10018713" cy="1752599"/>
+          </a:xfrm>
+        </p:spPr>
+        <p:txBody>
+          <a:bodyPr>
+            <a:normAutofit/>
+          </a:bodyPr>
+          <a:lstStyle/>
+          <a:p>
+            <a:r>
+              <a:rPr lang="es-ES" sz="4400" dirty="0" smtClean="0"/>
+              <a:t>CURSOS </a:t>
+            </a:r>
+            <a:r>
+              <a:rPr lang="es-ES" sz="4400" dirty="0" smtClean="0"/>
+              <a:t>FERN WIFI WIRELESS CRACKER</a:t>
+            </a:r>
+            <a:endParaRPr lang="es-ES" sz="4400" dirty="0"/>
+          </a:p>
+        </p:txBody>
+      </p:sp>
+      <p:pic>
+        <p:nvPicPr>
+          <p:cNvPr id="10242" name="Picture 2" descr="D:\Sistemas de informacion\Tercer curso\Segundo Cuatrimestre\Desarollo con tecnologias emergentes\Trabajo TG1\Fotos\ht.png"/>
+          <p:cNvPicPr>
+            <a:picLocks noGrp="1" noChangeAspect="1" noChangeArrowheads="1"/>
+          </p:cNvPicPr>
+          <p:nvPr>
+            <p:ph idx="1"/>
+          </p:nvPr>
+        </p:nvPicPr>
+        <p:blipFill>
+          <a:blip r:embed="rId2" cstate="print"/>
+          <a:srcRect/>
+          <a:stretch>
+            <a:fillRect/>
+          </a:stretch>
+        </p:blipFill>
+        <p:spPr bwMode="auto">
+          <a:xfrm>
+            <a:off x="3196618" y="2107373"/>
+            <a:ext cx="6921673" cy="1563290"/>
+          </a:xfrm>
+          <a:prstGeom prst="rect">
+            <a:avLst/>
+          </a:prstGeom>
+          <a:noFill/>
+        </p:spPr>
+      </p:pic>
+      <p:sp>
+        <p:nvSpPr>
+          <p:cNvPr id="6" name="5 CuadroTexto"/>
+          <p:cNvSpPr txBox="1"/>
+          <p:nvPr/>
+        </p:nvSpPr>
+        <p:spPr>
+          <a:xfrm>
+            <a:off x="3043646" y="4219304"/>
+            <a:ext cx="7733211" cy="830997"/>
+          </a:xfrm>
+          <a:prstGeom prst="rect">
+            <a:avLst/>
+          </a:prstGeom>
+          <a:noFill/>
+        </p:spPr>
+        <p:txBody>
+          <a:bodyPr wrap="square" rtlCol="0">
+            <a:spAutoFit/>
+          </a:bodyPr>
+          <a:lstStyle/>
+          <a:p>
+            <a:r>
+              <a:rPr lang="es-ES" sz="2400" b="1" dirty="0" smtClean="0"/>
+              <a:t>Curso sobre “</a:t>
+            </a:r>
+            <a:r>
+              <a:rPr lang="en-US" sz="2400" b="1" dirty="0" smtClean="0"/>
+              <a:t>Cracking WPA2 with Fern WIFI </a:t>
+            </a:r>
+            <a:r>
+              <a:rPr lang="en-US" sz="2400" b="1" dirty="0" smtClean="0"/>
+              <a:t>cracker</a:t>
+            </a:r>
+            <a:r>
+              <a:rPr lang="es-ES" sz="2400" b="1" dirty="0" smtClean="0"/>
+              <a:t>” en la web hackthis.co.uk</a:t>
+            </a:r>
+            <a:endParaRPr lang="en-US" sz="2400" b="1" dirty="0" smtClean="0"/>
+          </a:p>
+        </p:txBody>
+      </p:sp>
+    </p:spTree>
+    <p:extLst>
+      <p:ext uri="{BB962C8B-B14F-4D97-AF65-F5344CB8AC3E}">
+        <p14:creationId xmlns:p14="http://schemas.microsoft.com/office/powerpoint/2010/main" xmlns="" val="1853866790"/>
+      </p:ext>
+    </p:extLst>
+  </p:cSld>
+  <p:clrMapOvr>
+    <a:masterClrMapping/>
+  </p:clrMapOvr>
+</p:sld>
+</file>
+
+<file path=ppt/slides/slide36.xml><?xml version="1.0" encoding="utf-8"?>
+<p:sld xmlns:a="http://schemas.openxmlformats.org/drawingml/2006/main" xmlns:r="http://schemas.openxmlformats.org/officeDocument/2006/relationships" xmlns:p="http://schemas.openxmlformats.org/presentationml/2006/main">
+  <p:cSld>
+    <p:spTree>
+      <p:nvGrpSpPr>
+        <p:cNvPr id="1" name=""/>
+        <p:cNvGrpSpPr/>
+        <p:nvPr/>
+      </p:nvGrpSpPr>
+      <p:grpSpPr>
+        <a:xfrm>
+          <a:off x="0" y="0"/>
+          <a:ext cx="0" cy="0"/>
+          <a:chOff x="0" y="0"/>
+          <a:chExt cx="0" cy="0"/>
+        </a:xfrm>
+      </p:grpSpPr>
+      <p:sp>
+        <p:nvSpPr>
+          <p:cNvPr id="2" name="Título 1">
+            <a:extLst>
+              <a:ext uri="{FF2B5EF4-FFF2-40B4-BE49-F238E27FC236}">
+                <a16:creationId xmlns:a16="http://schemas.microsoft.com/office/drawing/2014/main" xmlns="" id="{FBD9E5A4-5370-4DA9-A647-51FE54C60D94}"/>
+              </a:ext>
+            </a:extLst>
+          </p:cNvPr>
+          <p:cNvSpPr>
+            <a:spLocks noGrp="1"/>
+          </p:cNvSpPr>
+          <p:nvPr>
+            <p:ph type="title"/>
+          </p:nvPr>
+        </p:nvSpPr>
+        <p:spPr/>
+        <p:txBody>
+          <a:bodyPr>
+            <a:normAutofit fontScale="90000"/>
+          </a:bodyPr>
+          <a:lstStyle/>
+          <a:p>
+            <a:r>
+              <a:rPr lang="es-ES" sz="4800" b="1" dirty="0"/>
+              <a:t/>
+            </a:r>
+            <a:br>
+              <a:rPr lang="es-ES" sz="4800" b="1" dirty="0"/>
+            </a:br>
+            <a:r>
+              <a:rPr lang="es-ES" sz="4800" b="1" dirty="0"/>
+              <a:t/>
+            </a:r>
+            <a:br>
+              <a:rPr lang="es-ES" sz="4800" b="1" dirty="0"/>
+            </a:br>
+            <a:r>
+              <a:rPr lang="es-ES" sz="4800" b="1" dirty="0"/>
+              <a:t/>
+            </a:r>
+            <a:br>
+              <a:rPr lang="es-ES" sz="4800" b="1" dirty="0"/>
+            </a:br>
+            <a:r>
+              <a:rPr lang="es-ES" sz="4800" b="1" dirty="0"/>
+              <a:t/>
+            </a:r>
+            <a:br>
+              <a:rPr lang="es-ES" sz="4800" b="1" dirty="0"/>
+            </a:br>
+            <a:r>
+              <a:rPr lang="es-ES" sz="8000" b="1" dirty="0" smtClean="0"/>
+              <a:t> Ayudas para estudiar las tecnologías</a:t>
+            </a:r>
+            <a:endParaRPr lang="es-ES" sz="4800" b="1" dirty="0"/>
+          </a:p>
+        </p:txBody>
+      </p:sp>
+    </p:spTree>
+    <p:extLst>
+      <p:ext uri="{BB962C8B-B14F-4D97-AF65-F5344CB8AC3E}">
+        <p14:creationId xmlns:p14="http://schemas.microsoft.com/office/powerpoint/2010/main" xmlns="" val="1418678560"/>
+      </p:ext>
+    </p:extLst>
+  </p:cSld>
+  <p:clrMapOvr>
+    <a:masterClrMapping/>
+  </p:clrMapOvr>
+</p:sld>
+</file>
+
+<file path=ppt/slides/slide37.xml><?xml version="1.0" encoding="utf-8"?>
+<p:sld xmlns:a="http://schemas.openxmlformats.org/drawingml/2006/main" xmlns:r="http://schemas.openxmlformats.org/officeDocument/2006/relationships" xmlns:p="http://schemas.openxmlformats.org/presentationml/2006/main">
+  <p:cSld>
+    <p:spTree>
+      <p:nvGrpSpPr>
+        <p:cNvPr id="1" name=""/>
+        <p:cNvGrpSpPr/>
+        <p:nvPr/>
+      </p:nvGrpSpPr>
+      <p:grpSpPr>
+        <a:xfrm>
+          <a:off x="0" y="0"/>
+          <a:ext cx="0" cy="0"/>
+          <a:chOff x="0" y="0"/>
+          <a:chExt cx="0" cy="0"/>
+        </a:xfrm>
+      </p:grpSpPr>
+      <p:sp>
+        <p:nvSpPr>
+          <p:cNvPr id="2" name="Título 1">
+            <a:extLst>
+              <a:ext uri="{FF2B5EF4-FFF2-40B4-BE49-F238E27FC236}">
+                <a16:creationId xmlns:a16="http://schemas.microsoft.com/office/drawing/2014/main" xmlns="" id="{6BAE3F2D-3FC2-4518-A197-DE7D9F2A5183}"/>
+              </a:ext>
+            </a:extLst>
+          </p:cNvPr>
+          <p:cNvSpPr>
+            <a:spLocks noGrp="1"/>
+          </p:cNvSpPr>
+          <p:nvPr>
+            <p:ph type="title"/>
+          </p:nvPr>
+        </p:nvSpPr>
+        <p:spPr>
+          <a:xfrm>
+            <a:off x="1484312" y="721896"/>
+            <a:ext cx="3549121" cy="926432"/>
+          </a:xfrm>
+        </p:spPr>
+        <p:txBody>
+          <a:bodyPr/>
+          <a:lstStyle/>
+          <a:p>
+            <a:r>
+              <a:rPr lang="es-ES"/>
+              <a:t>BECAS DE CARÁCTER GENERAL </a:t>
+            </a:r>
+            <a:endParaRPr lang="es-ES" dirty="0"/>
+          </a:p>
+        </p:txBody>
+      </p:sp>
+      <p:pic>
+        <p:nvPicPr>
+          <p:cNvPr id="5" name="Marcador de contenido 4">
+            <a:extLst>
+              <a:ext uri="{FF2B5EF4-FFF2-40B4-BE49-F238E27FC236}">
+                <a16:creationId xmlns:a16="http://schemas.microsoft.com/office/drawing/2014/main" xmlns="" id="{CFC5D1F2-E23A-416E-BF31-DFF5083C7696}"/>
+              </a:ext>
+            </a:extLst>
+          </p:cNvPr>
+          <p:cNvPicPr>
+            <a:picLocks noGrp="1" noChangeAspect="1"/>
+          </p:cNvPicPr>
+          <p:nvPr>
+            <p:ph idx="1"/>
+          </p:nvPr>
+        </p:nvPicPr>
+        <p:blipFill>
+          <a:blip r:embed="rId2" cstate="print"/>
+          <a:stretch>
+            <a:fillRect/>
+          </a:stretch>
+        </p:blipFill>
+        <p:spPr>
+          <a:xfrm>
+            <a:off x="5683828" y="2623073"/>
+            <a:ext cx="5729910" cy="1756422"/>
+          </a:xfrm>
+          <a:prstGeom prst="rect">
+            <a:avLst/>
+          </a:prstGeom>
+        </p:spPr>
+      </p:pic>
+      <p:sp>
+        <p:nvSpPr>
+          <p:cNvPr id="4" name="Marcador de texto 3">
+            <a:extLst>
+              <a:ext uri="{FF2B5EF4-FFF2-40B4-BE49-F238E27FC236}">
+                <a16:creationId xmlns:a16="http://schemas.microsoft.com/office/drawing/2014/main" xmlns="" id="{439717E3-E765-4128-8E40-6C8713D75B95}"/>
+              </a:ext>
+            </a:extLst>
+          </p:cNvPr>
+          <p:cNvSpPr>
+            <a:spLocks noGrp="1"/>
+          </p:cNvSpPr>
+          <p:nvPr>
+            <p:ph type="body" sz="half" idx="2"/>
+          </p:nvPr>
+        </p:nvSpPr>
+        <p:spPr>
+          <a:xfrm>
+            <a:off x="1484312" y="1997241"/>
+            <a:ext cx="3549121" cy="4138863"/>
+          </a:xfrm>
+        </p:spPr>
+        <p:txBody>
+          <a:bodyPr>
+            <a:normAutofit lnSpcReduction="10000"/>
+          </a:bodyPr>
+          <a:lstStyle/>
+          <a:p>
+            <a:pPr lvl="0" algn="l">
+              <a:spcBef>
+                <a:spcPts val="0"/>
+              </a:spcBef>
+              <a:spcAft>
+                <a:spcPts val="0"/>
+              </a:spcAft>
+              <a:defRPr sz="1800" b="0" i="0" u="none" strike="noStrike" kern="0" cap="none" spc="0" baseline="0">
+                <a:solidFill>
+                  <a:srgbClr val="000000"/>
+                </a:solidFill>
+                <a:uFillTx/>
+              </a:defRPr>
+            </a:pPr>
+            <a:r>
+              <a:rPr lang="es-ES" dirty="0">
+                <a:solidFill>
+                  <a:srgbClr val="000000"/>
+                </a:solidFill>
+                <a:latin typeface="Corbel" panose="020B0503020204020204" pitchFamily="34" charset="0"/>
+              </a:rPr>
+              <a:t>BECAS DEL MINISTERIO DE EDUCACION Y CIENCIAS </a:t>
+            </a:r>
+          </a:p>
+          <a:p>
+            <a:pPr lvl="0" algn="l">
+              <a:spcBef>
+                <a:spcPts val="0"/>
+              </a:spcBef>
+              <a:spcAft>
+                <a:spcPts val="0"/>
+              </a:spcAft>
+              <a:defRPr sz="1800" b="0" i="0" u="none" strike="noStrike" kern="0" cap="none" spc="0" baseline="0">
+                <a:solidFill>
+                  <a:srgbClr val="000000"/>
+                </a:solidFill>
+                <a:uFillTx/>
+              </a:defRPr>
+            </a:pPr>
+            <a:endParaRPr lang="es-ES" dirty="0">
+              <a:solidFill>
+                <a:srgbClr val="000000"/>
+              </a:solidFill>
+              <a:latin typeface="Corbel" panose="020B0503020204020204" pitchFamily="34" charset="0"/>
+            </a:endParaRPr>
+          </a:p>
+          <a:p>
+            <a:pPr lvl="0" algn="l">
+              <a:spcBef>
+                <a:spcPts val="0"/>
+              </a:spcBef>
+              <a:spcAft>
+                <a:spcPts val="0"/>
+              </a:spcAft>
+              <a:defRPr sz="1800" b="0" i="0" u="none" strike="noStrike" kern="0" cap="none" spc="0" baseline="0">
+                <a:solidFill>
+                  <a:srgbClr val="000000"/>
+                </a:solidFill>
+                <a:uFillTx/>
+              </a:defRPr>
+            </a:pPr>
+            <a:r>
+              <a:rPr lang="es-ES" dirty="0">
+                <a:solidFill>
+                  <a:srgbClr val="000000"/>
+                </a:solidFill>
+                <a:latin typeface="Corbel" panose="020B0503020204020204" pitchFamily="34" charset="0"/>
+              </a:rPr>
+              <a:t>NACIONALIDAD ESPAÑOLA  O UNION EUROPEA O TRABAJADOR EN ESPAÑA</a:t>
+            </a:r>
+          </a:p>
+          <a:p>
+            <a:pPr lvl="0" algn="l">
+              <a:spcBef>
+                <a:spcPts val="0"/>
+              </a:spcBef>
+              <a:spcAft>
+                <a:spcPts val="0"/>
+              </a:spcAft>
+              <a:defRPr sz="1800" b="0" i="0" u="none" strike="noStrike" kern="0" cap="none" spc="0" baseline="0">
+                <a:solidFill>
+                  <a:srgbClr val="000000"/>
+                </a:solidFill>
+                <a:uFillTx/>
+              </a:defRPr>
+            </a:pPr>
+            <a:endParaRPr lang="es-ES" dirty="0">
+              <a:solidFill>
+                <a:srgbClr val="000000"/>
+              </a:solidFill>
+              <a:latin typeface="Corbel" panose="020B0503020204020204" pitchFamily="34" charset="0"/>
+            </a:endParaRPr>
+          </a:p>
+          <a:p>
+            <a:pPr lvl="0" algn="l">
+              <a:spcBef>
+                <a:spcPts val="0"/>
+              </a:spcBef>
+              <a:spcAft>
+                <a:spcPts val="0"/>
+              </a:spcAft>
+              <a:defRPr sz="1800" b="0" i="0" u="none" strike="noStrike" kern="0" cap="none" spc="0" baseline="0">
+                <a:solidFill>
+                  <a:srgbClr val="000000"/>
+                </a:solidFill>
+                <a:uFillTx/>
+              </a:defRPr>
+            </a:pPr>
+            <a:endParaRPr lang="es-ES" dirty="0">
+              <a:solidFill>
+                <a:srgbClr val="000000"/>
+              </a:solidFill>
+              <a:latin typeface="Corbel" panose="020B0503020204020204" pitchFamily="34" charset="0"/>
+            </a:endParaRPr>
+          </a:p>
+          <a:p>
+            <a:pPr lvl="0" algn="l">
+              <a:spcBef>
+                <a:spcPts val="0"/>
+              </a:spcBef>
+              <a:spcAft>
+                <a:spcPts val="0"/>
+              </a:spcAft>
+              <a:defRPr sz="1800" b="0" i="0" u="none" strike="noStrike" kern="0" cap="none" spc="0" baseline="0">
+                <a:solidFill>
+                  <a:srgbClr val="000000"/>
+                </a:solidFill>
+                <a:uFillTx/>
+              </a:defRPr>
+            </a:pPr>
+            <a:r>
+              <a:rPr lang="es-ES" dirty="0">
+                <a:solidFill>
+                  <a:srgbClr val="000000"/>
+                </a:solidFill>
+                <a:latin typeface="Corbel" panose="020B0503020204020204" pitchFamily="34" charset="0"/>
+              </a:rPr>
+              <a:t>HABER APROBADO EL 60% EN GRADOS TECNICOS Y 80% EN OTRAS TITULACIONES </a:t>
+            </a:r>
+          </a:p>
+          <a:p>
+            <a:pPr lvl="0" algn="l">
+              <a:spcBef>
+                <a:spcPts val="0"/>
+              </a:spcBef>
+              <a:spcAft>
+                <a:spcPts val="0"/>
+              </a:spcAft>
+              <a:defRPr sz="1800" b="0" i="0" u="none" strike="noStrike" kern="0" cap="none" spc="0" baseline="0">
+                <a:solidFill>
+                  <a:srgbClr val="000000"/>
+                </a:solidFill>
+                <a:uFillTx/>
+              </a:defRPr>
+            </a:pPr>
+            <a:endParaRPr lang="es-ES" dirty="0">
+              <a:solidFill>
+                <a:srgbClr val="000000"/>
+              </a:solidFill>
+              <a:latin typeface="Corbel" panose="020B0503020204020204" pitchFamily="34" charset="0"/>
+            </a:endParaRPr>
+          </a:p>
+          <a:p>
+            <a:pPr lvl="0" algn="l">
+              <a:spcBef>
+                <a:spcPts val="0"/>
+              </a:spcBef>
+              <a:spcAft>
+                <a:spcPts val="0"/>
+              </a:spcAft>
+              <a:defRPr sz="1800" b="0" i="0" u="none" strike="noStrike" kern="0" cap="none" spc="0" baseline="0">
+                <a:solidFill>
+                  <a:srgbClr val="000000"/>
+                </a:solidFill>
+                <a:uFillTx/>
+              </a:defRPr>
+            </a:pPr>
+            <a:endParaRPr lang="es-ES" dirty="0">
+              <a:solidFill>
+                <a:srgbClr val="000000"/>
+              </a:solidFill>
+              <a:latin typeface="Corbel" panose="020B0503020204020204" pitchFamily="34" charset="0"/>
+            </a:endParaRPr>
+          </a:p>
+          <a:p>
+            <a:pPr lvl="0" algn="l">
+              <a:spcBef>
+                <a:spcPts val="0"/>
+              </a:spcBef>
+              <a:spcAft>
+                <a:spcPts val="0"/>
+              </a:spcAft>
+              <a:defRPr sz="1800" b="0" i="0" u="none" strike="noStrike" kern="0" cap="none" spc="0" baseline="0">
+                <a:solidFill>
+                  <a:srgbClr val="000000"/>
+                </a:solidFill>
+                <a:uFillTx/>
+              </a:defRPr>
+            </a:pPr>
+            <a:r>
+              <a:rPr lang="es-ES" dirty="0">
+                <a:solidFill>
+                  <a:srgbClr val="000000"/>
+                </a:solidFill>
+                <a:latin typeface="Corbel" panose="020B0503020204020204" pitchFamily="34" charset="0"/>
+              </a:rPr>
+              <a:t>DEPSNDIENDO DEL NIVEL ECONOMICO DE FAMILIA</a:t>
+            </a:r>
+          </a:p>
+          <a:p>
+            <a:endParaRPr lang="es-ES" dirty="0"/>
+          </a:p>
+        </p:txBody>
+      </p:sp>
+    </p:spTree>
+    <p:extLst>
+      <p:ext uri="{BB962C8B-B14F-4D97-AF65-F5344CB8AC3E}">
+        <p14:creationId xmlns:p14="http://schemas.microsoft.com/office/powerpoint/2010/main" xmlns="" val="3160781622"/>
+      </p:ext>
+    </p:extLst>
+  </p:cSld>
+  <p:clrMapOvr>
+    <a:masterClrMapping/>
+  </p:clrMapOvr>
+</p:sld>
+</file>
+
+<file path=ppt/slides/slide38.xml><?xml version="1.0" encoding="utf-8"?>
+<p:sld xmlns:a="http://schemas.openxmlformats.org/drawingml/2006/main" xmlns:r="http://schemas.openxmlformats.org/officeDocument/2006/relationships" xmlns:p="http://schemas.openxmlformats.org/presentationml/2006/main">
+  <p:cSld>
+    <p:spTree>
+      <p:nvGrpSpPr>
+        <p:cNvPr id="1" name=""/>
+        <p:cNvGrpSpPr/>
+        <p:nvPr/>
+      </p:nvGrpSpPr>
+      <p:grpSpPr>
+        <a:xfrm>
+          <a:off x="0" y="0"/>
+          <a:ext cx="0" cy="0"/>
+          <a:chOff x="0" y="0"/>
+          <a:chExt cx="0" cy="0"/>
+        </a:xfrm>
+      </p:grpSpPr>
+      <p:sp>
+        <p:nvSpPr>
+          <p:cNvPr id="2" name="Título 1">
+            <a:extLst>
+              <a:ext uri="{FF2B5EF4-FFF2-40B4-BE49-F238E27FC236}">
+                <a16:creationId xmlns:a16="http://schemas.microsoft.com/office/drawing/2014/main" xmlns="" id="{BB85FC81-7A3A-4F97-9C25-16430D0B9ED6}"/>
+              </a:ext>
+            </a:extLst>
+          </p:cNvPr>
+          <p:cNvSpPr>
+            <a:spLocks noGrp="1"/>
+          </p:cNvSpPr>
+          <p:nvPr>
+            <p:ph type="title"/>
+          </p:nvPr>
+        </p:nvSpPr>
+        <p:spPr>
+          <a:xfrm>
+            <a:off x="1484312" y="685799"/>
+            <a:ext cx="3549121" cy="565484"/>
+          </a:xfrm>
+        </p:spPr>
+        <p:txBody>
+          <a:bodyPr/>
+          <a:lstStyle/>
+          <a:p>
+            <a:r>
+              <a:rPr lang="es-ES" dirty="0"/>
+              <a:t>BECAS DE MOVILIDAD</a:t>
+            </a:r>
+          </a:p>
+        </p:txBody>
+      </p:sp>
+      <p:pic>
+        <p:nvPicPr>
+          <p:cNvPr id="5" name="Marcador de contenido 4">
+            <a:extLst>
+              <a:ext uri="{FF2B5EF4-FFF2-40B4-BE49-F238E27FC236}">
+                <a16:creationId xmlns:a16="http://schemas.microsoft.com/office/drawing/2014/main" xmlns="" id="{B9FBDEA7-A02A-48BD-8D4D-02CF155F90AB}"/>
+              </a:ext>
+            </a:extLst>
+          </p:cNvPr>
+          <p:cNvPicPr>
+            <a:picLocks noGrp="1" noChangeAspect="1"/>
+          </p:cNvPicPr>
+          <p:nvPr>
+            <p:ph idx="1"/>
+          </p:nvPr>
+        </p:nvPicPr>
+        <p:blipFill>
+          <a:blip r:embed="rId2" cstate="print"/>
+          <a:stretch>
+            <a:fillRect/>
+          </a:stretch>
+        </p:blipFill>
+        <p:spPr>
+          <a:xfrm>
+            <a:off x="6264442" y="1660358"/>
+            <a:ext cx="4761389" cy="969348"/>
+          </a:xfrm>
+          <a:prstGeom prst="rect">
+            <a:avLst/>
+          </a:prstGeom>
+        </p:spPr>
+      </p:pic>
+      <p:sp>
+        <p:nvSpPr>
+          <p:cNvPr id="4" name="Marcador de texto 3">
+            <a:extLst>
+              <a:ext uri="{FF2B5EF4-FFF2-40B4-BE49-F238E27FC236}">
+                <a16:creationId xmlns:a16="http://schemas.microsoft.com/office/drawing/2014/main" xmlns="" id="{81CC1F74-9147-4CAE-B1E1-6C13F084B291}"/>
+              </a:ext>
+            </a:extLst>
+          </p:cNvPr>
+          <p:cNvSpPr>
+            <a:spLocks noGrp="1"/>
+          </p:cNvSpPr>
+          <p:nvPr>
+            <p:ph type="body" sz="half" idx="2"/>
+          </p:nvPr>
+        </p:nvSpPr>
+        <p:spPr>
+          <a:xfrm>
+            <a:off x="1484312" y="1660358"/>
+            <a:ext cx="3549121" cy="4130842"/>
+          </a:xfrm>
+        </p:spPr>
+        <p:txBody>
+          <a:bodyPr>
+            <a:normAutofit fontScale="92500" lnSpcReduction="20000"/>
+          </a:bodyPr>
+          <a:lstStyle/>
+          <a:p>
+            <a:pPr lvl="0" algn="l">
+              <a:spcBef>
+                <a:spcPts val="0"/>
+              </a:spcBef>
+              <a:spcAft>
+                <a:spcPts val="0"/>
+              </a:spcAft>
+              <a:defRPr sz="1800" b="0" i="0" u="none" strike="noStrike" kern="0" cap="none" spc="0" baseline="0">
+                <a:solidFill>
+                  <a:srgbClr val="000000"/>
+                </a:solidFill>
+                <a:uFillTx/>
+              </a:defRPr>
+            </a:pPr>
+            <a:r>
+              <a:rPr lang="es-ES" dirty="0">
+                <a:solidFill>
+                  <a:srgbClr val="000000"/>
+                </a:solidFill>
+                <a:latin typeface="Corbel" panose="020B0503020204020204" pitchFamily="34" charset="0"/>
+              </a:rPr>
+              <a:t>ERASMUS</a:t>
+            </a:r>
+          </a:p>
+          <a:p>
+            <a:pPr lvl="0" algn="l">
+              <a:spcBef>
+                <a:spcPts val="0"/>
+              </a:spcBef>
+              <a:spcAft>
+                <a:spcPts val="0"/>
+              </a:spcAft>
+              <a:defRPr sz="1800" b="0" i="0" u="none" strike="noStrike" kern="0" cap="none" spc="0" baseline="0">
+                <a:solidFill>
+                  <a:srgbClr val="000000"/>
+                </a:solidFill>
+                <a:uFillTx/>
+              </a:defRPr>
+            </a:pPr>
+            <a:endParaRPr lang="es-ES" dirty="0">
+              <a:solidFill>
+                <a:srgbClr val="000000"/>
+              </a:solidFill>
+              <a:latin typeface="Corbel" panose="020B0503020204020204" pitchFamily="34" charset="0"/>
+            </a:endParaRPr>
+          </a:p>
+          <a:p>
+            <a:pPr marL="285750" lvl="0" indent="-285750" algn="l">
+              <a:spcBef>
+                <a:spcPts val="0"/>
+              </a:spcBef>
+              <a:spcAft>
+                <a:spcPts val="0"/>
+              </a:spcAft>
+              <a:buSzPct val="100000"/>
+              <a:buChar char="-"/>
+              <a:defRPr sz="1800" b="0" i="0" u="none" strike="noStrike" kern="0" cap="none" spc="0" baseline="0">
+                <a:solidFill>
+                  <a:srgbClr val="000000"/>
+                </a:solidFill>
+                <a:uFillTx/>
+              </a:defRPr>
+            </a:pPr>
+            <a:r>
+              <a:rPr lang="es-ES" dirty="0">
+                <a:solidFill>
+                  <a:srgbClr val="000000"/>
+                </a:solidFill>
+                <a:latin typeface="Corbel" panose="020B0503020204020204" pitchFamily="34" charset="0"/>
+              </a:rPr>
+              <a:t>PRIMERO APROBADO</a:t>
+            </a:r>
+          </a:p>
+          <a:p>
+            <a:pPr marL="285750" lvl="0" indent="-285750" algn="l">
+              <a:spcBef>
+                <a:spcPts val="0"/>
+              </a:spcBef>
+              <a:spcAft>
+                <a:spcPts val="0"/>
+              </a:spcAft>
+              <a:buSzPct val="100000"/>
+              <a:buChar char="-"/>
+              <a:defRPr sz="1800" b="0" i="0" u="none" strike="noStrike" kern="0" cap="none" spc="0" baseline="0">
+                <a:solidFill>
+                  <a:srgbClr val="000000"/>
+                </a:solidFill>
+                <a:uFillTx/>
+              </a:defRPr>
+            </a:pPr>
+            <a:endParaRPr lang="es-ES" dirty="0">
+              <a:solidFill>
+                <a:srgbClr val="000000"/>
+              </a:solidFill>
+              <a:latin typeface="Corbel" panose="020B0503020204020204" pitchFamily="34" charset="0"/>
+            </a:endParaRPr>
+          </a:p>
+          <a:p>
+            <a:pPr marL="285750" lvl="0" indent="-285750" algn="l">
+              <a:spcBef>
+                <a:spcPts val="0"/>
+              </a:spcBef>
+              <a:spcAft>
+                <a:spcPts val="0"/>
+              </a:spcAft>
+              <a:buSzPct val="100000"/>
+              <a:buChar char="-"/>
+              <a:defRPr sz="1800" b="0" i="0" u="none" strike="noStrike" kern="0" cap="none" spc="0" baseline="0">
+                <a:solidFill>
+                  <a:srgbClr val="000000"/>
+                </a:solidFill>
+                <a:uFillTx/>
+              </a:defRPr>
+            </a:pPr>
+            <a:r>
+              <a:rPr lang="es-ES" dirty="0">
+                <a:solidFill>
+                  <a:srgbClr val="000000"/>
+                </a:solidFill>
+                <a:latin typeface="Corbel" panose="020B0503020204020204" pitchFamily="34" charset="0"/>
+              </a:rPr>
+              <a:t>NIVEL MEDIO DE LENGUA DE PAIS DE DESTINO </a:t>
+            </a:r>
+          </a:p>
+          <a:p>
+            <a:pPr marL="285750" lvl="0" indent="-285750" algn="l">
+              <a:spcBef>
+                <a:spcPts val="0"/>
+              </a:spcBef>
+              <a:spcAft>
+                <a:spcPts val="0"/>
+              </a:spcAft>
+              <a:buSzPct val="100000"/>
+              <a:buChar char="-"/>
+              <a:defRPr sz="1800" b="0" i="0" u="none" strike="noStrike" kern="0" cap="none" spc="0" baseline="0">
+                <a:solidFill>
+                  <a:srgbClr val="000000"/>
+                </a:solidFill>
+                <a:uFillTx/>
+              </a:defRPr>
+            </a:pPr>
+            <a:endParaRPr lang="es-ES" dirty="0">
+              <a:solidFill>
+                <a:srgbClr val="000000"/>
+              </a:solidFill>
+              <a:latin typeface="Corbel" panose="020B0503020204020204" pitchFamily="34" charset="0"/>
+            </a:endParaRPr>
+          </a:p>
+          <a:p>
+            <a:pPr marL="285750" lvl="0" indent="-285750" algn="l">
+              <a:spcBef>
+                <a:spcPts val="0"/>
+              </a:spcBef>
+              <a:spcAft>
+                <a:spcPts val="0"/>
+              </a:spcAft>
+              <a:buSzPct val="100000"/>
+              <a:buChar char="-"/>
+              <a:defRPr sz="1800" b="0" i="0" u="none" strike="noStrike" kern="0" cap="none" spc="0" baseline="0">
+                <a:solidFill>
+                  <a:srgbClr val="000000"/>
+                </a:solidFill>
+                <a:uFillTx/>
+              </a:defRPr>
+            </a:pPr>
+            <a:endParaRPr lang="es-ES" dirty="0">
+              <a:solidFill>
+                <a:srgbClr val="000000"/>
+              </a:solidFill>
+              <a:latin typeface="Corbel" panose="020B0503020204020204" pitchFamily="34" charset="0"/>
+            </a:endParaRPr>
+          </a:p>
+          <a:p>
+            <a:pPr marL="285750" lvl="0" indent="-285750" algn="l">
+              <a:spcBef>
+                <a:spcPts val="0"/>
+              </a:spcBef>
+              <a:spcAft>
+                <a:spcPts val="0"/>
+              </a:spcAft>
+              <a:buSzPct val="100000"/>
+              <a:buChar char="-"/>
+              <a:defRPr sz="1800" b="0" i="0" u="none" strike="noStrike" kern="0" cap="none" spc="0" baseline="0">
+                <a:solidFill>
+                  <a:srgbClr val="000000"/>
+                </a:solidFill>
+                <a:uFillTx/>
+              </a:defRPr>
+            </a:pPr>
+            <a:endParaRPr lang="es-ES" dirty="0">
+              <a:solidFill>
+                <a:srgbClr val="000000"/>
+              </a:solidFill>
+              <a:latin typeface="Corbel" panose="020B0503020204020204" pitchFamily="34" charset="0"/>
+            </a:endParaRPr>
+          </a:p>
+          <a:p>
+            <a:pPr lvl="0" algn="l">
+              <a:spcBef>
+                <a:spcPts val="0"/>
+              </a:spcBef>
+              <a:spcAft>
+                <a:spcPts val="0"/>
+              </a:spcAft>
+              <a:defRPr sz="1800" b="0" i="0" u="none" strike="noStrike" kern="0" cap="none" spc="0" baseline="0">
+                <a:solidFill>
+                  <a:srgbClr val="000000"/>
+                </a:solidFill>
+                <a:uFillTx/>
+              </a:defRPr>
+            </a:pPr>
+            <a:r>
+              <a:rPr lang="es-ES" dirty="0">
+                <a:solidFill>
+                  <a:srgbClr val="000000"/>
+                </a:solidFill>
+                <a:latin typeface="Corbel" panose="020B0503020204020204" pitchFamily="34" charset="0"/>
+              </a:rPr>
+              <a:t>BECAS SICUE</a:t>
+            </a:r>
+          </a:p>
+          <a:p>
+            <a:pPr lvl="0" algn="l">
+              <a:spcBef>
+                <a:spcPts val="0"/>
+              </a:spcBef>
+              <a:spcAft>
+                <a:spcPts val="0"/>
+              </a:spcAft>
+              <a:defRPr sz="1800" b="0" i="0" u="none" strike="noStrike" kern="0" cap="none" spc="0" baseline="0">
+                <a:solidFill>
+                  <a:srgbClr val="000000"/>
+                </a:solidFill>
+                <a:uFillTx/>
+              </a:defRPr>
+            </a:pPr>
+            <a:endParaRPr lang="es-ES" dirty="0">
+              <a:solidFill>
+                <a:srgbClr val="000000"/>
+              </a:solidFill>
+              <a:latin typeface="Corbel" panose="020B0503020204020204" pitchFamily="34" charset="0"/>
+            </a:endParaRPr>
+          </a:p>
+          <a:p>
+            <a:pPr marL="285750" lvl="0" indent="-285750" algn="l">
+              <a:spcBef>
+                <a:spcPts val="0"/>
+              </a:spcBef>
+              <a:spcAft>
+                <a:spcPts val="0"/>
+              </a:spcAft>
+              <a:buSzPct val="100000"/>
+              <a:buChar char="-"/>
+              <a:defRPr sz="1800" b="0" i="0" u="none" strike="noStrike" kern="0" cap="none" spc="0" baseline="0">
+                <a:solidFill>
+                  <a:srgbClr val="000000"/>
+                </a:solidFill>
+                <a:uFillTx/>
+              </a:defRPr>
+            </a:pPr>
+            <a:r>
+              <a:rPr lang="es-ES" dirty="0">
+                <a:solidFill>
+                  <a:srgbClr val="000000"/>
+                </a:solidFill>
+                <a:latin typeface="Corbel" panose="020B0503020204020204" pitchFamily="34" charset="0"/>
+              </a:rPr>
+              <a:t>NOTA MEDIA </a:t>
+            </a:r>
+          </a:p>
+          <a:p>
+            <a:pPr marL="285750" lvl="0" indent="-285750" algn="l">
+              <a:spcBef>
+                <a:spcPts val="0"/>
+              </a:spcBef>
+              <a:spcAft>
+                <a:spcPts val="0"/>
+              </a:spcAft>
+              <a:buSzPct val="100000"/>
+              <a:buChar char="-"/>
+              <a:defRPr sz="1800" b="0" i="0" u="none" strike="noStrike" kern="0" cap="none" spc="0" baseline="0">
+                <a:solidFill>
+                  <a:srgbClr val="000000"/>
+                </a:solidFill>
+                <a:uFillTx/>
+              </a:defRPr>
+            </a:pPr>
+            <a:endParaRPr lang="es-ES" dirty="0">
+              <a:solidFill>
+                <a:srgbClr val="000000"/>
+              </a:solidFill>
+              <a:latin typeface="Corbel" panose="020B0503020204020204" pitchFamily="34" charset="0"/>
+            </a:endParaRPr>
+          </a:p>
+          <a:p>
+            <a:pPr marL="285750" lvl="0" indent="-285750" algn="l">
+              <a:spcBef>
+                <a:spcPts val="0"/>
+              </a:spcBef>
+              <a:spcAft>
+                <a:spcPts val="0"/>
+              </a:spcAft>
+              <a:buSzPct val="100000"/>
+              <a:buChar char="-"/>
+              <a:defRPr sz="1800" b="0" i="0" u="none" strike="noStrike" kern="0" cap="none" spc="0" baseline="0">
+                <a:solidFill>
+                  <a:srgbClr val="000000"/>
+                </a:solidFill>
+                <a:uFillTx/>
+              </a:defRPr>
+            </a:pPr>
+            <a:r>
+              <a:rPr lang="es-ES" dirty="0">
+                <a:solidFill>
+                  <a:srgbClr val="000000"/>
+                </a:solidFill>
+                <a:latin typeface="Corbel" panose="020B0503020204020204" pitchFamily="34" charset="0"/>
+              </a:rPr>
+              <a:t>NUMERO DE CREDITOS APROBADOS</a:t>
+            </a:r>
+          </a:p>
+          <a:p>
+            <a:pPr marL="285750" lvl="0" indent="-285750" algn="l">
+              <a:spcBef>
+                <a:spcPts val="0"/>
+              </a:spcBef>
+              <a:spcAft>
+                <a:spcPts val="0"/>
+              </a:spcAft>
+              <a:buSzPct val="100000"/>
+              <a:buChar char="-"/>
+              <a:defRPr sz="1800" b="0" i="0" u="none" strike="noStrike" kern="0" cap="none" spc="0" baseline="0">
+                <a:solidFill>
+                  <a:srgbClr val="000000"/>
+                </a:solidFill>
+                <a:uFillTx/>
+              </a:defRPr>
+            </a:pPr>
+            <a:endParaRPr lang="es-ES" dirty="0">
+              <a:solidFill>
+                <a:srgbClr val="000000"/>
+              </a:solidFill>
+              <a:latin typeface="Corbel" panose="020B0503020204020204" pitchFamily="34" charset="0"/>
+            </a:endParaRPr>
+          </a:p>
+          <a:p>
+            <a:pPr marL="285750" lvl="0" indent="-285750" algn="l">
+              <a:spcBef>
+                <a:spcPts val="0"/>
+              </a:spcBef>
+              <a:spcAft>
+                <a:spcPts val="0"/>
+              </a:spcAft>
+              <a:buSzPct val="100000"/>
+              <a:buChar char="-"/>
+              <a:defRPr sz="1800" b="0" i="0" u="none" strike="noStrike" kern="0" cap="none" spc="0" baseline="0">
+                <a:solidFill>
+                  <a:srgbClr val="000000"/>
+                </a:solidFill>
+                <a:uFillTx/>
+              </a:defRPr>
+            </a:pPr>
+            <a:r>
+              <a:rPr lang="es-ES" dirty="0">
+                <a:solidFill>
+                  <a:srgbClr val="000000"/>
+                </a:solidFill>
+                <a:latin typeface="Corbel" panose="020B0503020204020204" pitchFamily="34" charset="0"/>
+              </a:rPr>
+              <a:t>ASIGNATURAS OBLIGATORIAS DEL GRADO </a:t>
+            </a:r>
+          </a:p>
+          <a:p>
+            <a:endParaRPr lang="es-ES" dirty="0"/>
+          </a:p>
+        </p:txBody>
+      </p:sp>
+      <p:pic>
+        <p:nvPicPr>
+          <p:cNvPr id="6" name="Imagen 5">
+            <a:extLst>
+              <a:ext uri="{FF2B5EF4-FFF2-40B4-BE49-F238E27FC236}">
+                <a16:creationId xmlns:a16="http://schemas.microsoft.com/office/drawing/2014/main" xmlns="" id="{10E9D202-42D8-4B49-B526-6F7784B9DF53}"/>
+              </a:ext>
+            </a:extLst>
+          </p:cNvPr>
+          <p:cNvPicPr>
+            <a:picLocks noChangeAspect="1"/>
+          </p:cNvPicPr>
+          <p:nvPr/>
+        </p:nvPicPr>
+        <p:blipFill>
+          <a:blip r:embed="rId3" cstate="print"/>
+          <a:stretch>
+            <a:fillRect/>
+          </a:stretch>
+        </p:blipFill>
+        <p:spPr>
+          <a:xfrm>
+            <a:off x="7158569" y="2977222"/>
+            <a:ext cx="3140533" cy="3038568"/>
+          </a:xfrm>
+          <a:prstGeom prst="rect">
+            <a:avLst/>
+          </a:prstGeom>
+        </p:spPr>
+      </p:pic>
+    </p:spTree>
+    <p:extLst>
+      <p:ext uri="{BB962C8B-B14F-4D97-AF65-F5344CB8AC3E}">
+        <p14:creationId xmlns:p14="http://schemas.microsoft.com/office/powerpoint/2010/main" xmlns="" val="1759327517"/>
+      </p:ext>
+    </p:extLst>
+  </p:cSld>
+  <p:clrMapOvr>
+    <a:masterClrMapping/>
+  </p:clrMapOvr>
+</p:sld>
+</file>
+
+<file path=ppt/slides/slide39.xml><?xml version="1.0" encoding="utf-8"?>
+<p:sld xmlns:a="http://schemas.openxmlformats.org/drawingml/2006/main" xmlns:r="http://schemas.openxmlformats.org/officeDocument/2006/relationships" xmlns:p="http://schemas.openxmlformats.org/presentationml/2006/main">
+  <p:cSld>
     <p:spTree>
       <p:nvGrpSpPr>
         <p:cNvPr id="1" name=""/>
@@ -9203,10 +11110,10 @@
       </p:grpSpPr>
       <p:grpSp>
         <p:nvGrpSpPr>
-          <p:cNvPr id="25" name="Group 9">
+          <p:cNvPr id="3" name="Group 9">
             <a:extLst>
               <a:ext uri="{FF2B5EF4-FFF2-40B4-BE49-F238E27FC236}">
-                <a16:creationId xmlns:a16="http://schemas.microsoft.com/office/drawing/2014/main" id="{260ACC13-B825-49F3-93DE-C8B8F2FA37A1}"/>
+                <a16:creationId xmlns:a16="http://schemas.microsoft.com/office/drawing/2014/main" xmlns="" id="{260ACC13-B825-49F3-93DE-C8B8F2FA37A1}"/>
               </a:ext>
             </a:extLst>
           </p:cNvPr>
@@ -9216,7 +11123,7 @@
           <p:nvPr>
             <p:extLst>
               <p:ext uri="{386F3935-93C4-4BCD-93E2-E3B085C9AB24}">
-                <p16:designElem xmlns:p16="http://schemas.microsoft.com/office/powerpoint/2015/main" val="1"/>
+                <p16:designElem xmlns:p16="http://schemas.microsoft.com/office/powerpoint/2015/main" xmlns="" val="1"/>
               </p:ext>
             </p:extLst>
           </p:nvPr>
@@ -9234,7 +11141,7 @@
             <p:cNvPr id="11" name="Freeform 6">
               <a:extLst>
                 <a:ext uri="{FF2B5EF4-FFF2-40B4-BE49-F238E27FC236}">
-                  <a16:creationId xmlns:a16="http://schemas.microsoft.com/office/drawing/2014/main" id="{F947B31F-CA03-4793-845D-FD86BABC1A18}"/>
+                  <a16:creationId xmlns:a16="http://schemas.microsoft.com/office/drawing/2014/main" xmlns="" id="{F947B31F-CA03-4793-845D-FD86BABC1A18}"/>
                 </a:ext>
               </a:extLst>
             </p:cNvPr>
@@ -9242,7 +11149,7 @@
             <p:nvPr>
               <p:extLst>
                 <p:ext uri="{386F3935-93C4-4BCD-93E2-E3B085C9AB24}">
-                  <p16:designElem xmlns:p16="http://schemas.microsoft.com/office/powerpoint/2015/main" val="1"/>
+                  <p16:designElem xmlns:p16="http://schemas.microsoft.com/office/powerpoint/2015/main" xmlns="" val="1"/>
                 </p:ext>
               </p:extLst>
             </p:nvPr>
@@ -9292,7 +11199,7 @@
             <p:cNvPr id="12" name="Freeform 7">
               <a:extLst>
                 <a:ext uri="{FF2B5EF4-FFF2-40B4-BE49-F238E27FC236}">
-                  <a16:creationId xmlns:a16="http://schemas.microsoft.com/office/drawing/2014/main" id="{DCDDE94D-F78C-4A48-AEA6-E922FC99A159}"/>
+                  <a16:creationId xmlns:a16="http://schemas.microsoft.com/office/drawing/2014/main" xmlns="" id="{DCDDE94D-F78C-4A48-AEA6-E922FC99A159}"/>
                 </a:ext>
               </a:extLst>
             </p:cNvPr>
@@ -9300,7 +11207,7 @@
             <p:nvPr>
               <p:extLst>
                 <p:ext uri="{386F3935-93C4-4BCD-93E2-E3B085C9AB24}">
-                  <p16:designElem xmlns:p16="http://schemas.microsoft.com/office/powerpoint/2015/main" val="1"/>
+                  <p16:designElem xmlns:p16="http://schemas.microsoft.com/office/powerpoint/2015/main" xmlns="" val="1"/>
                 </p:ext>
               </p:extLst>
             </p:nvPr>
@@ -9353,7 +11260,7 @@
             <p:cNvPr id="13" name="Freeform 8">
               <a:extLst>
                 <a:ext uri="{FF2B5EF4-FFF2-40B4-BE49-F238E27FC236}">
-                  <a16:creationId xmlns:a16="http://schemas.microsoft.com/office/drawing/2014/main" id="{3445A886-F3CA-4DE4-90D7-535F9707B799}"/>
+                  <a16:creationId xmlns:a16="http://schemas.microsoft.com/office/drawing/2014/main" xmlns="" id="{3445A886-F3CA-4DE4-90D7-535F9707B799}"/>
                 </a:ext>
               </a:extLst>
             </p:cNvPr>
@@ -9361,7 +11268,7 @@
             <p:nvPr>
               <p:extLst>
                 <p:ext uri="{386F3935-93C4-4BCD-93E2-E3B085C9AB24}">
-                  <p16:designElem xmlns:p16="http://schemas.microsoft.com/office/powerpoint/2015/main" val="1"/>
+                  <p16:designElem xmlns:p16="http://schemas.microsoft.com/office/powerpoint/2015/main" xmlns="" val="1"/>
                 </p:ext>
               </p:extLst>
             </p:nvPr>
@@ -9411,7 +11318,7 @@
             <p:cNvPr id="14" name="Freeform 9">
               <a:extLst>
                 <a:ext uri="{FF2B5EF4-FFF2-40B4-BE49-F238E27FC236}">
-                  <a16:creationId xmlns:a16="http://schemas.microsoft.com/office/drawing/2014/main" id="{A8999CB6-C053-418B-AE37-E470804D251D}"/>
+                  <a16:creationId xmlns:a16="http://schemas.microsoft.com/office/drawing/2014/main" xmlns="" id="{A8999CB6-C053-418B-AE37-E470804D251D}"/>
                 </a:ext>
               </a:extLst>
             </p:cNvPr>
@@ -9419,7 +11326,7 @@
             <p:nvPr>
               <p:extLst>
                 <p:ext uri="{386F3935-93C4-4BCD-93E2-E3B085C9AB24}">
-                  <p16:designElem xmlns:p16="http://schemas.microsoft.com/office/powerpoint/2015/main" val="1"/>
+                  <p16:designElem xmlns:p16="http://schemas.microsoft.com/office/powerpoint/2015/main" xmlns="" val="1"/>
                 </p:ext>
               </p:extLst>
             </p:nvPr>
@@ -9468,7 +11375,7 @@
             <p:cNvPr id="15" name="Freeform 10">
               <a:extLst>
                 <a:ext uri="{FF2B5EF4-FFF2-40B4-BE49-F238E27FC236}">
-                  <a16:creationId xmlns:a16="http://schemas.microsoft.com/office/drawing/2014/main" id="{81EA3E26-BFCD-4396-AE8A-2A9828BFFBA2}"/>
+                  <a16:creationId xmlns:a16="http://schemas.microsoft.com/office/drawing/2014/main" xmlns="" id="{81EA3E26-BFCD-4396-AE8A-2A9828BFFBA2}"/>
                 </a:ext>
               </a:extLst>
             </p:cNvPr>
@@ -9476,7 +11383,7 @@
             <p:nvPr>
               <p:extLst>
                 <p:ext uri="{386F3935-93C4-4BCD-93E2-E3B085C9AB24}">
-                  <p16:designElem xmlns:p16="http://schemas.microsoft.com/office/powerpoint/2015/main" val="1"/>
+                  <p16:designElem xmlns:p16="http://schemas.microsoft.com/office/powerpoint/2015/main" xmlns="" val="1"/>
                 </p:ext>
               </p:extLst>
             </p:nvPr>
@@ -9531,7 +11438,7 @@
             <p:cNvPr id="16" name="Freeform 11">
               <a:extLst>
                 <a:ext uri="{FF2B5EF4-FFF2-40B4-BE49-F238E27FC236}">
-                  <a16:creationId xmlns:a16="http://schemas.microsoft.com/office/drawing/2014/main" id="{5F9BC582-73A6-4D8A-8738-E36476489351}"/>
+                  <a16:creationId xmlns:a16="http://schemas.microsoft.com/office/drawing/2014/main" xmlns="" id="{5F9BC582-73A6-4D8A-8738-E36476489351}"/>
                 </a:ext>
               </a:extLst>
             </p:cNvPr>
@@ -9539,7 +11446,7 @@
             <p:nvPr>
               <p:extLst>
                 <p:ext uri="{386F3935-93C4-4BCD-93E2-E3B085C9AB24}">
-                  <p16:designElem xmlns:p16="http://schemas.microsoft.com/office/powerpoint/2015/main" val="1"/>
+                  <p16:designElem xmlns:p16="http://schemas.microsoft.com/office/powerpoint/2015/main" xmlns="" val="1"/>
                 </p:ext>
               </p:extLst>
             </p:nvPr>
@@ -9605,10 +11512,10 @@
       </p:grpSp>
       <p:grpSp>
         <p:nvGrpSpPr>
-          <p:cNvPr id="18" name="Group 17">
+          <p:cNvPr id="6" name="Group 17">
             <a:extLst>
               <a:ext uri="{FF2B5EF4-FFF2-40B4-BE49-F238E27FC236}">
-                <a16:creationId xmlns:a16="http://schemas.microsoft.com/office/drawing/2014/main" id="{A2E861A3-F23C-46B8-A38A-4A22E453D993}"/>
+                <a16:creationId xmlns:a16="http://schemas.microsoft.com/office/drawing/2014/main" xmlns="" id="{A2E861A3-F23C-46B8-A38A-4A22E453D993}"/>
               </a:ext>
             </a:extLst>
           </p:cNvPr>
@@ -9618,7 +11525,7 @@
           <p:nvPr>
             <p:extLst>
               <p:ext uri="{386F3935-93C4-4BCD-93E2-E3B085C9AB24}">
-                <p16:designElem xmlns:p16="http://schemas.microsoft.com/office/powerpoint/2015/main" val="1"/>
+                <p16:designElem xmlns:p16="http://schemas.microsoft.com/office/powerpoint/2015/main" xmlns="" val="1"/>
               </p:ext>
             </p:extLst>
           </p:nvPr>
@@ -9636,7 +11543,7 @@
             <p:cNvPr id="19" name="Freeform 6">
               <a:extLst>
                 <a:ext uri="{FF2B5EF4-FFF2-40B4-BE49-F238E27FC236}">
-                  <a16:creationId xmlns:a16="http://schemas.microsoft.com/office/drawing/2014/main" id="{8BC3D220-643B-4160-B5A9-59DF5D21F410}"/>
+                  <a16:creationId xmlns:a16="http://schemas.microsoft.com/office/drawing/2014/main" xmlns="" id="{8BC3D220-643B-4160-B5A9-59DF5D21F410}"/>
                 </a:ext>
               </a:extLst>
             </p:cNvPr>
@@ -9644,7 +11551,7 @@
             <p:nvPr>
               <p:extLst>
                 <p:ext uri="{386F3935-93C4-4BCD-93E2-E3B085C9AB24}">
-                  <p16:designElem xmlns:p16="http://schemas.microsoft.com/office/powerpoint/2015/main" val="1"/>
+                  <p16:designElem xmlns:p16="http://schemas.microsoft.com/office/powerpoint/2015/main" xmlns="" val="1"/>
                 </p:ext>
               </p:extLst>
             </p:nvPr>
@@ -9694,7 +11601,7 @@
             <p:cNvPr id="20" name="Freeform 7">
               <a:extLst>
                 <a:ext uri="{FF2B5EF4-FFF2-40B4-BE49-F238E27FC236}">
-                  <a16:creationId xmlns:a16="http://schemas.microsoft.com/office/drawing/2014/main" id="{B92237DE-D518-4625-8392-66D7084588A0}"/>
+                  <a16:creationId xmlns:a16="http://schemas.microsoft.com/office/drawing/2014/main" xmlns="" id="{B92237DE-D518-4625-8392-66D7084588A0}"/>
                 </a:ext>
               </a:extLst>
             </p:cNvPr>
@@ -9702,7 +11609,7 @@
             <p:nvPr>
               <p:extLst>
                 <p:ext uri="{386F3935-93C4-4BCD-93E2-E3B085C9AB24}">
-                  <p16:designElem xmlns:p16="http://schemas.microsoft.com/office/powerpoint/2015/main" val="1"/>
+                  <p16:designElem xmlns:p16="http://schemas.microsoft.com/office/powerpoint/2015/main" xmlns="" val="1"/>
                 </p:ext>
               </p:extLst>
             </p:nvPr>
@@ -9755,7 +11662,7 @@
             <p:cNvPr id="21" name="Freeform 8">
               <a:extLst>
                 <a:ext uri="{FF2B5EF4-FFF2-40B4-BE49-F238E27FC236}">
-                  <a16:creationId xmlns:a16="http://schemas.microsoft.com/office/drawing/2014/main" id="{F290F0DD-E80A-4263-94E1-A41F57D84CC5}"/>
+                  <a16:creationId xmlns:a16="http://schemas.microsoft.com/office/drawing/2014/main" xmlns="" id="{F290F0DD-E80A-4263-94E1-A41F57D84CC5}"/>
                 </a:ext>
               </a:extLst>
             </p:cNvPr>
@@ -9763,7 +11670,7 @@
             <p:nvPr>
               <p:extLst>
                 <p:ext uri="{386F3935-93C4-4BCD-93E2-E3B085C9AB24}">
-                  <p16:designElem xmlns:p16="http://schemas.microsoft.com/office/powerpoint/2015/main" val="1"/>
+                  <p16:designElem xmlns:p16="http://schemas.microsoft.com/office/powerpoint/2015/main" xmlns="" val="1"/>
                 </p:ext>
               </p:extLst>
             </p:nvPr>
@@ -9813,7 +11720,7 @@
             <p:cNvPr id="22" name="Freeform 9">
               <a:extLst>
                 <a:ext uri="{FF2B5EF4-FFF2-40B4-BE49-F238E27FC236}">
-                  <a16:creationId xmlns:a16="http://schemas.microsoft.com/office/drawing/2014/main" id="{D78EA7D2-CCEA-435E-873D-36BF0522FFED}"/>
+                  <a16:creationId xmlns:a16="http://schemas.microsoft.com/office/drawing/2014/main" xmlns="" id="{D78EA7D2-CCEA-435E-873D-36BF0522FFED}"/>
                 </a:ext>
               </a:extLst>
             </p:cNvPr>
@@ -9821,7 +11728,7 @@
             <p:nvPr>
               <p:extLst>
                 <p:ext uri="{386F3935-93C4-4BCD-93E2-E3B085C9AB24}">
-                  <p16:designElem xmlns:p16="http://schemas.microsoft.com/office/powerpoint/2015/main" val="1"/>
+                  <p16:designElem xmlns:p16="http://schemas.microsoft.com/office/powerpoint/2015/main" xmlns="" val="1"/>
                 </p:ext>
               </p:extLst>
             </p:nvPr>
@@ -9870,7 +11777,7 @@
             <p:cNvPr id="23" name="Freeform 10">
               <a:extLst>
                 <a:ext uri="{FF2B5EF4-FFF2-40B4-BE49-F238E27FC236}">
-                  <a16:creationId xmlns:a16="http://schemas.microsoft.com/office/drawing/2014/main" id="{9DFA731E-D6BB-42CC-AA05-64023DC81FE6}"/>
+                  <a16:creationId xmlns:a16="http://schemas.microsoft.com/office/drawing/2014/main" xmlns="" id="{9DFA731E-D6BB-42CC-AA05-64023DC81FE6}"/>
                 </a:ext>
               </a:extLst>
             </p:cNvPr>
@@ -9878,7 +11785,7 @@
             <p:nvPr>
               <p:extLst>
                 <p:ext uri="{386F3935-93C4-4BCD-93E2-E3B085C9AB24}">
-                  <p16:designElem xmlns:p16="http://schemas.microsoft.com/office/powerpoint/2015/main" val="1"/>
+                  <p16:designElem xmlns:p16="http://schemas.microsoft.com/office/powerpoint/2015/main" xmlns="" val="1"/>
                 </p:ext>
               </p:extLst>
             </p:nvPr>
@@ -9933,7 +11840,7 @@
             <p:cNvPr id="24" name="Freeform 11">
               <a:extLst>
                 <a:ext uri="{FF2B5EF4-FFF2-40B4-BE49-F238E27FC236}">
-                  <a16:creationId xmlns:a16="http://schemas.microsoft.com/office/drawing/2014/main" id="{B00D0483-90FB-4EB4-9770-CA8A310D503B}"/>
+                  <a16:creationId xmlns:a16="http://schemas.microsoft.com/office/drawing/2014/main" xmlns="" id="{B00D0483-90FB-4EB4-9770-CA8A310D503B}"/>
                 </a:ext>
               </a:extLst>
             </p:cNvPr>
@@ -9941,7 +11848,7 @@
             <p:nvPr>
               <p:extLst>
                 <p:ext uri="{386F3935-93C4-4BCD-93E2-E3B085C9AB24}">
-                  <p16:designElem xmlns:p16="http://schemas.microsoft.com/office/powerpoint/2015/main" val="1"/>
+                  <p16:designElem xmlns:p16="http://schemas.microsoft.com/office/powerpoint/2015/main" xmlns="" val="1"/>
                 </p:ext>
               </p:extLst>
             </p:nvPr>
@@ -10010,7 +11917,7 @@
           <p:cNvPr id="26" name="Rounded Rectangle 16">
             <a:extLst>
               <a:ext uri="{FF2B5EF4-FFF2-40B4-BE49-F238E27FC236}">
-                <a16:creationId xmlns:a16="http://schemas.microsoft.com/office/drawing/2014/main" id="{DD7EED39-224E-4230-8FD1-B1E1AF6C6E36}"/>
+                <a16:creationId xmlns:a16="http://schemas.microsoft.com/office/drawing/2014/main" xmlns="" id="{DD7EED39-224E-4230-8FD1-B1E1AF6C6E36}"/>
               </a:ext>
             </a:extLst>
           </p:cNvPr>
@@ -10020,7 +11927,7 @@
           <p:nvPr>
             <p:extLst>
               <p:ext uri="{386F3935-93C4-4BCD-93E2-E3B085C9AB24}">
-                <p16:designElem xmlns:p16="http://schemas.microsoft.com/office/powerpoint/2015/main" val="1"/>
+                <p16:designElem xmlns:p16="http://schemas.microsoft.com/office/powerpoint/2015/main" xmlns="" val="1"/>
               </p:ext>
             </p:extLst>
           </p:nvPr>
@@ -10092,7 +11999,7 @@
           <p:cNvPr id="5" name="Marcador de contenido 4">
             <a:extLst>
               <a:ext uri="{FF2B5EF4-FFF2-40B4-BE49-F238E27FC236}">
-                <a16:creationId xmlns:a16="http://schemas.microsoft.com/office/drawing/2014/main" id="{8F1622F1-3240-439D-85C8-B09D21C0E237}"/>
+                <a16:creationId xmlns:a16="http://schemas.microsoft.com/office/drawing/2014/main" xmlns="" id="{8F1622F1-3240-439D-85C8-B09D21C0E237}"/>
               </a:ext>
             </a:extLst>
           </p:cNvPr>
@@ -10104,7 +12011,7 @@
           </p:nvPr>
         </p:nvPicPr>
         <p:blipFill rotWithShape="1">
-          <a:blip r:embed="rId3"/>
+          <a:blip r:embed="rId2" cstate="print"/>
           <a:srcRect l="15709" r="16730" b="1"/>
           <a:stretch/>
         </p:blipFill>
@@ -10123,7 +12030,7 @@
           <p:cNvPr id="2" name="Título 1">
             <a:extLst>
               <a:ext uri="{FF2B5EF4-FFF2-40B4-BE49-F238E27FC236}">
-                <a16:creationId xmlns:a16="http://schemas.microsoft.com/office/drawing/2014/main" id="{03D4C93A-1385-4FF7-ADC1-E1AC598A057F}"/>
+                <a16:creationId xmlns:a16="http://schemas.microsoft.com/office/drawing/2014/main" xmlns="" id="{03D4C93A-1385-4FF7-ADC1-E1AC598A057F}"/>
               </a:ext>
             </a:extLst>
           </p:cNvPr>
@@ -10158,7 +12065,7 @@
           <p:cNvPr id="4" name="Marcador de texto 3">
             <a:extLst>
               <a:ext uri="{FF2B5EF4-FFF2-40B4-BE49-F238E27FC236}">
-                <a16:creationId xmlns:a16="http://schemas.microsoft.com/office/drawing/2014/main" id="{B1AA6F1D-07D8-4462-B892-831272FBC4E5}"/>
+                <a16:creationId xmlns:a16="http://schemas.microsoft.com/office/drawing/2014/main" xmlns="" id="{B1AA6F1D-07D8-4462-B892-831272FBC4E5}"/>
               </a:ext>
             </a:extLst>
           </p:cNvPr>
@@ -10319,530 +12226,7 @@
     </p:spTree>
     <p:extLst>
       <p:ext uri="{BB962C8B-B14F-4D97-AF65-F5344CB8AC3E}">
-        <p14:creationId xmlns:p14="http://schemas.microsoft.com/office/powerpoint/2010/main" val="2576770198"/>
-      </p:ext>
-    </p:extLst>
-  </p:cSld>
-  <p:clrMapOvr>
-    <a:masterClrMapping/>
-  </p:clrMapOvr>
-</p:sld>
-</file>
-
-<file path=ppt/slides/slide27.xml><?xml version="1.0" encoding="utf-8"?>
-<p:sld xmlns:a="http://schemas.openxmlformats.org/drawingml/2006/main" xmlns:r="http://schemas.openxmlformats.org/officeDocument/2006/relationships" xmlns:p="http://schemas.openxmlformats.org/presentationml/2006/main">
-  <p:cSld>
-    <p:spTree>
-      <p:nvGrpSpPr>
-        <p:cNvPr id="1" name=""/>
-        <p:cNvGrpSpPr/>
-        <p:nvPr/>
-      </p:nvGrpSpPr>
-      <p:grpSpPr>
-        <a:xfrm>
-          <a:off x="0" y="0"/>
-          <a:ext cx="0" cy="0"/>
-          <a:chOff x="0" y="0"/>
-          <a:chExt cx="0" cy="0"/>
-        </a:xfrm>
-      </p:grpSpPr>
-      <p:sp>
-        <p:nvSpPr>
-          <p:cNvPr id="2" name="Título 1">
-            <a:extLst>
-              <a:ext uri="{FF2B5EF4-FFF2-40B4-BE49-F238E27FC236}">
-                <a16:creationId xmlns:a16="http://schemas.microsoft.com/office/drawing/2014/main" id="{B8D1FC69-69C3-4247-8063-2D7898F7A730}"/>
-              </a:ext>
-            </a:extLst>
-          </p:cNvPr>
-          <p:cNvSpPr>
-            <a:spLocks noGrp="1"/>
-          </p:cNvSpPr>
-          <p:nvPr>
-            <p:ph type="title"/>
-          </p:nvPr>
-        </p:nvSpPr>
-        <p:spPr>
-          <a:xfrm>
-            <a:off x="1598612" y="685799"/>
-            <a:ext cx="3549121" cy="1191126"/>
-          </a:xfrm>
-        </p:spPr>
-        <p:txBody>
-          <a:bodyPr/>
-          <a:lstStyle/>
-          <a:p>
-            <a:r>
-              <a:rPr lang="es-ES" dirty="0"/>
-              <a:t>BECAS DE CARÁCTER PRIVADO </a:t>
-            </a:r>
-            <a:br>
-              <a:rPr lang="es-ES" dirty="0"/>
-            </a:br>
-            <a:endParaRPr lang="es-ES" dirty="0"/>
-          </a:p>
-        </p:txBody>
-      </p:sp>
-      <p:pic>
-        <p:nvPicPr>
-          <p:cNvPr id="6" name="Marcador de contenido 5">
-            <a:extLst>
-              <a:ext uri="{FF2B5EF4-FFF2-40B4-BE49-F238E27FC236}">
-                <a16:creationId xmlns:a16="http://schemas.microsoft.com/office/drawing/2014/main" id="{58D8EAA4-D969-4DBA-BD80-9ABA9F13C8B6}"/>
-              </a:ext>
-            </a:extLst>
-          </p:cNvPr>
-          <p:cNvPicPr>
-            <a:picLocks noGrp="1" noChangeAspect="1"/>
-          </p:cNvPicPr>
-          <p:nvPr>
-            <p:ph idx="1"/>
-          </p:nvPr>
-        </p:nvPicPr>
-        <p:blipFill>
-          <a:blip r:embed="rId2"/>
-          <a:stretch>
-            <a:fillRect/>
-          </a:stretch>
-        </p:blipFill>
-        <p:spPr>
-          <a:xfrm>
-            <a:off x="5262563" y="1312668"/>
-            <a:ext cx="6240462" cy="3851663"/>
-          </a:xfrm>
-          <a:prstGeom prst="rect">
-            <a:avLst/>
-          </a:prstGeom>
-        </p:spPr>
-      </p:pic>
-      <p:sp>
-        <p:nvSpPr>
-          <p:cNvPr id="4" name="Marcador de texto 3">
-            <a:extLst>
-              <a:ext uri="{FF2B5EF4-FFF2-40B4-BE49-F238E27FC236}">
-                <a16:creationId xmlns:a16="http://schemas.microsoft.com/office/drawing/2014/main" id="{66EF58C8-05EE-43D4-89FD-A2FCCD83CA64}"/>
-              </a:ext>
-            </a:extLst>
-          </p:cNvPr>
-          <p:cNvSpPr>
-            <a:spLocks noGrp="1"/>
-          </p:cNvSpPr>
-          <p:nvPr>
-            <p:ph type="body" sz="half" idx="2"/>
-          </p:nvPr>
-        </p:nvSpPr>
-        <p:spPr>
-          <a:xfrm>
-            <a:off x="1484312" y="1612232"/>
-            <a:ext cx="3549121" cy="4178968"/>
-          </a:xfrm>
-        </p:spPr>
-        <p:txBody>
-          <a:bodyPr>
-            <a:normAutofit fontScale="85000" lnSpcReduction="10000"/>
-          </a:bodyPr>
-          <a:lstStyle/>
-          <a:p>
-            <a:pPr lvl="0" algn="l">
-              <a:spcBef>
-                <a:spcPts val="0"/>
-              </a:spcBef>
-              <a:spcAft>
-                <a:spcPts val="0"/>
-              </a:spcAft>
-              <a:defRPr sz="1800" b="0" i="0" u="none" strike="noStrike" kern="0" cap="none" spc="0" baseline="0">
-                <a:solidFill>
-                  <a:srgbClr val="000000"/>
-                </a:solidFill>
-                <a:uFillTx/>
-              </a:defRPr>
-            </a:pPr>
-            <a:r>
-              <a:rPr lang="es-ES" dirty="0">
-                <a:solidFill>
-                  <a:srgbClr val="000000"/>
-                </a:solidFill>
-                <a:latin typeface="Corbel" panose="020B0503020204020204" pitchFamily="34" charset="0"/>
-              </a:rPr>
-              <a:t>ESTAS BECAS SON OFRECIDAS POR ENTIDADES PRIVADAS COMO BANCOS Y CAJAS DE AHORRO, COMO EJEMPLO TENEMOS EL SANTANDER</a:t>
-            </a:r>
-          </a:p>
-          <a:p>
-            <a:pPr lvl="0" algn="l">
-              <a:spcBef>
-                <a:spcPts val="0"/>
-              </a:spcBef>
-              <a:spcAft>
-                <a:spcPts val="0"/>
-              </a:spcAft>
-              <a:defRPr sz="1800" b="0" i="0" u="none" strike="noStrike" kern="0" cap="none" spc="0" baseline="0">
-                <a:solidFill>
-                  <a:srgbClr val="000000"/>
-                </a:solidFill>
-                <a:uFillTx/>
-              </a:defRPr>
-            </a:pPr>
-            <a:endParaRPr lang="es-ES" dirty="0">
-              <a:solidFill>
-                <a:srgbClr val="000000"/>
-              </a:solidFill>
-              <a:latin typeface="Corbel" panose="020B0503020204020204" pitchFamily="34" charset="0"/>
-            </a:endParaRPr>
-          </a:p>
-          <a:p>
-            <a:pPr marL="285750" lvl="0" indent="-285750" algn="l">
-              <a:spcBef>
-                <a:spcPts val="0"/>
-              </a:spcBef>
-              <a:spcAft>
-                <a:spcPts val="0"/>
-              </a:spcAft>
-              <a:buSzPct val="100000"/>
-              <a:buChar char="-"/>
-              <a:defRPr sz="1800" b="0" i="0" u="none" strike="noStrike" kern="0" cap="none" spc="0" baseline="0">
-                <a:solidFill>
-                  <a:srgbClr val="000000"/>
-                </a:solidFill>
-                <a:uFillTx/>
-              </a:defRPr>
-            </a:pPr>
-            <a:r>
-              <a:rPr lang="es-ES" u="sng" dirty="0">
-                <a:solidFill>
-                  <a:srgbClr val="000000"/>
-                </a:solidFill>
-                <a:latin typeface="Corbel" panose="020B0503020204020204" pitchFamily="34" charset="0"/>
-              </a:rPr>
-              <a:t>Becas Iberoamérica Santander Grado</a:t>
-            </a:r>
-            <a:r>
-              <a:rPr lang="es-ES" dirty="0">
-                <a:solidFill>
-                  <a:srgbClr val="000000"/>
-                </a:solidFill>
-                <a:latin typeface="Corbel" panose="020B0503020204020204" pitchFamily="34" charset="0"/>
-              </a:rPr>
-              <a:t> </a:t>
-            </a:r>
-          </a:p>
-          <a:p>
-            <a:pPr marL="285750" lvl="0" indent="-285750" algn="l">
-              <a:spcBef>
-                <a:spcPts val="0"/>
-              </a:spcBef>
-              <a:spcAft>
-                <a:spcPts val="0"/>
-              </a:spcAft>
-              <a:buSzPct val="100000"/>
-              <a:buChar char="-"/>
-              <a:defRPr sz="1800" b="0" i="0" u="none" strike="noStrike" kern="0" cap="none" spc="0" baseline="0">
-                <a:solidFill>
-                  <a:srgbClr val="000000"/>
-                </a:solidFill>
-                <a:uFillTx/>
-              </a:defRPr>
-            </a:pPr>
-            <a:endParaRPr lang="es-ES" dirty="0">
-              <a:solidFill>
-                <a:srgbClr val="000000"/>
-              </a:solidFill>
-              <a:latin typeface="Corbel" panose="020B0503020204020204" pitchFamily="34" charset="0"/>
-            </a:endParaRPr>
-          </a:p>
-          <a:p>
-            <a:pPr marL="285750" lvl="0" indent="-285750" algn="l">
-              <a:spcBef>
-                <a:spcPts val="0"/>
-              </a:spcBef>
-              <a:spcAft>
-                <a:spcPts val="0"/>
-              </a:spcAft>
-              <a:buSzPct val="100000"/>
-              <a:buChar char="-"/>
-              <a:defRPr sz="1800" b="0" i="0" u="none" strike="noStrike" kern="0" cap="none" spc="0" baseline="0">
-                <a:solidFill>
-                  <a:srgbClr val="000000"/>
-                </a:solidFill>
-                <a:uFillTx/>
-              </a:defRPr>
-            </a:pPr>
-            <a:r>
-              <a:rPr lang="es-ES" u="sng" dirty="0">
-                <a:solidFill>
-                  <a:srgbClr val="000000"/>
-                </a:solidFill>
-                <a:latin typeface="Corbel" panose="020B0503020204020204" pitchFamily="34" charset="0"/>
-              </a:rPr>
-              <a:t>Becas Iberoamérica Santander Investigación</a:t>
-            </a:r>
-          </a:p>
-          <a:p>
-            <a:pPr marL="285750" lvl="0" indent="-285750" algn="l">
-              <a:spcBef>
-                <a:spcPts val="0"/>
-              </a:spcBef>
-              <a:spcAft>
-                <a:spcPts val="0"/>
-              </a:spcAft>
-              <a:buSzPct val="100000"/>
-              <a:buChar char="-"/>
-              <a:defRPr sz="1800" b="0" i="0" u="none" strike="noStrike" kern="0" cap="none" spc="0" baseline="0">
-                <a:solidFill>
-                  <a:srgbClr val="000000"/>
-                </a:solidFill>
-                <a:uFillTx/>
-              </a:defRPr>
-            </a:pPr>
-            <a:endParaRPr lang="es-ES" u="sng" dirty="0">
-              <a:solidFill>
-                <a:srgbClr val="000000"/>
-              </a:solidFill>
-              <a:latin typeface="Corbel" panose="020B0503020204020204" pitchFamily="34" charset="0"/>
-            </a:endParaRPr>
-          </a:p>
-          <a:p>
-            <a:pPr marL="285750" lvl="0" indent="-285750" algn="l">
-              <a:spcBef>
-                <a:spcPts val="0"/>
-              </a:spcBef>
-              <a:spcAft>
-                <a:spcPts val="0"/>
-              </a:spcAft>
-              <a:buSzPct val="100000"/>
-              <a:buChar char="-"/>
-              <a:defRPr sz="1800" b="0" i="0" u="none" strike="noStrike" kern="0" cap="none" spc="0" baseline="0">
-                <a:solidFill>
-                  <a:srgbClr val="000000"/>
-                </a:solidFill>
-                <a:uFillTx/>
-              </a:defRPr>
-            </a:pPr>
-            <a:r>
-              <a:rPr lang="es-ES" u="sng" dirty="0">
-                <a:solidFill>
-                  <a:srgbClr val="000000"/>
-                </a:solidFill>
-                <a:latin typeface="Corbel" panose="020B0503020204020204" pitchFamily="34" charset="0"/>
-              </a:rPr>
-              <a:t>Becas colaboración Universidad Politécnica de Madrid</a:t>
-            </a:r>
-          </a:p>
-          <a:p>
-            <a:pPr marL="285750" lvl="0" indent="-285750" algn="l">
-              <a:spcBef>
-                <a:spcPts val="0"/>
-              </a:spcBef>
-              <a:spcAft>
-                <a:spcPts val="0"/>
-              </a:spcAft>
-              <a:buSzPct val="100000"/>
-              <a:buChar char="-"/>
-              <a:defRPr sz="1800" b="0" i="0" u="none" strike="noStrike" kern="0" cap="none" spc="0" baseline="0">
-                <a:solidFill>
-                  <a:srgbClr val="000000"/>
-                </a:solidFill>
-                <a:uFillTx/>
-              </a:defRPr>
-            </a:pPr>
-            <a:endParaRPr lang="es-ES" u="sng" dirty="0">
-              <a:solidFill>
-                <a:srgbClr val="000000"/>
-              </a:solidFill>
-              <a:latin typeface="Corbel" panose="020B0503020204020204" pitchFamily="34" charset="0"/>
-            </a:endParaRPr>
-          </a:p>
-          <a:p>
-            <a:pPr marL="285750" lvl="0" indent="-285750" algn="l">
-              <a:spcBef>
-                <a:spcPts val="0"/>
-              </a:spcBef>
-              <a:spcAft>
-                <a:spcPts val="0"/>
-              </a:spcAft>
-              <a:buSzPct val="100000"/>
-              <a:buChar char="-"/>
-              <a:defRPr sz="1800" b="0" i="0" u="none" strike="noStrike" kern="0" cap="none" spc="0" baseline="0">
-                <a:solidFill>
-                  <a:srgbClr val="000000"/>
-                </a:solidFill>
-                <a:uFillTx/>
-              </a:defRPr>
-            </a:pPr>
-            <a:r>
-              <a:rPr lang="es-ES" u="sng" dirty="0">
-                <a:solidFill>
-                  <a:srgbClr val="000000"/>
-                </a:solidFill>
-                <a:latin typeface="Corbel" panose="020B0503020204020204" pitchFamily="34" charset="0"/>
-              </a:rPr>
-              <a:t>Aula universitaria del Estrecho. Universidad de Cádiz</a:t>
-            </a:r>
-          </a:p>
-          <a:p>
-            <a:pPr marL="285750" lvl="0" indent="-285750" algn="l">
-              <a:spcBef>
-                <a:spcPts val="0"/>
-              </a:spcBef>
-              <a:spcAft>
-                <a:spcPts val="0"/>
-              </a:spcAft>
-              <a:buSzPct val="100000"/>
-              <a:buChar char="-"/>
-              <a:defRPr sz="1800" b="0" i="0" u="none" strike="noStrike" kern="0" cap="none" spc="0" baseline="0">
-                <a:solidFill>
-                  <a:srgbClr val="000000"/>
-                </a:solidFill>
-                <a:uFillTx/>
-              </a:defRPr>
-            </a:pPr>
-            <a:endParaRPr lang="es-ES" u="sng" dirty="0">
-              <a:solidFill>
-                <a:srgbClr val="000000"/>
-              </a:solidFill>
-              <a:latin typeface="Corbel" panose="020B0503020204020204" pitchFamily="34" charset="0"/>
-            </a:endParaRPr>
-          </a:p>
-          <a:p>
-            <a:pPr marL="285750" lvl="0" indent="-285750" algn="l">
-              <a:spcBef>
-                <a:spcPts val="0"/>
-              </a:spcBef>
-              <a:spcAft>
-                <a:spcPts val="0"/>
-              </a:spcAft>
-              <a:buSzPct val="100000"/>
-              <a:buChar char="-"/>
-              <a:defRPr sz="1800" b="0" i="0" u="none" strike="noStrike" kern="0" cap="none" spc="0" baseline="0">
-                <a:solidFill>
-                  <a:srgbClr val="000000"/>
-                </a:solidFill>
-                <a:uFillTx/>
-              </a:defRPr>
-            </a:pPr>
-            <a:r>
-              <a:rPr lang="es-ES" u="sng" dirty="0">
-                <a:solidFill>
-                  <a:srgbClr val="000000"/>
-                </a:solidFill>
-                <a:latin typeface="Corbel" panose="020B0503020204020204" pitchFamily="34" charset="0"/>
-              </a:rPr>
-              <a:t>Becas y ayudas a la movilidad Investigadora</a:t>
-            </a:r>
-            <a:r>
-              <a:rPr lang="es-ES" dirty="0">
-                <a:solidFill>
-                  <a:srgbClr val="000000"/>
-                </a:solidFill>
-                <a:latin typeface="Corbel" panose="020B0503020204020204" pitchFamily="34" charset="0"/>
-              </a:rPr>
-              <a:t>  </a:t>
-            </a:r>
-          </a:p>
-          <a:p>
-            <a:endParaRPr lang="es-ES" dirty="0"/>
-          </a:p>
-        </p:txBody>
-      </p:sp>
-    </p:spTree>
-    <p:extLst>
-      <p:ext uri="{BB962C8B-B14F-4D97-AF65-F5344CB8AC3E}">
-        <p14:creationId xmlns:p14="http://schemas.microsoft.com/office/powerpoint/2010/main" val="1202826474"/>
-      </p:ext>
-    </p:extLst>
-  </p:cSld>
-  <p:clrMapOvr>
-    <a:masterClrMapping/>
-  </p:clrMapOvr>
-</p:sld>
-</file>
-
-<file path=ppt/slides/slide3.xml><?xml version="1.0" encoding="utf-8"?>
-<p:sld xmlns:a="http://schemas.openxmlformats.org/drawingml/2006/main" xmlns:r="http://schemas.openxmlformats.org/officeDocument/2006/relationships" xmlns:p="http://schemas.openxmlformats.org/presentationml/2006/main">
-  <p:cSld>
-    <p:spTree>
-      <p:nvGrpSpPr>
-        <p:cNvPr id="1" name=""/>
-        <p:cNvGrpSpPr/>
-        <p:nvPr/>
-      </p:nvGrpSpPr>
-      <p:grpSpPr>
-        <a:xfrm>
-          <a:off x="0" y="0"/>
-          <a:ext cx="0" cy="0"/>
-          <a:chOff x="0" y="0"/>
-          <a:chExt cx="0" cy="0"/>
-        </a:xfrm>
-      </p:grpSpPr>
-      <p:sp>
-        <p:nvSpPr>
-          <p:cNvPr id="2" name="Título 1">
-            <a:extLst>
-              <a:ext uri="{FF2B5EF4-FFF2-40B4-BE49-F238E27FC236}">
-                <a16:creationId xmlns:a16="http://schemas.microsoft.com/office/drawing/2014/main" id="{B2C057FB-291A-4A52-9173-DF87107540AB}"/>
-              </a:ext>
-            </a:extLst>
-          </p:cNvPr>
-          <p:cNvSpPr>
-            <a:spLocks noGrp="1"/>
-          </p:cNvSpPr>
-          <p:nvPr>
-            <p:ph type="title"/>
-          </p:nvPr>
-        </p:nvSpPr>
-        <p:spPr/>
-        <p:txBody>
-          <a:bodyPr>
-            <a:normAutofit/>
-          </a:bodyPr>
-          <a:lstStyle/>
-          <a:p>
-            <a:r>
-              <a:rPr lang="es-ES" sz="4800" b="1" dirty="0"/>
-              <a:t>¿CONTRASEÑAS?</a:t>
-            </a:r>
-          </a:p>
-        </p:txBody>
-      </p:sp>
-      <p:sp>
-        <p:nvSpPr>
-          <p:cNvPr id="3" name="Marcador de contenido 2">
-            <a:extLst>
-              <a:ext uri="{FF2B5EF4-FFF2-40B4-BE49-F238E27FC236}">
-                <a16:creationId xmlns:a16="http://schemas.microsoft.com/office/drawing/2014/main" id="{D35A326C-E279-4404-8431-630CB1140A86}"/>
-              </a:ext>
-            </a:extLst>
-          </p:cNvPr>
-          <p:cNvSpPr>
-            <a:spLocks noGrp="1"/>
-          </p:cNvSpPr>
-          <p:nvPr>
-            <p:ph idx="1"/>
-          </p:nvPr>
-        </p:nvSpPr>
-        <p:spPr/>
-        <p:txBody>
-          <a:bodyPr>
-            <a:normAutofit/>
-          </a:bodyPr>
-          <a:lstStyle/>
-          <a:p>
-            <a:r>
-              <a:rPr lang="es-ES" sz="4000" b="1" dirty="0"/>
-              <a:t>¿POR QUÉ?</a:t>
-            </a:r>
-          </a:p>
-          <a:p>
-            <a:r>
-              <a:rPr lang="es-ES" sz="4000" b="1" dirty="0"/>
-              <a:t>HERRAMIENTAS PARA CRACKEARLAS</a:t>
-            </a:r>
-          </a:p>
-        </p:txBody>
-      </p:sp>
-    </p:spTree>
-    <p:extLst>
-      <p:ext uri="{BB962C8B-B14F-4D97-AF65-F5344CB8AC3E}">
-        <p14:creationId xmlns:p14="http://schemas.microsoft.com/office/powerpoint/2010/main" val="2253214096"/>
+        <p14:creationId xmlns:p14="http://schemas.microsoft.com/office/powerpoint/2010/main" xmlns="" val="2576770198"/>
       </p:ext>
     </p:extLst>
   </p:cSld>
@@ -10874,7 +12258,7 @@
           <p:cNvPr id="2" name="Título 1">
             <a:extLst>
               <a:ext uri="{FF2B5EF4-FFF2-40B4-BE49-F238E27FC236}">
-                <a16:creationId xmlns:a16="http://schemas.microsoft.com/office/drawing/2014/main" id="{FBD9E5A4-5370-4DA9-A647-51FE54C60D94}"/>
+                <a16:creationId xmlns:a16="http://schemas.microsoft.com/office/drawing/2014/main" xmlns="" id="{FBD9E5A4-5370-4DA9-A647-51FE54C60D94}"/>
               </a:ext>
             </a:extLst>
           </p:cNvPr>
@@ -10892,15 +12276,31 @@
           </a:bodyPr>
           <a:lstStyle/>
           <a:p>
+            <a:r>
+              <a:rPr lang="es-ES" sz="4800" b="1" dirty="0"/>
+              <a:t/>
+            </a:r>
             <a:br>
               <a:rPr lang="es-ES" sz="4800" b="1" dirty="0"/>
             </a:br>
+            <a:r>
+              <a:rPr lang="es-ES" sz="4800" b="1" dirty="0"/>
+              <a:t/>
+            </a:r>
             <a:br>
               <a:rPr lang="es-ES" sz="4800" b="1" dirty="0"/>
             </a:br>
+            <a:r>
+              <a:rPr lang="es-ES" sz="4800" b="1" dirty="0"/>
+              <a:t/>
+            </a:r>
             <a:br>
               <a:rPr lang="es-ES" sz="4800" b="1" dirty="0"/>
             </a:br>
+            <a:r>
+              <a:rPr lang="es-ES" sz="4800" b="1" dirty="0"/>
+              <a:t/>
+            </a:r>
             <a:br>
               <a:rPr lang="es-ES" sz="4800" b="1" dirty="0"/>
             </a:br>
@@ -10915,7 +12315,675 @@
     </p:spTree>
     <p:extLst>
       <p:ext uri="{BB962C8B-B14F-4D97-AF65-F5344CB8AC3E}">
-        <p14:creationId xmlns:p14="http://schemas.microsoft.com/office/powerpoint/2010/main" val="1418678560"/>
+        <p14:creationId xmlns:p14="http://schemas.microsoft.com/office/powerpoint/2010/main" xmlns="" val="1418678560"/>
+      </p:ext>
+    </p:extLst>
+  </p:cSld>
+  <p:clrMapOvr>
+    <a:masterClrMapping/>
+  </p:clrMapOvr>
+</p:sld>
+</file>
+
+<file path=ppt/slides/slide40.xml><?xml version="1.0" encoding="utf-8"?>
+<p:sld xmlns:a="http://schemas.openxmlformats.org/drawingml/2006/main" xmlns:r="http://schemas.openxmlformats.org/officeDocument/2006/relationships" xmlns:p="http://schemas.openxmlformats.org/presentationml/2006/main">
+  <p:cSld>
+    <p:spTree>
+      <p:nvGrpSpPr>
+        <p:cNvPr id="1" name=""/>
+        <p:cNvGrpSpPr/>
+        <p:nvPr/>
+      </p:nvGrpSpPr>
+      <p:grpSpPr>
+        <a:xfrm>
+          <a:off x="0" y="0"/>
+          <a:ext cx="0" cy="0"/>
+          <a:chOff x="0" y="0"/>
+          <a:chExt cx="0" cy="0"/>
+        </a:xfrm>
+      </p:grpSpPr>
+      <p:sp>
+        <p:nvSpPr>
+          <p:cNvPr id="2" name="Título 1">
+            <a:extLst>
+              <a:ext uri="{FF2B5EF4-FFF2-40B4-BE49-F238E27FC236}">
+                <a16:creationId xmlns:a16="http://schemas.microsoft.com/office/drawing/2014/main" xmlns="" id="{B8D1FC69-69C3-4247-8063-2D7898F7A730}"/>
+              </a:ext>
+            </a:extLst>
+          </p:cNvPr>
+          <p:cNvSpPr>
+            <a:spLocks noGrp="1"/>
+          </p:cNvSpPr>
+          <p:nvPr>
+            <p:ph type="title"/>
+          </p:nvPr>
+        </p:nvSpPr>
+        <p:spPr>
+          <a:xfrm>
+            <a:off x="1598612" y="685799"/>
+            <a:ext cx="3549121" cy="1191126"/>
+          </a:xfrm>
+        </p:spPr>
+        <p:txBody>
+          <a:bodyPr/>
+          <a:lstStyle/>
+          <a:p>
+            <a:r>
+              <a:rPr lang="es-ES" dirty="0"/>
+              <a:t>BECAS DE CARÁCTER PRIVADO </a:t>
+            </a:r>
+            <a:br>
+              <a:rPr lang="es-ES" dirty="0"/>
+            </a:br>
+            <a:endParaRPr lang="es-ES" dirty="0"/>
+          </a:p>
+        </p:txBody>
+      </p:sp>
+      <p:pic>
+        <p:nvPicPr>
+          <p:cNvPr id="6" name="Marcador de contenido 5">
+            <a:extLst>
+              <a:ext uri="{FF2B5EF4-FFF2-40B4-BE49-F238E27FC236}">
+                <a16:creationId xmlns:a16="http://schemas.microsoft.com/office/drawing/2014/main" xmlns="" id="{58D8EAA4-D969-4DBA-BD80-9ABA9F13C8B6}"/>
+              </a:ext>
+            </a:extLst>
+          </p:cNvPr>
+          <p:cNvPicPr>
+            <a:picLocks noGrp="1" noChangeAspect="1"/>
+          </p:cNvPicPr>
+          <p:nvPr>
+            <p:ph idx="1"/>
+          </p:nvPr>
+        </p:nvPicPr>
+        <p:blipFill>
+          <a:blip r:embed="rId2" cstate="print"/>
+          <a:stretch>
+            <a:fillRect/>
+          </a:stretch>
+        </p:blipFill>
+        <p:spPr>
+          <a:xfrm>
+            <a:off x="5262563" y="1312668"/>
+            <a:ext cx="6240462" cy="3851663"/>
+          </a:xfrm>
+          <a:prstGeom prst="rect">
+            <a:avLst/>
+          </a:prstGeom>
+        </p:spPr>
+      </p:pic>
+      <p:sp>
+        <p:nvSpPr>
+          <p:cNvPr id="4" name="Marcador de texto 3">
+            <a:extLst>
+              <a:ext uri="{FF2B5EF4-FFF2-40B4-BE49-F238E27FC236}">
+                <a16:creationId xmlns:a16="http://schemas.microsoft.com/office/drawing/2014/main" xmlns="" id="{66EF58C8-05EE-43D4-89FD-A2FCCD83CA64}"/>
+              </a:ext>
+            </a:extLst>
+          </p:cNvPr>
+          <p:cNvSpPr>
+            <a:spLocks noGrp="1"/>
+          </p:cNvSpPr>
+          <p:nvPr>
+            <p:ph type="body" sz="half" idx="2"/>
+          </p:nvPr>
+        </p:nvSpPr>
+        <p:spPr>
+          <a:xfrm>
+            <a:off x="1484312" y="1612232"/>
+            <a:ext cx="3549121" cy="4178968"/>
+          </a:xfrm>
+        </p:spPr>
+        <p:txBody>
+          <a:bodyPr>
+            <a:normAutofit fontScale="85000" lnSpcReduction="10000"/>
+          </a:bodyPr>
+          <a:lstStyle/>
+          <a:p>
+            <a:pPr lvl="0" algn="l">
+              <a:spcBef>
+                <a:spcPts val="0"/>
+              </a:spcBef>
+              <a:spcAft>
+                <a:spcPts val="0"/>
+              </a:spcAft>
+              <a:defRPr sz="1800" b="0" i="0" u="none" strike="noStrike" kern="0" cap="none" spc="0" baseline="0">
+                <a:solidFill>
+                  <a:srgbClr val="000000"/>
+                </a:solidFill>
+                <a:uFillTx/>
+              </a:defRPr>
+            </a:pPr>
+            <a:r>
+              <a:rPr lang="es-ES" dirty="0">
+                <a:solidFill>
+                  <a:srgbClr val="000000"/>
+                </a:solidFill>
+                <a:latin typeface="Corbel" panose="020B0503020204020204" pitchFamily="34" charset="0"/>
+              </a:rPr>
+              <a:t>ESTAS BECAS SON OFRECIDAS POR ENTIDADES PRIVADAS COMO BANCOS Y CAJAS DE AHORRO, COMO EJEMPLO TENEMOS EL SANTANDER</a:t>
+            </a:r>
+          </a:p>
+          <a:p>
+            <a:pPr lvl="0" algn="l">
+              <a:spcBef>
+                <a:spcPts val="0"/>
+              </a:spcBef>
+              <a:spcAft>
+                <a:spcPts val="0"/>
+              </a:spcAft>
+              <a:defRPr sz="1800" b="0" i="0" u="none" strike="noStrike" kern="0" cap="none" spc="0" baseline="0">
+                <a:solidFill>
+                  <a:srgbClr val="000000"/>
+                </a:solidFill>
+                <a:uFillTx/>
+              </a:defRPr>
+            </a:pPr>
+            <a:endParaRPr lang="es-ES" dirty="0">
+              <a:solidFill>
+                <a:srgbClr val="000000"/>
+              </a:solidFill>
+              <a:latin typeface="Corbel" panose="020B0503020204020204" pitchFamily="34" charset="0"/>
+            </a:endParaRPr>
+          </a:p>
+          <a:p>
+            <a:pPr marL="285750" lvl="0" indent="-285750" algn="l">
+              <a:spcBef>
+                <a:spcPts val="0"/>
+              </a:spcBef>
+              <a:spcAft>
+                <a:spcPts val="0"/>
+              </a:spcAft>
+              <a:buSzPct val="100000"/>
+              <a:buChar char="-"/>
+              <a:defRPr sz="1800" b="0" i="0" u="none" strike="noStrike" kern="0" cap="none" spc="0" baseline="0">
+                <a:solidFill>
+                  <a:srgbClr val="000000"/>
+                </a:solidFill>
+                <a:uFillTx/>
+              </a:defRPr>
+            </a:pPr>
+            <a:r>
+              <a:rPr lang="es-ES" u="sng" dirty="0">
+                <a:solidFill>
+                  <a:srgbClr val="000000"/>
+                </a:solidFill>
+                <a:latin typeface="Corbel" panose="020B0503020204020204" pitchFamily="34" charset="0"/>
+              </a:rPr>
+              <a:t>Becas Iberoamérica Santander Grado</a:t>
+            </a:r>
+            <a:r>
+              <a:rPr lang="es-ES" dirty="0">
+                <a:solidFill>
+                  <a:srgbClr val="000000"/>
+                </a:solidFill>
+                <a:latin typeface="Corbel" panose="020B0503020204020204" pitchFamily="34" charset="0"/>
+              </a:rPr>
+              <a:t> </a:t>
+            </a:r>
+          </a:p>
+          <a:p>
+            <a:pPr marL="285750" lvl="0" indent="-285750" algn="l">
+              <a:spcBef>
+                <a:spcPts val="0"/>
+              </a:spcBef>
+              <a:spcAft>
+                <a:spcPts val="0"/>
+              </a:spcAft>
+              <a:buSzPct val="100000"/>
+              <a:buChar char="-"/>
+              <a:defRPr sz="1800" b="0" i="0" u="none" strike="noStrike" kern="0" cap="none" spc="0" baseline="0">
+                <a:solidFill>
+                  <a:srgbClr val="000000"/>
+                </a:solidFill>
+                <a:uFillTx/>
+              </a:defRPr>
+            </a:pPr>
+            <a:endParaRPr lang="es-ES" dirty="0">
+              <a:solidFill>
+                <a:srgbClr val="000000"/>
+              </a:solidFill>
+              <a:latin typeface="Corbel" panose="020B0503020204020204" pitchFamily="34" charset="0"/>
+            </a:endParaRPr>
+          </a:p>
+          <a:p>
+            <a:pPr marL="285750" lvl="0" indent="-285750" algn="l">
+              <a:spcBef>
+                <a:spcPts val="0"/>
+              </a:spcBef>
+              <a:spcAft>
+                <a:spcPts val="0"/>
+              </a:spcAft>
+              <a:buSzPct val="100000"/>
+              <a:buChar char="-"/>
+              <a:defRPr sz="1800" b="0" i="0" u="none" strike="noStrike" kern="0" cap="none" spc="0" baseline="0">
+                <a:solidFill>
+                  <a:srgbClr val="000000"/>
+                </a:solidFill>
+                <a:uFillTx/>
+              </a:defRPr>
+            </a:pPr>
+            <a:r>
+              <a:rPr lang="es-ES" u="sng" dirty="0">
+                <a:solidFill>
+                  <a:srgbClr val="000000"/>
+                </a:solidFill>
+                <a:latin typeface="Corbel" panose="020B0503020204020204" pitchFamily="34" charset="0"/>
+              </a:rPr>
+              <a:t>Becas Iberoamérica Santander Investigación</a:t>
+            </a:r>
+          </a:p>
+          <a:p>
+            <a:pPr marL="285750" lvl="0" indent="-285750" algn="l">
+              <a:spcBef>
+                <a:spcPts val="0"/>
+              </a:spcBef>
+              <a:spcAft>
+                <a:spcPts val="0"/>
+              </a:spcAft>
+              <a:buSzPct val="100000"/>
+              <a:buChar char="-"/>
+              <a:defRPr sz="1800" b="0" i="0" u="none" strike="noStrike" kern="0" cap="none" spc="0" baseline="0">
+                <a:solidFill>
+                  <a:srgbClr val="000000"/>
+                </a:solidFill>
+                <a:uFillTx/>
+              </a:defRPr>
+            </a:pPr>
+            <a:endParaRPr lang="es-ES" u="sng" dirty="0">
+              <a:solidFill>
+                <a:srgbClr val="000000"/>
+              </a:solidFill>
+              <a:latin typeface="Corbel" panose="020B0503020204020204" pitchFamily="34" charset="0"/>
+            </a:endParaRPr>
+          </a:p>
+          <a:p>
+            <a:pPr marL="285750" lvl="0" indent="-285750" algn="l">
+              <a:spcBef>
+                <a:spcPts val="0"/>
+              </a:spcBef>
+              <a:spcAft>
+                <a:spcPts val="0"/>
+              </a:spcAft>
+              <a:buSzPct val="100000"/>
+              <a:buChar char="-"/>
+              <a:defRPr sz="1800" b="0" i="0" u="none" strike="noStrike" kern="0" cap="none" spc="0" baseline="0">
+                <a:solidFill>
+                  <a:srgbClr val="000000"/>
+                </a:solidFill>
+                <a:uFillTx/>
+              </a:defRPr>
+            </a:pPr>
+            <a:r>
+              <a:rPr lang="es-ES" u="sng" dirty="0">
+                <a:solidFill>
+                  <a:srgbClr val="000000"/>
+                </a:solidFill>
+                <a:latin typeface="Corbel" panose="020B0503020204020204" pitchFamily="34" charset="0"/>
+              </a:rPr>
+              <a:t>Becas colaboración Universidad Politécnica de Madrid</a:t>
+            </a:r>
+          </a:p>
+          <a:p>
+            <a:pPr marL="285750" lvl="0" indent="-285750" algn="l">
+              <a:spcBef>
+                <a:spcPts val="0"/>
+              </a:spcBef>
+              <a:spcAft>
+                <a:spcPts val="0"/>
+              </a:spcAft>
+              <a:buSzPct val="100000"/>
+              <a:buChar char="-"/>
+              <a:defRPr sz="1800" b="0" i="0" u="none" strike="noStrike" kern="0" cap="none" spc="0" baseline="0">
+                <a:solidFill>
+                  <a:srgbClr val="000000"/>
+                </a:solidFill>
+                <a:uFillTx/>
+              </a:defRPr>
+            </a:pPr>
+            <a:endParaRPr lang="es-ES" u="sng" dirty="0">
+              <a:solidFill>
+                <a:srgbClr val="000000"/>
+              </a:solidFill>
+              <a:latin typeface="Corbel" panose="020B0503020204020204" pitchFamily="34" charset="0"/>
+            </a:endParaRPr>
+          </a:p>
+          <a:p>
+            <a:pPr marL="285750" lvl="0" indent="-285750" algn="l">
+              <a:spcBef>
+                <a:spcPts val="0"/>
+              </a:spcBef>
+              <a:spcAft>
+                <a:spcPts val="0"/>
+              </a:spcAft>
+              <a:buSzPct val="100000"/>
+              <a:buChar char="-"/>
+              <a:defRPr sz="1800" b="0" i="0" u="none" strike="noStrike" kern="0" cap="none" spc="0" baseline="0">
+                <a:solidFill>
+                  <a:srgbClr val="000000"/>
+                </a:solidFill>
+                <a:uFillTx/>
+              </a:defRPr>
+            </a:pPr>
+            <a:r>
+              <a:rPr lang="es-ES" u="sng" dirty="0">
+                <a:solidFill>
+                  <a:srgbClr val="000000"/>
+                </a:solidFill>
+                <a:latin typeface="Corbel" panose="020B0503020204020204" pitchFamily="34" charset="0"/>
+              </a:rPr>
+              <a:t>Aula universitaria del Estrecho. Universidad de Cádiz</a:t>
+            </a:r>
+          </a:p>
+          <a:p>
+            <a:pPr marL="285750" lvl="0" indent="-285750" algn="l">
+              <a:spcBef>
+                <a:spcPts val="0"/>
+              </a:spcBef>
+              <a:spcAft>
+                <a:spcPts val="0"/>
+              </a:spcAft>
+              <a:buSzPct val="100000"/>
+              <a:buChar char="-"/>
+              <a:defRPr sz="1800" b="0" i="0" u="none" strike="noStrike" kern="0" cap="none" spc="0" baseline="0">
+                <a:solidFill>
+                  <a:srgbClr val="000000"/>
+                </a:solidFill>
+                <a:uFillTx/>
+              </a:defRPr>
+            </a:pPr>
+            <a:endParaRPr lang="es-ES" u="sng" dirty="0">
+              <a:solidFill>
+                <a:srgbClr val="000000"/>
+              </a:solidFill>
+              <a:latin typeface="Corbel" panose="020B0503020204020204" pitchFamily="34" charset="0"/>
+            </a:endParaRPr>
+          </a:p>
+          <a:p>
+            <a:pPr marL="285750" lvl="0" indent="-285750" algn="l">
+              <a:spcBef>
+                <a:spcPts val="0"/>
+              </a:spcBef>
+              <a:spcAft>
+                <a:spcPts val="0"/>
+              </a:spcAft>
+              <a:buSzPct val="100000"/>
+              <a:buChar char="-"/>
+              <a:defRPr sz="1800" b="0" i="0" u="none" strike="noStrike" kern="0" cap="none" spc="0" baseline="0">
+                <a:solidFill>
+                  <a:srgbClr val="000000"/>
+                </a:solidFill>
+                <a:uFillTx/>
+              </a:defRPr>
+            </a:pPr>
+            <a:r>
+              <a:rPr lang="es-ES" u="sng" dirty="0">
+                <a:solidFill>
+                  <a:srgbClr val="000000"/>
+                </a:solidFill>
+                <a:latin typeface="Corbel" panose="020B0503020204020204" pitchFamily="34" charset="0"/>
+              </a:rPr>
+              <a:t>Becas y ayudas a la movilidad Investigadora</a:t>
+            </a:r>
+            <a:r>
+              <a:rPr lang="es-ES" dirty="0">
+                <a:solidFill>
+                  <a:srgbClr val="000000"/>
+                </a:solidFill>
+                <a:latin typeface="Corbel" panose="020B0503020204020204" pitchFamily="34" charset="0"/>
+              </a:rPr>
+              <a:t>  </a:t>
+            </a:r>
+          </a:p>
+          <a:p>
+            <a:endParaRPr lang="es-ES" dirty="0"/>
+          </a:p>
+        </p:txBody>
+      </p:sp>
+    </p:spTree>
+    <p:extLst>
+      <p:ext uri="{BB962C8B-B14F-4D97-AF65-F5344CB8AC3E}">
+        <p14:creationId xmlns:p14="http://schemas.microsoft.com/office/powerpoint/2010/main" xmlns="" val="1202826474"/>
+      </p:ext>
+    </p:extLst>
+  </p:cSld>
+  <p:clrMapOvr>
+    <a:masterClrMapping/>
+  </p:clrMapOvr>
+</p:sld>
+</file>
+
+<file path=ppt/slides/slide41.xml><?xml version="1.0" encoding="utf-8"?>
+<p:sld xmlns:a="http://schemas.openxmlformats.org/drawingml/2006/main" xmlns:r="http://schemas.openxmlformats.org/officeDocument/2006/relationships" xmlns:p="http://schemas.openxmlformats.org/presentationml/2006/main">
+  <p:cSld>
+    <p:spTree>
+      <p:nvGrpSpPr>
+        <p:cNvPr id="1" name=""/>
+        <p:cNvGrpSpPr/>
+        <p:nvPr/>
+      </p:nvGrpSpPr>
+      <p:grpSpPr>
+        <a:xfrm>
+          <a:off x="0" y="0"/>
+          <a:ext cx="0" cy="0"/>
+          <a:chOff x="0" y="0"/>
+          <a:chExt cx="0" cy="0"/>
+        </a:xfrm>
+      </p:grpSpPr>
+      <p:sp>
+        <p:nvSpPr>
+          <p:cNvPr id="2" name="Título 1">
+            <a:extLst>
+              <a:ext uri="{FF2B5EF4-FFF2-40B4-BE49-F238E27FC236}">
+                <a16:creationId xmlns:a16="http://schemas.microsoft.com/office/drawing/2014/main" xmlns="" id="{FBD9E5A4-5370-4DA9-A647-51FE54C60D94}"/>
+              </a:ext>
+            </a:extLst>
+          </p:cNvPr>
+          <p:cNvSpPr>
+            <a:spLocks noGrp="1"/>
+          </p:cNvSpPr>
+          <p:nvPr>
+            <p:ph type="title"/>
+          </p:nvPr>
+        </p:nvSpPr>
+        <p:spPr/>
+        <p:txBody>
+          <a:bodyPr>
+            <a:normAutofit fontScale="90000"/>
+          </a:bodyPr>
+          <a:lstStyle/>
+          <a:p>
+            <a:r>
+              <a:rPr lang="es-ES" sz="4800" b="1" dirty="0"/>
+              <a:t/>
+            </a:r>
+            <a:br>
+              <a:rPr lang="es-ES" sz="4800" b="1" dirty="0"/>
+            </a:br>
+            <a:r>
+              <a:rPr lang="es-ES" sz="4800" b="1" dirty="0"/>
+              <a:t/>
+            </a:r>
+            <a:br>
+              <a:rPr lang="es-ES" sz="4800" b="1" dirty="0"/>
+            </a:br>
+            <a:r>
+              <a:rPr lang="es-ES" sz="4800" b="1" dirty="0"/>
+              <a:t/>
+            </a:r>
+            <a:br>
+              <a:rPr lang="es-ES" sz="4800" b="1" dirty="0"/>
+            </a:br>
+            <a:r>
+              <a:rPr lang="es-ES" sz="4800" b="1" dirty="0"/>
+              <a:t/>
+            </a:r>
+            <a:br>
+              <a:rPr lang="es-ES" sz="4800" b="1" dirty="0"/>
+            </a:br>
+            <a:r>
+              <a:rPr lang="es-ES" sz="8000" b="1" dirty="0" smtClean="0"/>
+              <a:t> Recursos para implementar las tecnologías</a:t>
+            </a:r>
+            <a:endParaRPr lang="es-ES" sz="4800" b="1" dirty="0"/>
+          </a:p>
+        </p:txBody>
+      </p:sp>
+    </p:spTree>
+    <p:extLst>
+      <p:ext uri="{BB962C8B-B14F-4D97-AF65-F5344CB8AC3E}">
+        <p14:creationId xmlns:p14="http://schemas.microsoft.com/office/powerpoint/2010/main" xmlns="" val="1418678560"/>
+      </p:ext>
+    </p:extLst>
+  </p:cSld>
+  <p:clrMapOvr>
+    <a:masterClrMapping/>
+  </p:clrMapOvr>
+</p:sld>
+</file>
+
+<file path=ppt/slides/slide42.xml><?xml version="1.0" encoding="utf-8"?>
+<p:sld xmlns:a="http://schemas.openxmlformats.org/drawingml/2006/main" xmlns:r="http://schemas.openxmlformats.org/officeDocument/2006/relationships" xmlns:p="http://schemas.openxmlformats.org/presentationml/2006/main">
+  <p:cSld>
+    <p:spTree>
+      <p:nvGrpSpPr>
+        <p:cNvPr id="1" name=""/>
+        <p:cNvGrpSpPr/>
+        <p:nvPr/>
+      </p:nvGrpSpPr>
+      <p:grpSpPr>
+        <a:xfrm>
+          <a:off x="0" y="0"/>
+          <a:ext cx="0" cy="0"/>
+          <a:chOff x="0" y="0"/>
+          <a:chExt cx="0" cy="0"/>
+        </a:xfrm>
+      </p:grpSpPr>
+      <p:sp>
+        <p:nvSpPr>
+          <p:cNvPr id="2" name="1 Título"/>
+          <p:cNvSpPr>
+            <a:spLocks noGrp="1"/>
+          </p:cNvSpPr>
+          <p:nvPr>
+            <p:ph type="title"/>
+          </p:nvPr>
+        </p:nvSpPr>
+        <p:spPr/>
+        <p:txBody>
+          <a:bodyPr/>
+          <a:lstStyle/>
+          <a:p>
+            <a:endParaRPr lang="es-ES"/>
+          </a:p>
+        </p:txBody>
+      </p:sp>
+      <p:sp>
+        <p:nvSpPr>
+          <p:cNvPr id="3" name="2 Marcador de contenido"/>
+          <p:cNvSpPr>
+            <a:spLocks noGrp="1"/>
+          </p:cNvSpPr>
+          <p:nvPr>
+            <p:ph idx="1"/>
+          </p:nvPr>
+        </p:nvSpPr>
+        <p:spPr/>
+        <p:txBody>
+          <a:bodyPr/>
+          <a:lstStyle/>
+          <a:p>
+            <a:endParaRPr lang="es-ES"/>
+          </a:p>
+        </p:txBody>
+      </p:sp>
+    </p:spTree>
+  </p:cSld>
+  <p:clrMapOvr>
+    <a:masterClrMapping/>
+  </p:clrMapOvr>
+</p:sld>
+</file>
+
+<file path=ppt/slides/slide43.xml><?xml version="1.0" encoding="utf-8"?>
+<p:sld xmlns:a="http://schemas.openxmlformats.org/drawingml/2006/main" xmlns:r="http://schemas.openxmlformats.org/officeDocument/2006/relationships" xmlns:p="http://schemas.openxmlformats.org/presentationml/2006/main">
+  <p:cSld>
+    <p:spTree>
+      <p:nvGrpSpPr>
+        <p:cNvPr id="1" name=""/>
+        <p:cNvGrpSpPr/>
+        <p:nvPr/>
+      </p:nvGrpSpPr>
+      <p:grpSpPr>
+        <a:xfrm>
+          <a:off x="0" y="0"/>
+          <a:ext cx="0" cy="0"/>
+          <a:chOff x="0" y="0"/>
+          <a:chExt cx="0" cy="0"/>
+        </a:xfrm>
+      </p:grpSpPr>
+      <p:sp>
+        <p:nvSpPr>
+          <p:cNvPr id="2" name="Título 1">
+            <a:extLst>
+              <a:ext uri="{FF2B5EF4-FFF2-40B4-BE49-F238E27FC236}">
+                <a16:creationId xmlns:a16="http://schemas.microsoft.com/office/drawing/2014/main" xmlns="" id="{FBD9E5A4-5370-4DA9-A647-51FE54C60D94}"/>
+              </a:ext>
+            </a:extLst>
+          </p:cNvPr>
+          <p:cNvSpPr>
+            <a:spLocks noGrp="1"/>
+          </p:cNvSpPr>
+          <p:nvPr>
+            <p:ph type="title"/>
+          </p:nvPr>
+        </p:nvSpPr>
+        <p:spPr/>
+        <p:txBody>
+          <a:bodyPr>
+            <a:normAutofit fontScale="90000"/>
+          </a:bodyPr>
+          <a:lstStyle/>
+          <a:p>
+            <a:r>
+              <a:rPr lang="es-ES" sz="4800" b="1" dirty="0"/>
+              <a:t/>
+            </a:r>
+            <a:br>
+              <a:rPr lang="es-ES" sz="4800" b="1" dirty="0"/>
+            </a:br>
+            <a:r>
+              <a:rPr lang="es-ES" sz="4800" b="1" dirty="0"/>
+              <a:t/>
+            </a:r>
+            <a:br>
+              <a:rPr lang="es-ES" sz="4800" b="1" dirty="0"/>
+            </a:br>
+            <a:r>
+              <a:rPr lang="es-ES" sz="4800" b="1" dirty="0"/>
+              <a:t/>
+            </a:r>
+            <a:br>
+              <a:rPr lang="es-ES" sz="4800" b="1" dirty="0"/>
+            </a:br>
+            <a:r>
+              <a:rPr lang="es-ES" sz="4800" b="1" dirty="0"/>
+              <a:t/>
+            </a:r>
+            <a:br>
+              <a:rPr lang="es-ES" sz="4800" b="1" dirty="0"/>
+            </a:br>
+            <a:r>
+              <a:rPr lang="es-ES" sz="8000" b="1" dirty="0" smtClean="0"/>
+              <a:t> Conclusiones</a:t>
+            </a:r>
+            <a:endParaRPr lang="es-ES" sz="4800" b="1" dirty="0"/>
+          </a:p>
+        </p:txBody>
+      </p:sp>
+    </p:spTree>
+    <p:extLst>
+      <p:ext uri="{BB962C8B-B14F-4D97-AF65-F5344CB8AC3E}">
+        <p14:creationId xmlns:p14="http://schemas.microsoft.com/office/powerpoint/2010/main" xmlns="" val="1418678560"/>
       </p:ext>
     </p:extLst>
   </p:cSld>
@@ -10947,7 +13015,7 @@
           <p:cNvPr id="2" name="Título 1">
             <a:extLst>
               <a:ext uri="{FF2B5EF4-FFF2-40B4-BE49-F238E27FC236}">
-                <a16:creationId xmlns:a16="http://schemas.microsoft.com/office/drawing/2014/main" id="{9FE52B98-D91F-461E-A2FC-8EA927408B7E}"/>
+                <a16:creationId xmlns:a16="http://schemas.microsoft.com/office/drawing/2014/main" xmlns="" id="{9FE52B98-D91F-461E-A2FC-8EA927408B7E}"/>
               </a:ext>
             </a:extLst>
           </p:cNvPr>
@@ -10982,7 +13050,7 @@
           <p:cNvPr id="5" name="Marcador de contenido 4">
             <a:extLst>
               <a:ext uri="{FF2B5EF4-FFF2-40B4-BE49-F238E27FC236}">
-                <a16:creationId xmlns:a16="http://schemas.microsoft.com/office/drawing/2014/main" id="{D674BD60-AD8E-4D0C-9EA0-916A2A0934E9}"/>
+                <a16:creationId xmlns:a16="http://schemas.microsoft.com/office/drawing/2014/main" xmlns="" id="{D674BD60-AD8E-4D0C-9EA0-916A2A0934E9}"/>
               </a:ext>
             </a:extLst>
           </p:cNvPr>
@@ -10994,10 +13062,10 @@
           </p:nvPr>
         </p:nvPicPr>
         <p:blipFill>
-          <a:blip r:embed="rId2">
+          <a:blip r:embed="rId2" cstate="print">
             <a:extLst>
               <a:ext uri="{28A0092B-C50C-407E-A947-70E740481C1C}">
-                <a14:useLocalDpi xmlns:a14="http://schemas.microsoft.com/office/drawing/2010/main" val="0"/>
+                <a14:useLocalDpi xmlns:a14="http://schemas.microsoft.com/office/drawing/2010/main" xmlns="" val="0"/>
               </a:ext>
             </a:extLst>
           </a:blip>
@@ -11017,7 +13085,7 @@
           <p:cNvPr id="6" name="CuadroTexto 5">
             <a:extLst>
               <a:ext uri="{FF2B5EF4-FFF2-40B4-BE49-F238E27FC236}">
-                <a16:creationId xmlns:a16="http://schemas.microsoft.com/office/drawing/2014/main" id="{D5EE9531-5421-4FBC-A638-90C53CE90464}"/>
+                <a16:creationId xmlns:a16="http://schemas.microsoft.com/office/drawing/2014/main" xmlns="" id="{D5EE9531-5421-4FBC-A638-90C53CE90464}"/>
               </a:ext>
             </a:extLst>
           </p:cNvPr>
@@ -11056,7 +13124,7 @@
     </p:spTree>
     <p:extLst>
       <p:ext uri="{BB962C8B-B14F-4D97-AF65-F5344CB8AC3E}">
-        <p14:creationId xmlns:p14="http://schemas.microsoft.com/office/powerpoint/2010/main" val="4097886922"/>
+        <p14:creationId xmlns:p14="http://schemas.microsoft.com/office/powerpoint/2010/main" xmlns="" val="4097886922"/>
       </p:ext>
     </p:extLst>
   </p:cSld>
@@ -11088,7 +13156,7 @@
           <p:cNvPr id="2" name="Título 1">
             <a:extLst>
               <a:ext uri="{FF2B5EF4-FFF2-40B4-BE49-F238E27FC236}">
-                <a16:creationId xmlns:a16="http://schemas.microsoft.com/office/drawing/2014/main" id="{9FE52B98-D91F-461E-A2FC-8EA927408B7E}"/>
+                <a16:creationId xmlns:a16="http://schemas.microsoft.com/office/drawing/2014/main" xmlns="" id="{9FE52B98-D91F-461E-A2FC-8EA927408B7E}"/>
               </a:ext>
             </a:extLst>
           </p:cNvPr>
@@ -11123,7 +13191,7 @@
           <p:cNvPr id="5" name="Marcador de contenido 4">
             <a:extLst>
               <a:ext uri="{FF2B5EF4-FFF2-40B4-BE49-F238E27FC236}">
-                <a16:creationId xmlns:a16="http://schemas.microsoft.com/office/drawing/2014/main" id="{1348B7E0-BDF7-4C73-AF6B-C8290C8E4F84}"/>
+                <a16:creationId xmlns:a16="http://schemas.microsoft.com/office/drawing/2014/main" xmlns="" id="{1348B7E0-BDF7-4C73-AF6B-C8290C8E4F84}"/>
               </a:ext>
             </a:extLst>
           </p:cNvPr>
@@ -11135,10 +13203,10 @@
           </p:nvPr>
         </p:nvPicPr>
         <p:blipFill>
-          <a:blip r:embed="rId2">
+          <a:blip r:embed="rId2" cstate="print">
             <a:extLst>
               <a:ext uri="{28A0092B-C50C-407E-A947-70E740481C1C}">
-                <a14:useLocalDpi xmlns:a14="http://schemas.microsoft.com/office/drawing/2010/main" val="0"/>
+                <a14:useLocalDpi xmlns:a14="http://schemas.microsoft.com/office/drawing/2010/main" xmlns="" val="0"/>
               </a:ext>
             </a:extLst>
           </a:blip>
@@ -11158,7 +13226,7 @@
           <p:cNvPr id="6" name="CuadroTexto 5">
             <a:extLst>
               <a:ext uri="{FF2B5EF4-FFF2-40B4-BE49-F238E27FC236}">
-                <a16:creationId xmlns:a16="http://schemas.microsoft.com/office/drawing/2014/main" id="{765C79A1-8D20-4F7E-A072-271B2A2AB8BE}"/>
+                <a16:creationId xmlns:a16="http://schemas.microsoft.com/office/drawing/2014/main" xmlns="" id="{765C79A1-8D20-4F7E-A072-271B2A2AB8BE}"/>
               </a:ext>
             </a:extLst>
           </p:cNvPr>
@@ -11199,7 +13267,7 @@
     </p:spTree>
     <p:extLst>
       <p:ext uri="{BB962C8B-B14F-4D97-AF65-F5344CB8AC3E}">
-        <p14:creationId xmlns:p14="http://schemas.microsoft.com/office/powerpoint/2010/main" val="4207611306"/>
+        <p14:creationId xmlns:p14="http://schemas.microsoft.com/office/powerpoint/2010/main" xmlns="" val="4207611306"/>
       </p:ext>
     </p:extLst>
   </p:cSld>
@@ -11231,7 +13299,7 @@
           <p:cNvPr id="2" name="Título 1">
             <a:extLst>
               <a:ext uri="{FF2B5EF4-FFF2-40B4-BE49-F238E27FC236}">
-                <a16:creationId xmlns:a16="http://schemas.microsoft.com/office/drawing/2014/main" id="{9FE52B98-D91F-461E-A2FC-8EA927408B7E}"/>
+                <a16:creationId xmlns:a16="http://schemas.microsoft.com/office/drawing/2014/main" xmlns="" id="{9FE52B98-D91F-461E-A2FC-8EA927408B7E}"/>
               </a:ext>
             </a:extLst>
           </p:cNvPr>
@@ -11266,7 +13334,7 @@
           <p:cNvPr id="3" name="Marcador de contenido 2">
             <a:extLst>
               <a:ext uri="{FF2B5EF4-FFF2-40B4-BE49-F238E27FC236}">
-                <a16:creationId xmlns:a16="http://schemas.microsoft.com/office/drawing/2014/main" id="{7681CDA9-915F-4AB9-91C1-11D095F86AD8}"/>
+                <a16:creationId xmlns:a16="http://schemas.microsoft.com/office/drawing/2014/main" xmlns="" id="{7681CDA9-915F-4AB9-91C1-11D095F86AD8}"/>
               </a:ext>
             </a:extLst>
           </p:cNvPr>
@@ -11312,7 +13380,7 @@
           <p:cNvPr id="5" name="Imagen 4">
             <a:extLst>
               <a:ext uri="{FF2B5EF4-FFF2-40B4-BE49-F238E27FC236}">
-                <a16:creationId xmlns:a16="http://schemas.microsoft.com/office/drawing/2014/main" id="{7B09F27C-4E02-42A2-8D85-5E1125CD4B6F}"/>
+                <a16:creationId xmlns:a16="http://schemas.microsoft.com/office/drawing/2014/main" xmlns="" id="{7B09F27C-4E02-42A2-8D85-5E1125CD4B6F}"/>
               </a:ext>
             </a:extLst>
           </p:cNvPr>
@@ -11322,10 +13390,10 @@
           <p:nvPr/>
         </p:nvPicPr>
         <p:blipFill>
-          <a:blip r:embed="rId2">
+          <a:blip r:embed="rId2" cstate="print">
             <a:extLst>
               <a:ext uri="{28A0092B-C50C-407E-A947-70E740481C1C}">
-                <a14:useLocalDpi xmlns:a14="http://schemas.microsoft.com/office/drawing/2010/main" val="0"/>
+                <a14:useLocalDpi xmlns:a14="http://schemas.microsoft.com/office/drawing/2010/main" xmlns="" val="0"/>
               </a:ext>
             </a:extLst>
           </a:blip>
@@ -11346,7 +13414,7 @@
     </p:spTree>
     <p:extLst>
       <p:ext uri="{BB962C8B-B14F-4D97-AF65-F5344CB8AC3E}">
-        <p14:creationId xmlns:p14="http://schemas.microsoft.com/office/powerpoint/2010/main" val="1444271549"/>
+        <p14:creationId xmlns:p14="http://schemas.microsoft.com/office/powerpoint/2010/main" xmlns="" val="1444271549"/>
       </p:ext>
     </p:extLst>
   </p:cSld>
@@ -11378,7 +13446,7 @@
           <p:cNvPr id="2" name="Título 1">
             <a:extLst>
               <a:ext uri="{FF2B5EF4-FFF2-40B4-BE49-F238E27FC236}">
-                <a16:creationId xmlns:a16="http://schemas.microsoft.com/office/drawing/2014/main" id="{9FE52B98-D91F-461E-A2FC-8EA927408B7E}"/>
+                <a16:creationId xmlns:a16="http://schemas.microsoft.com/office/drawing/2014/main" xmlns="" id="{9FE52B98-D91F-461E-A2FC-8EA927408B7E}"/>
               </a:ext>
             </a:extLst>
           </p:cNvPr>
@@ -11413,7 +13481,7 @@
           <p:cNvPr id="3" name="Marcador de contenido 2">
             <a:extLst>
               <a:ext uri="{FF2B5EF4-FFF2-40B4-BE49-F238E27FC236}">
-                <a16:creationId xmlns:a16="http://schemas.microsoft.com/office/drawing/2014/main" id="{7681CDA9-915F-4AB9-91C1-11D095F86AD8}"/>
+                <a16:creationId xmlns:a16="http://schemas.microsoft.com/office/drawing/2014/main" xmlns="" id="{7681CDA9-915F-4AB9-91C1-11D095F86AD8}"/>
               </a:ext>
             </a:extLst>
           </p:cNvPr>
@@ -11464,7 +13532,7 @@
           <p:cNvPr id="5" name="Imagen 4">
             <a:extLst>
               <a:ext uri="{FF2B5EF4-FFF2-40B4-BE49-F238E27FC236}">
-                <a16:creationId xmlns:a16="http://schemas.microsoft.com/office/drawing/2014/main" id="{ACA80AA4-3166-4C90-91EA-CBF2BD2EE95C}"/>
+                <a16:creationId xmlns:a16="http://schemas.microsoft.com/office/drawing/2014/main" xmlns="" id="{ACA80AA4-3166-4C90-91EA-CBF2BD2EE95C}"/>
               </a:ext>
             </a:extLst>
           </p:cNvPr>
@@ -11474,10 +13542,10 @@
           <p:nvPr/>
         </p:nvPicPr>
         <p:blipFill>
-          <a:blip r:embed="rId2">
+          <a:blip r:embed="rId2" cstate="print">
             <a:extLst>
               <a:ext uri="{28A0092B-C50C-407E-A947-70E740481C1C}">
-                <a14:useLocalDpi xmlns:a14="http://schemas.microsoft.com/office/drawing/2010/main" val="0"/>
+                <a14:useLocalDpi xmlns:a14="http://schemas.microsoft.com/office/drawing/2010/main" xmlns="" val="0"/>
               </a:ext>
             </a:extLst>
           </a:blip>
@@ -11498,7 +13566,7 @@
     </p:spTree>
     <p:extLst>
       <p:ext uri="{BB962C8B-B14F-4D97-AF65-F5344CB8AC3E}">
-        <p14:creationId xmlns:p14="http://schemas.microsoft.com/office/powerpoint/2010/main" val="4070839768"/>
+        <p14:creationId xmlns:p14="http://schemas.microsoft.com/office/powerpoint/2010/main" xmlns="" val="4070839768"/>
       </p:ext>
     </p:extLst>
   </p:cSld>
@@ -11530,7 +13598,7 @@
           <p:cNvPr id="2" name="Título 1">
             <a:extLst>
               <a:ext uri="{FF2B5EF4-FFF2-40B4-BE49-F238E27FC236}">
-                <a16:creationId xmlns:a16="http://schemas.microsoft.com/office/drawing/2014/main" id="{9FE52B98-D91F-461E-A2FC-8EA927408B7E}"/>
+                <a16:creationId xmlns:a16="http://schemas.microsoft.com/office/drawing/2014/main" xmlns="" id="{9FE52B98-D91F-461E-A2FC-8EA927408B7E}"/>
               </a:ext>
             </a:extLst>
           </p:cNvPr>
@@ -11565,7 +13633,7 @@
           <p:cNvPr id="3" name="Marcador de contenido 2">
             <a:extLst>
               <a:ext uri="{FF2B5EF4-FFF2-40B4-BE49-F238E27FC236}">
-                <a16:creationId xmlns:a16="http://schemas.microsoft.com/office/drawing/2014/main" id="{7681CDA9-915F-4AB9-91C1-11D095F86AD8}"/>
+                <a16:creationId xmlns:a16="http://schemas.microsoft.com/office/drawing/2014/main" xmlns="" id="{7681CDA9-915F-4AB9-91C1-11D095F86AD8}"/>
               </a:ext>
             </a:extLst>
           </p:cNvPr>
@@ -11608,7 +13676,7 @@
           <p:cNvPr id="5" name="Imagen 4">
             <a:extLst>
               <a:ext uri="{FF2B5EF4-FFF2-40B4-BE49-F238E27FC236}">
-                <a16:creationId xmlns:a16="http://schemas.microsoft.com/office/drawing/2014/main" id="{1FF5DEF0-38EC-437D-B284-9DF733E0611A}"/>
+                <a16:creationId xmlns:a16="http://schemas.microsoft.com/office/drawing/2014/main" xmlns="" id="{1FF5DEF0-38EC-437D-B284-9DF733E0611A}"/>
               </a:ext>
             </a:extLst>
           </p:cNvPr>
@@ -11618,10 +13686,10 @@
           <p:nvPr/>
         </p:nvPicPr>
         <p:blipFill>
-          <a:blip r:embed="rId2">
+          <a:blip r:embed="rId2" cstate="print">
             <a:extLst>
               <a:ext uri="{28A0092B-C50C-407E-A947-70E740481C1C}">
-                <a14:useLocalDpi xmlns:a14="http://schemas.microsoft.com/office/drawing/2010/main" val="0"/>
+                <a14:useLocalDpi xmlns:a14="http://schemas.microsoft.com/office/drawing/2010/main" xmlns="" val="0"/>
               </a:ext>
             </a:extLst>
           </a:blip>
@@ -11642,7 +13710,7 @@
     </p:spTree>
     <p:extLst>
       <p:ext uri="{BB962C8B-B14F-4D97-AF65-F5344CB8AC3E}">
-        <p14:creationId xmlns:p14="http://schemas.microsoft.com/office/powerpoint/2010/main" val="4277532580"/>
+        <p14:creationId xmlns:p14="http://schemas.microsoft.com/office/powerpoint/2010/main" xmlns="" val="4277532580"/>
       </p:ext>
     </p:extLst>
   </p:cSld>
@@ -11695,7 +13763,7 @@
     </a:clrScheme>
     <a:fontScheme name="Parallax">
       <a:majorFont>
-        <a:latin typeface="Corbel" panose="020B0503020204020204"/>
+        <a:latin typeface="Corbel"/>
         <a:ea typeface=""/>
         <a:cs typeface=""/>
         <a:font script="Jpan" typeface="HGｺﾞｼｯｸM"/>
@@ -11730,7 +13798,7 @@
         <a:font script="Geor" typeface="Sylfaen"/>
       </a:majorFont>
       <a:minorFont>
-        <a:latin typeface="Corbel" panose="020B0503020204020204"/>
+        <a:latin typeface="Corbel"/>
         <a:ea typeface=""/>
         <a:cs typeface=""/>
         <a:font script="Jpan" typeface="HGｺﾞｼｯｸM"/>
@@ -11902,7 +13970,7 @@
   <a:extraClrSchemeLst/>
   <a:extLst>
     <a:ext uri="{05A4C25C-085E-4340-85A3-A5531E510DB2}">
-      <thm15:themeFamily xmlns:thm15="http://schemas.microsoft.com/office/thememl/2012/main" name="Parallax" id="{3388167B-A2EB-4685-9635-1831D9AEF8C4}" vid="{4F7A876A-7598-49CA-AFC8-8EDA2551E4A7}"/>
+      <thm15:themeFamily xmlns:thm15="http://schemas.microsoft.com/office/thememl/2012/main" xmlns="" name="Parallax" id="{3388167B-A2EB-4685-9635-1831D9AEF8C4}" vid="{4F7A876A-7598-49CA-AFC8-8EDA2551E4A7}"/>
     </a:ext>
   </a:extLst>
 </a:theme>

--- a/TG1_final.pptx
+++ b/TG1_final.pptx
@@ -28,26 +28,32 @@
     <p:sldId id="280" r:id="rId22"/>
     <p:sldId id="281" r:id="rId23"/>
     <p:sldId id="282" r:id="rId24"/>
-    <p:sldId id="285" r:id="rId25"/>
-    <p:sldId id="284" r:id="rId26"/>
-    <p:sldId id="286" r:id="rId27"/>
-    <p:sldId id="287" r:id="rId28"/>
-    <p:sldId id="289" r:id="rId29"/>
-    <p:sldId id="288" r:id="rId30"/>
-    <p:sldId id="290" r:id="rId31"/>
-    <p:sldId id="292" r:id="rId32"/>
-    <p:sldId id="293" r:id="rId33"/>
-    <p:sldId id="291" r:id="rId34"/>
-    <p:sldId id="294" r:id="rId35"/>
-    <p:sldId id="295" r:id="rId36"/>
-    <p:sldId id="301" r:id="rId37"/>
-    <p:sldId id="297" r:id="rId38"/>
-    <p:sldId id="298" r:id="rId39"/>
-    <p:sldId id="299" r:id="rId40"/>
-    <p:sldId id="300" r:id="rId41"/>
-    <p:sldId id="302" r:id="rId42"/>
-    <p:sldId id="303" r:id="rId43"/>
-    <p:sldId id="304" r:id="rId44"/>
+    <p:sldId id="305" r:id="rId25"/>
+    <p:sldId id="306" r:id="rId26"/>
+    <p:sldId id="307" r:id="rId27"/>
+    <p:sldId id="308" r:id="rId28"/>
+    <p:sldId id="309" r:id="rId29"/>
+    <p:sldId id="310" r:id="rId30"/>
+    <p:sldId id="311" r:id="rId31"/>
+    <p:sldId id="284" r:id="rId32"/>
+    <p:sldId id="286" r:id="rId33"/>
+    <p:sldId id="287" r:id="rId34"/>
+    <p:sldId id="289" r:id="rId35"/>
+    <p:sldId id="288" r:id="rId36"/>
+    <p:sldId id="290" r:id="rId37"/>
+    <p:sldId id="292" r:id="rId38"/>
+    <p:sldId id="293" r:id="rId39"/>
+    <p:sldId id="291" r:id="rId40"/>
+    <p:sldId id="294" r:id="rId41"/>
+    <p:sldId id="295" r:id="rId42"/>
+    <p:sldId id="301" r:id="rId43"/>
+    <p:sldId id="297" r:id="rId44"/>
+    <p:sldId id="298" r:id="rId45"/>
+    <p:sldId id="299" r:id="rId46"/>
+    <p:sldId id="300" r:id="rId47"/>
+    <p:sldId id="302" r:id="rId48"/>
+    <p:sldId id="303" r:id="rId49"/>
+    <p:sldId id="304" r:id="rId50"/>
   </p:sldIdLst>
   <p:sldSz cx="12192000" cy="6858000"/>
   <p:notesSz cx="6858000" cy="9144000"/>
@@ -146,6 +152,22 @@
       </a:defRPr>
     </a:lvl9pPr>
   </p:defaultTextStyle>
+  <p:extLst>
+    <p:ext uri="{EFAFB233-063F-42B5-8137-9DF3F51BA10A}">
+      <p15:sldGuideLst xmlns:p15="http://schemas.microsoft.com/office/powerpoint/2012/main">
+        <p15:guide id="1" orient="horz" pos="2160">
+          <p15:clr>
+            <a:srgbClr val="A4A3A4"/>
+          </p15:clr>
+        </p15:guide>
+        <p15:guide id="2" pos="3840">
+          <p15:clr>
+            <a:srgbClr val="A4A3A4"/>
+          </p15:clr>
+        </p15:guide>
+      </p15:sldGuideLst>
+    </p:ext>
+  </p:extLst>
 </p:presentation>
 </file>
 
@@ -709,7 +731,7 @@
     </p:spTree>
     <p:extLst>
       <p:ext uri="{BB962C8B-B14F-4D97-AF65-F5344CB8AC3E}">
-        <p14:creationId xmlns:p14="http://schemas.microsoft.com/office/powerpoint/2010/main" xmlns="" val="145429723"/>
+        <p14:creationId xmlns:p14="http://schemas.microsoft.com/office/powerpoint/2010/main" val="145429723"/>
       </p:ext>
     </p:extLst>
   </p:cSld>
@@ -1002,7 +1024,7 @@
     </p:spTree>
     <p:extLst>
       <p:ext uri="{BB962C8B-B14F-4D97-AF65-F5344CB8AC3E}">
-        <p14:creationId xmlns:p14="http://schemas.microsoft.com/office/powerpoint/2010/main" xmlns="" val="587282285"/>
+        <p14:creationId xmlns:p14="http://schemas.microsoft.com/office/powerpoint/2010/main" val="587282285"/>
       </p:ext>
     </p:extLst>
   </p:cSld>
@@ -1252,7 +1274,7 @@
     </p:spTree>
     <p:extLst>
       <p:ext uri="{BB962C8B-B14F-4D97-AF65-F5344CB8AC3E}">
-        <p14:creationId xmlns:p14="http://schemas.microsoft.com/office/powerpoint/2010/main" xmlns="" val="1496223512"/>
+        <p14:creationId xmlns:p14="http://schemas.microsoft.com/office/powerpoint/2010/main" val="1496223512"/>
       </p:ext>
     </p:extLst>
   </p:cSld>
@@ -1794,7 +1816,7 @@
     </p:spTree>
     <p:extLst>
       <p:ext uri="{BB962C8B-B14F-4D97-AF65-F5344CB8AC3E}">
-        <p14:creationId xmlns:p14="http://schemas.microsoft.com/office/powerpoint/2010/main" xmlns="" val="1224146503"/>
+        <p14:creationId xmlns:p14="http://schemas.microsoft.com/office/powerpoint/2010/main" val="1224146503"/>
       </p:ext>
     </p:extLst>
   </p:cSld>
@@ -2044,7 +2066,7 @@
     </p:spTree>
     <p:extLst>
       <p:ext uri="{BB962C8B-B14F-4D97-AF65-F5344CB8AC3E}">
-        <p14:creationId xmlns:p14="http://schemas.microsoft.com/office/powerpoint/2010/main" xmlns="" val="4109242150"/>
+        <p14:creationId xmlns:p14="http://schemas.microsoft.com/office/powerpoint/2010/main" val="4109242150"/>
       </p:ext>
     </p:extLst>
   </p:cSld>
@@ -2578,7 +2600,7 @@
     </p:spTree>
     <p:extLst>
       <p:ext uri="{BB962C8B-B14F-4D97-AF65-F5344CB8AC3E}">
-        <p14:creationId xmlns:p14="http://schemas.microsoft.com/office/powerpoint/2010/main" xmlns="" val="976043927"/>
+        <p14:creationId xmlns:p14="http://schemas.microsoft.com/office/powerpoint/2010/main" val="976043927"/>
       </p:ext>
     </p:extLst>
   </p:cSld>
@@ -2877,7 +2899,7 @@
     </p:spTree>
     <p:extLst>
       <p:ext uri="{BB962C8B-B14F-4D97-AF65-F5344CB8AC3E}">
-        <p14:creationId xmlns:p14="http://schemas.microsoft.com/office/powerpoint/2010/main" xmlns="" val="98039592"/>
+        <p14:creationId xmlns:p14="http://schemas.microsoft.com/office/powerpoint/2010/main" val="98039592"/>
       </p:ext>
     </p:extLst>
   </p:cSld>
@@ -3053,7 +3075,7 @@
     </p:spTree>
     <p:extLst>
       <p:ext uri="{BB962C8B-B14F-4D97-AF65-F5344CB8AC3E}">
-        <p14:creationId xmlns:p14="http://schemas.microsoft.com/office/powerpoint/2010/main" xmlns="" val="2107234353"/>
+        <p14:creationId xmlns:p14="http://schemas.microsoft.com/office/powerpoint/2010/main" val="2107234353"/>
       </p:ext>
     </p:extLst>
   </p:cSld>
@@ -3235,7 +3257,7 @@
     </p:spTree>
     <p:extLst>
       <p:ext uri="{BB962C8B-B14F-4D97-AF65-F5344CB8AC3E}">
-        <p14:creationId xmlns:p14="http://schemas.microsoft.com/office/powerpoint/2010/main" xmlns="" val="1379799038"/>
+        <p14:creationId xmlns:p14="http://schemas.microsoft.com/office/powerpoint/2010/main" val="1379799038"/>
       </p:ext>
     </p:extLst>
   </p:cSld>
@@ -3412,7 +3434,7 @@
     </p:spTree>
     <p:extLst>
       <p:ext uri="{BB962C8B-B14F-4D97-AF65-F5344CB8AC3E}">
-        <p14:creationId xmlns:p14="http://schemas.microsoft.com/office/powerpoint/2010/main" xmlns="" val="2973176028"/>
+        <p14:creationId xmlns:p14="http://schemas.microsoft.com/office/powerpoint/2010/main" val="2973176028"/>
       </p:ext>
     </p:extLst>
   </p:cSld>
@@ -3660,7 +3682,7 @@
     </p:spTree>
     <p:extLst>
       <p:ext uri="{BB962C8B-B14F-4D97-AF65-F5344CB8AC3E}">
-        <p14:creationId xmlns:p14="http://schemas.microsoft.com/office/powerpoint/2010/main" xmlns="" val="427937256"/>
+        <p14:creationId xmlns:p14="http://schemas.microsoft.com/office/powerpoint/2010/main" val="427937256"/>
       </p:ext>
     </p:extLst>
   </p:cSld>
@@ -3959,7 +3981,7 @@
     </p:spTree>
     <p:extLst>
       <p:ext uri="{BB962C8B-B14F-4D97-AF65-F5344CB8AC3E}">
-        <p14:creationId xmlns:p14="http://schemas.microsoft.com/office/powerpoint/2010/main" xmlns="" val="1542030933"/>
+        <p14:creationId xmlns:p14="http://schemas.microsoft.com/office/powerpoint/2010/main" val="1542030933"/>
       </p:ext>
     </p:extLst>
   </p:cSld>
@@ -4403,7 +4425,7 @@
     </p:spTree>
     <p:extLst>
       <p:ext uri="{BB962C8B-B14F-4D97-AF65-F5344CB8AC3E}">
-        <p14:creationId xmlns:p14="http://schemas.microsoft.com/office/powerpoint/2010/main" xmlns="" val="2100034981"/>
+        <p14:creationId xmlns:p14="http://schemas.microsoft.com/office/powerpoint/2010/main" val="2100034981"/>
       </p:ext>
     </p:extLst>
   </p:cSld>
@@ -4523,7 +4545,7 @@
     </p:spTree>
     <p:extLst>
       <p:ext uri="{BB962C8B-B14F-4D97-AF65-F5344CB8AC3E}">
-        <p14:creationId xmlns:p14="http://schemas.microsoft.com/office/powerpoint/2010/main" xmlns="" val="1804604732"/>
+        <p14:creationId xmlns:p14="http://schemas.microsoft.com/office/powerpoint/2010/main" val="1804604732"/>
       </p:ext>
     </p:extLst>
   </p:cSld>
@@ -4620,7 +4642,7 @@
     </p:spTree>
     <p:extLst>
       <p:ext uri="{BB962C8B-B14F-4D97-AF65-F5344CB8AC3E}">
-        <p14:creationId xmlns:p14="http://schemas.microsoft.com/office/powerpoint/2010/main" xmlns="" val="2306903096"/>
+        <p14:creationId xmlns:p14="http://schemas.microsoft.com/office/powerpoint/2010/main" val="2306903096"/>
       </p:ext>
     </p:extLst>
   </p:cSld>
@@ -4905,7 +4927,7 @@
     </p:spTree>
     <p:extLst>
       <p:ext uri="{BB962C8B-B14F-4D97-AF65-F5344CB8AC3E}">
-        <p14:creationId xmlns:p14="http://schemas.microsoft.com/office/powerpoint/2010/main" xmlns="" val="4000225066"/>
+        <p14:creationId xmlns:p14="http://schemas.microsoft.com/office/powerpoint/2010/main" val="4000225066"/>
       </p:ext>
     </p:extLst>
   </p:cSld>
@@ -5198,7 +5220,7 @@
     </p:spTree>
     <p:extLst>
       <p:ext uri="{BB962C8B-B14F-4D97-AF65-F5344CB8AC3E}">
-        <p14:creationId xmlns:p14="http://schemas.microsoft.com/office/powerpoint/2010/main" xmlns="" val="3818199339"/>
+        <p14:creationId xmlns:p14="http://schemas.microsoft.com/office/powerpoint/2010/main" val="3818199339"/>
       </p:ext>
     </p:extLst>
   </p:cSld>
@@ -5766,7 +5788,7 @@
     </p:spTree>
     <p:extLst>
       <p:ext uri="{BB962C8B-B14F-4D97-AF65-F5344CB8AC3E}">
-        <p14:creationId xmlns:p14="http://schemas.microsoft.com/office/powerpoint/2010/main" xmlns="" val="3642700443"/>
+        <p14:creationId xmlns:p14="http://schemas.microsoft.com/office/powerpoint/2010/main" val="3642700443"/>
       </p:ext>
     </p:extLst>
   </p:cSld>
@@ -6215,7 +6237,7 @@
           <p:cNvPr id="4" name="Rectangle 1">
             <a:extLst>
               <a:ext uri="{FF2B5EF4-FFF2-40B4-BE49-F238E27FC236}">
-                <a16:creationId xmlns:a16="http://schemas.microsoft.com/office/drawing/2014/main" xmlns="" id="{5200A39F-E0B6-436F-9EF6-9811625475CA}"/>
+                <a16:creationId xmlns:a16="http://schemas.microsoft.com/office/drawing/2014/main" id="{5200A39F-E0B6-436F-9EF6-9811625475CA}"/>
               </a:ext>
             </a:extLst>
           </p:cNvPr>
@@ -6241,14 +6263,14 @@
           <a:effectLst/>
           <a:extLst>
             <a:ext uri="{909E8E84-426E-40DD-AFC4-6F175D3DCCD1}">
-              <a14:hiddenFill xmlns:a14="http://schemas.microsoft.com/office/drawing/2010/main" xmlns="">
+              <a14:hiddenFill xmlns:a14="http://schemas.microsoft.com/office/drawing/2010/main">
                 <a:solidFill>
                   <a:schemeClr val="accent1"/>
                 </a:solidFill>
               </a14:hiddenFill>
             </a:ext>
             <a:ext uri="{91240B29-F687-4F45-9708-019B960494DF}">
-              <a14:hiddenLine xmlns:a14="http://schemas.microsoft.com/office/drawing/2010/main" xmlns="" w="9525">
+              <a14:hiddenLine xmlns:a14="http://schemas.microsoft.com/office/drawing/2010/main" w="9525">
                 <a:solidFill>
                   <a:schemeClr val="tx1"/>
                 </a:solidFill>
@@ -6258,7 +6280,7 @@
               </a14:hiddenLine>
             </a:ext>
             <a:ext uri="{AF507438-7753-43E0-B8FC-AC1667EBCBE1}">
-              <a14:hiddenEffects xmlns:a14="http://schemas.microsoft.com/office/drawing/2010/main" xmlns="">
+              <a14:hiddenEffects xmlns:a14="http://schemas.microsoft.com/office/drawing/2010/main">
                 <a:effectLst>
                   <a:outerShdw dist="35921" dir="2700000" algn="ctr" rotWithShape="0">
                     <a:schemeClr val="bg2"/>
@@ -6318,7 +6340,7 @@
     </p:spTree>
     <p:extLst>
       <p:ext uri="{BB962C8B-B14F-4D97-AF65-F5344CB8AC3E}">
-        <p14:creationId xmlns:p14="http://schemas.microsoft.com/office/powerpoint/2010/main" xmlns="" val="2844962143"/>
+        <p14:creationId xmlns:p14="http://schemas.microsoft.com/office/powerpoint/2010/main" val="2844962143"/>
       </p:ext>
     </p:extLst>
   </p:cSld>
@@ -6350,7 +6372,7 @@
           <p:cNvPr id="2" name="Título 1">
             <a:extLst>
               <a:ext uri="{FF2B5EF4-FFF2-40B4-BE49-F238E27FC236}">
-                <a16:creationId xmlns:a16="http://schemas.microsoft.com/office/drawing/2014/main" xmlns="" id="{9FE52B98-D91F-461E-A2FC-8EA927408B7E}"/>
+                <a16:creationId xmlns:a16="http://schemas.microsoft.com/office/drawing/2014/main" id="{9FE52B98-D91F-461E-A2FC-8EA927408B7E}"/>
               </a:ext>
             </a:extLst>
           </p:cNvPr>
@@ -6390,7 +6412,7 @@
           <p:cNvPr id="5" name="Marcador de contenido 4">
             <a:extLst>
               <a:ext uri="{FF2B5EF4-FFF2-40B4-BE49-F238E27FC236}">
-                <a16:creationId xmlns:a16="http://schemas.microsoft.com/office/drawing/2014/main" xmlns="" id="{A60F805A-1BA5-4F47-A9AA-DB758A2386CE}"/>
+                <a16:creationId xmlns:a16="http://schemas.microsoft.com/office/drawing/2014/main" id="{A60F805A-1BA5-4F47-A9AA-DB758A2386CE}"/>
               </a:ext>
             </a:extLst>
           </p:cNvPr>
@@ -6405,7 +6427,7 @@
           <a:blip r:embed="rId2" cstate="print">
             <a:extLst>
               <a:ext uri="{28A0092B-C50C-407E-A947-70E740481C1C}">
-                <a14:useLocalDpi xmlns:a14="http://schemas.microsoft.com/office/drawing/2010/main" xmlns="" val="0"/>
+                <a14:useLocalDpi xmlns:a14="http://schemas.microsoft.com/office/drawing/2010/main" val="0"/>
               </a:ext>
             </a:extLst>
           </a:blip>
@@ -6425,7 +6447,7 @@
           <p:cNvPr id="6" name="CuadroTexto 5">
             <a:extLst>
               <a:ext uri="{FF2B5EF4-FFF2-40B4-BE49-F238E27FC236}">
-                <a16:creationId xmlns:a16="http://schemas.microsoft.com/office/drawing/2014/main" xmlns="" id="{87EBCACE-EECB-49A5-9276-011B1AD5574E}"/>
+                <a16:creationId xmlns:a16="http://schemas.microsoft.com/office/drawing/2014/main" id="{87EBCACE-EECB-49A5-9276-011B1AD5574E}"/>
               </a:ext>
             </a:extLst>
           </p:cNvPr>
@@ -6466,7 +6488,7 @@
     </p:spTree>
     <p:extLst>
       <p:ext uri="{BB962C8B-B14F-4D97-AF65-F5344CB8AC3E}">
-        <p14:creationId xmlns:p14="http://schemas.microsoft.com/office/powerpoint/2010/main" xmlns="" val="4073422291"/>
+        <p14:creationId xmlns:p14="http://schemas.microsoft.com/office/powerpoint/2010/main" val="4073422291"/>
       </p:ext>
     </p:extLst>
   </p:cSld>
@@ -6498,7 +6520,7 @@
           <p:cNvPr id="5" name="Marcador de contenido 4">
             <a:extLst>
               <a:ext uri="{FF2B5EF4-FFF2-40B4-BE49-F238E27FC236}">
-                <a16:creationId xmlns:a16="http://schemas.microsoft.com/office/drawing/2014/main" xmlns="" id="{1965555F-581B-4685-9274-D2BE54AABFA6}"/>
+                <a16:creationId xmlns:a16="http://schemas.microsoft.com/office/drawing/2014/main" id="{1965555F-581B-4685-9274-D2BE54AABFA6}"/>
               </a:ext>
             </a:extLst>
           </p:cNvPr>
@@ -6513,7 +6535,7 @@
           <a:blip r:embed="rId2" cstate="print">
             <a:extLst>
               <a:ext uri="{28A0092B-C50C-407E-A947-70E740481C1C}">
-                <a14:useLocalDpi xmlns:a14="http://schemas.microsoft.com/office/drawing/2010/main" xmlns="" val="0"/>
+                <a14:useLocalDpi xmlns:a14="http://schemas.microsoft.com/office/drawing/2010/main" val="0"/>
               </a:ext>
             </a:extLst>
           </a:blip>
@@ -6533,7 +6555,7 @@
           <p:cNvPr id="8" name="Título 1">
             <a:extLst>
               <a:ext uri="{FF2B5EF4-FFF2-40B4-BE49-F238E27FC236}">
-                <a16:creationId xmlns:a16="http://schemas.microsoft.com/office/drawing/2014/main" xmlns="" id="{6DDF33C2-BAE7-4F0B-88B9-6D70C96ADCEB}"/>
+                <a16:creationId xmlns:a16="http://schemas.microsoft.com/office/drawing/2014/main" id="{6DDF33C2-BAE7-4F0B-88B9-6D70C96ADCEB}"/>
               </a:ext>
             </a:extLst>
           </p:cNvPr>
@@ -6573,7 +6595,7 @@
           <p:cNvPr id="9" name="CuadroTexto 8">
             <a:extLst>
               <a:ext uri="{FF2B5EF4-FFF2-40B4-BE49-F238E27FC236}">
-                <a16:creationId xmlns:a16="http://schemas.microsoft.com/office/drawing/2014/main" xmlns="" id="{DAD1FFD1-9535-40B7-BEBB-F0D4B68219C9}"/>
+                <a16:creationId xmlns:a16="http://schemas.microsoft.com/office/drawing/2014/main" id="{DAD1FFD1-9535-40B7-BEBB-F0D4B68219C9}"/>
               </a:ext>
             </a:extLst>
           </p:cNvPr>
@@ -6607,7 +6629,7 @@
     </p:spTree>
     <p:extLst>
       <p:ext uri="{BB962C8B-B14F-4D97-AF65-F5344CB8AC3E}">
-        <p14:creationId xmlns:p14="http://schemas.microsoft.com/office/powerpoint/2010/main" xmlns="" val="3363499208"/>
+        <p14:creationId xmlns:p14="http://schemas.microsoft.com/office/powerpoint/2010/main" val="3363499208"/>
       </p:ext>
     </p:extLst>
   </p:cSld>
@@ -6639,7 +6661,7 @@
           <p:cNvPr id="5" name="Marcador de contenido 4">
             <a:extLst>
               <a:ext uri="{FF2B5EF4-FFF2-40B4-BE49-F238E27FC236}">
-                <a16:creationId xmlns:a16="http://schemas.microsoft.com/office/drawing/2014/main" xmlns="" id="{AAED34D4-8C4A-489D-A070-242F7AFA439C}"/>
+                <a16:creationId xmlns:a16="http://schemas.microsoft.com/office/drawing/2014/main" id="{AAED34D4-8C4A-489D-A070-242F7AFA439C}"/>
               </a:ext>
             </a:extLst>
           </p:cNvPr>
@@ -6654,7 +6676,7 @@
           <a:blip r:embed="rId2" cstate="print">
             <a:extLst>
               <a:ext uri="{28A0092B-C50C-407E-A947-70E740481C1C}">
-                <a14:useLocalDpi xmlns:a14="http://schemas.microsoft.com/office/drawing/2010/main" xmlns="" val="0"/>
+                <a14:useLocalDpi xmlns:a14="http://schemas.microsoft.com/office/drawing/2010/main" val="0"/>
               </a:ext>
             </a:extLst>
           </a:blip>
@@ -6674,7 +6696,7 @@
           <p:cNvPr id="8" name="Título 1">
             <a:extLst>
               <a:ext uri="{FF2B5EF4-FFF2-40B4-BE49-F238E27FC236}">
-                <a16:creationId xmlns:a16="http://schemas.microsoft.com/office/drawing/2014/main" xmlns="" id="{78C8A824-878F-4CF4-BEDB-31869F6E49AE}"/>
+                <a16:creationId xmlns:a16="http://schemas.microsoft.com/office/drawing/2014/main" id="{78C8A824-878F-4CF4-BEDB-31869F6E49AE}"/>
               </a:ext>
             </a:extLst>
           </p:cNvPr>
@@ -6714,7 +6736,7 @@
           <p:cNvPr id="10" name="CuadroTexto 9">
             <a:extLst>
               <a:ext uri="{FF2B5EF4-FFF2-40B4-BE49-F238E27FC236}">
-                <a16:creationId xmlns:a16="http://schemas.microsoft.com/office/drawing/2014/main" xmlns="" id="{6ACDB81B-B655-4511-AA31-DA6141D9D2A3}"/>
+                <a16:creationId xmlns:a16="http://schemas.microsoft.com/office/drawing/2014/main" id="{6ACDB81B-B655-4511-AA31-DA6141D9D2A3}"/>
               </a:ext>
             </a:extLst>
           </p:cNvPr>
@@ -6748,7 +6770,7 @@
     </p:spTree>
     <p:extLst>
       <p:ext uri="{BB962C8B-B14F-4D97-AF65-F5344CB8AC3E}">
-        <p14:creationId xmlns:p14="http://schemas.microsoft.com/office/powerpoint/2010/main" xmlns="" val="3190186267"/>
+        <p14:creationId xmlns:p14="http://schemas.microsoft.com/office/powerpoint/2010/main" val="3190186267"/>
       </p:ext>
     </p:extLst>
   </p:cSld>
@@ -6780,7 +6802,7 @@
           <p:cNvPr id="5" name="Marcador de contenido 4">
             <a:extLst>
               <a:ext uri="{FF2B5EF4-FFF2-40B4-BE49-F238E27FC236}">
-                <a16:creationId xmlns:a16="http://schemas.microsoft.com/office/drawing/2014/main" xmlns="" id="{AC2D9BEC-7342-495D-AFEC-79803514D955}"/>
+                <a16:creationId xmlns:a16="http://schemas.microsoft.com/office/drawing/2014/main" id="{AC2D9BEC-7342-495D-AFEC-79803514D955}"/>
               </a:ext>
             </a:extLst>
           </p:cNvPr>
@@ -6795,7 +6817,7 @@
           <a:blip r:embed="rId2" cstate="print">
             <a:extLst>
               <a:ext uri="{28A0092B-C50C-407E-A947-70E740481C1C}">
-                <a14:useLocalDpi xmlns:a14="http://schemas.microsoft.com/office/drawing/2010/main" xmlns="" val="0"/>
+                <a14:useLocalDpi xmlns:a14="http://schemas.microsoft.com/office/drawing/2010/main" val="0"/>
               </a:ext>
             </a:extLst>
           </a:blip>
@@ -6815,7 +6837,7 @@
           <p:cNvPr id="6" name="Título 1">
             <a:extLst>
               <a:ext uri="{FF2B5EF4-FFF2-40B4-BE49-F238E27FC236}">
-                <a16:creationId xmlns:a16="http://schemas.microsoft.com/office/drawing/2014/main" xmlns="" id="{D4368A4F-4A18-4615-B632-D5E6A96E775A}"/>
+                <a16:creationId xmlns:a16="http://schemas.microsoft.com/office/drawing/2014/main" id="{D4368A4F-4A18-4615-B632-D5E6A96E775A}"/>
               </a:ext>
             </a:extLst>
           </p:cNvPr>
@@ -6855,7 +6877,7 @@
           <p:cNvPr id="8" name="CuadroTexto 7">
             <a:extLst>
               <a:ext uri="{FF2B5EF4-FFF2-40B4-BE49-F238E27FC236}">
-                <a16:creationId xmlns:a16="http://schemas.microsoft.com/office/drawing/2014/main" xmlns="" id="{A529F5CE-55C5-4C69-B273-21614E63B638}"/>
+                <a16:creationId xmlns:a16="http://schemas.microsoft.com/office/drawing/2014/main" id="{A529F5CE-55C5-4C69-B273-21614E63B638}"/>
               </a:ext>
             </a:extLst>
           </p:cNvPr>
@@ -6888,7 +6910,7 @@
     </p:spTree>
     <p:extLst>
       <p:ext uri="{BB962C8B-B14F-4D97-AF65-F5344CB8AC3E}">
-        <p14:creationId xmlns:p14="http://schemas.microsoft.com/office/powerpoint/2010/main" xmlns="" val="1893446835"/>
+        <p14:creationId xmlns:p14="http://schemas.microsoft.com/office/powerpoint/2010/main" val="1893446835"/>
       </p:ext>
     </p:extLst>
   </p:cSld>
@@ -6920,7 +6942,7 @@
           <p:cNvPr id="4" name="Título 1">
             <a:extLst>
               <a:ext uri="{FF2B5EF4-FFF2-40B4-BE49-F238E27FC236}">
-                <a16:creationId xmlns:a16="http://schemas.microsoft.com/office/drawing/2014/main" xmlns="" id="{6BF97EBE-CBAF-44D0-814A-EEE9926D2C48}"/>
+                <a16:creationId xmlns:a16="http://schemas.microsoft.com/office/drawing/2014/main" id="{6BF97EBE-CBAF-44D0-814A-EEE9926D2C48}"/>
               </a:ext>
             </a:extLst>
           </p:cNvPr>
@@ -7006,63 +7028,63 @@
           <a:lstStyle/>
           <a:p>
             <a:r>
-              <a:rPr lang="es-ES" sz="2400" b="1" dirty="0" smtClean="0"/>
+              <a:rPr lang="es-ES" sz="2400" b="1" dirty="0"/>
               <a:t>Trabajo de investigación expuesto en  </a:t>
             </a:r>
             <a:r>
-              <a:rPr lang="es-ES" sz="2400" b="1" i="1" dirty="0" smtClean="0"/>
+              <a:rPr lang="es-ES" sz="2400" b="1" i="1" dirty="0"/>
               <a:t>International </a:t>
             </a:r>
             <a:r>
-              <a:rPr lang="es-ES" sz="2400" b="1" i="1" dirty="0" err="1" smtClean="0"/>
+              <a:rPr lang="es-ES" sz="2400" b="1" i="1" dirty="0" err="1"/>
               <a:t>Journal</a:t>
             </a:r>
             <a:r>
-              <a:rPr lang="es-ES" sz="2400" b="1" i="1" dirty="0" smtClean="0"/>
+              <a:rPr lang="es-ES" sz="2400" b="1" i="1" dirty="0"/>
               <a:t> of </a:t>
             </a:r>
             <a:r>
-              <a:rPr lang="es-ES" sz="2400" b="1" i="1" dirty="0" err="1" smtClean="0"/>
+              <a:rPr lang="es-ES" sz="2400" b="1" i="1" dirty="0" err="1"/>
               <a:t>Advanced</a:t>
             </a:r>
             <a:r>
-              <a:rPr lang="es-ES" sz="2400" b="1" i="1" dirty="0" smtClean="0"/>
+              <a:rPr lang="es-ES" sz="2400" b="1" i="1" dirty="0"/>
               <a:t> </a:t>
             </a:r>
             <a:r>
-              <a:rPr lang="es-ES" sz="2400" b="1" i="1" dirty="0" err="1" smtClean="0"/>
+              <a:rPr lang="es-ES" sz="2400" b="1" i="1" dirty="0" err="1"/>
               <a:t>Research</a:t>
             </a:r>
             <a:r>
-              <a:rPr lang="es-ES" sz="2400" b="1" i="1" dirty="0" smtClean="0"/>
+              <a:rPr lang="es-ES" sz="2400" b="1" i="1" dirty="0"/>
               <a:t> in </a:t>
             </a:r>
             <a:r>
-              <a:rPr lang="es-ES" sz="2400" b="1" i="1" dirty="0" err="1" smtClean="0"/>
+              <a:rPr lang="es-ES" sz="2400" b="1" i="1" dirty="0" err="1"/>
               <a:t>Computer</a:t>
             </a:r>
             <a:r>
-              <a:rPr lang="es-ES" sz="2400" b="1" i="1" dirty="0" smtClean="0"/>
+              <a:rPr lang="es-ES" sz="2400" b="1" i="1" dirty="0"/>
               <a:t> </a:t>
             </a:r>
             <a:r>
-              <a:rPr lang="es-ES" sz="2400" b="1" i="1" dirty="0" err="1" smtClean="0"/>
+              <a:rPr lang="es-ES" sz="2400" b="1" i="1" dirty="0" err="1"/>
               <a:t>Engineering</a:t>
             </a:r>
             <a:r>
-              <a:rPr lang="es-ES" sz="2400" b="1" i="1" dirty="0" smtClean="0"/>
+              <a:rPr lang="es-ES" sz="2400" b="1" i="1" dirty="0"/>
               <a:t> &amp; </a:t>
             </a:r>
             <a:r>
-              <a:rPr lang="es-ES" sz="2400" b="1" i="1" dirty="0" err="1" smtClean="0"/>
+              <a:rPr lang="es-ES" sz="2400" b="1" i="1" dirty="0" err="1"/>
               <a:t>Technology</a:t>
             </a:r>
             <a:r>
-              <a:rPr lang="es-ES" sz="2400" b="1" i="1" dirty="0" smtClean="0"/>
+              <a:rPr lang="es-ES" sz="2400" b="1" i="1" dirty="0"/>
               <a:t> </a:t>
             </a:r>
             <a:r>
-              <a:rPr lang="es-ES" sz="2400" b="1" dirty="0" smtClean="0"/>
+              <a:rPr lang="es-ES" sz="2400" b="1" dirty="0"/>
               <a:t>(IJARCET)</a:t>
             </a:r>
             <a:endParaRPr lang="es-ES" sz="2400" b="1" i="1" dirty="0"/>
@@ -7072,7 +7094,7 @@
     </p:spTree>
     <p:extLst>
       <p:ext uri="{BB962C8B-B14F-4D97-AF65-F5344CB8AC3E}">
-        <p14:creationId xmlns:p14="http://schemas.microsoft.com/office/powerpoint/2010/main" xmlns="" val="3542186442"/>
+        <p14:creationId xmlns:p14="http://schemas.microsoft.com/office/powerpoint/2010/main" val="3542186442"/>
       </p:ext>
     </p:extLst>
   </p:cSld>
@@ -7104,7 +7126,7 @@
           <p:cNvPr id="4" name="Título 1">
             <a:extLst>
               <a:ext uri="{FF2B5EF4-FFF2-40B4-BE49-F238E27FC236}">
-                <a16:creationId xmlns:a16="http://schemas.microsoft.com/office/drawing/2014/main" xmlns="" id="{6BF97EBE-CBAF-44D0-814A-EEE9926D2C48}"/>
+                <a16:creationId xmlns:a16="http://schemas.microsoft.com/office/drawing/2014/main" id="{6BF97EBE-CBAF-44D0-814A-EEE9926D2C48}"/>
               </a:ext>
             </a:extLst>
           </p:cNvPr>
@@ -7190,17 +7212,16 @@
           <a:lstStyle/>
           <a:p>
             <a:r>
-              <a:rPr lang="es-ES" sz="2800" b="1" dirty="0" smtClean="0"/>
+              <a:rPr lang="es-ES" sz="2800" b="1" dirty="0"/>
               <a:t>Libro de seguridad informática utilizado para certificados de profesionalidad</a:t>
             </a:r>
-            <a:endParaRPr lang="es-ES" sz="2800" b="1" dirty="0"/>
           </a:p>
         </p:txBody>
       </p:sp>
     </p:spTree>
     <p:extLst>
       <p:ext uri="{BB962C8B-B14F-4D97-AF65-F5344CB8AC3E}">
-        <p14:creationId xmlns:p14="http://schemas.microsoft.com/office/powerpoint/2010/main" xmlns="" val="2764739611"/>
+        <p14:creationId xmlns:p14="http://schemas.microsoft.com/office/powerpoint/2010/main" val="2764739611"/>
       </p:ext>
     </p:extLst>
   </p:cSld>
@@ -7232,7 +7253,7 @@
           <p:cNvPr id="2" name="Título 1">
             <a:extLst>
               <a:ext uri="{FF2B5EF4-FFF2-40B4-BE49-F238E27FC236}">
-                <a16:creationId xmlns:a16="http://schemas.microsoft.com/office/drawing/2014/main" xmlns="" id="{27CE5748-96E8-4F47-9111-1E280B70EEB0}"/>
+                <a16:creationId xmlns:a16="http://schemas.microsoft.com/office/drawing/2014/main" id="{27CE5748-96E8-4F47-9111-1E280B70EEB0}"/>
               </a:ext>
             </a:extLst>
           </p:cNvPr>
@@ -7264,7 +7285,7 @@
           <p:cNvPr id="5" name="Marcador de contenido 4">
             <a:extLst>
               <a:ext uri="{FF2B5EF4-FFF2-40B4-BE49-F238E27FC236}">
-                <a16:creationId xmlns:a16="http://schemas.microsoft.com/office/drawing/2014/main" xmlns="" id="{FD668333-E21A-4105-9DC8-202A0D4EB723}"/>
+                <a16:creationId xmlns:a16="http://schemas.microsoft.com/office/drawing/2014/main" id="{FD668333-E21A-4105-9DC8-202A0D4EB723}"/>
               </a:ext>
             </a:extLst>
           </p:cNvPr>
@@ -7279,7 +7300,7 @@
           <a:blip r:embed="rId2" cstate="print">
             <a:extLst>
               <a:ext uri="{28A0092B-C50C-407E-A947-70E740481C1C}">
-                <a14:useLocalDpi xmlns:a14="http://schemas.microsoft.com/office/drawing/2010/main" xmlns="" val="0"/>
+                <a14:useLocalDpi xmlns:a14="http://schemas.microsoft.com/office/drawing/2010/main" val="0"/>
               </a:ext>
             </a:extLst>
           </a:blip>
@@ -7299,7 +7320,7 @@
           <p:cNvPr id="6" name="CuadroTexto 5">
             <a:extLst>
               <a:ext uri="{FF2B5EF4-FFF2-40B4-BE49-F238E27FC236}">
-                <a16:creationId xmlns:a16="http://schemas.microsoft.com/office/drawing/2014/main" xmlns="" id="{67AEA6FD-79EC-49C7-9C40-44EA187C829D}"/>
+                <a16:creationId xmlns:a16="http://schemas.microsoft.com/office/drawing/2014/main" id="{67AEA6FD-79EC-49C7-9C40-44EA187C829D}"/>
               </a:ext>
             </a:extLst>
           </p:cNvPr>
@@ -7340,7 +7361,7 @@
     </p:spTree>
     <p:extLst>
       <p:ext uri="{BB962C8B-B14F-4D97-AF65-F5344CB8AC3E}">
-        <p14:creationId xmlns:p14="http://schemas.microsoft.com/office/powerpoint/2010/main" xmlns="" val="325247903"/>
+        <p14:creationId xmlns:p14="http://schemas.microsoft.com/office/powerpoint/2010/main" val="325247903"/>
       </p:ext>
     </p:extLst>
   </p:cSld>
@@ -7372,7 +7393,7 @@
           <p:cNvPr id="2" name="Título 1">
             <a:extLst>
               <a:ext uri="{FF2B5EF4-FFF2-40B4-BE49-F238E27FC236}">
-                <a16:creationId xmlns:a16="http://schemas.microsoft.com/office/drawing/2014/main" xmlns="" id="{27CE5748-96E8-4F47-9111-1E280B70EEB0}"/>
+                <a16:creationId xmlns:a16="http://schemas.microsoft.com/office/drawing/2014/main" id="{27CE5748-96E8-4F47-9111-1E280B70EEB0}"/>
               </a:ext>
             </a:extLst>
           </p:cNvPr>
@@ -7404,7 +7425,7 @@
           <p:cNvPr id="4" name="Imagen 3">
             <a:extLst>
               <a:ext uri="{FF2B5EF4-FFF2-40B4-BE49-F238E27FC236}">
-                <a16:creationId xmlns:a16="http://schemas.microsoft.com/office/drawing/2014/main" xmlns="" id="{A8718A1D-D8AB-454D-80C0-7D15DB67F621}"/>
+                <a16:creationId xmlns:a16="http://schemas.microsoft.com/office/drawing/2014/main" id="{A8718A1D-D8AB-454D-80C0-7D15DB67F621}"/>
               </a:ext>
             </a:extLst>
           </p:cNvPr>
@@ -7417,7 +7438,7 @@
           <a:blip r:embed="rId2" cstate="print">
             <a:extLst>
               <a:ext uri="{28A0092B-C50C-407E-A947-70E740481C1C}">
-                <a14:useLocalDpi xmlns:a14="http://schemas.microsoft.com/office/drawing/2010/main" xmlns="" val="0"/>
+                <a14:useLocalDpi xmlns:a14="http://schemas.microsoft.com/office/drawing/2010/main" val="0"/>
               </a:ext>
             </a:extLst>
           </a:blip>
@@ -7440,7 +7461,7 @@
           <p:cNvPr id="9" name="CuadroTexto 8">
             <a:extLst>
               <a:ext uri="{FF2B5EF4-FFF2-40B4-BE49-F238E27FC236}">
-                <a16:creationId xmlns:a16="http://schemas.microsoft.com/office/drawing/2014/main" xmlns="" id="{477A0A18-CCFB-47CD-B77C-D9415B255EC6}"/>
+                <a16:creationId xmlns:a16="http://schemas.microsoft.com/office/drawing/2014/main" id="{477A0A18-CCFB-47CD-B77C-D9415B255EC6}"/>
               </a:ext>
             </a:extLst>
           </p:cNvPr>
@@ -7473,7 +7494,7 @@
     </p:spTree>
     <p:extLst>
       <p:ext uri="{BB962C8B-B14F-4D97-AF65-F5344CB8AC3E}">
-        <p14:creationId xmlns:p14="http://schemas.microsoft.com/office/powerpoint/2010/main" xmlns="" val="2946313479"/>
+        <p14:creationId xmlns:p14="http://schemas.microsoft.com/office/powerpoint/2010/main" val="2946313479"/>
       </p:ext>
     </p:extLst>
   </p:cSld>
@@ -7505,7 +7526,7 @@
           <p:cNvPr id="2" name="Título 1">
             <a:extLst>
               <a:ext uri="{FF2B5EF4-FFF2-40B4-BE49-F238E27FC236}">
-                <a16:creationId xmlns:a16="http://schemas.microsoft.com/office/drawing/2014/main" xmlns="" id="{27CE5748-96E8-4F47-9111-1E280B70EEB0}"/>
+                <a16:creationId xmlns:a16="http://schemas.microsoft.com/office/drawing/2014/main" id="{27CE5748-96E8-4F47-9111-1E280B70EEB0}"/>
               </a:ext>
             </a:extLst>
           </p:cNvPr>
@@ -7537,7 +7558,7 @@
           <p:cNvPr id="9" name="CuadroTexto 8">
             <a:extLst>
               <a:ext uri="{FF2B5EF4-FFF2-40B4-BE49-F238E27FC236}">
-                <a16:creationId xmlns:a16="http://schemas.microsoft.com/office/drawing/2014/main" xmlns="" id="{477A0A18-CCFB-47CD-B77C-D9415B255EC6}"/>
+                <a16:creationId xmlns:a16="http://schemas.microsoft.com/office/drawing/2014/main" id="{477A0A18-CCFB-47CD-B77C-D9415B255EC6}"/>
               </a:ext>
             </a:extLst>
           </p:cNvPr>
@@ -7572,7 +7593,7 @@
           <p:cNvPr id="5" name="Imagen 4">
             <a:extLst>
               <a:ext uri="{FF2B5EF4-FFF2-40B4-BE49-F238E27FC236}">
-                <a16:creationId xmlns:a16="http://schemas.microsoft.com/office/drawing/2014/main" xmlns="" id="{5A0562ED-38A5-4AEB-910A-1D355A69665B}"/>
+                <a16:creationId xmlns:a16="http://schemas.microsoft.com/office/drawing/2014/main" id="{5A0562ED-38A5-4AEB-910A-1D355A69665B}"/>
               </a:ext>
             </a:extLst>
           </p:cNvPr>
@@ -7585,7 +7606,7 @@
           <a:blip r:embed="rId2" cstate="print">
             <a:extLst>
               <a:ext uri="{28A0092B-C50C-407E-A947-70E740481C1C}">
-                <a14:useLocalDpi xmlns:a14="http://schemas.microsoft.com/office/drawing/2010/main" xmlns="" val="0"/>
+                <a14:useLocalDpi xmlns:a14="http://schemas.microsoft.com/office/drawing/2010/main" val="0"/>
               </a:ext>
             </a:extLst>
           </a:blip>
@@ -7606,7 +7627,7 @@
     </p:spTree>
     <p:extLst>
       <p:ext uri="{BB962C8B-B14F-4D97-AF65-F5344CB8AC3E}">
-        <p14:creationId xmlns:p14="http://schemas.microsoft.com/office/powerpoint/2010/main" xmlns="" val="2184460929"/>
+        <p14:creationId xmlns:p14="http://schemas.microsoft.com/office/powerpoint/2010/main" val="2184460929"/>
       </p:ext>
     </p:extLst>
   </p:cSld>
@@ -7638,7 +7659,7 @@
           <p:cNvPr id="2" name="Título 1">
             <a:extLst>
               <a:ext uri="{FF2B5EF4-FFF2-40B4-BE49-F238E27FC236}">
-                <a16:creationId xmlns:a16="http://schemas.microsoft.com/office/drawing/2014/main" xmlns="" id="{FBD9E5A4-5370-4DA9-A647-51FE54C60D94}"/>
+                <a16:creationId xmlns:a16="http://schemas.microsoft.com/office/drawing/2014/main" id="{FBD9E5A4-5370-4DA9-A647-51FE54C60D94}"/>
               </a:ext>
             </a:extLst>
           </p:cNvPr>
@@ -7656,31 +7677,15 @@
           </a:bodyPr>
           <a:lstStyle/>
           <a:p>
-            <a:r>
-              <a:rPr lang="es-ES" sz="4800" b="1" dirty="0"/>
-              <a:t/>
-            </a:r>
             <a:br>
               <a:rPr lang="es-ES" sz="4800" b="1" dirty="0"/>
             </a:br>
-            <a:r>
-              <a:rPr lang="es-ES" sz="4800" b="1" dirty="0"/>
-              <a:t/>
-            </a:r>
             <a:br>
               <a:rPr lang="es-ES" sz="4800" b="1" dirty="0"/>
             </a:br>
-            <a:r>
-              <a:rPr lang="es-ES" sz="4800" b="1" dirty="0"/>
-              <a:t/>
-            </a:r>
             <a:br>
               <a:rPr lang="es-ES" sz="4800" b="1" dirty="0"/>
             </a:br>
-            <a:r>
-              <a:rPr lang="es-ES" sz="4800" b="1" dirty="0"/>
-              <a:t/>
-            </a:r>
             <a:br>
               <a:rPr lang="es-ES" sz="4800" b="1" dirty="0"/>
             </a:br>
@@ -7695,7 +7700,7 @@
     </p:spTree>
     <p:extLst>
       <p:ext uri="{BB962C8B-B14F-4D97-AF65-F5344CB8AC3E}">
-        <p14:creationId xmlns:p14="http://schemas.microsoft.com/office/powerpoint/2010/main" xmlns="" val="33740604"/>
+        <p14:creationId xmlns:p14="http://schemas.microsoft.com/office/powerpoint/2010/main" val="33740604"/>
       </p:ext>
     </p:extLst>
   </p:cSld>
@@ -7727,7 +7732,7 @@
           <p:cNvPr id="2" name="Título 1">
             <a:extLst>
               <a:ext uri="{FF2B5EF4-FFF2-40B4-BE49-F238E27FC236}">
-                <a16:creationId xmlns:a16="http://schemas.microsoft.com/office/drawing/2014/main" xmlns="" id="{DB459F96-5400-4565-B30E-CC0BF103DD59}"/>
+                <a16:creationId xmlns:a16="http://schemas.microsoft.com/office/drawing/2014/main" id="{DB459F96-5400-4565-B30E-CC0BF103DD59}"/>
               </a:ext>
             </a:extLst>
           </p:cNvPr>
@@ -7760,7 +7765,7 @@
           <p:cNvPr id="3" name="Marcador de contenido 2">
             <a:extLst>
               <a:ext uri="{FF2B5EF4-FFF2-40B4-BE49-F238E27FC236}">
-                <a16:creationId xmlns:a16="http://schemas.microsoft.com/office/drawing/2014/main" xmlns="" id="{6515217E-89DA-4B09-8EC9-0410A63694F9}"/>
+                <a16:creationId xmlns:a16="http://schemas.microsoft.com/office/drawing/2014/main" id="{6515217E-89DA-4B09-8EC9-0410A63694F9}"/>
               </a:ext>
             </a:extLst>
           </p:cNvPr>
@@ -7929,7 +7934,7 @@
     </p:spTree>
     <p:extLst>
       <p:ext uri="{BB962C8B-B14F-4D97-AF65-F5344CB8AC3E}">
-        <p14:creationId xmlns:p14="http://schemas.microsoft.com/office/powerpoint/2010/main" xmlns="" val="1499922670"/>
+        <p14:creationId xmlns:p14="http://schemas.microsoft.com/office/powerpoint/2010/main" val="1499922670"/>
       </p:ext>
     </p:extLst>
   </p:cSld>
@@ -7961,7 +7966,7 @@
           <p:cNvPr id="5" name="Marcador de contenido 4">
             <a:extLst>
               <a:ext uri="{FF2B5EF4-FFF2-40B4-BE49-F238E27FC236}">
-                <a16:creationId xmlns:a16="http://schemas.microsoft.com/office/drawing/2014/main" xmlns="" id="{C60E4B72-A122-4EBF-8C57-D26F410C13F1}"/>
+                <a16:creationId xmlns:a16="http://schemas.microsoft.com/office/drawing/2014/main" id="{C60E4B72-A122-4EBF-8C57-D26F410C13F1}"/>
               </a:ext>
             </a:extLst>
           </p:cNvPr>
@@ -7976,7 +7981,7 @@
           <a:blip r:embed="rId2" cstate="print">
             <a:extLst>
               <a:ext uri="{28A0092B-C50C-407E-A947-70E740481C1C}">
-                <a14:useLocalDpi xmlns:a14="http://schemas.microsoft.com/office/drawing/2010/main" xmlns="" val="0"/>
+                <a14:useLocalDpi xmlns:a14="http://schemas.microsoft.com/office/drawing/2010/main" val="0"/>
               </a:ext>
             </a:extLst>
           </a:blip>
@@ -7996,7 +8001,7 @@
           <p:cNvPr id="8" name="Título 1">
             <a:extLst>
               <a:ext uri="{FF2B5EF4-FFF2-40B4-BE49-F238E27FC236}">
-                <a16:creationId xmlns:a16="http://schemas.microsoft.com/office/drawing/2014/main" xmlns="" id="{838AE204-C6DD-4B2D-AB01-E442527CDB2F}"/>
+                <a16:creationId xmlns:a16="http://schemas.microsoft.com/office/drawing/2014/main" id="{838AE204-C6DD-4B2D-AB01-E442527CDB2F}"/>
               </a:ext>
             </a:extLst>
           </p:cNvPr>
@@ -8031,7 +8036,7 @@
           <p:cNvPr id="9" name="CuadroTexto 8">
             <a:extLst>
               <a:ext uri="{FF2B5EF4-FFF2-40B4-BE49-F238E27FC236}">
-                <a16:creationId xmlns:a16="http://schemas.microsoft.com/office/drawing/2014/main" xmlns="" id="{95E1959A-94D3-49A0-8F48-B893C53CDC72}"/>
+                <a16:creationId xmlns:a16="http://schemas.microsoft.com/office/drawing/2014/main" id="{95E1959A-94D3-49A0-8F48-B893C53CDC72}"/>
               </a:ext>
             </a:extLst>
           </p:cNvPr>
@@ -8064,7 +8069,7 @@
     </p:spTree>
     <p:extLst>
       <p:ext uri="{BB962C8B-B14F-4D97-AF65-F5344CB8AC3E}">
-        <p14:creationId xmlns:p14="http://schemas.microsoft.com/office/powerpoint/2010/main" xmlns="" val="1890834230"/>
+        <p14:creationId xmlns:p14="http://schemas.microsoft.com/office/powerpoint/2010/main" val="1890834230"/>
       </p:ext>
     </p:extLst>
   </p:cSld>
@@ -8096,7 +8101,7 @@
           <p:cNvPr id="8" name="Título 1">
             <a:extLst>
               <a:ext uri="{FF2B5EF4-FFF2-40B4-BE49-F238E27FC236}">
-                <a16:creationId xmlns:a16="http://schemas.microsoft.com/office/drawing/2014/main" xmlns="" id="{838AE204-C6DD-4B2D-AB01-E442527CDB2F}"/>
+                <a16:creationId xmlns:a16="http://schemas.microsoft.com/office/drawing/2014/main" id="{838AE204-C6DD-4B2D-AB01-E442527CDB2F}"/>
               </a:ext>
             </a:extLst>
           </p:cNvPr>
@@ -8131,7 +8136,7 @@
           <p:cNvPr id="9" name="CuadroTexto 8">
             <a:extLst>
               <a:ext uri="{FF2B5EF4-FFF2-40B4-BE49-F238E27FC236}">
-                <a16:creationId xmlns:a16="http://schemas.microsoft.com/office/drawing/2014/main" xmlns="" id="{95E1959A-94D3-49A0-8F48-B893C53CDC72}"/>
+                <a16:creationId xmlns:a16="http://schemas.microsoft.com/office/drawing/2014/main" id="{95E1959A-94D3-49A0-8F48-B893C53CDC72}"/>
               </a:ext>
             </a:extLst>
           </p:cNvPr>
@@ -8166,7 +8171,7 @@
           <p:cNvPr id="6" name="Marcador de contenido 5">
             <a:extLst>
               <a:ext uri="{FF2B5EF4-FFF2-40B4-BE49-F238E27FC236}">
-                <a16:creationId xmlns:a16="http://schemas.microsoft.com/office/drawing/2014/main" xmlns="" id="{BEACF138-DC53-425D-9C15-62B86AA8FD2B}"/>
+                <a16:creationId xmlns:a16="http://schemas.microsoft.com/office/drawing/2014/main" id="{BEACF138-DC53-425D-9C15-62B86AA8FD2B}"/>
               </a:ext>
             </a:extLst>
           </p:cNvPr>
@@ -8181,7 +8186,7 @@
           <a:blip r:embed="rId2" cstate="print">
             <a:extLst>
               <a:ext uri="{28A0092B-C50C-407E-A947-70E740481C1C}">
-                <a14:useLocalDpi xmlns:a14="http://schemas.microsoft.com/office/drawing/2010/main" xmlns="" val="0"/>
+                <a14:useLocalDpi xmlns:a14="http://schemas.microsoft.com/office/drawing/2010/main" val="0"/>
               </a:ext>
             </a:extLst>
           </a:blip>
@@ -8199,7 +8204,7 @@
     </p:spTree>
     <p:extLst>
       <p:ext uri="{BB962C8B-B14F-4D97-AF65-F5344CB8AC3E}">
-        <p14:creationId xmlns:p14="http://schemas.microsoft.com/office/powerpoint/2010/main" xmlns="" val="818075824"/>
+        <p14:creationId xmlns:p14="http://schemas.microsoft.com/office/powerpoint/2010/main" val="818075824"/>
       </p:ext>
     </p:extLst>
   </p:cSld>
@@ -8231,7 +8236,7 @@
           <p:cNvPr id="8" name="Título 1">
             <a:extLst>
               <a:ext uri="{FF2B5EF4-FFF2-40B4-BE49-F238E27FC236}">
-                <a16:creationId xmlns:a16="http://schemas.microsoft.com/office/drawing/2014/main" xmlns="" id="{838AE204-C6DD-4B2D-AB01-E442527CDB2F}"/>
+                <a16:creationId xmlns:a16="http://schemas.microsoft.com/office/drawing/2014/main" id="{838AE204-C6DD-4B2D-AB01-E442527CDB2F}"/>
               </a:ext>
             </a:extLst>
           </p:cNvPr>
@@ -8266,7 +8271,7 @@
           <p:cNvPr id="9" name="CuadroTexto 8">
             <a:extLst>
               <a:ext uri="{FF2B5EF4-FFF2-40B4-BE49-F238E27FC236}">
-                <a16:creationId xmlns:a16="http://schemas.microsoft.com/office/drawing/2014/main" xmlns="" id="{95E1959A-94D3-49A0-8F48-B893C53CDC72}"/>
+                <a16:creationId xmlns:a16="http://schemas.microsoft.com/office/drawing/2014/main" id="{95E1959A-94D3-49A0-8F48-B893C53CDC72}"/>
               </a:ext>
             </a:extLst>
           </p:cNvPr>
@@ -8301,7 +8306,7 @@
           <p:cNvPr id="5" name="Marcador de contenido 4">
             <a:extLst>
               <a:ext uri="{FF2B5EF4-FFF2-40B4-BE49-F238E27FC236}">
-                <a16:creationId xmlns:a16="http://schemas.microsoft.com/office/drawing/2014/main" xmlns="" id="{77D9E8CA-0B3D-4CE8-98CB-4C95A1F11CEB}"/>
+                <a16:creationId xmlns:a16="http://schemas.microsoft.com/office/drawing/2014/main" id="{77D9E8CA-0B3D-4CE8-98CB-4C95A1F11CEB}"/>
               </a:ext>
             </a:extLst>
           </p:cNvPr>
@@ -8316,7 +8321,7 @@
           <a:blip r:embed="rId2" cstate="print">
             <a:extLst>
               <a:ext uri="{28A0092B-C50C-407E-A947-70E740481C1C}">
-                <a14:useLocalDpi xmlns:a14="http://schemas.microsoft.com/office/drawing/2010/main" xmlns="" val="0"/>
+                <a14:useLocalDpi xmlns:a14="http://schemas.microsoft.com/office/drawing/2010/main" val="0"/>
               </a:ext>
             </a:extLst>
           </a:blip>
@@ -8334,7 +8339,7 @@
     </p:spTree>
     <p:extLst>
       <p:ext uri="{BB962C8B-B14F-4D97-AF65-F5344CB8AC3E}">
-        <p14:creationId xmlns:p14="http://schemas.microsoft.com/office/powerpoint/2010/main" xmlns="" val="3786599913"/>
+        <p14:creationId xmlns:p14="http://schemas.microsoft.com/office/powerpoint/2010/main" val="3786599913"/>
       </p:ext>
     </p:extLst>
   </p:cSld>
@@ -8366,7 +8371,7 @@
           <p:cNvPr id="8" name="Título 1">
             <a:extLst>
               <a:ext uri="{FF2B5EF4-FFF2-40B4-BE49-F238E27FC236}">
-                <a16:creationId xmlns:a16="http://schemas.microsoft.com/office/drawing/2014/main" xmlns="" id="{838AE204-C6DD-4B2D-AB01-E442527CDB2F}"/>
+                <a16:creationId xmlns:a16="http://schemas.microsoft.com/office/drawing/2014/main" id="{838AE204-C6DD-4B2D-AB01-E442527CDB2F}"/>
               </a:ext>
             </a:extLst>
           </p:cNvPr>
@@ -8401,7 +8406,7 @@
           <p:cNvPr id="9" name="CuadroTexto 8">
             <a:extLst>
               <a:ext uri="{FF2B5EF4-FFF2-40B4-BE49-F238E27FC236}">
-                <a16:creationId xmlns:a16="http://schemas.microsoft.com/office/drawing/2014/main" xmlns="" id="{95E1959A-94D3-49A0-8F48-B893C53CDC72}"/>
+                <a16:creationId xmlns:a16="http://schemas.microsoft.com/office/drawing/2014/main" id="{95E1959A-94D3-49A0-8F48-B893C53CDC72}"/>
               </a:ext>
             </a:extLst>
           </p:cNvPr>
@@ -8436,7 +8441,7 @@
           <p:cNvPr id="6" name="Marcador de contenido 5">
             <a:extLst>
               <a:ext uri="{FF2B5EF4-FFF2-40B4-BE49-F238E27FC236}">
-                <a16:creationId xmlns:a16="http://schemas.microsoft.com/office/drawing/2014/main" xmlns="" id="{5C0C2E31-6AE0-4666-B0FB-10C1D37A8D7F}"/>
+                <a16:creationId xmlns:a16="http://schemas.microsoft.com/office/drawing/2014/main" id="{5C0C2E31-6AE0-4666-B0FB-10C1D37A8D7F}"/>
               </a:ext>
             </a:extLst>
           </p:cNvPr>
@@ -8451,7 +8456,7 @@
           <a:blip r:embed="rId2" cstate="print">
             <a:extLst>
               <a:ext uri="{28A0092B-C50C-407E-A947-70E740481C1C}">
-                <a14:useLocalDpi xmlns:a14="http://schemas.microsoft.com/office/drawing/2010/main" xmlns="" val="0"/>
+                <a14:useLocalDpi xmlns:a14="http://schemas.microsoft.com/office/drawing/2010/main" val="0"/>
               </a:ext>
             </a:extLst>
           </a:blip>
@@ -8469,7 +8474,7 @@
     </p:spTree>
     <p:extLst>
       <p:ext uri="{BB962C8B-B14F-4D97-AF65-F5344CB8AC3E}">
-        <p14:creationId xmlns:p14="http://schemas.microsoft.com/office/powerpoint/2010/main" xmlns="" val="1853866790"/>
+        <p14:creationId xmlns:p14="http://schemas.microsoft.com/office/powerpoint/2010/main" val="1853866790"/>
       </p:ext>
     </p:extLst>
   </p:cSld>
@@ -8498,7 +8503,13 @@
       </p:grpSpPr>
       <p:sp>
         <p:nvSpPr>
-          <p:cNvPr id="2" name="1 Título"/>
+          <p:cNvPr id="8" name="Título 1">
+            <a:extLst>
+              <a:ext uri="{FF2B5EF4-FFF2-40B4-BE49-F238E27FC236}">
+                <a16:creationId xmlns:a16="http://schemas.microsoft.com/office/drawing/2014/main" id="{838AE204-C6DD-4B2D-AB01-E442527CDB2F}"/>
+              </a:ext>
+            </a:extLst>
+          </p:cNvPr>
           <p:cNvSpPr>
             <a:spLocks noGrp="1"/>
           </p:cNvSpPr>
@@ -8506,35 +8517,107 @@
             <p:ph type="title"/>
           </p:nvPr>
         </p:nvSpPr>
-        <p:spPr/>
-        <p:txBody>
-          <a:bodyPr/>
-          <a:lstStyle/>
-          <a:p>
-            <a:endParaRPr lang="es-ES"/>
-          </a:p>
-        </p:txBody>
-      </p:sp>
-      <p:sp>
-        <p:nvSpPr>
-          <p:cNvPr id="3" name="2 Marcador de contenido"/>
-          <p:cNvSpPr>
-            <a:spLocks noGrp="1"/>
-          </p:cNvSpPr>
-          <p:nvPr>
-            <p:ph idx="1"/>
-          </p:nvPr>
-        </p:nvSpPr>
-        <p:spPr/>
-        <p:txBody>
-          <a:bodyPr/>
-          <a:lstStyle/>
-          <a:p>
-            <a:endParaRPr lang="es-ES"/>
-          </a:p>
-        </p:txBody>
-      </p:sp>
+        <p:spPr>
+          <a:xfrm>
+            <a:off x="1484311" y="296214"/>
+            <a:ext cx="10018713" cy="1752599"/>
+          </a:xfrm>
+        </p:spPr>
+        <p:txBody>
+          <a:bodyPr>
+            <a:normAutofit/>
+          </a:bodyPr>
+          <a:lstStyle/>
+          <a:p>
+            <a:r>
+              <a:rPr lang="es-ES" sz="5400" dirty="0"/>
+              <a:t>FUENTES GENERALES</a:t>
+            </a:r>
+          </a:p>
+        </p:txBody>
+      </p:sp>
+      <p:sp>
+        <p:nvSpPr>
+          <p:cNvPr id="9" name="CuadroTexto 8">
+            <a:extLst>
+              <a:ext uri="{FF2B5EF4-FFF2-40B4-BE49-F238E27FC236}">
+                <a16:creationId xmlns:a16="http://schemas.microsoft.com/office/drawing/2014/main" id="{95E1959A-94D3-49A0-8F48-B893C53CDC72}"/>
+              </a:ext>
+            </a:extLst>
+          </p:cNvPr>
+          <p:cNvSpPr txBox="1"/>
+          <p:nvPr/>
+        </p:nvSpPr>
+        <p:spPr>
+          <a:xfrm>
+            <a:off x="5808196" y="3429000"/>
+            <a:ext cx="6739416" cy="646331"/>
+          </a:xfrm>
+          <a:prstGeom prst="rect">
+            <a:avLst/>
+          </a:prstGeom>
+          <a:noFill/>
+        </p:spPr>
+        <p:txBody>
+          <a:bodyPr wrap="square" rtlCol="0">
+            <a:spAutoFit/>
+          </a:bodyPr>
+          <a:lstStyle/>
+          <a:p>
+            <a:r>
+              <a:rPr lang="es-ES" sz="3600" b="1" dirty="0"/>
+              <a:t>Curso Hacking ético </a:t>
+            </a:r>
+            <a:r>
+              <a:rPr lang="es-ES" sz="3600" b="1" dirty="0" err="1"/>
+              <a:t>akademus</a:t>
+            </a:r>
+            <a:endParaRPr lang="es-ES" sz="4800" b="1" dirty="0"/>
+          </a:p>
+        </p:txBody>
+      </p:sp>
+      <p:pic>
+        <p:nvPicPr>
+          <p:cNvPr id="5" name="Imagen 4">
+            <a:extLst>
+              <a:ext uri="{FF2B5EF4-FFF2-40B4-BE49-F238E27FC236}">
+                <a16:creationId xmlns:a16="http://schemas.microsoft.com/office/drawing/2014/main" id="{8BFCCDBA-0BC3-46C4-82D8-F00F1D68C9B5}"/>
+              </a:ext>
+            </a:extLst>
+          </p:cNvPr>
+          <p:cNvPicPr>
+            <a:picLocks noChangeAspect="1"/>
+          </p:cNvPicPr>
+          <p:nvPr/>
+        </p:nvPicPr>
+        <p:blipFill>
+          <a:blip r:embed="rId2">
+            <a:extLst>
+              <a:ext uri="{28A0092B-C50C-407E-A947-70E740481C1C}">
+                <a14:useLocalDpi xmlns:a14="http://schemas.microsoft.com/office/drawing/2010/main" val="0"/>
+              </a:ext>
+            </a:extLst>
+          </a:blip>
+          <a:stretch>
+            <a:fillRect/>
+          </a:stretch>
+        </p:blipFill>
+        <p:spPr>
+          <a:xfrm>
+            <a:off x="1660071" y="1847165"/>
+            <a:ext cx="3810000" cy="3810000"/>
+          </a:xfrm>
+          <a:prstGeom prst="rect">
+            <a:avLst/>
+          </a:prstGeom>
+        </p:spPr>
+      </p:pic>
     </p:spTree>
+    <p:extLst>
+      <p:ext uri="{BB962C8B-B14F-4D97-AF65-F5344CB8AC3E}">
+        <p14:creationId xmlns:p14="http://schemas.microsoft.com/office/powerpoint/2010/main" val="3213824730"/>
+      </p:ext>
+    </p:extLst>
   </p:cSld>
   <p:clrMapOvr>
     <a:masterClrMapping/>
@@ -8561,10 +8644,10 @@
       </p:grpSpPr>
       <p:sp>
         <p:nvSpPr>
-          <p:cNvPr id="2" name="Título 1">
+          <p:cNvPr id="8" name="Título 1">
             <a:extLst>
               <a:ext uri="{FF2B5EF4-FFF2-40B4-BE49-F238E27FC236}">
-                <a16:creationId xmlns:a16="http://schemas.microsoft.com/office/drawing/2014/main" xmlns="" id="{FBD9E5A4-5370-4DA9-A647-51FE54C60D94}"/>
+                <a16:creationId xmlns:a16="http://schemas.microsoft.com/office/drawing/2014/main" id="{838AE204-C6DD-4B2D-AB01-E442527CDB2F}"/>
               </a:ext>
             </a:extLst>
           </p:cNvPr>
@@ -8575,61 +8658,105 @@
             <p:ph type="title"/>
           </p:nvPr>
         </p:nvSpPr>
-        <p:spPr/>
+        <p:spPr>
+          <a:xfrm>
+            <a:off x="1484311" y="296214"/>
+            <a:ext cx="10018713" cy="1752599"/>
+          </a:xfrm>
+        </p:spPr>
         <p:txBody>
           <a:bodyPr>
-            <a:normAutofit fontScale="90000"/>
+            <a:normAutofit/>
           </a:bodyPr>
           <a:lstStyle/>
           <a:p>
             <a:r>
-              <a:rPr lang="es-ES" sz="4800" b="1" dirty="0"/>
-              <a:t/>
-            </a:r>
-            <a:br>
-              <a:rPr lang="es-ES" sz="4800" b="1" dirty="0"/>
-            </a:br>
-            <a:r>
-              <a:rPr lang="es-ES" sz="4800" b="1" dirty="0"/>
-              <a:t/>
-            </a:r>
-            <a:br>
-              <a:rPr lang="es-ES" sz="4800" b="1" dirty="0"/>
-            </a:br>
-            <a:r>
-              <a:rPr lang="es-ES" sz="4800" b="1" dirty="0"/>
-              <a:t/>
-            </a:r>
-            <a:br>
-              <a:rPr lang="es-ES" sz="4800" b="1" dirty="0"/>
-            </a:br>
-            <a:r>
-              <a:rPr lang="es-ES" sz="4800" b="1" dirty="0"/>
-              <a:t/>
-            </a:r>
-            <a:br>
-              <a:rPr lang="es-ES" sz="4800" b="1" dirty="0"/>
-            </a:br>
-            <a:r>
-              <a:rPr lang="es-ES" sz="7300" b="1" dirty="0"/>
-              <a:t>Fuentes de información (</a:t>
-            </a:r>
-            <a:r>
-              <a:rPr lang="es-ES" sz="7300" b="1" dirty="0" smtClean="0"/>
-              <a:t>cursos </a:t>
-            </a:r>
-            <a:r>
-              <a:rPr lang="es-ES" sz="7300" b="1" dirty="0"/>
-              <a:t>gratuitos)</a:t>
-            </a:r>
-            <a:endParaRPr lang="es-ES" sz="4800" b="1" dirty="0"/>
-          </a:p>
-        </p:txBody>
-      </p:sp>
+              <a:rPr lang="es-ES" sz="5400" dirty="0"/>
+              <a:t>FUENTES GENERALES</a:t>
+            </a:r>
+          </a:p>
+        </p:txBody>
+      </p:sp>
+      <p:sp>
+        <p:nvSpPr>
+          <p:cNvPr id="9" name="CuadroTexto 8">
+            <a:extLst>
+              <a:ext uri="{FF2B5EF4-FFF2-40B4-BE49-F238E27FC236}">
+                <a16:creationId xmlns:a16="http://schemas.microsoft.com/office/drawing/2014/main" id="{95E1959A-94D3-49A0-8F48-B893C53CDC72}"/>
+              </a:ext>
+            </a:extLst>
+          </p:cNvPr>
+          <p:cNvSpPr txBox="1"/>
+          <p:nvPr/>
+        </p:nvSpPr>
+        <p:spPr>
+          <a:xfrm>
+            <a:off x="6096000" y="4771974"/>
+            <a:ext cx="6739416" cy="523220"/>
+          </a:xfrm>
+          <a:prstGeom prst="rect">
+            <a:avLst/>
+          </a:prstGeom>
+          <a:noFill/>
+        </p:spPr>
+        <p:txBody>
+          <a:bodyPr wrap="square" rtlCol="0">
+            <a:spAutoFit/>
+          </a:bodyPr>
+          <a:lstStyle/>
+          <a:p>
+            <a:r>
+              <a:rPr lang="es-ES" sz="2800" b="1" dirty="0"/>
+              <a:t>Curso Hacking ético </a:t>
+            </a:r>
+            <a:r>
+              <a:rPr lang="es-ES" sz="2800" b="1" dirty="0" err="1"/>
+              <a:t>Securizame</a:t>
+            </a:r>
+            <a:endParaRPr lang="es-ES" sz="4000" b="1" dirty="0"/>
+          </a:p>
+        </p:txBody>
+      </p:sp>
+      <p:pic>
+        <p:nvPicPr>
+          <p:cNvPr id="5" name="Imagen 4">
+            <a:extLst>
+              <a:ext uri="{FF2B5EF4-FFF2-40B4-BE49-F238E27FC236}">
+                <a16:creationId xmlns:a16="http://schemas.microsoft.com/office/drawing/2014/main" id="{DDD79B5C-523D-4C28-9D49-3E251B423282}"/>
+              </a:ext>
+            </a:extLst>
+          </p:cNvPr>
+          <p:cNvPicPr>
+            <a:picLocks noChangeAspect="1"/>
+          </p:cNvPicPr>
+          <p:nvPr/>
+        </p:nvPicPr>
+        <p:blipFill>
+          <a:blip r:embed="rId2">
+            <a:extLst>
+              <a:ext uri="{28A0092B-C50C-407E-A947-70E740481C1C}">
+                <a14:useLocalDpi xmlns:a14="http://schemas.microsoft.com/office/drawing/2010/main" val="0"/>
+              </a:ext>
+            </a:extLst>
+          </a:blip>
+          <a:stretch>
+            <a:fillRect/>
+          </a:stretch>
+        </p:blipFill>
+        <p:spPr>
+          <a:xfrm>
+            <a:off x="1628066" y="2248606"/>
+            <a:ext cx="6608427" cy="1752600"/>
+          </a:xfrm>
+          <a:prstGeom prst="rect">
+            <a:avLst/>
+          </a:prstGeom>
+        </p:spPr>
+      </p:pic>
     </p:spTree>
     <p:extLst>
       <p:ext uri="{BB962C8B-B14F-4D97-AF65-F5344CB8AC3E}">
-        <p14:creationId xmlns:p14="http://schemas.microsoft.com/office/powerpoint/2010/main" xmlns="" val="33740604"/>
+        <p14:creationId xmlns:p14="http://schemas.microsoft.com/office/powerpoint/2010/main" val="2654411701"/>
       </p:ext>
     </p:extLst>
   </p:cSld>
@@ -8661,7 +8788,7 @@
           <p:cNvPr id="8" name="Título 1">
             <a:extLst>
               <a:ext uri="{FF2B5EF4-FFF2-40B4-BE49-F238E27FC236}">
-                <a16:creationId xmlns:a16="http://schemas.microsoft.com/office/drawing/2014/main" xmlns="" id="{838AE204-C6DD-4B2D-AB01-E442527CDB2F}"/>
+                <a16:creationId xmlns:a16="http://schemas.microsoft.com/office/drawing/2014/main" id="{838AE204-C6DD-4B2D-AB01-E442527CDB2F}"/>
               </a:ext>
             </a:extLst>
           </p:cNvPr>
@@ -8685,12 +8812,12 @@
           <a:lstStyle/>
           <a:p>
             <a:r>
-              <a:rPr lang="es-ES" sz="5400" dirty="0" smtClean="0"/>
-              <a:t>CURSOS </a:t>
+              <a:rPr lang="es-ES" sz="5400" dirty="0" err="1"/>
+              <a:t>Aircrack</a:t>
             </a:r>
             <a:r>
               <a:rPr lang="es-ES" sz="5400" dirty="0"/>
-              <a:t>GENERALES</a:t>
+              <a:t>-NG</a:t>
             </a:r>
           </a:p>
         </p:txBody>
@@ -8700,7 +8827,7 @@
           <p:cNvPr id="9" name="CuadroTexto 8">
             <a:extLst>
               <a:ext uri="{FF2B5EF4-FFF2-40B4-BE49-F238E27FC236}">
-                <a16:creationId xmlns:a16="http://schemas.microsoft.com/office/drawing/2014/main" xmlns="" id="{95E1959A-94D3-49A0-8F48-B893C53CDC72}"/>
+                <a16:creationId xmlns:a16="http://schemas.microsoft.com/office/drawing/2014/main" id="{95E1959A-94D3-49A0-8F48-B893C53CDC72}"/>
               </a:ext>
             </a:extLst>
           </p:cNvPr>
@@ -8709,7 +8836,7 @@
         </p:nvSpPr>
         <p:spPr>
           <a:xfrm>
-            <a:off x="5609338" y="3402874"/>
+            <a:off x="6977743" y="3347005"/>
             <a:ext cx="6739416" cy="523220"/>
           </a:xfrm>
           <a:prstGeom prst="rect">
@@ -8724,45 +8851,51 @@
           <a:lstStyle/>
           <a:p>
             <a:r>
-              <a:rPr lang="es-ES" sz="2800" b="1" dirty="0" smtClean="0"/>
-              <a:t>Curso online de seguridad informática </a:t>
-            </a:r>
-            <a:endParaRPr lang="es-ES" sz="2800" b="1" dirty="0"/>
+              <a:rPr lang="es-ES" sz="2800" b="1" dirty="0"/>
+              <a:t>Curso de </a:t>
+            </a:r>
+            <a:r>
+              <a:rPr lang="es-ES" sz="2800" b="1" dirty="0" err="1"/>
+              <a:t>dragonjar</a:t>
+            </a:r>
+            <a:endParaRPr lang="es-ES" sz="4000" b="1" dirty="0"/>
           </a:p>
         </p:txBody>
       </p:sp>
       <p:pic>
         <p:nvPicPr>
-          <p:cNvPr id="3074" name="Picture 2" descr="D:\Sistemas de informacion\Tercer curso\Segundo Cuatrimestre\Desarollo con tecnologias emergentes\Trabajo TG1\Fotos\Miriada-logo.jpg"/>
+          <p:cNvPr id="2" name="Imagen 1">
+            <a:extLst>
+              <a:ext uri="{FF2B5EF4-FFF2-40B4-BE49-F238E27FC236}">
+                <a16:creationId xmlns:a16="http://schemas.microsoft.com/office/drawing/2014/main" id="{67F3C568-8E86-46A4-8A2B-AD93F2AE35C5}"/>
+              </a:ext>
+            </a:extLst>
+          </p:cNvPr>
           <p:cNvPicPr>
-            <a:picLocks noGrp="1" noChangeAspect="1" noChangeArrowheads="1"/>
+            <a:picLocks noChangeAspect="1"/>
           </p:cNvPicPr>
-          <p:nvPr>
-            <p:ph idx="1"/>
-          </p:nvPr>
+          <p:nvPr/>
         </p:nvPicPr>
         <p:blipFill>
-          <a:blip r:embed="rId2" cstate="print"/>
-          <a:srcRect/>
+          <a:blip r:embed="rId2"/>
           <a:stretch>
             <a:fillRect/>
           </a:stretch>
         </p:blipFill>
-        <p:spPr bwMode="auto">
-          <a:xfrm>
-            <a:off x="917054" y="2735716"/>
-            <a:ext cx="4543425" cy="2333625"/>
+        <p:spPr>
+          <a:xfrm>
+            <a:off x="1407770" y="3053831"/>
+            <a:ext cx="4688230" cy="1109568"/>
           </a:xfrm>
           <a:prstGeom prst="rect">
             <a:avLst/>
           </a:prstGeom>
-          <a:noFill/>
         </p:spPr>
       </p:pic>
     </p:spTree>
     <p:extLst>
       <p:ext uri="{BB962C8B-B14F-4D97-AF65-F5344CB8AC3E}">
-        <p14:creationId xmlns:p14="http://schemas.microsoft.com/office/powerpoint/2010/main" xmlns="" val="1853866790"/>
+        <p14:creationId xmlns:p14="http://schemas.microsoft.com/office/powerpoint/2010/main" val="307497187"/>
       </p:ext>
     </p:extLst>
   </p:cSld>
@@ -8794,7 +8927,7 @@
           <p:cNvPr id="8" name="Título 1">
             <a:extLst>
               <a:ext uri="{FF2B5EF4-FFF2-40B4-BE49-F238E27FC236}">
-                <a16:creationId xmlns:a16="http://schemas.microsoft.com/office/drawing/2014/main" xmlns="" id="{838AE204-C6DD-4B2D-AB01-E442527CDB2F}"/>
+                <a16:creationId xmlns:a16="http://schemas.microsoft.com/office/drawing/2014/main" id="{838AE204-C6DD-4B2D-AB01-E442527CDB2F}"/>
               </a:ext>
             </a:extLst>
           </p:cNvPr>
@@ -8818,12 +8951,12 @@
           <a:lstStyle/>
           <a:p>
             <a:r>
-              <a:rPr lang="es-ES" sz="5400" dirty="0" smtClean="0"/>
-              <a:t>CURSOS </a:t>
+              <a:rPr lang="es-ES" sz="5400" dirty="0" err="1"/>
+              <a:t>Aircrack</a:t>
             </a:r>
             <a:r>
               <a:rPr lang="es-ES" sz="5400" dirty="0"/>
-              <a:t>GENERALES</a:t>
+              <a:t>-NG</a:t>
             </a:r>
           </a:p>
         </p:txBody>
@@ -8833,7 +8966,7 @@
           <p:cNvPr id="9" name="CuadroTexto 8">
             <a:extLst>
               <a:ext uri="{FF2B5EF4-FFF2-40B4-BE49-F238E27FC236}">
-                <a16:creationId xmlns:a16="http://schemas.microsoft.com/office/drawing/2014/main" xmlns="" id="{95E1959A-94D3-49A0-8F48-B893C53CDC72}"/>
+                <a16:creationId xmlns:a16="http://schemas.microsoft.com/office/drawing/2014/main" id="{95E1959A-94D3-49A0-8F48-B893C53CDC72}"/>
               </a:ext>
             </a:extLst>
           </p:cNvPr>
@@ -8842,7 +8975,7 @@
         </p:nvSpPr>
         <p:spPr>
           <a:xfrm>
-            <a:off x="5609338" y="3402874"/>
+            <a:off x="7745185" y="3738889"/>
             <a:ext cx="6739416" cy="523220"/>
           </a:xfrm>
           <a:prstGeom prst="rect">
@@ -8857,49 +8990,57 @@
           <a:lstStyle/>
           <a:p>
             <a:r>
-              <a:rPr lang="es-ES" sz="2800" b="1" dirty="0" smtClean="0"/>
-              <a:t>Curso de seguridad </a:t>
-            </a:r>
-            <a:r>
-              <a:rPr lang="es-ES" sz="2800" b="1" dirty="0" err="1" smtClean="0"/>
-              <a:t>esetec</a:t>
-            </a:r>
-            <a:endParaRPr lang="es-ES" sz="2800" b="1" dirty="0"/>
+              <a:rPr lang="es-ES" sz="2800" b="1" dirty="0"/>
+              <a:t>Curso de </a:t>
+            </a:r>
+            <a:r>
+              <a:rPr lang="es-ES" sz="2800" b="1" dirty="0" err="1"/>
+              <a:t>pentestmag</a:t>
+            </a:r>
+            <a:endParaRPr lang="es-ES" sz="4000" b="1" dirty="0"/>
           </a:p>
         </p:txBody>
       </p:sp>
       <p:pic>
         <p:nvPicPr>
-          <p:cNvPr id="4098" name="Picture 2" descr="D:\Sistemas de informacion\Tercer curso\Segundo Cuatrimestre\Desarollo con tecnologias emergentes\Trabajo TG1\Fotos\51715.jpg"/>
+          <p:cNvPr id="3" name="Imagen 2">
+            <a:extLst>
+              <a:ext uri="{FF2B5EF4-FFF2-40B4-BE49-F238E27FC236}">
+                <a16:creationId xmlns:a16="http://schemas.microsoft.com/office/drawing/2014/main" id="{D5761986-F7FD-4D0B-8133-3DA6836D4091}"/>
+              </a:ext>
+            </a:extLst>
+          </p:cNvPr>
           <p:cNvPicPr>
-            <a:picLocks noGrp="1" noChangeAspect="1" noChangeArrowheads="1"/>
+            <a:picLocks noChangeAspect="1"/>
           </p:cNvPicPr>
-          <p:nvPr>
-            <p:ph idx="1"/>
-          </p:nvPr>
+          <p:nvPr/>
         </p:nvPicPr>
         <p:blipFill>
-          <a:blip r:embed="rId2" cstate="print"/>
-          <a:srcRect/>
+          <a:blip r:embed="rId2">
+            <a:extLst>
+              <a:ext uri="{28A0092B-C50C-407E-A947-70E740481C1C}">
+                <a14:useLocalDpi xmlns:a14="http://schemas.microsoft.com/office/drawing/2010/main" val="0"/>
+              </a:ext>
+            </a:extLst>
+          </a:blip>
           <a:stretch>
             <a:fillRect/>
           </a:stretch>
         </p:blipFill>
-        <p:spPr bwMode="auto">
-          <a:xfrm>
-            <a:off x="1337867" y="2649472"/>
-            <a:ext cx="3839462" cy="2183783"/>
+        <p:spPr>
+          <a:xfrm>
+            <a:off x="1709059" y="2557462"/>
+            <a:ext cx="5181600" cy="2886075"/>
           </a:xfrm>
           <a:prstGeom prst="rect">
             <a:avLst/>
           </a:prstGeom>
-          <a:noFill/>
         </p:spPr>
       </p:pic>
     </p:spTree>
     <p:extLst>
       <p:ext uri="{BB962C8B-B14F-4D97-AF65-F5344CB8AC3E}">
-        <p14:creationId xmlns:p14="http://schemas.microsoft.com/office/powerpoint/2010/main" xmlns="" val="1853866790"/>
+        <p14:creationId xmlns:p14="http://schemas.microsoft.com/office/powerpoint/2010/main" val="3419025284"/>
       </p:ext>
     </p:extLst>
   </p:cSld>
@@ -8931,7 +9072,7 @@
           <p:cNvPr id="8" name="Título 1">
             <a:extLst>
               <a:ext uri="{FF2B5EF4-FFF2-40B4-BE49-F238E27FC236}">
-                <a16:creationId xmlns:a16="http://schemas.microsoft.com/office/drawing/2014/main" xmlns="" id="{838AE204-C6DD-4B2D-AB01-E442527CDB2F}"/>
+                <a16:creationId xmlns:a16="http://schemas.microsoft.com/office/drawing/2014/main" id="{838AE204-C6DD-4B2D-AB01-E442527CDB2F}"/>
               </a:ext>
             </a:extLst>
           </p:cNvPr>
@@ -8955,12 +9096,12 @@
           <a:lstStyle/>
           <a:p>
             <a:r>
-              <a:rPr lang="es-ES" sz="5400" dirty="0" smtClean="0"/>
-              <a:t>CURSOS </a:t>
+              <a:rPr lang="es-ES" sz="5400" dirty="0" err="1"/>
+              <a:t>Aircrack</a:t>
             </a:r>
             <a:r>
               <a:rPr lang="es-ES" sz="5400" dirty="0"/>
-              <a:t>GENERALES</a:t>
+              <a:t>-NG</a:t>
             </a:r>
           </a:p>
         </p:txBody>
@@ -8970,7 +9111,7 @@
           <p:cNvPr id="9" name="CuadroTexto 8">
             <a:extLst>
               <a:ext uri="{FF2B5EF4-FFF2-40B4-BE49-F238E27FC236}">
-                <a16:creationId xmlns:a16="http://schemas.microsoft.com/office/drawing/2014/main" xmlns="" id="{95E1959A-94D3-49A0-8F48-B893C53CDC72}"/>
+                <a16:creationId xmlns:a16="http://schemas.microsoft.com/office/drawing/2014/main" id="{95E1959A-94D3-49A0-8F48-B893C53CDC72}"/>
               </a:ext>
             </a:extLst>
           </p:cNvPr>
@@ -8979,7 +9120,7 @@
         </p:nvSpPr>
         <p:spPr>
           <a:xfrm>
-            <a:off x="5609338" y="3402874"/>
+            <a:off x="6961414" y="3608260"/>
             <a:ext cx="6739416" cy="523220"/>
           </a:xfrm>
           <a:prstGeom prst="rect">
@@ -8994,49 +9135,57 @@
           <a:lstStyle/>
           <a:p>
             <a:r>
-              <a:rPr lang="es-ES" sz="2800" b="1" dirty="0" smtClean="0"/>
-              <a:t>Curso hacking </a:t>
-            </a:r>
-            <a:r>
-              <a:rPr lang="es-ES" sz="2800" b="1" dirty="0" err="1" smtClean="0"/>
-              <a:t>edutin</a:t>
-            </a:r>
-            <a:endParaRPr lang="es-ES" sz="2800" b="1" dirty="0"/>
+              <a:rPr lang="es-ES" sz="2800" b="1" dirty="0"/>
+              <a:t>Curso de </a:t>
+            </a:r>
+            <a:r>
+              <a:rPr lang="es-ES" sz="2800" b="1" dirty="0" err="1"/>
+              <a:t>backtrackacademy</a:t>
+            </a:r>
+            <a:endParaRPr lang="es-ES" sz="4000" b="1" dirty="0"/>
           </a:p>
         </p:txBody>
       </p:sp>
       <p:pic>
         <p:nvPicPr>
-          <p:cNvPr id="5122" name="Picture 2" descr="D:\Sistemas de informacion\Tercer curso\Segundo Cuatrimestre\Desarollo con tecnologias emergentes\Trabajo TG1\Fotos\descarga.png"/>
+          <p:cNvPr id="4" name="Imagen 3">
+            <a:extLst>
+              <a:ext uri="{FF2B5EF4-FFF2-40B4-BE49-F238E27FC236}">
+                <a16:creationId xmlns:a16="http://schemas.microsoft.com/office/drawing/2014/main" id="{87E41ACA-C7DE-45A4-957F-F36C7ED35C86}"/>
+              </a:ext>
+            </a:extLst>
+          </p:cNvPr>
           <p:cNvPicPr>
-            <a:picLocks noGrp="1" noChangeAspect="1" noChangeArrowheads="1"/>
+            <a:picLocks noChangeAspect="1"/>
           </p:cNvPicPr>
-          <p:nvPr>
-            <p:ph idx="1"/>
-          </p:nvPr>
+          <p:nvPr/>
         </p:nvPicPr>
         <p:blipFill>
-          <a:blip r:embed="rId2" cstate="print"/>
-          <a:srcRect/>
+          <a:blip r:embed="rId2">
+            <a:extLst>
+              <a:ext uri="{28A0092B-C50C-407E-A947-70E740481C1C}">
+                <a14:useLocalDpi xmlns:a14="http://schemas.microsoft.com/office/drawing/2010/main" val="0"/>
+              </a:ext>
+            </a:extLst>
+          </a:blip>
           <a:stretch>
             <a:fillRect/>
           </a:stretch>
         </p:blipFill>
-        <p:spPr bwMode="auto">
-          <a:xfrm>
-            <a:off x="1299414" y="3135494"/>
-            <a:ext cx="3704603" cy="1122998"/>
+        <p:spPr>
+          <a:xfrm>
+            <a:off x="2008416" y="2348239"/>
+            <a:ext cx="4876800" cy="2781300"/>
           </a:xfrm>
           <a:prstGeom prst="rect">
             <a:avLst/>
           </a:prstGeom>
-          <a:noFill/>
         </p:spPr>
       </p:pic>
     </p:spTree>
     <p:extLst>
       <p:ext uri="{BB962C8B-B14F-4D97-AF65-F5344CB8AC3E}">
-        <p14:creationId xmlns:p14="http://schemas.microsoft.com/office/powerpoint/2010/main" xmlns="" val="1853866790"/>
+        <p14:creationId xmlns:p14="http://schemas.microsoft.com/office/powerpoint/2010/main" val="4177712274"/>
       </p:ext>
     </p:extLst>
   </p:cSld>
@@ -9068,7 +9217,7 @@
           <p:cNvPr id="8" name="Título 1">
             <a:extLst>
               <a:ext uri="{FF2B5EF4-FFF2-40B4-BE49-F238E27FC236}">
-                <a16:creationId xmlns:a16="http://schemas.microsoft.com/office/drawing/2014/main" xmlns="" id="{838AE204-C6DD-4B2D-AB01-E442527CDB2F}"/>
+                <a16:creationId xmlns:a16="http://schemas.microsoft.com/office/drawing/2014/main" id="{838AE204-C6DD-4B2D-AB01-E442527CDB2F}"/>
               </a:ext>
             </a:extLst>
           </p:cNvPr>
@@ -9092,12 +9241,12 @@
           <a:lstStyle/>
           <a:p>
             <a:r>
-              <a:rPr lang="es-ES" sz="5400" dirty="0" smtClean="0"/>
-              <a:t>CURSOS </a:t>
+              <a:rPr lang="es-ES" sz="5400" dirty="0" err="1"/>
+              <a:t>Fern</a:t>
             </a:r>
             <a:r>
               <a:rPr lang="es-ES" sz="5400" dirty="0"/>
-              <a:t>GENERALES</a:t>
+              <a:t> Wifi Wireless Cracker</a:t>
             </a:r>
           </a:p>
         </p:txBody>
@@ -9107,7 +9256,7 @@
           <p:cNvPr id="9" name="CuadroTexto 8">
             <a:extLst>
               <a:ext uri="{FF2B5EF4-FFF2-40B4-BE49-F238E27FC236}">
-                <a16:creationId xmlns:a16="http://schemas.microsoft.com/office/drawing/2014/main" xmlns="" id="{95E1959A-94D3-49A0-8F48-B893C53CDC72}"/>
+                <a16:creationId xmlns:a16="http://schemas.microsoft.com/office/drawing/2014/main" id="{95E1959A-94D3-49A0-8F48-B893C53CDC72}"/>
               </a:ext>
             </a:extLst>
           </p:cNvPr>
@@ -9116,7 +9265,7 @@
         </p:nvSpPr>
         <p:spPr>
           <a:xfrm>
-            <a:off x="3662972" y="4251959"/>
+            <a:off x="7815945" y="3419251"/>
             <a:ext cx="6739416" cy="523220"/>
           </a:xfrm>
           <a:prstGeom prst="rect">
@@ -9131,57 +9280,57 @@
           <a:lstStyle/>
           <a:p>
             <a:r>
-              <a:rPr lang="es-ES" sz="2800" b="1" dirty="0" smtClean="0"/>
+              <a:rPr lang="es-ES" sz="2800" b="1" dirty="0"/>
               <a:t>Curso de </a:t>
             </a:r>
             <a:r>
-              <a:rPr lang="es-ES" sz="2800" b="1" dirty="0" err="1" smtClean="0"/>
-              <a:t>craking</a:t>
-            </a:r>
-            <a:r>
-              <a:rPr lang="es-ES" sz="2800" b="1" dirty="0" smtClean="0"/>
-              <a:t> de Ricardo </a:t>
-            </a:r>
-            <a:r>
-              <a:rPr lang="es-ES" sz="2800" b="1" dirty="0" err="1" smtClean="0"/>
-              <a:t>Narvaja</a:t>
-            </a:r>
-            <a:endParaRPr lang="es-ES" sz="2800" b="1" dirty="0"/>
+              <a:rPr lang="es-ES" sz="2800" b="1" dirty="0" err="1"/>
+              <a:t>Udemy</a:t>
+            </a:r>
+            <a:endParaRPr lang="es-ES" sz="4000" b="1" dirty="0"/>
           </a:p>
         </p:txBody>
       </p:sp>
       <p:pic>
         <p:nvPicPr>
-          <p:cNvPr id="6146" name="Picture 2" descr="D:\Sistemas de informacion\Tercer curso\Segundo Cuatrimestre\Desarollo con tecnologias emergentes\Trabajo TG1\Fotos\19-03-2018 22-01-04.png"/>
+          <p:cNvPr id="3" name="Imagen 2">
+            <a:extLst>
+              <a:ext uri="{FF2B5EF4-FFF2-40B4-BE49-F238E27FC236}">
+                <a16:creationId xmlns:a16="http://schemas.microsoft.com/office/drawing/2014/main" id="{5DA72160-5DD6-412B-9682-ACBCA1476210}"/>
+              </a:ext>
+            </a:extLst>
+          </p:cNvPr>
           <p:cNvPicPr>
-            <a:picLocks noGrp="1" noChangeAspect="1" noChangeArrowheads="1"/>
+            <a:picLocks noChangeAspect="1"/>
           </p:cNvPicPr>
-          <p:nvPr>
-            <p:ph idx="1"/>
-          </p:nvPr>
+          <p:nvPr/>
         </p:nvPicPr>
         <p:blipFill>
-          <a:blip r:embed="rId2" cstate="print"/>
-          <a:srcRect/>
+          <a:blip r:embed="rId2">
+            <a:extLst>
+              <a:ext uri="{28A0092B-C50C-407E-A947-70E740481C1C}">
+                <a14:useLocalDpi xmlns:a14="http://schemas.microsoft.com/office/drawing/2010/main" val="0"/>
+              </a:ext>
+            </a:extLst>
+          </a:blip>
           <a:stretch>
             <a:fillRect/>
           </a:stretch>
         </p:blipFill>
-        <p:spPr bwMode="auto">
-          <a:xfrm>
-            <a:off x="3758725" y="2315346"/>
-            <a:ext cx="5809524" cy="1476191"/>
+        <p:spPr>
+          <a:xfrm>
+            <a:off x="495300" y="1545091"/>
+            <a:ext cx="7176796" cy="3767818"/>
           </a:xfrm>
           <a:prstGeom prst="rect">
             <a:avLst/>
           </a:prstGeom>
-          <a:noFill/>
         </p:spPr>
       </p:pic>
     </p:spTree>
     <p:extLst>
       <p:ext uri="{BB962C8B-B14F-4D97-AF65-F5344CB8AC3E}">
-        <p14:creationId xmlns:p14="http://schemas.microsoft.com/office/powerpoint/2010/main" xmlns="" val="1853866790"/>
+        <p14:creationId xmlns:p14="http://schemas.microsoft.com/office/powerpoint/2010/main" val="3430102157"/>
       </p:ext>
     </p:extLst>
   </p:cSld>
@@ -9213,7 +9362,7 @@
           <p:cNvPr id="2" name="Título 1">
             <a:extLst>
               <a:ext uri="{FF2B5EF4-FFF2-40B4-BE49-F238E27FC236}">
-                <a16:creationId xmlns:a16="http://schemas.microsoft.com/office/drawing/2014/main" xmlns="" id="{B2C057FB-291A-4A52-9173-DF87107540AB}"/>
+                <a16:creationId xmlns:a16="http://schemas.microsoft.com/office/drawing/2014/main" id="{B2C057FB-291A-4A52-9173-DF87107540AB}"/>
               </a:ext>
             </a:extLst>
           </p:cNvPr>
@@ -9243,7 +9392,7 @@
           <p:cNvPr id="3" name="Marcador de contenido 2">
             <a:extLst>
               <a:ext uri="{FF2B5EF4-FFF2-40B4-BE49-F238E27FC236}">
-                <a16:creationId xmlns:a16="http://schemas.microsoft.com/office/drawing/2014/main" xmlns="" id="{D35A326C-E279-4404-8431-630CB1140A86}"/>
+                <a16:creationId xmlns:a16="http://schemas.microsoft.com/office/drawing/2014/main" id="{D35A326C-E279-4404-8431-630CB1140A86}"/>
               </a:ext>
             </a:extLst>
           </p:cNvPr>
@@ -9277,7 +9426,7 @@
     </p:spTree>
     <p:extLst>
       <p:ext uri="{BB962C8B-B14F-4D97-AF65-F5344CB8AC3E}">
-        <p14:creationId xmlns:p14="http://schemas.microsoft.com/office/powerpoint/2010/main" xmlns="" val="2253214096"/>
+        <p14:creationId xmlns:p14="http://schemas.microsoft.com/office/powerpoint/2010/main" val="2253214096"/>
       </p:ext>
     </p:extLst>
   </p:cSld>
@@ -9309,7 +9458,7 @@
           <p:cNvPr id="8" name="Título 1">
             <a:extLst>
               <a:ext uri="{FF2B5EF4-FFF2-40B4-BE49-F238E27FC236}">
-                <a16:creationId xmlns:a16="http://schemas.microsoft.com/office/drawing/2014/main" xmlns="" id="{838AE204-C6DD-4B2D-AB01-E442527CDB2F}"/>
+                <a16:creationId xmlns:a16="http://schemas.microsoft.com/office/drawing/2014/main" id="{838AE204-C6DD-4B2D-AB01-E442527CDB2F}"/>
               </a:ext>
             </a:extLst>
           </p:cNvPr>
@@ -9333,34 +9482,97 @@
           <a:lstStyle/>
           <a:p>
             <a:r>
-              <a:rPr lang="es-ES" sz="5400" dirty="0" smtClean="0"/>
-              <a:t>CURSOS AIRCRACK-NG</a:t>
-            </a:r>
-            <a:endParaRPr lang="es-ES" sz="5400" dirty="0"/>
+              <a:rPr lang="es-ES" sz="5400" dirty="0" err="1"/>
+              <a:t>Fern</a:t>
+            </a:r>
+            <a:r>
+              <a:rPr lang="es-ES" sz="5400" dirty="0"/>
+              <a:t> Wifi Wireless Cracker</a:t>
+            </a:r>
+          </a:p>
+        </p:txBody>
+      </p:sp>
+      <p:sp>
+        <p:nvSpPr>
+          <p:cNvPr id="9" name="CuadroTexto 8">
+            <a:extLst>
+              <a:ext uri="{FF2B5EF4-FFF2-40B4-BE49-F238E27FC236}">
+                <a16:creationId xmlns:a16="http://schemas.microsoft.com/office/drawing/2014/main" id="{95E1959A-94D3-49A0-8F48-B893C53CDC72}"/>
+              </a:ext>
+            </a:extLst>
+          </p:cNvPr>
+          <p:cNvSpPr txBox="1"/>
+          <p:nvPr/>
+        </p:nvSpPr>
+        <p:spPr>
+          <a:xfrm>
+            <a:off x="7815945" y="3419251"/>
+            <a:ext cx="6739416" cy="954107"/>
+          </a:xfrm>
+          <a:prstGeom prst="rect">
+            <a:avLst/>
+          </a:prstGeom>
+          <a:noFill/>
+        </p:spPr>
+        <p:txBody>
+          <a:bodyPr wrap="square" rtlCol="0">
+            <a:spAutoFit/>
+          </a:bodyPr>
+          <a:lstStyle/>
+          <a:p>
+            <a:r>
+              <a:rPr lang="es-ES" sz="2800" b="1" dirty="0"/>
+              <a:t>Curso de </a:t>
+            </a:r>
+            <a:r>
+              <a:rPr lang="es-ES" sz="2800" b="1" dirty="0" err="1"/>
+              <a:t>Udemy</a:t>
+            </a:r>
+            <a:r>
+              <a:rPr lang="es-ES" sz="2800" b="1" dirty="0"/>
+              <a:t> </a:t>
+            </a:r>
+          </a:p>
+          <a:p>
+            <a:r>
+              <a:rPr lang="es-ES" sz="2800" b="1" dirty="0"/>
+              <a:t>de Eduardo </a:t>
+            </a:r>
+            <a:r>
+              <a:rPr lang="es-ES" sz="2800" b="1" dirty="0" err="1"/>
+              <a:t>Arriols</a:t>
+            </a:r>
+            <a:r>
+              <a:rPr lang="es-ES" sz="2800" b="1" dirty="0"/>
+              <a:t> </a:t>
+            </a:r>
+            <a:r>
+              <a:rPr lang="es-ES" sz="2800" b="1" dirty="0" err="1"/>
+              <a:t>Nuñez</a:t>
+            </a:r>
+            <a:endParaRPr lang="es-ES" sz="4000" b="1" dirty="0"/>
           </a:p>
         </p:txBody>
       </p:sp>
       <p:pic>
         <p:nvPicPr>
-          <p:cNvPr id="6" name="Marcador de contenido 4">
+          <p:cNvPr id="3" name="Imagen 2">
             <a:extLst>
               <a:ext uri="{FF2B5EF4-FFF2-40B4-BE49-F238E27FC236}">
-                <a16:creationId xmlns:a16="http://schemas.microsoft.com/office/drawing/2014/main" xmlns="" id="{1348B7E0-BDF7-4C73-AF6B-C8290C8E4F84}"/>
+                <a16:creationId xmlns:a16="http://schemas.microsoft.com/office/drawing/2014/main" id="{5DA72160-5DD6-412B-9682-ACBCA1476210}"/>
               </a:ext>
             </a:extLst>
           </p:cNvPr>
           <p:cNvPicPr>
-            <a:picLocks noGrp="1" noChangeAspect="1"/>
+            <a:picLocks noChangeAspect="1"/>
           </p:cNvPicPr>
-          <p:nvPr>
-            <p:ph idx="1"/>
-          </p:nvPr>
+          <p:nvPr/>
         </p:nvPicPr>
         <p:blipFill>
-          <a:blip r:embed="rId2" cstate="print">
+          <a:blip r:embed="rId2">
             <a:extLst>
               <a:ext uri="{28A0092B-C50C-407E-A947-70E740481C1C}">
-                <a14:useLocalDpi xmlns:a14="http://schemas.microsoft.com/office/drawing/2010/main" xmlns="" val="0"/>
+                <a14:useLocalDpi xmlns:a14="http://schemas.microsoft.com/office/drawing/2010/main" val="0"/>
               </a:ext>
             </a:extLst>
           </a:blip>
@@ -9370,46 +9582,18 @@
         </p:blipFill>
         <p:spPr>
           <a:xfrm>
-            <a:off x="2441891" y="2209024"/>
-            <a:ext cx="6986592" cy="1651376"/>
-          </a:xfrm>
-        </p:spPr>
-      </p:pic>
-      <p:sp>
-        <p:nvSpPr>
-          <p:cNvPr id="7" name="6 CuadroTexto"/>
-          <p:cNvSpPr txBox="1"/>
-          <p:nvPr/>
-        </p:nvSpPr>
-        <p:spPr>
-          <a:xfrm>
-            <a:off x="3252652" y="4310742"/>
-            <a:ext cx="6518366" cy="523220"/>
+            <a:off x="495300" y="1545091"/>
+            <a:ext cx="7176796" cy="3767818"/>
           </a:xfrm>
           <a:prstGeom prst="rect">
             <a:avLst/>
           </a:prstGeom>
-          <a:noFill/>
-        </p:spPr>
-        <p:txBody>
-          <a:bodyPr wrap="square" rtlCol="0">
-            <a:spAutoFit/>
-          </a:bodyPr>
-          <a:lstStyle/>
-          <a:p>
-            <a:pPr algn="ctr"/>
-            <a:r>
-              <a:rPr lang="es-ES" sz="2800" b="1" dirty="0" smtClean="0"/>
-              <a:t>Curso de dragonJAR.org</a:t>
-            </a:r>
-            <a:endParaRPr lang="es-ES" sz="2800" b="1" dirty="0"/>
-          </a:p>
-        </p:txBody>
-      </p:sp>
+        </p:spPr>
+      </p:pic>
     </p:spTree>
     <p:extLst>
       <p:ext uri="{BB962C8B-B14F-4D97-AF65-F5344CB8AC3E}">
-        <p14:creationId xmlns:p14="http://schemas.microsoft.com/office/powerpoint/2010/main" xmlns="" val="1853866790"/>
+        <p14:creationId xmlns:p14="http://schemas.microsoft.com/office/powerpoint/2010/main" val="1513443448"/>
       </p:ext>
     </p:extLst>
   </p:cSld>
@@ -9438,10 +9622,10 @@
       </p:grpSpPr>
       <p:sp>
         <p:nvSpPr>
-          <p:cNvPr id="8" name="Título 1">
+          <p:cNvPr id="2" name="Título 1">
             <a:extLst>
               <a:ext uri="{FF2B5EF4-FFF2-40B4-BE49-F238E27FC236}">
-                <a16:creationId xmlns:a16="http://schemas.microsoft.com/office/drawing/2014/main" xmlns="" id="{838AE204-C6DD-4B2D-AB01-E442527CDB2F}"/>
+                <a16:creationId xmlns:a16="http://schemas.microsoft.com/office/drawing/2014/main" id="{FBD9E5A4-5370-4DA9-A647-51FE54C60D94}"/>
               </a:ext>
             </a:extLst>
           </p:cNvPr>
@@ -9452,103 +9636,37 @@
             <p:ph type="title"/>
           </p:nvPr>
         </p:nvSpPr>
-        <p:spPr>
-          <a:xfrm>
-            <a:off x="1484311" y="296214"/>
-            <a:ext cx="10018713" cy="1752599"/>
-          </a:xfrm>
-        </p:spPr>
+        <p:spPr/>
         <p:txBody>
           <a:bodyPr>
-            <a:normAutofit/>
+            <a:normAutofit fontScale="90000"/>
           </a:bodyPr>
           <a:lstStyle/>
           <a:p>
-            <a:r>
-              <a:rPr lang="es-ES" sz="5400" dirty="0" smtClean="0"/>
-              <a:t>CURSOS AIRCRACK-NG</a:t>
-            </a:r>
-            <a:endParaRPr lang="es-ES" sz="5400" dirty="0"/>
-          </a:p>
-        </p:txBody>
-      </p:sp>
-      <p:pic>
-        <p:nvPicPr>
-          <p:cNvPr id="4" name="Marcador de contenido 4">
-            <a:extLst>
-              <a:ext uri="{FF2B5EF4-FFF2-40B4-BE49-F238E27FC236}">
-                <a16:creationId xmlns:a16="http://schemas.microsoft.com/office/drawing/2014/main" xmlns="" id="{A60F805A-1BA5-4F47-A9AA-DB758A2386CE}"/>
-              </a:ext>
-            </a:extLst>
-          </p:cNvPr>
-          <p:cNvPicPr>
-            <a:picLocks noGrp="1" noChangeAspect="1"/>
-          </p:cNvPicPr>
-          <p:nvPr>
-            <p:ph idx="1"/>
-          </p:nvPr>
-        </p:nvPicPr>
-        <p:blipFill>
-          <a:blip r:embed="rId2" cstate="print">
-            <a:extLst>
-              <a:ext uri="{28A0092B-C50C-407E-A947-70E740481C1C}">
-                <a14:useLocalDpi xmlns:a14="http://schemas.microsoft.com/office/drawing/2010/main" xmlns="" val="0"/>
-              </a:ext>
-            </a:extLst>
-          </a:blip>
-          <a:stretch>
-            <a:fillRect/>
-          </a:stretch>
-        </p:blipFill>
-        <p:spPr>
-          <a:xfrm>
-            <a:off x="1304149" y="2400074"/>
-            <a:ext cx="4512875" cy="2198052"/>
-          </a:xfrm>
-        </p:spPr>
-      </p:pic>
-      <p:sp>
-        <p:nvSpPr>
-          <p:cNvPr id="6" name="5 CuadroTexto"/>
-          <p:cNvSpPr txBox="1"/>
-          <p:nvPr/>
-        </p:nvSpPr>
-        <p:spPr>
-          <a:xfrm>
-            <a:off x="6583680" y="2704011"/>
-            <a:ext cx="4702629" cy="369332"/>
-          </a:xfrm>
-          <a:prstGeom prst="rect">
-            <a:avLst/>
-          </a:prstGeom>
-          <a:noFill/>
-        </p:spPr>
-        <p:txBody>
-          <a:bodyPr wrap="square" rtlCol="0">
-            <a:spAutoFit/>
-          </a:bodyPr>
-          <a:lstStyle/>
-          <a:p>
-            <a:r>
-              <a:rPr lang="es-ES" dirty="0" smtClean="0"/>
-              <a:t>Tutoriales </a:t>
-            </a:r>
-            <a:r>
-              <a:rPr lang="es-ES" dirty="0" err="1" smtClean="0"/>
-              <a:t>Aircrack</a:t>
-            </a:r>
-            <a:r>
-              <a:rPr lang="es-ES" dirty="0" smtClean="0"/>
-              <a:t>-NG</a:t>
-            </a:r>
-            <a:endParaRPr lang="es-ES" dirty="0"/>
+            <a:br>
+              <a:rPr lang="es-ES" sz="4800" b="1" dirty="0"/>
+            </a:br>
+            <a:br>
+              <a:rPr lang="es-ES" sz="4800" b="1" dirty="0"/>
+            </a:br>
+            <a:br>
+              <a:rPr lang="es-ES" sz="4800" b="1" dirty="0"/>
+            </a:br>
+            <a:br>
+              <a:rPr lang="es-ES" sz="4800" b="1" dirty="0"/>
+            </a:br>
+            <a:r>
+              <a:rPr lang="es-ES" sz="7300" b="1" dirty="0"/>
+              <a:t>Fuentes de información (cursos gratuitos)</a:t>
+            </a:r>
+            <a:endParaRPr lang="es-ES" sz="4800" b="1" dirty="0"/>
           </a:p>
         </p:txBody>
       </p:sp>
     </p:spTree>
     <p:extLst>
       <p:ext uri="{BB962C8B-B14F-4D97-AF65-F5344CB8AC3E}">
-        <p14:creationId xmlns:p14="http://schemas.microsoft.com/office/powerpoint/2010/main" xmlns="" val="1853866790"/>
+        <p14:creationId xmlns:p14="http://schemas.microsoft.com/office/powerpoint/2010/main" val="33740604"/>
       </p:ext>
     </p:extLst>
   </p:cSld>
@@ -9580,7 +9698,7 @@
           <p:cNvPr id="8" name="Título 1">
             <a:extLst>
               <a:ext uri="{FF2B5EF4-FFF2-40B4-BE49-F238E27FC236}">
-                <a16:creationId xmlns:a16="http://schemas.microsoft.com/office/drawing/2014/main" xmlns="" id="{838AE204-C6DD-4B2D-AB01-E442527CDB2F}"/>
+                <a16:creationId xmlns:a16="http://schemas.microsoft.com/office/drawing/2014/main" id="{838AE204-C6DD-4B2D-AB01-E442527CDB2F}"/>
               </a:ext>
             </a:extLst>
           </p:cNvPr>
@@ -9604,16 +9722,50 @@
           <a:lstStyle/>
           <a:p>
             <a:r>
-              <a:rPr lang="es-ES" sz="5400" dirty="0" smtClean="0"/>
-              <a:t>CURSOS AIRCRACK-NG</a:t>
-            </a:r>
-            <a:endParaRPr lang="es-ES" sz="5400" dirty="0"/>
+              <a:rPr lang="es-ES" sz="5400" dirty="0"/>
+              <a:t>CURSOS GENERALES</a:t>
+            </a:r>
+          </a:p>
+        </p:txBody>
+      </p:sp>
+      <p:sp>
+        <p:nvSpPr>
+          <p:cNvPr id="9" name="CuadroTexto 8">
+            <a:extLst>
+              <a:ext uri="{FF2B5EF4-FFF2-40B4-BE49-F238E27FC236}">
+                <a16:creationId xmlns:a16="http://schemas.microsoft.com/office/drawing/2014/main" id="{95E1959A-94D3-49A0-8F48-B893C53CDC72}"/>
+              </a:ext>
+            </a:extLst>
+          </p:cNvPr>
+          <p:cNvSpPr txBox="1"/>
+          <p:nvPr/>
+        </p:nvSpPr>
+        <p:spPr>
+          <a:xfrm>
+            <a:off x="5609338" y="3402874"/>
+            <a:ext cx="6739416" cy="523220"/>
+          </a:xfrm>
+          <a:prstGeom prst="rect">
+            <a:avLst/>
+          </a:prstGeom>
+          <a:noFill/>
+        </p:spPr>
+        <p:txBody>
+          <a:bodyPr wrap="square" rtlCol="0">
+            <a:spAutoFit/>
+          </a:bodyPr>
+          <a:lstStyle/>
+          <a:p>
+            <a:r>
+              <a:rPr lang="es-ES" sz="2800" b="1" dirty="0"/>
+              <a:t>Curso online de seguridad informática </a:t>
+            </a:r>
           </a:p>
         </p:txBody>
       </p:sp>
       <p:pic>
         <p:nvPicPr>
-          <p:cNvPr id="7170" name="Picture 2" descr="D:\Sistemas de informacion\Tercer curso\Segundo Cuatrimestre\Desarollo con tecnologias emergentes\Trabajo TG1\Fotos\19-03-2018 22-09-18.png"/>
+          <p:cNvPr id="3074" name="Picture 2" descr="D:\Sistemas de informacion\Tercer curso\Segundo Cuatrimestre\Desarollo con tecnologias emergentes\Trabajo TG1\Fotos\Miriada-logo.jpg"/>
           <p:cNvPicPr>
             <a:picLocks noGrp="1" noChangeAspect="1" noChangeArrowheads="1"/>
           </p:cNvPicPr>
@@ -9630,8 +9782,8 @@
         </p:blipFill>
         <p:spPr bwMode="auto">
           <a:xfrm>
-            <a:off x="1320127" y="3221834"/>
-            <a:ext cx="3987698" cy="1350166"/>
+            <a:off x="917054" y="2735716"/>
+            <a:ext cx="4543425" cy="2333625"/>
           </a:xfrm>
           <a:prstGeom prst="rect">
             <a:avLst/>
@@ -9639,40 +9791,10 @@
           <a:noFill/>
         </p:spPr>
       </p:pic>
-      <p:sp>
-        <p:nvSpPr>
-          <p:cNvPr id="6" name="5 CuadroTexto"/>
-          <p:cNvSpPr txBox="1"/>
-          <p:nvPr/>
-        </p:nvSpPr>
-        <p:spPr>
-          <a:xfrm>
-            <a:off x="5891349" y="3487783"/>
-            <a:ext cx="5669280" cy="584775"/>
-          </a:xfrm>
-          <a:prstGeom prst="rect">
-            <a:avLst/>
-          </a:prstGeom>
-          <a:noFill/>
-        </p:spPr>
-        <p:txBody>
-          <a:bodyPr wrap="square" rtlCol="0">
-            <a:spAutoFit/>
-          </a:bodyPr>
-          <a:lstStyle/>
-          <a:p>
-            <a:r>
-              <a:rPr lang="es-ES" sz="3200" b="1" dirty="0" smtClean="0"/>
-              <a:t>Curso de hacking  pkred.com</a:t>
-            </a:r>
-            <a:endParaRPr lang="es-ES" sz="3200" b="1" dirty="0"/>
-          </a:p>
-        </p:txBody>
-      </p:sp>
     </p:spTree>
     <p:extLst>
       <p:ext uri="{BB962C8B-B14F-4D97-AF65-F5344CB8AC3E}">
-        <p14:creationId xmlns:p14="http://schemas.microsoft.com/office/powerpoint/2010/main" xmlns="" val="1853866790"/>
+        <p14:creationId xmlns:p14="http://schemas.microsoft.com/office/powerpoint/2010/main" val="1853866790"/>
       </p:ext>
     </p:extLst>
   </p:cSld>
@@ -9704,7 +9826,7 @@
           <p:cNvPr id="8" name="Título 1">
             <a:extLst>
               <a:ext uri="{FF2B5EF4-FFF2-40B4-BE49-F238E27FC236}">
-                <a16:creationId xmlns:a16="http://schemas.microsoft.com/office/drawing/2014/main" xmlns="" id="{838AE204-C6DD-4B2D-AB01-E442527CDB2F}"/>
+                <a16:creationId xmlns:a16="http://schemas.microsoft.com/office/drawing/2014/main" id="{838AE204-C6DD-4B2D-AB01-E442527CDB2F}"/>
               </a:ext>
             </a:extLst>
           </p:cNvPr>
@@ -9728,16 +9850,55 @@
           <a:lstStyle/>
           <a:p>
             <a:r>
-              <a:rPr lang="es-ES" sz="5400" dirty="0" smtClean="0"/>
-              <a:t>CURSOS AIRCRACK-NG</a:t>
-            </a:r>
-            <a:endParaRPr lang="es-ES" sz="5400" dirty="0"/>
+              <a:rPr lang="es-ES" sz="5400" dirty="0"/>
+              <a:t>CURSOS GENERALES</a:t>
+            </a:r>
+          </a:p>
+        </p:txBody>
+      </p:sp>
+      <p:sp>
+        <p:nvSpPr>
+          <p:cNvPr id="9" name="CuadroTexto 8">
+            <a:extLst>
+              <a:ext uri="{FF2B5EF4-FFF2-40B4-BE49-F238E27FC236}">
+                <a16:creationId xmlns:a16="http://schemas.microsoft.com/office/drawing/2014/main" id="{95E1959A-94D3-49A0-8F48-B893C53CDC72}"/>
+              </a:ext>
+            </a:extLst>
+          </p:cNvPr>
+          <p:cNvSpPr txBox="1"/>
+          <p:nvPr/>
+        </p:nvSpPr>
+        <p:spPr>
+          <a:xfrm>
+            <a:off x="5609338" y="3402874"/>
+            <a:ext cx="6739416" cy="523220"/>
+          </a:xfrm>
+          <a:prstGeom prst="rect">
+            <a:avLst/>
+          </a:prstGeom>
+          <a:noFill/>
+        </p:spPr>
+        <p:txBody>
+          <a:bodyPr wrap="square" rtlCol="0">
+            <a:spAutoFit/>
+          </a:bodyPr>
+          <a:lstStyle/>
+          <a:p>
+            <a:r>
+              <a:rPr lang="es-ES" sz="2800" b="1" dirty="0"/>
+              <a:t>Curso de seguridad </a:t>
+            </a:r>
+            <a:r>
+              <a:rPr lang="es-ES" sz="2800" b="1" dirty="0" err="1"/>
+              <a:t>esetec</a:t>
+            </a:r>
+            <a:endParaRPr lang="es-ES" sz="2800" b="1" dirty="0"/>
           </a:p>
         </p:txBody>
       </p:sp>
       <p:pic>
         <p:nvPicPr>
-          <p:cNvPr id="8194" name="Picture 2" descr="D:\Sistemas de informacion\Tercer curso\Segundo Cuatrimestre\Desarollo con tecnologias emergentes\Trabajo TG1\Fotos\337238_574c_2.jpg"/>
+          <p:cNvPr id="4098" name="Picture 2" descr="D:\Sistemas de informacion\Tercer curso\Segundo Cuatrimestre\Desarollo con tecnologias emergentes\Trabajo TG1\Fotos\51715.jpg"/>
           <p:cNvPicPr>
             <a:picLocks noGrp="1" noChangeAspect="1" noChangeArrowheads="1"/>
           </p:cNvPicPr>
@@ -9754,8 +9915,8 @@
         </p:blipFill>
         <p:spPr bwMode="auto">
           <a:xfrm>
-            <a:off x="1055822" y="2373948"/>
-            <a:ext cx="4974425" cy="2798943"/>
+            <a:off x="1337867" y="2649472"/>
+            <a:ext cx="3839462" cy="2183783"/>
           </a:xfrm>
           <a:prstGeom prst="rect">
             <a:avLst/>
@@ -9763,76 +9924,10 @@
           <a:noFill/>
         </p:spPr>
       </p:pic>
-      <p:sp>
-        <p:nvSpPr>
-          <p:cNvPr id="6" name="5 CuadroTexto"/>
-          <p:cNvSpPr txBox="1"/>
-          <p:nvPr/>
-        </p:nvSpPr>
-        <p:spPr>
-          <a:xfrm>
-            <a:off x="6126480" y="2913019"/>
-            <a:ext cx="5891348" cy="1200329"/>
-          </a:xfrm>
-          <a:prstGeom prst="rect">
-            <a:avLst/>
-          </a:prstGeom>
-          <a:noFill/>
-        </p:spPr>
-        <p:txBody>
-          <a:bodyPr wrap="square" rtlCol="0">
-            <a:spAutoFit/>
-          </a:bodyPr>
-          <a:lstStyle/>
-          <a:p>
-            <a:r>
-              <a:rPr lang="es-ES" sz="2400" b="1" dirty="0" smtClean="0"/>
-              <a:t>Curso sobre “</a:t>
-            </a:r>
-            <a:r>
-              <a:rPr lang="es-ES" sz="2400" b="1" dirty="0" err="1" smtClean="0"/>
-              <a:t>Wireless</a:t>
-            </a:r>
-            <a:r>
-              <a:rPr lang="es-ES" sz="2400" b="1" dirty="0" smtClean="0"/>
-              <a:t> </a:t>
-            </a:r>
-            <a:r>
-              <a:rPr lang="es-ES" sz="2400" b="1" dirty="0" err="1" smtClean="0"/>
-              <a:t>penetration</a:t>
-            </a:r>
-            <a:r>
-              <a:rPr lang="es-ES" sz="2400" b="1" dirty="0" smtClean="0"/>
-              <a:t> </a:t>
-            </a:r>
-            <a:r>
-              <a:rPr lang="es-ES" sz="2400" b="1" dirty="0" err="1" smtClean="0"/>
-              <a:t>testing</a:t>
-            </a:r>
-            <a:r>
-              <a:rPr lang="es-ES" sz="2400" b="1" dirty="0" smtClean="0"/>
-              <a:t> con </a:t>
-            </a:r>
-            <a:r>
-              <a:rPr lang="es-ES" sz="2400" b="1" dirty="0" err="1" smtClean="0"/>
-              <a:t>Kali</a:t>
-            </a:r>
-            <a:r>
-              <a:rPr lang="es-ES" sz="2400" b="1" dirty="0" smtClean="0"/>
-              <a:t> Linux</a:t>
-            </a:r>
-            <a:r>
-              <a:rPr lang="es-ES" sz="2400" b="1" dirty="0" smtClean="0"/>
-              <a:t>” impartido por Marcos Mendoza.</a:t>
-            </a:r>
-            <a:endParaRPr lang="es-ES" sz="2400" b="1" dirty="0"/>
-          </a:p>
-        </p:txBody>
-      </p:sp>
     </p:spTree>
     <p:extLst>
       <p:ext uri="{BB962C8B-B14F-4D97-AF65-F5344CB8AC3E}">
-        <p14:creationId xmlns:p14="http://schemas.microsoft.com/office/powerpoint/2010/main" xmlns="" val="1853866790"/>
+        <p14:creationId xmlns:p14="http://schemas.microsoft.com/office/powerpoint/2010/main" val="1853866790"/>
       </p:ext>
     </p:extLst>
   </p:cSld>
@@ -9864,7 +9959,7 @@
           <p:cNvPr id="8" name="Título 1">
             <a:extLst>
               <a:ext uri="{FF2B5EF4-FFF2-40B4-BE49-F238E27FC236}">
-                <a16:creationId xmlns:a16="http://schemas.microsoft.com/office/drawing/2014/main" xmlns="" id="{838AE204-C6DD-4B2D-AB01-E442527CDB2F}"/>
+                <a16:creationId xmlns:a16="http://schemas.microsoft.com/office/drawing/2014/main" id="{838AE204-C6DD-4B2D-AB01-E442527CDB2F}"/>
               </a:ext>
             </a:extLst>
           </p:cNvPr>
@@ -9888,20 +9983,55 @@
           <a:lstStyle/>
           <a:p>
             <a:r>
-              <a:rPr lang="es-ES" sz="4400" dirty="0" smtClean="0"/>
-              <a:t>CURSOS </a:t>
-            </a:r>
-            <a:r>
-              <a:rPr lang="es-ES" sz="4400" dirty="0" smtClean="0"/>
-              <a:t>FERN WIFI WIRELESS CRACKER</a:t>
-            </a:r>
-            <a:endParaRPr lang="es-ES" sz="4400" dirty="0"/>
+              <a:rPr lang="es-ES" sz="5400" dirty="0"/>
+              <a:t>CURSOS GENERALES</a:t>
+            </a:r>
+          </a:p>
+        </p:txBody>
+      </p:sp>
+      <p:sp>
+        <p:nvSpPr>
+          <p:cNvPr id="9" name="CuadroTexto 8">
+            <a:extLst>
+              <a:ext uri="{FF2B5EF4-FFF2-40B4-BE49-F238E27FC236}">
+                <a16:creationId xmlns:a16="http://schemas.microsoft.com/office/drawing/2014/main" id="{95E1959A-94D3-49A0-8F48-B893C53CDC72}"/>
+              </a:ext>
+            </a:extLst>
+          </p:cNvPr>
+          <p:cNvSpPr txBox="1"/>
+          <p:nvPr/>
+        </p:nvSpPr>
+        <p:spPr>
+          <a:xfrm>
+            <a:off x="5609338" y="3402874"/>
+            <a:ext cx="6739416" cy="523220"/>
+          </a:xfrm>
+          <a:prstGeom prst="rect">
+            <a:avLst/>
+          </a:prstGeom>
+          <a:noFill/>
+        </p:spPr>
+        <p:txBody>
+          <a:bodyPr wrap="square" rtlCol="0">
+            <a:spAutoFit/>
+          </a:bodyPr>
+          <a:lstStyle/>
+          <a:p>
+            <a:r>
+              <a:rPr lang="es-ES" sz="2800" b="1" dirty="0"/>
+              <a:t>Curso hacking </a:t>
+            </a:r>
+            <a:r>
+              <a:rPr lang="es-ES" sz="2800" b="1" dirty="0" err="1"/>
+              <a:t>edutin</a:t>
+            </a:r>
+            <a:endParaRPr lang="es-ES" sz="2800" b="1" dirty="0"/>
           </a:p>
         </p:txBody>
       </p:sp>
       <p:pic>
         <p:nvPicPr>
-          <p:cNvPr id="9218" name="Picture 2" descr="D:\Sistemas de informacion\Tercer curso\Segundo Cuatrimestre\Desarollo con tecnologias emergentes\Trabajo TG1\Fotos\110a1-fern-wifi-cracker.png"/>
+          <p:cNvPr id="5122" name="Picture 2" descr="D:\Sistemas de informacion\Tercer curso\Segundo Cuatrimestre\Desarollo con tecnologias emergentes\Trabajo TG1\Fotos\descarga.png"/>
           <p:cNvPicPr>
             <a:picLocks noGrp="1" noChangeAspect="1" noChangeArrowheads="1"/>
           </p:cNvPicPr>
@@ -9918,8 +10048,8 @@
         </p:blipFill>
         <p:spPr bwMode="auto">
           <a:xfrm>
-            <a:off x="1339284" y="2353491"/>
-            <a:ext cx="3124200" cy="3124200"/>
+            <a:off x="1299414" y="3135494"/>
+            <a:ext cx="3704603" cy="1122998"/>
           </a:xfrm>
           <a:prstGeom prst="rect">
             <a:avLst/>
@@ -9927,64 +10057,10 @@
           <a:noFill/>
         </p:spPr>
       </p:pic>
-      <p:sp>
-        <p:nvSpPr>
-          <p:cNvPr id="7" name="6 CuadroTexto"/>
-          <p:cNvSpPr txBox="1"/>
-          <p:nvPr/>
-        </p:nvSpPr>
-        <p:spPr>
-          <a:xfrm>
-            <a:off x="5316582" y="3082834"/>
-            <a:ext cx="6544492" cy="954107"/>
-          </a:xfrm>
-          <a:prstGeom prst="rect">
-            <a:avLst/>
-          </a:prstGeom>
-          <a:noFill/>
-        </p:spPr>
-        <p:txBody>
-          <a:bodyPr wrap="square" rtlCol="0">
-            <a:spAutoFit/>
-          </a:bodyPr>
-          <a:lstStyle/>
-          <a:p>
-            <a:r>
-              <a:rPr lang="es-ES" sz="2800" b="1" dirty="0" smtClean="0"/>
-              <a:t>Curso sobre “</a:t>
-            </a:r>
-            <a:r>
-              <a:rPr lang="es-ES" sz="2800" b="1" dirty="0" err="1" smtClean="0"/>
-              <a:t>Hackear</a:t>
-            </a:r>
-            <a:r>
-              <a:rPr lang="es-ES" sz="2800" b="1" dirty="0" smtClean="0"/>
-              <a:t> redes WPA con </a:t>
-            </a:r>
-            <a:r>
-              <a:rPr lang="es-ES" sz="2800" b="1" dirty="0" err="1" smtClean="0"/>
-              <a:t>Fern</a:t>
-            </a:r>
-            <a:r>
-              <a:rPr lang="es-ES" sz="2800" b="1" dirty="0" smtClean="0"/>
-              <a:t> </a:t>
-            </a:r>
-            <a:r>
-              <a:rPr lang="es-ES" sz="2800" b="1" dirty="0" err="1" smtClean="0"/>
-              <a:t>Wifi</a:t>
-            </a:r>
-            <a:r>
-              <a:rPr lang="es-ES" sz="2800" b="1" dirty="0" smtClean="0"/>
-              <a:t> Cracker” </a:t>
-            </a:r>
-            <a:endParaRPr lang="es-ES" sz="2800" b="1" dirty="0"/>
-          </a:p>
-        </p:txBody>
-      </p:sp>
     </p:spTree>
     <p:extLst>
       <p:ext uri="{BB962C8B-B14F-4D97-AF65-F5344CB8AC3E}">
-        <p14:creationId xmlns:p14="http://schemas.microsoft.com/office/powerpoint/2010/main" xmlns="" val="1853866790"/>
+        <p14:creationId xmlns:p14="http://schemas.microsoft.com/office/powerpoint/2010/main" val="1853866790"/>
       </p:ext>
     </p:extLst>
   </p:cSld>
@@ -10016,7 +10092,7 @@
           <p:cNvPr id="8" name="Título 1">
             <a:extLst>
               <a:ext uri="{FF2B5EF4-FFF2-40B4-BE49-F238E27FC236}">
-                <a16:creationId xmlns:a16="http://schemas.microsoft.com/office/drawing/2014/main" xmlns="" id="{838AE204-C6DD-4B2D-AB01-E442527CDB2F}"/>
+                <a16:creationId xmlns:a16="http://schemas.microsoft.com/office/drawing/2014/main" id="{838AE204-C6DD-4B2D-AB01-E442527CDB2F}"/>
               </a:ext>
             </a:extLst>
           </p:cNvPr>
@@ -10040,20 +10116,63 @@
           <a:lstStyle/>
           <a:p>
             <a:r>
-              <a:rPr lang="es-ES" sz="4400" dirty="0" smtClean="0"/>
-              <a:t>CURSOS </a:t>
-            </a:r>
-            <a:r>
-              <a:rPr lang="es-ES" sz="4400" dirty="0" smtClean="0"/>
-              <a:t>FERN WIFI WIRELESS CRACKER</a:t>
-            </a:r>
-            <a:endParaRPr lang="es-ES" sz="4400" dirty="0"/>
+              <a:rPr lang="es-ES" sz="5400" dirty="0"/>
+              <a:t>CURSOS GENERALES</a:t>
+            </a:r>
+          </a:p>
+        </p:txBody>
+      </p:sp>
+      <p:sp>
+        <p:nvSpPr>
+          <p:cNvPr id="9" name="CuadroTexto 8">
+            <a:extLst>
+              <a:ext uri="{FF2B5EF4-FFF2-40B4-BE49-F238E27FC236}">
+                <a16:creationId xmlns:a16="http://schemas.microsoft.com/office/drawing/2014/main" id="{95E1959A-94D3-49A0-8F48-B893C53CDC72}"/>
+              </a:ext>
+            </a:extLst>
+          </p:cNvPr>
+          <p:cNvSpPr txBox="1"/>
+          <p:nvPr/>
+        </p:nvSpPr>
+        <p:spPr>
+          <a:xfrm>
+            <a:off x="3662972" y="4251959"/>
+            <a:ext cx="6739416" cy="523220"/>
+          </a:xfrm>
+          <a:prstGeom prst="rect">
+            <a:avLst/>
+          </a:prstGeom>
+          <a:noFill/>
+        </p:spPr>
+        <p:txBody>
+          <a:bodyPr wrap="square" rtlCol="0">
+            <a:spAutoFit/>
+          </a:bodyPr>
+          <a:lstStyle/>
+          <a:p>
+            <a:r>
+              <a:rPr lang="es-ES" sz="2800" b="1" dirty="0"/>
+              <a:t>Curso de </a:t>
+            </a:r>
+            <a:r>
+              <a:rPr lang="es-ES" sz="2800" b="1" dirty="0" err="1"/>
+              <a:t>craking</a:t>
+            </a:r>
+            <a:r>
+              <a:rPr lang="es-ES" sz="2800" b="1" dirty="0"/>
+              <a:t> de Ricardo </a:t>
+            </a:r>
+            <a:r>
+              <a:rPr lang="es-ES" sz="2800" b="1" dirty="0" err="1"/>
+              <a:t>Narvaja</a:t>
+            </a:r>
+            <a:endParaRPr lang="es-ES" sz="2800" b="1" dirty="0"/>
           </a:p>
         </p:txBody>
       </p:sp>
       <p:pic>
         <p:nvPicPr>
-          <p:cNvPr id="10242" name="Picture 2" descr="D:\Sistemas de informacion\Tercer curso\Segundo Cuatrimestre\Desarollo con tecnologias emergentes\Trabajo TG1\Fotos\ht.png"/>
+          <p:cNvPr id="6146" name="Picture 2" descr="D:\Sistemas de informacion\Tercer curso\Segundo Cuatrimestre\Desarollo con tecnologias emergentes\Trabajo TG1\Fotos\19-03-2018 22-01-04.png"/>
           <p:cNvPicPr>
             <a:picLocks noGrp="1" noChangeAspect="1" noChangeArrowheads="1"/>
           </p:cNvPicPr>
@@ -10070,8 +10189,8 @@
         </p:blipFill>
         <p:spPr bwMode="auto">
           <a:xfrm>
-            <a:off x="3196618" y="2107373"/>
-            <a:ext cx="6921673" cy="1563290"/>
+            <a:off x="3758725" y="2315346"/>
+            <a:ext cx="5809524" cy="1476191"/>
           </a:xfrm>
           <a:prstGeom prst="rect">
             <a:avLst/>
@@ -10079,52 +10198,10 @@
           <a:noFill/>
         </p:spPr>
       </p:pic>
-      <p:sp>
-        <p:nvSpPr>
-          <p:cNvPr id="6" name="5 CuadroTexto"/>
-          <p:cNvSpPr txBox="1"/>
-          <p:nvPr/>
-        </p:nvSpPr>
-        <p:spPr>
-          <a:xfrm>
-            <a:off x="3043646" y="4219304"/>
-            <a:ext cx="7733211" cy="830997"/>
-          </a:xfrm>
-          <a:prstGeom prst="rect">
-            <a:avLst/>
-          </a:prstGeom>
-          <a:noFill/>
-        </p:spPr>
-        <p:txBody>
-          <a:bodyPr wrap="square" rtlCol="0">
-            <a:spAutoFit/>
-          </a:bodyPr>
-          <a:lstStyle/>
-          <a:p>
-            <a:r>
-              <a:rPr lang="es-ES" sz="2400" b="1" dirty="0" smtClean="0"/>
-              <a:t>Curso sobre “</a:t>
-            </a:r>
-            <a:r>
-              <a:rPr lang="en-US" sz="2400" b="1" dirty="0" smtClean="0"/>
-              <a:t>Cracking WPA2 with Fern WIFI </a:t>
-            </a:r>
-            <a:r>
-              <a:rPr lang="en-US" sz="2400" b="1" dirty="0" smtClean="0"/>
-              <a:t>cracker</a:t>
-            </a:r>
-            <a:r>
-              <a:rPr lang="es-ES" sz="2400" b="1" dirty="0" smtClean="0"/>
-              <a:t>” en la web hackthis.co.uk</a:t>
-            </a:r>
-            <a:endParaRPr lang="en-US" sz="2400" b="1" dirty="0" smtClean="0"/>
-          </a:p>
-        </p:txBody>
-      </p:sp>
     </p:spTree>
     <p:extLst>
       <p:ext uri="{BB962C8B-B14F-4D97-AF65-F5344CB8AC3E}">
-        <p14:creationId xmlns:p14="http://schemas.microsoft.com/office/powerpoint/2010/main" xmlns="" val="1853866790"/>
+        <p14:creationId xmlns:p14="http://schemas.microsoft.com/office/powerpoint/2010/main" val="1853866790"/>
       </p:ext>
     </p:extLst>
   </p:cSld>
@@ -10153,10 +10230,10 @@
       </p:grpSpPr>
       <p:sp>
         <p:nvSpPr>
-          <p:cNvPr id="2" name="Título 1">
+          <p:cNvPr id="8" name="Título 1">
             <a:extLst>
               <a:ext uri="{FF2B5EF4-FFF2-40B4-BE49-F238E27FC236}">
-                <a16:creationId xmlns:a16="http://schemas.microsoft.com/office/drawing/2014/main" xmlns="" id="{FBD9E5A4-5370-4DA9-A647-51FE54C60D94}"/>
+                <a16:creationId xmlns:a16="http://schemas.microsoft.com/office/drawing/2014/main" id="{838AE204-C6DD-4B2D-AB01-E442527CDB2F}"/>
               </a:ext>
             </a:extLst>
           </p:cNvPr>
@@ -10167,53 +10244,94 @@
             <p:ph type="title"/>
           </p:nvPr>
         </p:nvSpPr>
-        <p:spPr/>
+        <p:spPr>
+          <a:xfrm>
+            <a:off x="1484311" y="296214"/>
+            <a:ext cx="10018713" cy="1752599"/>
+          </a:xfrm>
+        </p:spPr>
         <p:txBody>
           <a:bodyPr>
-            <a:normAutofit fontScale="90000"/>
+            <a:normAutofit/>
           </a:bodyPr>
           <a:lstStyle/>
           <a:p>
             <a:r>
-              <a:rPr lang="es-ES" sz="4800" b="1" dirty="0"/>
-              <a:t/>
-            </a:r>
-            <a:br>
-              <a:rPr lang="es-ES" sz="4800" b="1" dirty="0"/>
-            </a:br>
-            <a:r>
-              <a:rPr lang="es-ES" sz="4800" b="1" dirty="0"/>
-              <a:t/>
-            </a:r>
-            <a:br>
-              <a:rPr lang="es-ES" sz="4800" b="1" dirty="0"/>
-            </a:br>
-            <a:r>
-              <a:rPr lang="es-ES" sz="4800" b="1" dirty="0"/>
-              <a:t/>
-            </a:r>
-            <a:br>
-              <a:rPr lang="es-ES" sz="4800" b="1" dirty="0"/>
-            </a:br>
-            <a:r>
-              <a:rPr lang="es-ES" sz="4800" b="1" dirty="0"/>
-              <a:t/>
-            </a:r>
-            <a:br>
-              <a:rPr lang="es-ES" sz="4800" b="1" dirty="0"/>
-            </a:br>
-            <a:r>
-              <a:rPr lang="es-ES" sz="8000" b="1" dirty="0" smtClean="0"/>
-              <a:t> Ayudas para estudiar las tecnologías</a:t>
-            </a:r>
-            <a:endParaRPr lang="es-ES" sz="4800" b="1" dirty="0"/>
+              <a:rPr lang="es-ES" sz="5400" dirty="0"/>
+              <a:t>CURSOS AIRCRACK-NG</a:t>
+            </a:r>
+          </a:p>
+        </p:txBody>
+      </p:sp>
+      <p:pic>
+        <p:nvPicPr>
+          <p:cNvPr id="6" name="Marcador de contenido 4">
+            <a:extLst>
+              <a:ext uri="{FF2B5EF4-FFF2-40B4-BE49-F238E27FC236}">
+                <a16:creationId xmlns:a16="http://schemas.microsoft.com/office/drawing/2014/main" id="{1348B7E0-BDF7-4C73-AF6B-C8290C8E4F84}"/>
+              </a:ext>
+            </a:extLst>
+          </p:cNvPr>
+          <p:cNvPicPr>
+            <a:picLocks noGrp="1" noChangeAspect="1"/>
+          </p:cNvPicPr>
+          <p:nvPr>
+            <p:ph idx="1"/>
+          </p:nvPr>
+        </p:nvPicPr>
+        <p:blipFill>
+          <a:blip r:embed="rId2" cstate="print">
+            <a:extLst>
+              <a:ext uri="{28A0092B-C50C-407E-A947-70E740481C1C}">
+                <a14:useLocalDpi xmlns:a14="http://schemas.microsoft.com/office/drawing/2010/main" val="0"/>
+              </a:ext>
+            </a:extLst>
+          </a:blip>
+          <a:stretch>
+            <a:fillRect/>
+          </a:stretch>
+        </p:blipFill>
+        <p:spPr>
+          <a:xfrm>
+            <a:off x="2441891" y="2209024"/>
+            <a:ext cx="6986592" cy="1651376"/>
+          </a:xfrm>
+        </p:spPr>
+      </p:pic>
+      <p:sp>
+        <p:nvSpPr>
+          <p:cNvPr id="7" name="6 CuadroTexto"/>
+          <p:cNvSpPr txBox="1"/>
+          <p:nvPr/>
+        </p:nvSpPr>
+        <p:spPr>
+          <a:xfrm>
+            <a:off x="3252652" y="4310742"/>
+            <a:ext cx="6518366" cy="523220"/>
+          </a:xfrm>
+          <a:prstGeom prst="rect">
+            <a:avLst/>
+          </a:prstGeom>
+          <a:noFill/>
+        </p:spPr>
+        <p:txBody>
+          <a:bodyPr wrap="square" rtlCol="0">
+            <a:spAutoFit/>
+          </a:bodyPr>
+          <a:lstStyle/>
+          <a:p>
+            <a:pPr algn="ctr"/>
+            <a:r>
+              <a:rPr lang="es-ES" sz="2800" b="1" dirty="0"/>
+              <a:t>Curso de dragonJAR.org</a:t>
+            </a:r>
           </a:p>
         </p:txBody>
       </p:sp>
     </p:spTree>
     <p:extLst>
       <p:ext uri="{BB962C8B-B14F-4D97-AF65-F5344CB8AC3E}">
-        <p14:creationId xmlns:p14="http://schemas.microsoft.com/office/powerpoint/2010/main" xmlns="" val="1418678560"/>
+        <p14:creationId xmlns:p14="http://schemas.microsoft.com/office/powerpoint/2010/main" val="1853866790"/>
       </p:ext>
     </p:extLst>
   </p:cSld>
@@ -10242,10 +10360,10 @@
       </p:grpSpPr>
       <p:sp>
         <p:nvSpPr>
-          <p:cNvPr id="2" name="Título 1">
+          <p:cNvPr id="8" name="Título 1">
             <a:extLst>
               <a:ext uri="{FF2B5EF4-FFF2-40B4-BE49-F238E27FC236}">
-                <a16:creationId xmlns:a16="http://schemas.microsoft.com/office/drawing/2014/main" xmlns="" id="{6BAE3F2D-3FC2-4518-A197-DE7D9F2A5183}"/>
+                <a16:creationId xmlns:a16="http://schemas.microsoft.com/office/drawing/2014/main" id="{838AE204-C6DD-4B2D-AB01-E442527CDB2F}"/>
               </a:ext>
             </a:extLst>
           </p:cNvPr>
@@ -10258,28 +10376,29 @@
         </p:nvSpPr>
         <p:spPr>
           <a:xfrm>
-            <a:off x="1484312" y="721896"/>
-            <a:ext cx="3549121" cy="926432"/>
-          </a:xfrm>
-        </p:spPr>
-        <p:txBody>
-          <a:bodyPr/>
-          <a:lstStyle/>
-          <a:p>
-            <a:r>
-              <a:rPr lang="es-ES"/>
-              <a:t>BECAS DE CARÁCTER GENERAL </a:t>
-            </a:r>
-            <a:endParaRPr lang="es-ES" dirty="0"/>
+            <a:off x="1484311" y="296214"/>
+            <a:ext cx="10018713" cy="1752599"/>
+          </a:xfrm>
+        </p:spPr>
+        <p:txBody>
+          <a:bodyPr>
+            <a:normAutofit/>
+          </a:bodyPr>
+          <a:lstStyle/>
+          <a:p>
+            <a:r>
+              <a:rPr lang="es-ES" sz="5400" dirty="0"/>
+              <a:t>CURSOS AIRCRACK-NG</a:t>
+            </a:r>
           </a:p>
         </p:txBody>
       </p:sp>
       <p:pic>
         <p:nvPicPr>
-          <p:cNvPr id="5" name="Marcador de contenido 4">
+          <p:cNvPr id="4" name="Marcador de contenido 4">
             <a:extLst>
               <a:ext uri="{FF2B5EF4-FFF2-40B4-BE49-F238E27FC236}">
-                <a16:creationId xmlns:a16="http://schemas.microsoft.com/office/drawing/2014/main" xmlns="" id="{CFC5D1F2-E23A-416E-BF31-DFF5083C7696}"/>
+                <a16:creationId xmlns:a16="http://schemas.microsoft.com/office/drawing/2014/main" id="{A60F805A-1BA5-4F47-A9AA-DB758A2386CE}"/>
               </a:ext>
             </a:extLst>
           </p:cNvPr>
@@ -10291,267 +10410,65 @@
           </p:nvPr>
         </p:nvPicPr>
         <p:blipFill>
-          <a:blip r:embed="rId2" cstate="print"/>
+          <a:blip r:embed="rId2" cstate="print">
+            <a:extLst>
+              <a:ext uri="{28A0092B-C50C-407E-A947-70E740481C1C}">
+                <a14:useLocalDpi xmlns:a14="http://schemas.microsoft.com/office/drawing/2010/main" val="0"/>
+              </a:ext>
+            </a:extLst>
+          </a:blip>
           <a:stretch>
             <a:fillRect/>
           </a:stretch>
         </p:blipFill>
         <p:spPr>
           <a:xfrm>
-            <a:off x="5683828" y="2623073"/>
-            <a:ext cx="5729910" cy="1756422"/>
+            <a:off x="1304149" y="2400074"/>
+            <a:ext cx="4512875" cy="2198052"/>
+          </a:xfrm>
+        </p:spPr>
+      </p:pic>
+      <p:sp>
+        <p:nvSpPr>
+          <p:cNvPr id="6" name="5 CuadroTexto"/>
+          <p:cNvSpPr txBox="1"/>
+          <p:nvPr/>
+        </p:nvSpPr>
+        <p:spPr>
+          <a:xfrm>
+            <a:off x="6583680" y="2704011"/>
+            <a:ext cx="4702629" cy="369332"/>
           </a:xfrm>
           <a:prstGeom prst="rect">
             <a:avLst/>
           </a:prstGeom>
-        </p:spPr>
-      </p:pic>
-      <p:sp>
-        <p:nvSpPr>
-          <p:cNvPr id="4" name="Marcador de texto 3">
-            <a:extLst>
-              <a:ext uri="{FF2B5EF4-FFF2-40B4-BE49-F238E27FC236}">
-                <a16:creationId xmlns:a16="http://schemas.microsoft.com/office/drawing/2014/main" xmlns="" id="{439717E3-E765-4128-8E40-6C8713D75B95}"/>
-              </a:ext>
-            </a:extLst>
-          </p:cNvPr>
-          <p:cNvSpPr>
-            <a:spLocks noGrp="1"/>
-          </p:cNvSpPr>
-          <p:nvPr>
-            <p:ph type="body" sz="half" idx="2"/>
-          </p:nvPr>
-        </p:nvSpPr>
-        <p:spPr>
-          <a:xfrm>
-            <a:off x="1484312" y="1997241"/>
-            <a:ext cx="3549121" cy="4138863"/>
-          </a:xfrm>
-        </p:spPr>
-        <p:txBody>
-          <a:bodyPr>
-            <a:normAutofit lnSpcReduction="10000"/>
+          <a:noFill/>
+        </p:spPr>
+        <p:txBody>
+          <a:bodyPr wrap="square" rtlCol="0">
+            <a:spAutoFit/>
           </a:bodyPr>
           <a:lstStyle/>
           <a:p>
-            <a:pPr lvl="0" algn="l">
-              <a:spcBef>
-                <a:spcPts val="0"/>
-              </a:spcBef>
-              <a:spcAft>
-                <a:spcPts val="0"/>
-              </a:spcAft>
-              <a:defRPr sz="1800" b="0" i="0" u="none" strike="noStrike" kern="0" cap="none" spc="0" baseline="0">
-                <a:solidFill>
-                  <a:srgbClr val="000000"/>
-                </a:solidFill>
-                <a:uFillTx/>
-              </a:defRPr>
-            </a:pPr>
-            <a:r>
-              <a:rPr lang="es-ES" dirty="0">
-                <a:solidFill>
-                  <a:srgbClr val="000000"/>
-                </a:solidFill>
-                <a:latin typeface="Corbel" panose="020B0503020204020204" pitchFamily="34" charset="0"/>
-              </a:rPr>
-              <a:t>BECAS DEL MINISTERIO DE EDUCACION Y CIENCIAS </a:t>
-            </a:r>
-          </a:p>
-          <a:p>
-            <a:pPr lvl="0" algn="l">
-              <a:spcBef>
-                <a:spcPts val="0"/>
-              </a:spcBef>
-              <a:spcAft>
-                <a:spcPts val="0"/>
-              </a:spcAft>
-              <a:defRPr sz="1800" b="0" i="0" u="none" strike="noStrike" kern="0" cap="none" spc="0" baseline="0">
-                <a:solidFill>
-                  <a:srgbClr val="000000"/>
-                </a:solidFill>
-                <a:uFillTx/>
-              </a:defRPr>
-            </a:pPr>
-            <a:endParaRPr lang="es-ES" dirty="0">
-              <a:solidFill>
-                <a:srgbClr val="000000"/>
-              </a:solidFill>
-              <a:latin typeface="Corbel" panose="020B0503020204020204" pitchFamily="34" charset="0"/>
-            </a:endParaRPr>
-          </a:p>
-          <a:p>
-            <a:pPr lvl="0" algn="l">
-              <a:spcBef>
-                <a:spcPts val="0"/>
-              </a:spcBef>
-              <a:spcAft>
-                <a:spcPts val="0"/>
-              </a:spcAft>
-              <a:defRPr sz="1800" b="0" i="0" u="none" strike="noStrike" kern="0" cap="none" spc="0" baseline="0">
-                <a:solidFill>
-                  <a:srgbClr val="000000"/>
-                </a:solidFill>
-                <a:uFillTx/>
-              </a:defRPr>
-            </a:pPr>
-            <a:r>
-              <a:rPr lang="es-ES" dirty="0">
-                <a:solidFill>
-                  <a:srgbClr val="000000"/>
-                </a:solidFill>
-                <a:latin typeface="Corbel" panose="020B0503020204020204" pitchFamily="34" charset="0"/>
-              </a:rPr>
-              <a:t>NACIONALIDAD ESPAÑOLA  O UNION EUROPEA O TRABAJADOR EN ESPAÑA</a:t>
-            </a:r>
-          </a:p>
-          <a:p>
-            <a:pPr lvl="0" algn="l">
-              <a:spcBef>
-                <a:spcPts val="0"/>
-              </a:spcBef>
-              <a:spcAft>
-                <a:spcPts val="0"/>
-              </a:spcAft>
-              <a:defRPr sz="1800" b="0" i="0" u="none" strike="noStrike" kern="0" cap="none" spc="0" baseline="0">
-                <a:solidFill>
-                  <a:srgbClr val="000000"/>
-                </a:solidFill>
-                <a:uFillTx/>
-              </a:defRPr>
-            </a:pPr>
-            <a:endParaRPr lang="es-ES" dirty="0">
-              <a:solidFill>
-                <a:srgbClr val="000000"/>
-              </a:solidFill>
-              <a:latin typeface="Corbel" panose="020B0503020204020204" pitchFamily="34" charset="0"/>
-            </a:endParaRPr>
-          </a:p>
-          <a:p>
-            <a:pPr lvl="0" algn="l">
-              <a:spcBef>
-                <a:spcPts val="0"/>
-              </a:spcBef>
-              <a:spcAft>
-                <a:spcPts val="0"/>
-              </a:spcAft>
-              <a:defRPr sz="1800" b="0" i="0" u="none" strike="noStrike" kern="0" cap="none" spc="0" baseline="0">
-                <a:solidFill>
-                  <a:srgbClr val="000000"/>
-                </a:solidFill>
-                <a:uFillTx/>
-              </a:defRPr>
-            </a:pPr>
-            <a:endParaRPr lang="es-ES" dirty="0">
-              <a:solidFill>
-                <a:srgbClr val="000000"/>
-              </a:solidFill>
-              <a:latin typeface="Corbel" panose="020B0503020204020204" pitchFamily="34" charset="0"/>
-            </a:endParaRPr>
-          </a:p>
-          <a:p>
-            <a:pPr lvl="0" algn="l">
-              <a:spcBef>
-                <a:spcPts val="0"/>
-              </a:spcBef>
-              <a:spcAft>
-                <a:spcPts val="0"/>
-              </a:spcAft>
-              <a:defRPr sz="1800" b="0" i="0" u="none" strike="noStrike" kern="0" cap="none" spc="0" baseline="0">
-                <a:solidFill>
-                  <a:srgbClr val="000000"/>
-                </a:solidFill>
-                <a:uFillTx/>
-              </a:defRPr>
-            </a:pPr>
-            <a:r>
-              <a:rPr lang="es-ES" dirty="0">
-                <a:solidFill>
-                  <a:srgbClr val="000000"/>
-                </a:solidFill>
-                <a:latin typeface="Corbel" panose="020B0503020204020204" pitchFamily="34" charset="0"/>
-              </a:rPr>
-              <a:t>HABER APROBADO EL 60% EN GRADOS TECNICOS Y 80% EN OTRAS TITULACIONES </a:t>
-            </a:r>
-          </a:p>
-          <a:p>
-            <a:pPr lvl="0" algn="l">
-              <a:spcBef>
-                <a:spcPts val="0"/>
-              </a:spcBef>
-              <a:spcAft>
-                <a:spcPts val="0"/>
-              </a:spcAft>
-              <a:defRPr sz="1800" b="0" i="0" u="none" strike="noStrike" kern="0" cap="none" spc="0" baseline="0">
-                <a:solidFill>
-                  <a:srgbClr val="000000"/>
-                </a:solidFill>
-                <a:uFillTx/>
-              </a:defRPr>
-            </a:pPr>
-            <a:endParaRPr lang="es-ES" dirty="0">
-              <a:solidFill>
-                <a:srgbClr val="000000"/>
-              </a:solidFill>
-              <a:latin typeface="Corbel" panose="020B0503020204020204" pitchFamily="34" charset="0"/>
-            </a:endParaRPr>
-          </a:p>
-          <a:p>
-            <a:pPr lvl="0" algn="l">
-              <a:spcBef>
-                <a:spcPts val="0"/>
-              </a:spcBef>
-              <a:spcAft>
-                <a:spcPts val="0"/>
-              </a:spcAft>
-              <a:defRPr sz="1800" b="0" i="0" u="none" strike="noStrike" kern="0" cap="none" spc="0" baseline="0">
-                <a:solidFill>
-                  <a:srgbClr val="000000"/>
-                </a:solidFill>
-                <a:uFillTx/>
-              </a:defRPr>
-            </a:pPr>
-            <a:endParaRPr lang="es-ES" dirty="0">
-              <a:solidFill>
-                <a:srgbClr val="000000"/>
-              </a:solidFill>
-              <a:latin typeface="Corbel" panose="020B0503020204020204" pitchFamily="34" charset="0"/>
-            </a:endParaRPr>
-          </a:p>
-          <a:p>
-            <a:pPr lvl="0" algn="l">
-              <a:spcBef>
-                <a:spcPts val="0"/>
-              </a:spcBef>
-              <a:spcAft>
-                <a:spcPts val="0"/>
-              </a:spcAft>
-              <a:defRPr sz="1800" b="0" i="0" u="none" strike="noStrike" kern="0" cap="none" spc="0" baseline="0">
-                <a:solidFill>
-                  <a:srgbClr val="000000"/>
-                </a:solidFill>
-                <a:uFillTx/>
-              </a:defRPr>
-            </a:pPr>
-            <a:r>
-              <a:rPr lang="es-ES" dirty="0">
-                <a:solidFill>
-                  <a:srgbClr val="000000"/>
-                </a:solidFill>
-                <a:latin typeface="Corbel" panose="020B0503020204020204" pitchFamily="34" charset="0"/>
-              </a:rPr>
-              <a:t>DEPSNDIENDO DEL NIVEL ECONOMICO DE FAMILIA</a:t>
-            </a:r>
-          </a:p>
-          <a:p>
-            <a:endParaRPr lang="es-ES" dirty="0"/>
+            <a:r>
+              <a:rPr lang="es-ES" dirty="0"/>
+              <a:t>Tutoriales </a:t>
+            </a:r>
+            <a:r>
+              <a:rPr lang="es-ES" dirty="0" err="1"/>
+              <a:t>Aircrack</a:t>
+            </a:r>
+            <a:r>
+              <a:rPr lang="es-ES" dirty="0"/>
+              <a:t>-NG</a:t>
+            </a:r>
           </a:p>
         </p:txBody>
       </p:sp>
     </p:spTree>
     <p:extLst>
       <p:ext uri="{BB962C8B-B14F-4D97-AF65-F5344CB8AC3E}">
-        <p14:creationId xmlns:p14="http://schemas.microsoft.com/office/powerpoint/2010/main" xmlns="" val="3160781622"/>
+        <p14:creationId xmlns:p14="http://schemas.microsoft.com/office/powerpoint/2010/main" val="1853866790"/>
       </p:ext>
     </p:extLst>
   </p:cSld>
@@ -10580,10 +10497,10 @@
       </p:grpSpPr>
       <p:sp>
         <p:nvSpPr>
-          <p:cNvPr id="2" name="Título 1">
+          <p:cNvPr id="8" name="Título 1">
             <a:extLst>
               <a:ext uri="{FF2B5EF4-FFF2-40B4-BE49-F238E27FC236}">
-                <a16:creationId xmlns:a16="http://schemas.microsoft.com/office/drawing/2014/main" xmlns="" id="{BB85FC81-7A3A-4F97-9C25-16430D0B9ED6}"/>
+                <a16:creationId xmlns:a16="http://schemas.microsoft.com/office/drawing/2014/main" id="{838AE204-C6DD-4B2D-AB01-E442527CDB2F}"/>
               </a:ext>
             </a:extLst>
           </p:cNvPr>
@@ -10596,32 +10513,28 @@
         </p:nvSpPr>
         <p:spPr>
           <a:xfrm>
-            <a:off x="1484312" y="685799"/>
-            <a:ext cx="3549121" cy="565484"/>
-          </a:xfrm>
-        </p:spPr>
-        <p:txBody>
-          <a:bodyPr/>
-          <a:lstStyle/>
-          <a:p>
-            <a:r>
-              <a:rPr lang="es-ES" dirty="0"/>
-              <a:t>BECAS DE MOVILIDAD</a:t>
+            <a:off x="1484311" y="296214"/>
+            <a:ext cx="10018713" cy="1752599"/>
+          </a:xfrm>
+        </p:spPr>
+        <p:txBody>
+          <a:bodyPr>
+            <a:normAutofit/>
+          </a:bodyPr>
+          <a:lstStyle/>
+          <a:p>
+            <a:r>
+              <a:rPr lang="es-ES" sz="5400" dirty="0"/>
+              <a:t>CURSOS AIRCRACK-NG</a:t>
             </a:r>
           </a:p>
         </p:txBody>
       </p:sp>
       <p:pic>
         <p:nvPicPr>
-          <p:cNvPr id="5" name="Marcador de contenido 4">
-            <a:extLst>
-              <a:ext uri="{FF2B5EF4-FFF2-40B4-BE49-F238E27FC236}">
-                <a16:creationId xmlns:a16="http://schemas.microsoft.com/office/drawing/2014/main" xmlns="" id="{B9FBDEA7-A02A-48BD-8D4D-02CF155F90AB}"/>
-              </a:ext>
-            </a:extLst>
-          </p:cNvPr>
+          <p:cNvPr id="7170" name="Picture 2" descr="D:\Sistemas de informacion\Tercer curso\Segundo Cuatrimestre\Desarollo con tecnologias emergentes\Trabajo TG1\Fotos\19-03-2018 22-09-18.png"/>
           <p:cNvPicPr>
-            <a:picLocks noGrp="1" noChangeAspect="1"/>
+            <a:picLocks noGrp="1" noChangeAspect="1" noChangeArrowheads="1"/>
           </p:cNvPicPr>
           <p:nvPr>
             <p:ph idx="1"/>
@@ -10629,459 +10542,55 @@
         </p:nvPicPr>
         <p:blipFill>
           <a:blip r:embed="rId2" cstate="print"/>
+          <a:srcRect/>
           <a:stretch>
             <a:fillRect/>
           </a:stretch>
         </p:blipFill>
-        <p:spPr>
-          <a:xfrm>
-            <a:off x="6264442" y="1660358"/>
-            <a:ext cx="4761389" cy="969348"/>
+        <p:spPr bwMode="auto">
+          <a:xfrm>
+            <a:off x="1320127" y="3221834"/>
+            <a:ext cx="3987698" cy="1350166"/>
           </a:xfrm>
           <a:prstGeom prst="rect">
             <a:avLst/>
           </a:prstGeom>
+          <a:noFill/>
         </p:spPr>
       </p:pic>
       <p:sp>
         <p:nvSpPr>
-          <p:cNvPr id="4" name="Marcador de texto 3">
-            <a:extLst>
-              <a:ext uri="{FF2B5EF4-FFF2-40B4-BE49-F238E27FC236}">
-                <a16:creationId xmlns:a16="http://schemas.microsoft.com/office/drawing/2014/main" xmlns="" id="{81CC1F74-9147-4CAE-B1E1-6C13F084B291}"/>
-              </a:ext>
-            </a:extLst>
-          </p:cNvPr>
-          <p:cNvSpPr>
-            <a:spLocks noGrp="1"/>
-          </p:cNvSpPr>
-          <p:nvPr>
-            <p:ph type="body" sz="half" idx="2"/>
-          </p:nvPr>
-        </p:nvSpPr>
-        <p:spPr>
-          <a:xfrm>
-            <a:off x="1484312" y="1660358"/>
-            <a:ext cx="3549121" cy="4130842"/>
-          </a:xfrm>
-        </p:spPr>
-        <p:txBody>
-          <a:bodyPr>
-            <a:normAutofit fontScale="92500" lnSpcReduction="20000"/>
-          </a:bodyPr>
-          <a:lstStyle/>
-          <a:p>
-            <a:pPr lvl="0" algn="l">
-              <a:spcBef>
-                <a:spcPts val="0"/>
-              </a:spcBef>
-              <a:spcAft>
-                <a:spcPts val="0"/>
-              </a:spcAft>
-              <a:defRPr sz="1800" b="0" i="0" u="none" strike="noStrike" kern="0" cap="none" spc="0" baseline="0">
-                <a:solidFill>
-                  <a:srgbClr val="000000"/>
-                </a:solidFill>
-                <a:uFillTx/>
-              </a:defRPr>
-            </a:pPr>
-            <a:r>
-              <a:rPr lang="es-ES" dirty="0">
-                <a:solidFill>
-                  <a:srgbClr val="000000"/>
-                </a:solidFill>
-                <a:latin typeface="Corbel" panose="020B0503020204020204" pitchFamily="34" charset="0"/>
-              </a:rPr>
-              <a:t>ERASMUS</a:t>
-            </a:r>
-          </a:p>
-          <a:p>
-            <a:pPr lvl="0" algn="l">
-              <a:spcBef>
-                <a:spcPts val="0"/>
-              </a:spcBef>
-              <a:spcAft>
-                <a:spcPts val="0"/>
-              </a:spcAft>
-              <a:defRPr sz="1800" b="0" i="0" u="none" strike="noStrike" kern="0" cap="none" spc="0" baseline="0">
-                <a:solidFill>
-                  <a:srgbClr val="000000"/>
-                </a:solidFill>
-                <a:uFillTx/>
-              </a:defRPr>
-            </a:pPr>
-            <a:endParaRPr lang="es-ES" dirty="0">
-              <a:solidFill>
-                <a:srgbClr val="000000"/>
-              </a:solidFill>
-              <a:latin typeface="Corbel" panose="020B0503020204020204" pitchFamily="34" charset="0"/>
-            </a:endParaRPr>
-          </a:p>
-          <a:p>
-            <a:pPr marL="285750" lvl="0" indent="-285750" algn="l">
-              <a:spcBef>
-                <a:spcPts val="0"/>
-              </a:spcBef>
-              <a:spcAft>
-                <a:spcPts val="0"/>
-              </a:spcAft>
-              <a:buSzPct val="100000"/>
-              <a:buChar char="-"/>
-              <a:defRPr sz="1800" b="0" i="0" u="none" strike="noStrike" kern="0" cap="none" spc="0" baseline="0">
-                <a:solidFill>
-                  <a:srgbClr val="000000"/>
-                </a:solidFill>
-                <a:uFillTx/>
-              </a:defRPr>
-            </a:pPr>
-            <a:r>
-              <a:rPr lang="es-ES" dirty="0">
-                <a:solidFill>
-                  <a:srgbClr val="000000"/>
-                </a:solidFill>
-                <a:latin typeface="Corbel" panose="020B0503020204020204" pitchFamily="34" charset="0"/>
-              </a:rPr>
-              <a:t>PRIMERO APROBADO</a:t>
-            </a:r>
-          </a:p>
-          <a:p>
-            <a:pPr marL="285750" lvl="0" indent="-285750" algn="l">
-              <a:spcBef>
-                <a:spcPts val="0"/>
-              </a:spcBef>
-              <a:spcAft>
-                <a:spcPts val="0"/>
-              </a:spcAft>
-              <a:buSzPct val="100000"/>
-              <a:buChar char="-"/>
-              <a:defRPr sz="1800" b="0" i="0" u="none" strike="noStrike" kern="0" cap="none" spc="0" baseline="0">
-                <a:solidFill>
-                  <a:srgbClr val="000000"/>
-                </a:solidFill>
-                <a:uFillTx/>
-              </a:defRPr>
-            </a:pPr>
-            <a:endParaRPr lang="es-ES" dirty="0">
-              <a:solidFill>
-                <a:srgbClr val="000000"/>
-              </a:solidFill>
-              <a:latin typeface="Corbel" panose="020B0503020204020204" pitchFamily="34" charset="0"/>
-            </a:endParaRPr>
-          </a:p>
-          <a:p>
-            <a:pPr marL="285750" lvl="0" indent="-285750" algn="l">
-              <a:spcBef>
-                <a:spcPts val="0"/>
-              </a:spcBef>
-              <a:spcAft>
-                <a:spcPts val="0"/>
-              </a:spcAft>
-              <a:buSzPct val="100000"/>
-              <a:buChar char="-"/>
-              <a:defRPr sz="1800" b="0" i="0" u="none" strike="noStrike" kern="0" cap="none" spc="0" baseline="0">
-                <a:solidFill>
-                  <a:srgbClr val="000000"/>
-                </a:solidFill>
-                <a:uFillTx/>
-              </a:defRPr>
-            </a:pPr>
-            <a:r>
-              <a:rPr lang="es-ES" dirty="0">
-                <a:solidFill>
-                  <a:srgbClr val="000000"/>
-                </a:solidFill>
-                <a:latin typeface="Corbel" panose="020B0503020204020204" pitchFamily="34" charset="0"/>
-              </a:rPr>
-              <a:t>NIVEL MEDIO DE LENGUA DE PAIS DE DESTINO </a:t>
-            </a:r>
-          </a:p>
-          <a:p>
-            <a:pPr marL="285750" lvl="0" indent="-285750" algn="l">
-              <a:spcBef>
-                <a:spcPts val="0"/>
-              </a:spcBef>
-              <a:spcAft>
-                <a:spcPts val="0"/>
-              </a:spcAft>
-              <a:buSzPct val="100000"/>
-              <a:buChar char="-"/>
-              <a:defRPr sz="1800" b="0" i="0" u="none" strike="noStrike" kern="0" cap="none" spc="0" baseline="0">
-                <a:solidFill>
-                  <a:srgbClr val="000000"/>
-                </a:solidFill>
-                <a:uFillTx/>
-              </a:defRPr>
-            </a:pPr>
-            <a:endParaRPr lang="es-ES" dirty="0">
-              <a:solidFill>
-                <a:srgbClr val="000000"/>
-              </a:solidFill>
-              <a:latin typeface="Corbel" panose="020B0503020204020204" pitchFamily="34" charset="0"/>
-            </a:endParaRPr>
-          </a:p>
-          <a:p>
-            <a:pPr marL="285750" lvl="0" indent="-285750" algn="l">
-              <a:spcBef>
-                <a:spcPts val="0"/>
-              </a:spcBef>
-              <a:spcAft>
-                <a:spcPts val="0"/>
-              </a:spcAft>
-              <a:buSzPct val="100000"/>
-              <a:buChar char="-"/>
-              <a:defRPr sz="1800" b="0" i="0" u="none" strike="noStrike" kern="0" cap="none" spc="0" baseline="0">
-                <a:solidFill>
-                  <a:srgbClr val="000000"/>
-                </a:solidFill>
-                <a:uFillTx/>
-              </a:defRPr>
-            </a:pPr>
-            <a:endParaRPr lang="es-ES" dirty="0">
-              <a:solidFill>
-                <a:srgbClr val="000000"/>
-              </a:solidFill>
-              <a:latin typeface="Corbel" panose="020B0503020204020204" pitchFamily="34" charset="0"/>
-            </a:endParaRPr>
-          </a:p>
-          <a:p>
-            <a:pPr marL="285750" lvl="0" indent="-285750" algn="l">
-              <a:spcBef>
-                <a:spcPts val="0"/>
-              </a:spcBef>
-              <a:spcAft>
-                <a:spcPts val="0"/>
-              </a:spcAft>
-              <a:buSzPct val="100000"/>
-              <a:buChar char="-"/>
-              <a:defRPr sz="1800" b="0" i="0" u="none" strike="noStrike" kern="0" cap="none" spc="0" baseline="0">
-                <a:solidFill>
-                  <a:srgbClr val="000000"/>
-                </a:solidFill>
-                <a:uFillTx/>
-              </a:defRPr>
-            </a:pPr>
-            <a:endParaRPr lang="es-ES" dirty="0">
-              <a:solidFill>
-                <a:srgbClr val="000000"/>
-              </a:solidFill>
-              <a:latin typeface="Corbel" panose="020B0503020204020204" pitchFamily="34" charset="0"/>
-            </a:endParaRPr>
-          </a:p>
-          <a:p>
-            <a:pPr lvl="0" algn="l">
-              <a:spcBef>
-                <a:spcPts val="0"/>
-              </a:spcBef>
-              <a:spcAft>
-                <a:spcPts val="0"/>
-              </a:spcAft>
-              <a:defRPr sz="1800" b="0" i="0" u="none" strike="noStrike" kern="0" cap="none" spc="0" baseline="0">
-                <a:solidFill>
-                  <a:srgbClr val="000000"/>
-                </a:solidFill>
-                <a:uFillTx/>
-              </a:defRPr>
-            </a:pPr>
-            <a:r>
-              <a:rPr lang="es-ES" dirty="0">
-                <a:solidFill>
-                  <a:srgbClr val="000000"/>
-                </a:solidFill>
-                <a:latin typeface="Corbel" panose="020B0503020204020204" pitchFamily="34" charset="0"/>
-              </a:rPr>
-              <a:t>BECAS SICUE</a:t>
-            </a:r>
-          </a:p>
-          <a:p>
-            <a:pPr lvl="0" algn="l">
-              <a:spcBef>
-                <a:spcPts val="0"/>
-              </a:spcBef>
-              <a:spcAft>
-                <a:spcPts val="0"/>
-              </a:spcAft>
-              <a:defRPr sz="1800" b="0" i="0" u="none" strike="noStrike" kern="0" cap="none" spc="0" baseline="0">
-                <a:solidFill>
-                  <a:srgbClr val="000000"/>
-                </a:solidFill>
-                <a:uFillTx/>
-              </a:defRPr>
-            </a:pPr>
-            <a:endParaRPr lang="es-ES" dirty="0">
-              <a:solidFill>
-                <a:srgbClr val="000000"/>
-              </a:solidFill>
-              <a:latin typeface="Corbel" panose="020B0503020204020204" pitchFamily="34" charset="0"/>
-            </a:endParaRPr>
-          </a:p>
-          <a:p>
-            <a:pPr marL="285750" lvl="0" indent="-285750" algn="l">
-              <a:spcBef>
-                <a:spcPts val="0"/>
-              </a:spcBef>
-              <a:spcAft>
-                <a:spcPts val="0"/>
-              </a:spcAft>
-              <a:buSzPct val="100000"/>
-              <a:buChar char="-"/>
-              <a:defRPr sz="1800" b="0" i="0" u="none" strike="noStrike" kern="0" cap="none" spc="0" baseline="0">
-                <a:solidFill>
-                  <a:srgbClr val="000000"/>
-                </a:solidFill>
-                <a:uFillTx/>
-              </a:defRPr>
-            </a:pPr>
-            <a:r>
-              <a:rPr lang="es-ES" dirty="0">
-                <a:solidFill>
-                  <a:srgbClr val="000000"/>
-                </a:solidFill>
-                <a:latin typeface="Corbel" panose="020B0503020204020204" pitchFamily="34" charset="0"/>
-              </a:rPr>
-              <a:t>NOTA MEDIA </a:t>
-            </a:r>
-          </a:p>
-          <a:p>
-            <a:pPr marL="285750" lvl="0" indent="-285750" algn="l">
-              <a:spcBef>
-                <a:spcPts val="0"/>
-              </a:spcBef>
-              <a:spcAft>
-                <a:spcPts val="0"/>
-              </a:spcAft>
-              <a:buSzPct val="100000"/>
-              <a:buChar char="-"/>
-              <a:defRPr sz="1800" b="0" i="0" u="none" strike="noStrike" kern="0" cap="none" spc="0" baseline="0">
-                <a:solidFill>
-                  <a:srgbClr val="000000"/>
-                </a:solidFill>
-                <a:uFillTx/>
-              </a:defRPr>
-            </a:pPr>
-            <a:endParaRPr lang="es-ES" dirty="0">
-              <a:solidFill>
-                <a:srgbClr val="000000"/>
-              </a:solidFill>
-              <a:latin typeface="Corbel" panose="020B0503020204020204" pitchFamily="34" charset="0"/>
-            </a:endParaRPr>
-          </a:p>
-          <a:p>
-            <a:pPr marL="285750" lvl="0" indent="-285750" algn="l">
-              <a:spcBef>
-                <a:spcPts val="0"/>
-              </a:spcBef>
-              <a:spcAft>
-                <a:spcPts val="0"/>
-              </a:spcAft>
-              <a:buSzPct val="100000"/>
-              <a:buChar char="-"/>
-              <a:defRPr sz="1800" b="0" i="0" u="none" strike="noStrike" kern="0" cap="none" spc="0" baseline="0">
-                <a:solidFill>
-                  <a:srgbClr val="000000"/>
-                </a:solidFill>
-                <a:uFillTx/>
-              </a:defRPr>
-            </a:pPr>
-            <a:r>
-              <a:rPr lang="es-ES" dirty="0">
-                <a:solidFill>
-                  <a:srgbClr val="000000"/>
-                </a:solidFill>
-                <a:latin typeface="Corbel" panose="020B0503020204020204" pitchFamily="34" charset="0"/>
-              </a:rPr>
-              <a:t>NUMERO DE CREDITOS APROBADOS</a:t>
-            </a:r>
-          </a:p>
-          <a:p>
-            <a:pPr marL="285750" lvl="0" indent="-285750" algn="l">
-              <a:spcBef>
-                <a:spcPts val="0"/>
-              </a:spcBef>
-              <a:spcAft>
-                <a:spcPts val="0"/>
-              </a:spcAft>
-              <a:buSzPct val="100000"/>
-              <a:buChar char="-"/>
-              <a:defRPr sz="1800" b="0" i="0" u="none" strike="noStrike" kern="0" cap="none" spc="0" baseline="0">
-                <a:solidFill>
-                  <a:srgbClr val="000000"/>
-                </a:solidFill>
-                <a:uFillTx/>
-              </a:defRPr>
-            </a:pPr>
-            <a:endParaRPr lang="es-ES" dirty="0">
-              <a:solidFill>
-                <a:srgbClr val="000000"/>
-              </a:solidFill>
-              <a:latin typeface="Corbel" panose="020B0503020204020204" pitchFamily="34" charset="0"/>
-            </a:endParaRPr>
-          </a:p>
-          <a:p>
-            <a:pPr marL="285750" lvl="0" indent="-285750" algn="l">
-              <a:spcBef>
-                <a:spcPts val="0"/>
-              </a:spcBef>
-              <a:spcAft>
-                <a:spcPts val="0"/>
-              </a:spcAft>
-              <a:buSzPct val="100000"/>
-              <a:buChar char="-"/>
-              <a:defRPr sz="1800" b="0" i="0" u="none" strike="noStrike" kern="0" cap="none" spc="0" baseline="0">
-                <a:solidFill>
-                  <a:srgbClr val="000000"/>
-                </a:solidFill>
-                <a:uFillTx/>
-              </a:defRPr>
-            </a:pPr>
-            <a:r>
-              <a:rPr lang="es-ES" dirty="0">
-                <a:solidFill>
-                  <a:srgbClr val="000000"/>
-                </a:solidFill>
-                <a:latin typeface="Corbel" panose="020B0503020204020204" pitchFamily="34" charset="0"/>
-              </a:rPr>
-              <a:t>ASIGNATURAS OBLIGATORIAS DEL GRADO </a:t>
-            </a:r>
-          </a:p>
-          <a:p>
-            <a:endParaRPr lang="es-ES" dirty="0"/>
-          </a:p>
-        </p:txBody>
-      </p:sp>
-      <p:pic>
-        <p:nvPicPr>
-          <p:cNvPr id="6" name="Imagen 5">
-            <a:extLst>
-              <a:ext uri="{FF2B5EF4-FFF2-40B4-BE49-F238E27FC236}">
-                <a16:creationId xmlns:a16="http://schemas.microsoft.com/office/drawing/2014/main" xmlns="" id="{10E9D202-42D8-4B49-B526-6F7784B9DF53}"/>
-              </a:ext>
-            </a:extLst>
-          </p:cNvPr>
-          <p:cNvPicPr>
-            <a:picLocks noChangeAspect="1"/>
-          </p:cNvPicPr>
+          <p:cNvPr id="6" name="5 CuadroTexto"/>
+          <p:cNvSpPr txBox="1"/>
           <p:nvPr/>
-        </p:nvPicPr>
-        <p:blipFill>
-          <a:blip r:embed="rId3" cstate="print"/>
-          <a:stretch>
-            <a:fillRect/>
-          </a:stretch>
-        </p:blipFill>
-        <p:spPr>
-          <a:xfrm>
-            <a:off x="7158569" y="2977222"/>
-            <a:ext cx="3140533" cy="3038568"/>
+        </p:nvSpPr>
+        <p:spPr>
+          <a:xfrm>
+            <a:off x="5891349" y="3487783"/>
+            <a:ext cx="5669280" cy="584775"/>
           </a:xfrm>
           <a:prstGeom prst="rect">
             <a:avLst/>
           </a:prstGeom>
-        </p:spPr>
-      </p:pic>
+          <a:noFill/>
+        </p:spPr>
+        <p:txBody>
+          <a:bodyPr wrap="square" rtlCol="0">
+            <a:spAutoFit/>
+          </a:bodyPr>
+          <a:lstStyle/>
+          <a:p>
+            <a:r>
+              <a:rPr lang="es-ES" sz="3200" b="1" dirty="0"/>
+              <a:t>Curso de hacking  pkred.com</a:t>
+            </a:r>
+          </a:p>
+        </p:txBody>
+      </p:sp>
     </p:spTree>
     <p:extLst>
       <p:ext uri="{BB962C8B-B14F-4D97-AF65-F5344CB8AC3E}">
-        <p14:creationId xmlns:p14="http://schemas.microsoft.com/office/powerpoint/2010/main" xmlns="" val="1759327517"/>
+        <p14:creationId xmlns:p14="http://schemas.microsoft.com/office/powerpoint/2010/main" val="1853866790"/>
       </p:ext>
     </p:extLst>
   </p:cSld>
@@ -11108,12 +10617,1457 @@
           <a:chExt cx="0" cy="0"/>
         </a:xfrm>
       </p:grpSpPr>
+      <p:sp>
+        <p:nvSpPr>
+          <p:cNvPr id="8" name="Título 1">
+            <a:extLst>
+              <a:ext uri="{FF2B5EF4-FFF2-40B4-BE49-F238E27FC236}">
+                <a16:creationId xmlns:a16="http://schemas.microsoft.com/office/drawing/2014/main" id="{838AE204-C6DD-4B2D-AB01-E442527CDB2F}"/>
+              </a:ext>
+            </a:extLst>
+          </p:cNvPr>
+          <p:cNvSpPr>
+            <a:spLocks noGrp="1"/>
+          </p:cNvSpPr>
+          <p:nvPr>
+            <p:ph type="title"/>
+          </p:nvPr>
+        </p:nvSpPr>
+        <p:spPr>
+          <a:xfrm>
+            <a:off x="1484311" y="296214"/>
+            <a:ext cx="10018713" cy="1752599"/>
+          </a:xfrm>
+        </p:spPr>
+        <p:txBody>
+          <a:bodyPr>
+            <a:normAutofit/>
+          </a:bodyPr>
+          <a:lstStyle/>
+          <a:p>
+            <a:r>
+              <a:rPr lang="es-ES" sz="5400" dirty="0"/>
+              <a:t>CURSOS AIRCRACK-NG</a:t>
+            </a:r>
+          </a:p>
+        </p:txBody>
+      </p:sp>
+      <p:pic>
+        <p:nvPicPr>
+          <p:cNvPr id="8194" name="Picture 2" descr="D:\Sistemas de informacion\Tercer curso\Segundo Cuatrimestre\Desarollo con tecnologias emergentes\Trabajo TG1\Fotos\337238_574c_2.jpg"/>
+          <p:cNvPicPr>
+            <a:picLocks noGrp="1" noChangeAspect="1" noChangeArrowheads="1"/>
+          </p:cNvPicPr>
+          <p:nvPr>
+            <p:ph idx="1"/>
+          </p:nvPr>
+        </p:nvPicPr>
+        <p:blipFill>
+          <a:blip r:embed="rId2" cstate="print"/>
+          <a:srcRect/>
+          <a:stretch>
+            <a:fillRect/>
+          </a:stretch>
+        </p:blipFill>
+        <p:spPr bwMode="auto">
+          <a:xfrm>
+            <a:off x="1055822" y="2373948"/>
+            <a:ext cx="4974425" cy="2798943"/>
+          </a:xfrm>
+          <a:prstGeom prst="rect">
+            <a:avLst/>
+          </a:prstGeom>
+          <a:noFill/>
+        </p:spPr>
+      </p:pic>
+      <p:sp>
+        <p:nvSpPr>
+          <p:cNvPr id="6" name="5 CuadroTexto"/>
+          <p:cNvSpPr txBox="1"/>
+          <p:nvPr/>
+        </p:nvSpPr>
+        <p:spPr>
+          <a:xfrm>
+            <a:off x="6126480" y="2913019"/>
+            <a:ext cx="5891348" cy="1200329"/>
+          </a:xfrm>
+          <a:prstGeom prst="rect">
+            <a:avLst/>
+          </a:prstGeom>
+          <a:noFill/>
+        </p:spPr>
+        <p:txBody>
+          <a:bodyPr wrap="square" rtlCol="0">
+            <a:spAutoFit/>
+          </a:bodyPr>
+          <a:lstStyle/>
+          <a:p>
+            <a:r>
+              <a:rPr lang="es-ES" sz="2400" b="1" dirty="0"/>
+              <a:t>Curso sobre “</a:t>
+            </a:r>
+            <a:r>
+              <a:rPr lang="es-ES" sz="2400" b="1" dirty="0" err="1"/>
+              <a:t>Wireless</a:t>
+            </a:r>
+            <a:r>
+              <a:rPr lang="es-ES" sz="2400" b="1" dirty="0"/>
+              <a:t> </a:t>
+            </a:r>
+            <a:r>
+              <a:rPr lang="es-ES" sz="2400" b="1" dirty="0" err="1"/>
+              <a:t>penetration</a:t>
+            </a:r>
+            <a:r>
+              <a:rPr lang="es-ES" sz="2400" b="1" dirty="0"/>
+              <a:t> </a:t>
+            </a:r>
+            <a:r>
+              <a:rPr lang="es-ES" sz="2400" b="1" dirty="0" err="1"/>
+              <a:t>testing</a:t>
+            </a:r>
+            <a:r>
+              <a:rPr lang="es-ES" sz="2400" b="1" dirty="0"/>
+              <a:t> con </a:t>
+            </a:r>
+            <a:r>
+              <a:rPr lang="es-ES" sz="2400" b="1" dirty="0" err="1"/>
+              <a:t>Kali</a:t>
+            </a:r>
+            <a:r>
+              <a:rPr lang="es-ES" sz="2400" b="1" dirty="0"/>
+              <a:t> Linux” impartido por Marcos Mendoza.</a:t>
+            </a:r>
+          </a:p>
+        </p:txBody>
+      </p:sp>
+    </p:spTree>
+    <p:extLst>
+      <p:ext uri="{BB962C8B-B14F-4D97-AF65-F5344CB8AC3E}">
+        <p14:creationId xmlns:p14="http://schemas.microsoft.com/office/powerpoint/2010/main" val="1853866790"/>
+      </p:ext>
+    </p:extLst>
+  </p:cSld>
+  <p:clrMapOvr>
+    <a:masterClrMapping/>
+  </p:clrMapOvr>
+</p:sld>
+</file>
+
+<file path=ppt/slides/slide4.xml><?xml version="1.0" encoding="utf-8"?>
+<p:sld xmlns:a="http://schemas.openxmlformats.org/drawingml/2006/main" xmlns:r="http://schemas.openxmlformats.org/officeDocument/2006/relationships" xmlns:p="http://schemas.openxmlformats.org/presentationml/2006/main">
+  <p:cSld>
+    <p:spTree>
+      <p:nvGrpSpPr>
+        <p:cNvPr id="1" name=""/>
+        <p:cNvGrpSpPr/>
+        <p:nvPr/>
+      </p:nvGrpSpPr>
+      <p:grpSpPr>
+        <a:xfrm>
+          <a:off x="0" y="0"/>
+          <a:ext cx="0" cy="0"/>
+          <a:chOff x="0" y="0"/>
+          <a:chExt cx="0" cy="0"/>
+        </a:xfrm>
+      </p:grpSpPr>
+      <p:sp>
+        <p:nvSpPr>
+          <p:cNvPr id="2" name="Título 1">
+            <a:extLst>
+              <a:ext uri="{FF2B5EF4-FFF2-40B4-BE49-F238E27FC236}">
+                <a16:creationId xmlns:a16="http://schemas.microsoft.com/office/drawing/2014/main" id="{FBD9E5A4-5370-4DA9-A647-51FE54C60D94}"/>
+              </a:ext>
+            </a:extLst>
+          </p:cNvPr>
+          <p:cNvSpPr>
+            <a:spLocks noGrp="1"/>
+          </p:cNvSpPr>
+          <p:nvPr>
+            <p:ph type="title"/>
+          </p:nvPr>
+        </p:nvSpPr>
+        <p:spPr/>
+        <p:txBody>
+          <a:bodyPr>
+            <a:normAutofit fontScale="90000"/>
+          </a:bodyPr>
+          <a:lstStyle/>
+          <a:p>
+            <a:br>
+              <a:rPr lang="es-ES" sz="4800" b="1" dirty="0"/>
+            </a:br>
+            <a:br>
+              <a:rPr lang="es-ES" sz="4800" b="1" dirty="0"/>
+            </a:br>
+            <a:br>
+              <a:rPr lang="es-ES" sz="4800" b="1" dirty="0"/>
+            </a:br>
+            <a:br>
+              <a:rPr lang="es-ES" sz="4800" b="1" dirty="0"/>
+            </a:br>
+            <a:r>
+              <a:rPr lang="es-ES" sz="7300" b="1" dirty="0"/>
+              <a:t>Fuentes de información</a:t>
+            </a:r>
+            <a:endParaRPr lang="es-ES" sz="4800" b="1" dirty="0"/>
+          </a:p>
+        </p:txBody>
+      </p:sp>
+    </p:spTree>
+    <p:extLst>
+      <p:ext uri="{BB962C8B-B14F-4D97-AF65-F5344CB8AC3E}">
+        <p14:creationId xmlns:p14="http://schemas.microsoft.com/office/powerpoint/2010/main" val="1418678560"/>
+      </p:ext>
+    </p:extLst>
+  </p:cSld>
+  <p:clrMapOvr>
+    <a:masterClrMapping/>
+  </p:clrMapOvr>
+</p:sld>
+</file>
+
+<file path=ppt/slides/slide40.xml><?xml version="1.0" encoding="utf-8"?>
+<p:sld xmlns:a="http://schemas.openxmlformats.org/drawingml/2006/main" xmlns:r="http://schemas.openxmlformats.org/officeDocument/2006/relationships" xmlns:p="http://schemas.openxmlformats.org/presentationml/2006/main">
+  <p:cSld>
+    <p:spTree>
+      <p:nvGrpSpPr>
+        <p:cNvPr id="1" name=""/>
+        <p:cNvGrpSpPr/>
+        <p:nvPr/>
+      </p:nvGrpSpPr>
+      <p:grpSpPr>
+        <a:xfrm>
+          <a:off x="0" y="0"/>
+          <a:ext cx="0" cy="0"/>
+          <a:chOff x="0" y="0"/>
+          <a:chExt cx="0" cy="0"/>
+        </a:xfrm>
+      </p:grpSpPr>
+      <p:sp>
+        <p:nvSpPr>
+          <p:cNvPr id="8" name="Título 1">
+            <a:extLst>
+              <a:ext uri="{FF2B5EF4-FFF2-40B4-BE49-F238E27FC236}">
+                <a16:creationId xmlns:a16="http://schemas.microsoft.com/office/drawing/2014/main" id="{838AE204-C6DD-4B2D-AB01-E442527CDB2F}"/>
+              </a:ext>
+            </a:extLst>
+          </p:cNvPr>
+          <p:cNvSpPr>
+            <a:spLocks noGrp="1"/>
+          </p:cNvSpPr>
+          <p:nvPr>
+            <p:ph type="title"/>
+          </p:nvPr>
+        </p:nvSpPr>
+        <p:spPr>
+          <a:xfrm>
+            <a:off x="1484311" y="296214"/>
+            <a:ext cx="10018713" cy="1752599"/>
+          </a:xfrm>
+        </p:spPr>
+        <p:txBody>
+          <a:bodyPr>
+            <a:normAutofit/>
+          </a:bodyPr>
+          <a:lstStyle/>
+          <a:p>
+            <a:r>
+              <a:rPr lang="es-ES" sz="4400" dirty="0"/>
+              <a:t>CURSOS FERN WIFI WIRELESS CRACKER</a:t>
+            </a:r>
+          </a:p>
+        </p:txBody>
+      </p:sp>
+      <p:pic>
+        <p:nvPicPr>
+          <p:cNvPr id="9218" name="Picture 2" descr="D:\Sistemas de informacion\Tercer curso\Segundo Cuatrimestre\Desarollo con tecnologias emergentes\Trabajo TG1\Fotos\110a1-fern-wifi-cracker.png"/>
+          <p:cNvPicPr>
+            <a:picLocks noGrp="1" noChangeAspect="1" noChangeArrowheads="1"/>
+          </p:cNvPicPr>
+          <p:nvPr>
+            <p:ph idx="1"/>
+          </p:nvPr>
+        </p:nvPicPr>
+        <p:blipFill>
+          <a:blip r:embed="rId2" cstate="print"/>
+          <a:srcRect/>
+          <a:stretch>
+            <a:fillRect/>
+          </a:stretch>
+        </p:blipFill>
+        <p:spPr bwMode="auto">
+          <a:xfrm>
+            <a:off x="1339284" y="2353491"/>
+            <a:ext cx="3124200" cy="3124200"/>
+          </a:xfrm>
+          <a:prstGeom prst="rect">
+            <a:avLst/>
+          </a:prstGeom>
+          <a:noFill/>
+        </p:spPr>
+      </p:pic>
+      <p:sp>
+        <p:nvSpPr>
+          <p:cNvPr id="7" name="6 CuadroTexto"/>
+          <p:cNvSpPr txBox="1"/>
+          <p:nvPr/>
+        </p:nvSpPr>
+        <p:spPr>
+          <a:xfrm>
+            <a:off x="5316582" y="3082834"/>
+            <a:ext cx="6544492" cy="954107"/>
+          </a:xfrm>
+          <a:prstGeom prst="rect">
+            <a:avLst/>
+          </a:prstGeom>
+          <a:noFill/>
+        </p:spPr>
+        <p:txBody>
+          <a:bodyPr wrap="square" rtlCol="0">
+            <a:spAutoFit/>
+          </a:bodyPr>
+          <a:lstStyle/>
+          <a:p>
+            <a:r>
+              <a:rPr lang="es-ES" sz="2800" b="1" dirty="0"/>
+              <a:t>Curso sobre “</a:t>
+            </a:r>
+            <a:r>
+              <a:rPr lang="es-ES" sz="2800" b="1" dirty="0" err="1"/>
+              <a:t>Hackear</a:t>
+            </a:r>
+            <a:r>
+              <a:rPr lang="es-ES" sz="2800" b="1" dirty="0"/>
+              <a:t> redes WPA con </a:t>
+            </a:r>
+            <a:r>
+              <a:rPr lang="es-ES" sz="2800" b="1" dirty="0" err="1"/>
+              <a:t>Fern</a:t>
+            </a:r>
+            <a:r>
+              <a:rPr lang="es-ES" sz="2800" b="1" dirty="0"/>
+              <a:t> </a:t>
+            </a:r>
+            <a:r>
+              <a:rPr lang="es-ES" sz="2800" b="1" dirty="0" err="1"/>
+              <a:t>Wifi</a:t>
+            </a:r>
+            <a:r>
+              <a:rPr lang="es-ES" sz="2800" b="1" dirty="0"/>
+              <a:t> Cracker” </a:t>
+            </a:r>
+          </a:p>
+        </p:txBody>
+      </p:sp>
+    </p:spTree>
+    <p:extLst>
+      <p:ext uri="{BB962C8B-B14F-4D97-AF65-F5344CB8AC3E}">
+        <p14:creationId xmlns:p14="http://schemas.microsoft.com/office/powerpoint/2010/main" val="1853866790"/>
+      </p:ext>
+    </p:extLst>
+  </p:cSld>
+  <p:clrMapOvr>
+    <a:masterClrMapping/>
+  </p:clrMapOvr>
+</p:sld>
+</file>
+
+<file path=ppt/slides/slide41.xml><?xml version="1.0" encoding="utf-8"?>
+<p:sld xmlns:a="http://schemas.openxmlformats.org/drawingml/2006/main" xmlns:r="http://schemas.openxmlformats.org/officeDocument/2006/relationships" xmlns:p="http://schemas.openxmlformats.org/presentationml/2006/main">
+  <p:cSld>
+    <p:spTree>
+      <p:nvGrpSpPr>
+        <p:cNvPr id="1" name=""/>
+        <p:cNvGrpSpPr/>
+        <p:nvPr/>
+      </p:nvGrpSpPr>
+      <p:grpSpPr>
+        <a:xfrm>
+          <a:off x="0" y="0"/>
+          <a:ext cx="0" cy="0"/>
+          <a:chOff x="0" y="0"/>
+          <a:chExt cx="0" cy="0"/>
+        </a:xfrm>
+      </p:grpSpPr>
+      <p:sp>
+        <p:nvSpPr>
+          <p:cNvPr id="8" name="Título 1">
+            <a:extLst>
+              <a:ext uri="{FF2B5EF4-FFF2-40B4-BE49-F238E27FC236}">
+                <a16:creationId xmlns:a16="http://schemas.microsoft.com/office/drawing/2014/main" id="{838AE204-C6DD-4B2D-AB01-E442527CDB2F}"/>
+              </a:ext>
+            </a:extLst>
+          </p:cNvPr>
+          <p:cNvSpPr>
+            <a:spLocks noGrp="1"/>
+          </p:cNvSpPr>
+          <p:nvPr>
+            <p:ph type="title"/>
+          </p:nvPr>
+        </p:nvSpPr>
+        <p:spPr>
+          <a:xfrm>
+            <a:off x="1484311" y="296214"/>
+            <a:ext cx="10018713" cy="1752599"/>
+          </a:xfrm>
+        </p:spPr>
+        <p:txBody>
+          <a:bodyPr>
+            <a:normAutofit/>
+          </a:bodyPr>
+          <a:lstStyle/>
+          <a:p>
+            <a:r>
+              <a:rPr lang="es-ES" sz="4400" dirty="0"/>
+              <a:t>CURSOS FERN WIFI WIRELESS CRACKER</a:t>
+            </a:r>
+          </a:p>
+        </p:txBody>
+      </p:sp>
+      <p:pic>
+        <p:nvPicPr>
+          <p:cNvPr id="10242" name="Picture 2" descr="D:\Sistemas de informacion\Tercer curso\Segundo Cuatrimestre\Desarollo con tecnologias emergentes\Trabajo TG1\Fotos\ht.png"/>
+          <p:cNvPicPr>
+            <a:picLocks noGrp="1" noChangeAspect="1" noChangeArrowheads="1"/>
+          </p:cNvPicPr>
+          <p:nvPr>
+            <p:ph idx="1"/>
+          </p:nvPr>
+        </p:nvPicPr>
+        <p:blipFill>
+          <a:blip r:embed="rId2" cstate="print"/>
+          <a:srcRect/>
+          <a:stretch>
+            <a:fillRect/>
+          </a:stretch>
+        </p:blipFill>
+        <p:spPr bwMode="auto">
+          <a:xfrm>
+            <a:off x="3196618" y="2107373"/>
+            <a:ext cx="6921673" cy="1563290"/>
+          </a:xfrm>
+          <a:prstGeom prst="rect">
+            <a:avLst/>
+          </a:prstGeom>
+          <a:noFill/>
+        </p:spPr>
+      </p:pic>
+      <p:sp>
+        <p:nvSpPr>
+          <p:cNvPr id="6" name="5 CuadroTexto"/>
+          <p:cNvSpPr txBox="1"/>
+          <p:nvPr/>
+        </p:nvSpPr>
+        <p:spPr>
+          <a:xfrm>
+            <a:off x="3043646" y="4219304"/>
+            <a:ext cx="7733211" cy="830997"/>
+          </a:xfrm>
+          <a:prstGeom prst="rect">
+            <a:avLst/>
+          </a:prstGeom>
+          <a:noFill/>
+        </p:spPr>
+        <p:txBody>
+          <a:bodyPr wrap="square" rtlCol="0">
+            <a:spAutoFit/>
+          </a:bodyPr>
+          <a:lstStyle/>
+          <a:p>
+            <a:r>
+              <a:rPr lang="es-ES" sz="2400" b="1" dirty="0"/>
+              <a:t>Curso sobre “</a:t>
+            </a:r>
+            <a:r>
+              <a:rPr lang="en-US" sz="2400" b="1" dirty="0"/>
+              <a:t>Cracking WPA2 with Fern WIFI cracker</a:t>
+            </a:r>
+            <a:r>
+              <a:rPr lang="es-ES" sz="2400" b="1" dirty="0"/>
+              <a:t>” en la web hackthis.co.uk</a:t>
+            </a:r>
+            <a:endParaRPr lang="en-US" sz="2400" b="1" dirty="0"/>
+          </a:p>
+        </p:txBody>
+      </p:sp>
+    </p:spTree>
+    <p:extLst>
+      <p:ext uri="{BB962C8B-B14F-4D97-AF65-F5344CB8AC3E}">
+        <p14:creationId xmlns:p14="http://schemas.microsoft.com/office/powerpoint/2010/main" val="1853866790"/>
+      </p:ext>
+    </p:extLst>
+  </p:cSld>
+  <p:clrMapOvr>
+    <a:masterClrMapping/>
+  </p:clrMapOvr>
+</p:sld>
+</file>
+
+<file path=ppt/slides/slide42.xml><?xml version="1.0" encoding="utf-8"?>
+<p:sld xmlns:a="http://schemas.openxmlformats.org/drawingml/2006/main" xmlns:r="http://schemas.openxmlformats.org/officeDocument/2006/relationships" xmlns:p="http://schemas.openxmlformats.org/presentationml/2006/main">
+  <p:cSld>
+    <p:spTree>
+      <p:nvGrpSpPr>
+        <p:cNvPr id="1" name=""/>
+        <p:cNvGrpSpPr/>
+        <p:nvPr/>
+      </p:nvGrpSpPr>
+      <p:grpSpPr>
+        <a:xfrm>
+          <a:off x="0" y="0"/>
+          <a:ext cx="0" cy="0"/>
+          <a:chOff x="0" y="0"/>
+          <a:chExt cx="0" cy="0"/>
+        </a:xfrm>
+      </p:grpSpPr>
+      <p:sp>
+        <p:nvSpPr>
+          <p:cNvPr id="2" name="Título 1">
+            <a:extLst>
+              <a:ext uri="{FF2B5EF4-FFF2-40B4-BE49-F238E27FC236}">
+                <a16:creationId xmlns:a16="http://schemas.microsoft.com/office/drawing/2014/main" id="{FBD9E5A4-5370-4DA9-A647-51FE54C60D94}"/>
+              </a:ext>
+            </a:extLst>
+          </p:cNvPr>
+          <p:cNvSpPr>
+            <a:spLocks noGrp="1"/>
+          </p:cNvSpPr>
+          <p:nvPr>
+            <p:ph type="title"/>
+          </p:nvPr>
+        </p:nvSpPr>
+        <p:spPr/>
+        <p:txBody>
+          <a:bodyPr>
+            <a:normAutofit fontScale="90000"/>
+          </a:bodyPr>
+          <a:lstStyle/>
+          <a:p>
+            <a:br>
+              <a:rPr lang="es-ES" sz="4800" b="1" dirty="0"/>
+            </a:br>
+            <a:br>
+              <a:rPr lang="es-ES" sz="4800" b="1" dirty="0"/>
+            </a:br>
+            <a:br>
+              <a:rPr lang="es-ES" sz="4800" b="1" dirty="0"/>
+            </a:br>
+            <a:br>
+              <a:rPr lang="es-ES" sz="4800" b="1" dirty="0"/>
+            </a:br>
+            <a:r>
+              <a:rPr lang="es-ES" sz="8000" b="1" dirty="0"/>
+              <a:t> Ayudas para estudiar las tecnologías</a:t>
+            </a:r>
+            <a:endParaRPr lang="es-ES" sz="4800" b="1" dirty="0"/>
+          </a:p>
+        </p:txBody>
+      </p:sp>
+    </p:spTree>
+    <p:extLst>
+      <p:ext uri="{BB962C8B-B14F-4D97-AF65-F5344CB8AC3E}">
+        <p14:creationId xmlns:p14="http://schemas.microsoft.com/office/powerpoint/2010/main" val="1418678560"/>
+      </p:ext>
+    </p:extLst>
+  </p:cSld>
+  <p:clrMapOvr>
+    <a:masterClrMapping/>
+  </p:clrMapOvr>
+</p:sld>
+</file>
+
+<file path=ppt/slides/slide43.xml><?xml version="1.0" encoding="utf-8"?>
+<p:sld xmlns:a="http://schemas.openxmlformats.org/drawingml/2006/main" xmlns:r="http://schemas.openxmlformats.org/officeDocument/2006/relationships" xmlns:p="http://schemas.openxmlformats.org/presentationml/2006/main">
+  <p:cSld>
+    <p:spTree>
+      <p:nvGrpSpPr>
+        <p:cNvPr id="1" name=""/>
+        <p:cNvGrpSpPr/>
+        <p:nvPr/>
+      </p:nvGrpSpPr>
+      <p:grpSpPr>
+        <a:xfrm>
+          <a:off x="0" y="0"/>
+          <a:ext cx="0" cy="0"/>
+          <a:chOff x="0" y="0"/>
+          <a:chExt cx="0" cy="0"/>
+        </a:xfrm>
+      </p:grpSpPr>
+      <p:sp>
+        <p:nvSpPr>
+          <p:cNvPr id="2" name="Título 1">
+            <a:extLst>
+              <a:ext uri="{FF2B5EF4-FFF2-40B4-BE49-F238E27FC236}">
+                <a16:creationId xmlns:a16="http://schemas.microsoft.com/office/drawing/2014/main" id="{6BAE3F2D-3FC2-4518-A197-DE7D9F2A5183}"/>
+              </a:ext>
+            </a:extLst>
+          </p:cNvPr>
+          <p:cNvSpPr>
+            <a:spLocks noGrp="1"/>
+          </p:cNvSpPr>
+          <p:nvPr>
+            <p:ph type="title"/>
+          </p:nvPr>
+        </p:nvSpPr>
+        <p:spPr>
+          <a:xfrm>
+            <a:off x="1484312" y="721896"/>
+            <a:ext cx="3549121" cy="926432"/>
+          </a:xfrm>
+        </p:spPr>
+        <p:txBody>
+          <a:bodyPr/>
+          <a:lstStyle/>
+          <a:p>
+            <a:r>
+              <a:rPr lang="es-ES"/>
+              <a:t>BECAS DE CARÁCTER GENERAL </a:t>
+            </a:r>
+            <a:endParaRPr lang="es-ES" dirty="0"/>
+          </a:p>
+        </p:txBody>
+      </p:sp>
+      <p:pic>
+        <p:nvPicPr>
+          <p:cNvPr id="5" name="Marcador de contenido 4">
+            <a:extLst>
+              <a:ext uri="{FF2B5EF4-FFF2-40B4-BE49-F238E27FC236}">
+                <a16:creationId xmlns:a16="http://schemas.microsoft.com/office/drawing/2014/main" id="{CFC5D1F2-E23A-416E-BF31-DFF5083C7696}"/>
+              </a:ext>
+            </a:extLst>
+          </p:cNvPr>
+          <p:cNvPicPr>
+            <a:picLocks noGrp="1" noChangeAspect="1"/>
+          </p:cNvPicPr>
+          <p:nvPr>
+            <p:ph idx="1"/>
+          </p:nvPr>
+        </p:nvPicPr>
+        <p:blipFill>
+          <a:blip r:embed="rId2" cstate="print"/>
+          <a:stretch>
+            <a:fillRect/>
+          </a:stretch>
+        </p:blipFill>
+        <p:spPr>
+          <a:xfrm>
+            <a:off x="5683828" y="2623073"/>
+            <a:ext cx="5729910" cy="1756422"/>
+          </a:xfrm>
+          <a:prstGeom prst="rect">
+            <a:avLst/>
+          </a:prstGeom>
+        </p:spPr>
+      </p:pic>
+      <p:sp>
+        <p:nvSpPr>
+          <p:cNvPr id="4" name="Marcador de texto 3">
+            <a:extLst>
+              <a:ext uri="{FF2B5EF4-FFF2-40B4-BE49-F238E27FC236}">
+                <a16:creationId xmlns:a16="http://schemas.microsoft.com/office/drawing/2014/main" id="{439717E3-E765-4128-8E40-6C8713D75B95}"/>
+              </a:ext>
+            </a:extLst>
+          </p:cNvPr>
+          <p:cNvSpPr>
+            <a:spLocks noGrp="1"/>
+          </p:cNvSpPr>
+          <p:nvPr>
+            <p:ph type="body" sz="half" idx="2"/>
+          </p:nvPr>
+        </p:nvSpPr>
+        <p:spPr>
+          <a:xfrm>
+            <a:off x="1484312" y="1997241"/>
+            <a:ext cx="3549121" cy="4138863"/>
+          </a:xfrm>
+        </p:spPr>
+        <p:txBody>
+          <a:bodyPr>
+            <a:normAutofit lnSpcReduction="10000"/>
+          </a:bodyPr>
+          <a:lstStyle/>
+          <a:p>
+            <a:pPr lvl="0" algn="l">
+              <a:spcBef>
+                <a:spcPts val="0"/>
+              </a:spcBef>
+              <a:spcAft>
+                <a:spcPts val="0"/>
+              </a:spcAft>
+              <a:defRPr sz="1800" b="0" i="0" u="none" strike="noStrike" kern="0" cap="none" spc="0" baseline="0">
+                <a:solidFill>
+                  <a:srgbClr val="000000"/>
+                </a:solidFill>
+                <a:uFillTx/>
+              </a:defRPr>
+            </a:pPr>
+            <a:r>
+              <a:rPr lang="es-ES" dirty="0">
+                <a:solidFill>
+                  <a:srgbClr val="000000"/>
+                </a:solidFill>
+                <a:latin typeface="Corbel" panose="020B0503020204020204" pitchFamily="34" charset="0"/>
+              </a:rPr>
+              <a:t>BECAS DEL MINISTERIO DE EDUCACION Y CIENCIAS </a:t>
+            </a:r>
+          </a:p>
+          <a:p>
+            <a:pPr lvl="0" algn="l">
+              <a:spcBef>
+                <a:spcPts val="0"/>
+              </a:spcBef>
+              <a:spcAft>
+                <a:spcPts val="0"/>
+              </a:spcAft>
+              <a:defRPr sz="1800" b="0" i="0" u="none" strike="noStrike" kern="0" cap="none" spc="0" baseline="0">
+                <a:solidFill>
+                  <a:srgbClr val="000000"/>
+                </a:solidFill>
+                <a:uFillTx/>
+              </a:defRPr>
+            </a:pPr>
+            <a:endParaRPr lang="es-ES" dirty="0">
+              <a:solidFill>
+                <a:srgbClr val="000000"/>
+              </a:solidFill>
+              <a:latin typeface="Corbel" panose="020B0503020204020204" pitchFamily="34" charset="0"/>
+            </a:endParaRPr>
+          </a:p>
+          <a:p>
+            <a:pPr lvl="0" algn="l">
+              <a:spcBef>
+                <a:spcPts val="0"/>
+              </a:spcBef>
+              <a:spcAft>
+                <a:spcPts val="0"/>
+              </a:spcAft>
+              <a:defRPr sz="1800" b="0" i="0" u="none" strike="noStrike" kern="0" cap="none" spc="0" baseline="0">
+                <a:solidFill>
+                  <a:srgbClr val="000000"/>
+                </a:solidFill>
+                <a:uFillTx/>
+              </a:defRPr>
+            </a:pPr>
+            <a:r>
+              <a:rPr lang="es-ES" dirty="0">
+                <a:solidFill>
+                  <a:srgbClr val="000000"/>
+                </a:solidFill>
+                <a:latin typeface="Corbel" panose="020B0503020204020204" pitchFamily="34" charset="0"/>
+              </a:rPr>
+              <a:t>NACIONALIDAD ESPAÑOLA  O UNION EUROPEA O TRABAJADOR EN ESPAÑA</a:t>
+            </a:r>
+          </a:p>
+          <a:p>
+            <a:pPr lvl="0" algn="l">
+              <a:spcBef>
+                <a:spcPts val="0"/>
+              </a:spcBef>
+              <a:spcAft>
+                <a:spcPts val="0"/>
+              </a:spcAft>
+              <a:defRPr sz="1800" b="0" i="0" u="none" strike="noStrike" kern="0" cap="none" spc="0" baseline="0">
+                <a:solidFill>
+                  <a:srgbClr val="000000"/>
+                </a:solidFill>
+                <a:uFillTx/>
+              </a:defRPr>
+            </a:pPr>
+            <a:endParaRPr lang="es-ES" dirty="0">
+              <a:solidFill>
+                <a:srgbClr val="000000"/>
+              </a:solidFill>
+              <a:latin typeface="Corbel" panose="020B0503020204020204" pitchFamily="34" charset="0"/>
+            </a:endParaRPr>
+          </a:p>
+          <a:p>
+            <a:pPr lvl="0" algn="l">
+              <a:spcBef>
+                <a:spcPts val="0"/>
+              </a:spcBef>
+              <a:spcAft>
+                <a:spcPts val="0"/>
+              </a:spcAft>
+              <a:defRPr sz="1800" b="0" i="0" u="none" strike="noStrike" kern="0" cap="none" spc="0" baseline="0">
+                <a:solidFill>
+                  <a:srgbClr val="000000"/>
+                </a:solidFill>
+                <a:uFillTx/>
+              </a:defRPr>
+            </a:pPr>
+            <a:endParaRPr lang="es-ES" dirty="0">
+              <a:solidFill>
+                <a:srgbClr val="000000"/>
+              </a:solidFill>
+              <a:latin typeface="Corbel" panose="020B0503020204020204" pitchFamily="34" charset="0"/>
+            </a:endParaRPr>
+          </a:p>
+          <a:p>
+            <a:pPr lvl="0" algn="l">
+              <a:spcBef>
+                <a:spcPts val="0"/>
+              </a:spcBef>
+              <a:spcAft>
+                <a:spcPts val="0"/>
+              </a:spcAft>
+              <a:defRPr sz="1800" b="0" i="0" u="none" strike="noStrike" kern="0" cap="none" spc="0" baseline="0">
+                <a:solidFill>
+                  <a:srgbClr val="000000"/>
+                </a:solidFill>
+                <a:uFillTx/>
+              </a:defRPr>
+            </a:pPr>
+            <a:r>
+              <a:rPr lang="es-ES" dirty="0">
+                <a:solidFill>
+                  <a:srgbClr val="000000"/>
+                </a:solidFill>
+                <a:latin typeface="Corbel" panose="020B0503020204020204" pitchFamily="34" charset="0"/>
+              </a:rPr>
+              <a:t>HABER APROBADO EL 60% EN GRADOS TECNICOS Y 80% EN OTRAS TITULACIONES </a:t>
+            </a:r>
+          </a:p>
+          <a:p>
+            <a:pPr lvl="0" algn="l">
+              <a:spcBef>
+                <a:spcPts val="0"/>
+              </a:spcBef>
+              <a:spcAft>
+                <a:spcPts val="0"/>
+              </a:spcAft>
+              <a:defRPr sz="1800" b="0" i="0" u="none" strike="noStrike" kern="0" cap="none" spc="0" baseline="0">
+                <a:solidFill>
+                  <a:srgbClr val="000000"/>
+                </a:solidFill>
+                <a:uFillTx/>
+              </a:defRPr>
+            </a:pPr>
+            <a:endParaRPr lang="es-ES" dirty="0">
+              <a:solidFill>
+                <a:srgbClr val="000000"/>
+              </a:solidFill>
+              <a:latin typeface="Corbel" panose="020B0503020204020204" pitchFamily="34" charset="0"/>
+            </a:endParaRPr>
+          </a:p>
+          <a:p>
+            <a:pPr lvl="0" algn="l">
+              <a:spcBef>
+                <a:spcPts val="0"/>
+              </a:spcBef>
+              <a:spcAft>
+                <a:spcPts val="0"/>
+              </a:spcAft>
+              <a:defRPr sz="1800" b="0" i="0" u="none" strike="noStrike" kern="0" cap="none" spc="0" baseline="0">
+                <a:solidFill>
+                  <a:srgbClr val="000000"/>
+                </a:solidFill>
+                <a:uFillTx/>
+              </a:defRPr>
+            </a:pPr>
+            <a:endParaRPr lang="es-ES" dirty="0">
+              <a:solidFill>
+                <a:srgbClr val="000000"/>
+              </a:solidFill>
+              <a:latin typeface="Corbel" panose="020B0503020204020204" pitchFamily="34" charset="0"/>
+            </a:endParaRPr>
+          </a:p>
+          <a:p>
+            <a:pPr lvl="0" algn="l">
+              <a:spcBef>
+                <a:spcPts val="0"/>
+              </a:spcBef>
+              <a:spcAft>
+                <a:spcPts val="0"/>
+              </a:spcAft>
+              <a:defRPr sz="1800" b="0" i="0" u="none" strike="noStrike" kern="0" cap="none" spc="0" baseline="0">
+                <a:solidFill>
+                  <a:srgbClr val="000000"/>
+                </a:solidFill>
+                <a:uFillTx/>
+              </a:defRPr>
+            </a:pPr>
+            <a:r>
+              <a:rPr lang="es-ES" dirty="0">
+                <a:solidFill>
+                  <a:srgbClr val="000000"/>
+                </a:solidFill>
+                <a:latin typeface="Corbel" panose="020B0503020204020204" pitchFamily="34" charset="0"/>
+              </a:rPr>
+              <a:t>DEPSNDIENDO DEL NIVEL ECONOMICO DE FAMILIA</a:t>
+            </a:r>
+          </a:p>
+          <a:p>
+            <a:endParaRPr lang="es-ES" dirty="0"/>
+          </a:p>
+        </p:txBody>
+      </p:sp>
+    </p:spTree>
+    <p:extLst>
+      <p:ext uri="{BB962C8B-B14F-4D97-AF65-F5344CB8AC3E}">
+        <p14:creationId xmlns:p14="http://schemas.microsoft.com/office/powerpoint/2010/main" val="3160781622"/>
+      </p:ext>
+    </p:extLst>
+  </p:cSld>
+  <p:clrMapOvr>
+    <a:masterClrMapping/>
+  </p:clrMapOvr>
+</p:sld>
+</file>
+
+<file path=ppt/slides/slide44.xml><?xml version="1.0" encoding="utf-8"?>
+<p:sld xmlns:a="http://schemas.openxmlformats.org/drawingml/2006/main" xmlns:r="http://schemas.openxmlformats.org/officeDocument/2006/relationships" xmlns:p="http://schemas.openxmlformats.org/presentationml/2006/main">
+  <p:cSld>
+    <p:spTree>
+      <p:nvGrpSpPr>
+        <p:cNvPr id="1" name=""/>
+        <p:cNvGrpSpPr/>
+        <p:nvPr/>
+      </p:nvGrpSpPr>
+      <p:grpSpPr>
+        <a:xfrm>
+          <a:off x="0" y="0"/>
+          <a:ext cx="0" cy="0"/>
+          <a:chOff x="0" y="0"/>
+          <a:chExt cx="0" cy="0"/>
+        </a:xfrm>
+      </p:grpSpPr>
+      <p:sp>
+        <p:nvSpPr>
+          <p:cNvPr id="2" name="Título 1">
+            <a:extLst>
+              <a:ext uri="{FF2B5EF4-FFF2-40B4-BE49-F238E27FC236}">
+                <a16:creationId xmlns:a16="http://schemas.microsoft.com/office/drawing/2014/main" id="{BB85FC81-7A3A-4F97-9C25-16430D0B9ED6}"/>
+              </a:ext>
+            </a:extLst>
+          </p:cNvPr>
+          <p:cNvSpPr>
+            <a:spLocks noGrp="1"/>
+          </p:cNvSpPr>
+          <p:nvPr>
+            <p:ph type="title"/>
+          </p:nvPr>
+        </p:nvSpPr>
+        <p:spPr>
+          <a:xfrm>
+            <a:off x="1484312" y="685799"/>
+            <a:ext cx="3549121" cy="565484"/>
+          </a:xfrm>
+        </p:spPr>
+        <p:txBody>
+          <a:bodyPr/>
+          <a:lstStyle/>
+          <a:p>
+            <a:r>
+              <a:rPr lang="es-ES" dirty="0"/>
+              <a:t>BECAS DE MOVILIDAD</a:t>
+            </a:r>
+          </a:p>
+        </p:txBody>
+      </p:sp>
+      <p:pic>
+        <p:nvPicPr>
+          <p:cNvPr id="5" name="Marcador de contenido 4">
+            <a:extLst>
+              <a:ext uri="{FF2B5EF4-FFF2-40B4-BE49-F238E27FC236}">
+                <a16:creationId xmlns:a16="http://schemas.microsoft.com/office/drawing/2014/main" id="{B9FBDEA7-A02A-48BD-8D4D-02CF155F90AB}"/>
+              </a:ext>
+            </a:extLst>
+          </p:cNvPr>
+          <p:cNvPicPr>
+            <a:picLocks noGrp="1" noChangeAspect="1"/>
+          </p:cNvPicPr>
+          <p:nvPr>
+            <p:ph idx="1"/>
+          </p:nvPr>
+        </p:nvPicPr>
+        <p:blipFill>
+          <a:blip r:embed="rId2" cstate="print"/>
+          <a:stretch>
+            <a:fillRect/>
+          </a:stretch>
+        </p:blipFill>
+        <p:spPr>
+          <a:xfrm>
+            <a:off x="6264442" y="1660358"/>
+            <a:ext cx="4761389" cy="969348"/>
+          </a:xfrm>
+          <a:prstGeom prst="rect">
+            <a:avLst/>
+          </a:prstGeom>
+        </p:spPr>
+      </p:pic>
+      <p:sp>
+        <p:nvSpPr>
+          <p:cNvPr id="4" name="Marcador de texto 3">
+            <a:extLst>
+              <a:ext uri="{FF2B5EF4-FFF2-40B4-BE49-F238E27FC236}">
+                <a16:creationId xmlns:a16="http://schemas.microsoft.com/office/drawing/2014/main" id="{81CC1F74-9147-4CAE-B1E1-6C13F084B291}"/>
+              </a:ext>
+            </a:extLst>
+          </p:cNvPr>
+          <p:cNvSpPr>
+            <a:spLocks noGrp="1"/>
+          </p:cNvSpPr>
+          <p:nvPr>
+            <p:ph type="body" sz="half" idx="2"/>
+          </p:nvPr>
+        </p:nvSpPr>
+        <p:spPr>
+          <a:xfrm>
+            <a:off x="1484312" y="1660358"/>
+            <a:ext cx="3549121" cy="4130842"/>
+          </a:xfrm>
+        </p:spPr>
+        <p:txBody>
+          <a:bodyPr>
+            <a:normAutofit fontScale="92500" lnSpcReduction="20000"/>
+          </a:bodyPr>
+          <a:lstStyle/>
+          <a:p>
+            <a:pPr lvl="0" algn="l">
+              <a:spcBef>
+                <a:spcPts val="0"/>
+              </a:spcBef>
+              <a:spcAft>
+                <a:spcPts val="0"/>
+              </a:spcAft>
+              <a:defRPr sz="1800" b="0" i="0" u="none" strike="noStrike" kern="0" cap="none" spc="0" baseline="0">
+                <a:solidFill>
+                  <a:srgbClr val="000000"/>
+                </a:solidFill>
+                <a:uFillTx/>
+              </a:defRPr>
+            </a:pPr>
+            <a:r>
+              <a:rPr lang="es-ES" dirty="0">
+                <a:solidFill>
+                  <a:srgbClr val="000000"/>
+                </a:solidFill>
+                <a:latin typeface="Corbel" panose="020B0503020204020204" pitchFamily="34" charset="0"/>
+              </a:rPr>
+              <a:t>ERASMUS</a:t>
+            </a:r>
+          </a:p>
+          <a:p>
+            <a:pPr lvl="0" algn="l">
+              <a:spcBef>
+                <a:spcPts val="0"/>
+              </a:spcBef>
+              <a:spcAft>
+                <a:spcPts val="0"/>
+              </a:spcAft>
+              <a:defRPr sz="1800" b="0" i="0" u="none" strike="noStrike" kern="0" cap="none" spc="0" baseline="0">
+                <a:solidFill>
+                  <a:srgbClr val="000000"/>
+                </a:solidFill>
+                <a:uFillTx/>
+              </a:defRPr>
+            </a:pPr>
+            <a:endParaRPr lang="es-ES" dirty="0">
+              <a:solidFill>
+                <a:srgbClr val="000000"/>
+              </a:solidFill>
+              <a:latin typeface="Corbel" panose="020B0503020204020204" pitchFamily="34" charset="0"/>
+            </a:endParaRPr>
+          </a:p>
+          <a:p>
+            <a:pPr marL="285750" lvl="0" indent="-285750" algn="l">
+              <a:spcBef>
+                <a:spcPts val="0"/>
+              </a:spcBef>
+              <a:spcAft>
+                <a:spcPts val="0"/>
+              </a:spcAft>
+              <a:buSzPct val="100000"/>
+              <a:buChar char="-"/>
+              <a:defRPr sz="1800" b="0" i="0" u="none" strike="noStrike" kern="0" cap="none" spc="0" baseline="0">
+                <a:solidFill>
+                  <a:srgbClr val="000000"/>
+                </a:solidFill>
+                <a:uFillTx/>
+              </a:defRPr>
+            </a:pPr>
+            <a:r>
+              <a:rPr lang="es-ES" dirty="0">
+                <a:solidFill>
+                  <a:srgbClr val="000000"/>
+                </a:solidFill>
+                <a:latin typeface="Corbel" panose="020B0503020204020204" pitchFamily="34" charset="0"/>
+              </a:rPr>
+              <a:t>PRIMERO APROBADO</a:t>
+            </a:r>
+          </a:p>
+          <a:p>
+            <a:pPr marL="285750" lvl="0" indent="-285750" algn="l">
+              <a:spcBef>
+                <a:spcPts val="0"/>
+              </a:spcBef>
+              <a:spcAft>
+                <a:spcPts val="0"/>
+              </a:spcAft>
+              <a:buSzPct val="100000"/>
+              <a:buChar char="-"/>
+              <a:defRPr sz="1800" b="0" i="0" u="none" strike="noStrike" kern="0" cap="none" spc="0" baseline="0">
+                <a:solidFill>
+                  <a:srgbClr val="000000"/>
+                </a:solidFill>
+                <a:uFillTx/>
+              </a:defRPr>
+            </a:pPr>
+            <a:endParaRPr lang="es-ES" dirty="0">
+              <a:solidFill>
+                <a:srgbClr val="000000"/>
+              </a:solidFill>
+              <a:latin typeface="Corbel" panose="020B0503020204020204" pitchFamily="34" charset="0"/>
+            </a:endParaRPr>
+          </a:p>
+          <a:p>
+            <a:pPr marL="285750" lvl="0" indent="-285750" algn="l">
+              <a:spcBef>
+                <a:spcPts val="0"/>
+              </a:spcBef>
+              <a:spcAft>
+                <a:spcPts val="0"/>
+              </a:spcAft>
+              <a:buSzPct val="100000"/>
+              <a:buChar char="-"/>
+              <a:defRPr sz="1800" b="0" i="0" u="none" strike="noStrike" kern="0" cap="none" spc="0" baseline="0">
+                <a:solidFill>
+                  <a:srgbClr val="000000"/>
+                </a:solidFill>
+                <a:uFillTx/>
+              </a:defRPr>
+            </a:pPr>
+            <a:r>
+              <a:rPr lang="es-ES" dirty="0">
+                <a:solidFill>
+                  <a:srgbClr val="000000"/>
+                </a:solidFill>
+                <a:latin typeface="Corbel" panose="020B0503020204020204" pitchFamily="34" charset="0"/>
+              </a:rPr>
+              <a:t>NIVEL MEDIO DE LENGUA DE PAIS DE DESTINO </a:t>
+            </a:r>
+          </a:p>
+          <a:p>
+            <a:pPr marL="285750" lvl="0" indent="-285750" algn="l">
+              <a:spcBef>
+                <a:spcPts val="0"/>
+              </a:spcBef>
+              <a:spcAft>
+                <a:spcPts val="0"/>
+              </a:spcAft>
+              <a:buSzPct val="100000"/>
+              <a:buChar char="-"/>
+              <a:defRPr sz="1800" b="0" i="0" u="none" strike="noStrike" kern="0" cap="none" spc="0" baseline="0">
+                <a:solidFill>
+                  <a:srgbClr val="000000"/>
+                </a:solidFill>
+                <a:uFillTx/>
+              </a:defRPr>
+            </a:pPr>
+            <a:endParaRPr lang="es-ES" dirty="0">
+              <a:solidFill>
+                <a:srgbClr val="000000"/>
+              </a:solidFill>
+              <a:latin typeface="Corbel" panose="020B0503020204020204" pitchFamily="34" charset="0"/>
+            </a:endParaRPr>
+          </a:p>
+          <a:p>
+            <a:pPr marL="285750" lvl="0" indent="-285750" algn="l">
+              <a:spcBef>
+                <a:spcPts val="0"/>
+              </a:spcBef>
+              <a:spcAft>
+                <a:spcPts val="0"/>
+              </a:spcAft>
+              <a:buSzPct val="100000"/>
+              <a:buChar char="-"/>
+              <a:defRPr sz="1800" b="0" i="0" u="none" strike="noStrike" kern="0" cap="none" spc="0" baseline="0">
+                <a:solidFill>
+                  <a:srgbClr val="000000"/>
+                </a:solidFill>
+                <a:uFillTx/>
+              </a:defRPr>
+            </a:pPr>
+            <a:endParaRPr lang="es-ES" dirty="0">
+              <a:solidFill>
+                <a:srgbClr val="000000"/>
+              </a:solidFill>
+              <a:latin typeface="Corbel" panose="020B0503020204020204" pitchFamily="34" charset="0"/>
+            </a:endParaRPr>
+          </a:p>
+          <a:p>
+            <a:pPr marL="285750" lvl="0" indent="-285750" algn="l">
+              <a:spcBef>
+                <a:spcPts val="0"/>
+              </a:spcBef>
+              <a:spcAft>
+                <a:spcPts val="0"/>
+              </a:spcAft>
+              <a:buSzPct val="100000"/>
+              <a:buChar char="-"/>
+              <a:defRPr sz="1800" b="0" i="0" u="none" strike="noStrike" kern="0" cap="none" spc="0" baseline="0">
+                <a:solidFill>
+                  <a:srgbClr val="000000"/>
+                </a:solidFill>
+                <a:uFillTx/>
+              </a:defRPr>
+            </a:pPr>
+            <a:endParaRPr lang="es-ES" dirty="0">
+              <a:solidFill>
+                <a:srgbClr val="000000"/>
+              </a:solidFill>
+              <a:latin typeface="Corbel" panose="020B0503020204020204" pitchFamily="34" charset="0"/>
+            </a:endParaRPr>
+          </a:p>
+          <a:p>
+            <a:pPr lvl="0" algn="l">
+              <a:spcBef>
+                <a:spcPts val="0"/>
+              </a:spcBef>
+              <a:spcAft>
+                <a:spcPts val="0"/>
+              </a:spcAft>
+              <a:defRPr sz="1800" b="0" i="0" u="none" strike="noStrike" kern="0" cap="none" spc="0" baseline="0">
+                <a:solidFill>
+                  <a:srgbClr val="000000"/>
+                </a:solidFill>
+                <a:uFillTx/>
+              </a:defRPr>
+            </a:pPr>
+            <a:r>
+              <a:rPr lang="es-ES" dirty="0">
+                <a:solidFill>
+                  <a:srgbClr val="000000"/>
+                </a:solidFill>
+                <a:latin typeface="Corbel" panose="020B0503020204020204" pitchFamily="34" charset="0"/>
+              </a:rPr>
+              <a:t>BECAS SICUE</a:t>
+            </a:r>
+          </a:p>
+          <a:p>
+            <a:pPr lvl="0" algn="l">
+              <a:spcBef>
+                <a:spcPts val="0"/>
+              </a:spcBef>
+              <a:spcAft>
+                <a:spcPts val="0"/>
+              </a:spcAft>
+              <a:defRPr sz="1800" b="0" i="0" u="none" strike="noStrike" kern="0" cap="none" spc="0" baseline="0">
+                <a:solidFill>
+                  <a:srgbClr val="000000"/>
+                </a:solidFill>
+                <a:uFillTx/>
+              </a:defRPr>
+            </a:pPr>
+            <a:endParaRPr lang="es-ES" dirty="0">
+              <a:solidFill>
+                <a:srgbClr val="000000"/>
+              </a:solidFill>
+              <a:latin typeface="Corbel" panose="020B0503020204020204" pitchFamily="34" charset="0"/>
+            </a:endParaRPr>
+          </a:p>
+          <a:p>
+            <a:pPr marL="285750" lvl="0" indent="-285750" algn="l">
+              <a:spcBef>
+                <a:spcPts val="0"/>
+              </a:spcBef>
+              <a:spcAft>
+                <a:spcPts val="0"/>
+              </a:spcAft>
+              <a:buSzPct val="100000"/>
+              <a:buChar char="-"/>
+              <a:defRPr sz="1800" b="0" i="0" u="none" strike="noStrike" kern="0" cap="none" spc="0" baseline="0">
+                <a:solidFill>
+                  <a:srgbClr val="000000"/>
+                </a:solidFill>
+                <a:uFillTx/>
+              </a:defRPr>
+            </a:pPr>
+            <a:r>
+              <a:rPr lang="es-ES" dirty="0">
+                <a:solidFill>
+                  <a:srgbClr val="000000"/>
+                </a:solidFill>
+                <a:latin typeface="Corbel" panose="020B0503020204020204" pitchFamily="34" charset="0"/>
+              </a:rPr>
+              <a:t>NOTA MEDIA </a:t>
+            </a:r>
+          </a:p>
+          <a:p>
+            <a:pPr marL="285750" lvl="0" indent="-285750" algn="l">
+              <a:spcBef>
+                <a:spcPts val="0"/>
+              </a:spcBef>
+              <a:spcAft>
+                <a:spcPts val="0"/>
+              </a:spcAft>
+              <a:buSzPct val="100000"/>
+              <a:buChar char="-"/>
+              <a:defRPr sz="1800" b="0" i="0" u="none" strike="noStrike" kern="0" cap="none" spc="0" baseline="0">
+                <a:solidFill>
+                  <a:srgbClr val="000000"/>
+                </a:solidFill>
+                <a:uFillTx/>
+              </a:defRPr>
+            </a:pPr>
+            <a:endParaRPr lang="es-ES" dirty="0">
+              <a:solidFill>
+                <a:srgbClr val="000000"/>
+              </a:solidFill>
+              <a:latin typeface="Corbel" panose="020B0503020204020204" pitchFamily="34" charset="0"/>
+            </a:endParaRPr>
+          </a:p>
+          <a:p>
+            <a:pPr marL="285750" lvl="0" indent="-285750" algn="l">
+              <a:spcBef>
+                <a:spcPts val="0"/>
+              </a:spcBef>
+              <a:spcAft>
+                <a:spcPts val="0"/>
+              </a:spcAft>
+              <a:buSzPct val="100000"/>
+              <a:buChar char="-"/>
+              <a:defRPr sz="1800" b="0" i="0" u="none" strike="noStrike" kern="0" cap="none" spc="0" baseline="0">
+                <a:solidFill>
+                  <a:srgbClr val="000000"/>
+                </a:solidFill>
+                <a:uFillTx/>
+              </a:defRPr>
+            </a:pPr>
+            <a:r>
+              <a:rPr lang="es-ES" dirty="0">
+                <a:solidFill>
+                  <a:srgbClr val="000000"/>
+                </a:solidFill>
+                <a:latin typeface="Corbel" panose="020B0503020204020204" pitchFamily="34" charset="0"/>
+              </a:rPr>
+              <a:t>NUMERO DE CREDITOS APROBADOS</a:t>
+            </a:r>
+          </a:p>
+          <a:p>
+            <a:pPr marL="285750" lvl="0" indent="-285750" algn="l">
+              <a:spcBef>
+                <a:spcPts val="0"/>
+              </a:spcBef>
+              <a:spcAft>
+                <a:spcPts val="0"/>
+              </a:spcAft>
+              <a:buSzPct val="100000"/>
+              <a:buChar char="-"/>
+              <a:defRPr sz="1800" b="0" i="0" u="none" strike="noStrike" kern="0" cap="none" spc="0" baseline="0">
+                <a:solidFill>
+                  <a:srgbClr val="000000"/>
+                </a:solidFill>
+                <a:uFillTx/>
+              </a:defRPr>
+            </a:pPr>
+            <a:endParaRPr lang="es-ES" dirty="0">
+              <a:solidFill>
+                <a:srgbClr val="000000"/>
+              </a:solidFill>
+              <a:latin typeface="Corbel" panose="020B0503020204020204" pitchFamily="34" charset="0"/>
+            </a:endParaRPr>
+          </a:p>
+          <a:p>
+            <a:pPr marL="285750" lvl="0" indent="-285750" algn="l">
+              <a:spcBef>
+                <a:spcPts val="0"/>
+              </a:spcBef>
+              <a:spcAft>
+                <a:spcPts val="0"/>
+              </a:spcAft>
+              <a:buSzPct val="100000"/>
+              <a:buChar char="-"/>
+              <a:defRPr sz="1800" b="0" i="0" u="none" strike="noStrike" kern="0" cap="none" spc="0" baseline="0">
+                <a:solidFill>
+                  <a:srgbClr val="000000"/>
+                </a:solidFill>
+                <a:uFillTx/>
+              </a:defRPr>
+            </a:pPr>
+            <a:r>
+              <a:rPr lang="es-ES" dirty="0">
+                <a:solidFill>
+                  <a:srgbClr val="000000"/>
+                </a:solidFill>
+                <a:latin typeface="Corbel" panose="020B0503020204020204" pitchFamily="34" charset="0"/>
+              </a:rPr>
+              <a:t>ASIGNATURAS OBLIGATORIAS DEL GRADO </a:t>
+            </a:r>
+          </a:p>
+          <a:p>
+            <a:endParaRPr lang="es-ES" dirty="0"/>
+          </a:p>
+        </p:txBody>
+      </p:sp>
+      <p:pic>
+        <p:nvPicPr>
+          <p:cNvPr id="6" name="Imagen 5">
+            <a:extLst>
+              <a:ext uri="{FF2B5EF4-FFF2-40B4-BE49-F238E27FC236}">
+                <a16:creationId xmlns:a16="http://schemas.microsoft.com/office/drawing/2014/main" id="{10E9D202-42D8-4B49-B526-6F7784B9DF53}"/>
+              </a:ext>
+            </a:extLst>
+          </p:cNvPr>
+          <p:cNvPicPr>
+            <a:picLocks noChangeAspect="1"/>
+          </p:cNvPicPr>
+          <p:nvPr/>
+        </p:nvPicPr>
+        <p:blipFill>
+          <a:blip r:embed="rId3" cstate="print"/>
+          <a:stretch>
+            <a:fillRect/>
+          </a:stretch>
+        </p:blipFill>
+        <p:spPr>
+          <a:xfrm>
+            <a:off x="7158569" y="2977222"/>
+            <a:ext cx="3140533" cy="3038568"/>
+          </a:xfrm>
+          <a:prstGeom prst="rect">
+            <a:avLst/>
+          </a:prstGeom>
+        </p:spPr>
+      </p:pic>
+    </p:spTree>
+    <p:extLst>
+      <p:ext uri="{BB962C8B-B14F-4D97-AF65-F5344CB8AC3E}">
+        <p14:creationId xmlns:p14="http://schemas.microsoft.com/office/powerpoint/2010/main" val="1759327517"/>
+      </p:ext>
+    </p:extLst>
+  </p:cSld>
+  <p:clrMapOvr>
+    <a:masterClrMapping/>
+  </p:clrMapOvr>
+</p:sld>
+</file>
+
+<file path=ppt/slides/slide45.xml><?xml version="1.0" encoding="utf-8"?>
+<p:sld xmlns:a="http://schemas.openxmlformats.org/drawingml/2006/main" xmlns:r="http://schemas.openxmlformats.org/officeDocument/2006/relationships" xmlns:p="http://schemas.openxmlformats.org/presentationml/2006/main">
+  <p:cSld>
+    <p:spTree>
+      <p:nvGrpSpPr>
+        <p:cNvPr id="1" name=""/>
+        <p:cNvGrpSpPr/>
+        <p:nvPr/>
+      </p:nvGrpSpPr>
+      <p:grpSpPr>
+        <a:xfrm>
+          <a:off x="0" y="0"/>
+          <a:ext cx="0" cy="0"/>
+          <a:chOff x="0" y="0"/>
+          <a:chExt cx="0" cy="0"/>
+        </a:xfrm>
+      </p:grpSpPr>
       <p:grpSp>
         <p:nvGrpSpPr>
           <p:cNvPr id="3" name="Group 9">
             <a:extLst>
               <a:ext uri="{FF2B5EF4-FFF2-40B4-BE49-F238E27FC236}">
-                <a16:creationId xmlns:a16="http://schemas.microsoft.com/office/drawing/2014/main" xmlns="" id="{260ACC13-B825-49F3-93DE-C8B8F2FA37A1}"/>
+                <a16:creationId xmlns:a16="http://schemas.microsoft.com/office/drawing/2014/main" id="{260ACC13-B825-49F3-93DE-C8B8F2FA37A1}"/>
               </a:ext>
             </a:extLst>
           </p:cNvPr>
@@ -11123,7 +12077,7 @@
           <p:nvPr>
             <p:extLst>
               <p:ext uri="{386F3935-93C4-4BCD-93E2-E3B085C9AB24}">
-                <p16:designElem xmlns:p16="http://schemas.microsoft.com/office/powerpoint/2015/main" xmlns="" val="1"/>
+                <p16:designElem xmlns:p16="http://schemas.microsoft.com/office/powerpoint/2015/main" val="1"/>
               </p:ext>
             </p:extLst>
           </p:nvPr>
@@ -11141,7 +12095,7 @@
             <p:cNvPr id="11" name="Freeform 6">
               <a:extLst>
                 <a:ext uri="{FF2B5EF4-FFF2-40B4-BE49-F238E27FC236}">
-                  <a16:creationId xmlns:a16="http://schemas.microsoft.com/office/drawing/2014/main" xmlns="" id="{F947B31F-CA03-4793-845D-FD86BABC1A18}"/>
+                  <a16:creationId xmlns:a16="http://schemas.microsoft.com/office/drawing/2014/main" id="{F947B31F-CA03-4793-845D-FD86BABC1A18}"/>
                 </a:ext>
               </a:extLst>
             </p:cNvPr>
@@ -11149,7 +12103,7 @@
             <p:nvPr>
               <p:extLst>
                 <p:ext uri="{386F3935-93C4-4BCD-93E2-E3B085C9AB24}">
-                  <p16:designElem xmlns:p16="http://schemas.microsoft.com/office/powerpoint/2015/main" xmlns="" val="1"/>
+                  <p16:designElem xmlns:p16="http://schemas.microsoft.com/office/powerpoint/2015/main" val="1"/>
                 </p:ext>
               </p:extLst>
             </p:nvPr>
@@ -11199,7 +12153,7 @@
             <p:cNvPr id="12" name="Freeform 7">
               <a:extLst>
                 <a:ext uri="{FF2B5EF4-FFF2-40B4-BE49-F238E27FC236}">
-                  <a16:creationId xmlns:a16="http://schemas.microsoft.com/office/drawing/2014/main" xmlns="" id="{DCDDE94D-F78C-4A48-AEA6-E922FC99A159}"/>
+                  <a16:creationId xmlns:a16="http://schemas.microsoft.com/office/drawing/2014/main" id="{DCDDE94D-F78C-4A48-AEA6-E922FC99A159}"/>
                 </a:ext>
               </a:extLst>
             </p:cNvPr>
@@ -11207,7 +12161,7 @@
             <p:nvPr>
               <p:extLst>
                 <p:ext uri="{386F3935-93C4-4BCD-93E2-E3B085C9AB24}">
-                  <p16:designElem xmlns:p16="http://schemas.microsoft.com/office/powerpoint/2015/main" xmlns="" val="1"/>
+                  <p16:designElem xmlns:p16="http://schemas.microsoft.com/office/powerpoint/2015/main" val="1"/>
                 </p:ext>
               </p:extLst>
             </p:nvPr>
@@ -11260,7 +12214,7 @@
             <p:cNvPr id="13" name="Freeform 8">
               <a:extLst>
                 <a:ext uri="{FF2B5EF4-FFF2-40B4-BE49-F238E27FC236}">
-                  <a16:creationId xmlns:a16="http://schemas.microsoft.com/office/drawing/2014/main" xmlns="" id="{3445A886-F3CA-4DE4-90D7-535F9707B799}"/>
+                  <a16:creationId xmlns:a16="http://schemas.microsoft.com/office/drawing/2014/main" id="{3445A886-F3CA-4DE4-90D7-535F9707B799}"/>
                 </a:ext>
               </a:extLst>
             </p:cNvPr>
@@ -11268,7 +12222,7 @@
             <p:nvPr>
               <p:extLst>
                 <p:ext uri="{386F3935-93C4-4BCD-93E2-E3B085C9AB24}">
-                  <p16:designElem xmlns:p16="http://schemas.microsoft.com/office/powerpoint/2015/main" xmlns="" val="1"/>
+                  <p16:designElem xmlns:p16="http://schemas.microsoft.com/office/powerpoint/2015/main" val="1"/>
                 </p:ext>
               </p:extLst>
             </p:nvPr>
@@ -11318,7 +12272,7 @@
             <p:cNvPr id="14" name="Freeform 9">
               <a:extLst>
                 <a:ext uri="{FF2B5EF4-FFF2-40B4-BE49-F238E27FC236}">
-                  <a16:creationId xmlns:a16="http://schemas.microsoft.com/office/drawing/2014/main" xmlns="" id="{A8999CB6-C053-418B-AE37-E470804D251D}"/>
+                  <a16:creationId xmlns:a16="http://schemas.microsoft.com/office/drawing/2014/main" id="{A8999CB6-C053-418B-AE37-E470804D251D}"/>
                 </a:ext>
               </a:extLst>
             </p:cNvPr>
@@ -11326,7 +12280,7 @@
             <p:nvPr>
               <p:extLst>
                 <p:ext uri="{386F3935-93C4-4BCD-93E2-E3B085C9AB24}">
-                  <p16:designElem xmlns:p16="http://schemas.microsoft.com/office/powerpoint/2015/main" xmlns="" val="1"/>
+                  <p16:designElem xmlns:p16="http://schemas.microsoft.com/office/powerpoint/2015/main" val="1"/>
                 </p:ext>
               </p:extLst>
             </p:nvPr>
@@ -11375,7 +12329,7 @@
             <p:cNvPr id="15" name="Freeform 10">
               <a:extLst>
                 <a:ext uri="{FF2B5EF4-FFF2-40B4-BE49-F238E27FC236}">
-                  <a16:creationId xmlns:a16="http://schemas.microsoft.com/office/drawing/2014/main" xmlns="" id="{81EA3E26-BFCD-4396-AE8A-2A9828BFFBA2}"/>
+                  <a16:creationId xmlns:a16="http://schemas.microsoft.com/office/drawing/2014/main" id="{81EA3E26-BFCD-4396-AE8A-2A9828BFFBA2}"/>
                 </a:ext>
               </a:extLst>
             </p:cNvPr>
@@ -11383,7 +12337,7 @@
             <p:nvPr>
               <p:extLst>
                 <p:ext uri="{386F3935-93C4-4BCD-93E2-E3B085C9AB24}">
-                  <p16:designElem xmlns:p16="http://schemas.microsoft.com/office/powerpoint/2015/main" xmlns="" val="1"/>
+                  <p16:designElem xmlns:p16="http://schemas.microsoft.com/office/powerpoint/2015/main" val="1"/>
                 </p:ext>
               </p:extLst>
             </p:nvPr>
@@ -11438,7 +12392,7 @@
             <p:cNvPr id="16" name="Freeform 11">
               <a:extLst>
                 <a:ext uri="{FF2B5EF4-FFF2-40B4-BE49-F238E27FC236}">
-                  <a16:creationId xmlns:a16="http://schemas.microsoft.com/office/drawing/2014/main" xmlns="" id="{5F9BC582-73A6-4D8A-8738-E36476489351}"/>
+                  <a16:creationId xmlns:a16="http://schemas.microsoft.com/office/drawing/2014/main" id="{5F9BC582-73A6-4D8A-8738-E36476489351}"/>
                 </a:ext>
               </a:extLst>
             </p:cNvPr>
@@ -11446,7 +12400,7 @@
             <p:nvPr>
               <p:extLst>
                 <p:ext uri="{386F3935-93C4-4BCD-93E2-E3B085C9AB24}">
-                  <p16:designElem xmlns:p16="http://schemas.microsoft.com/office/powerpoint/2015/main" xmlns="" val="1"/>
+                  <p16:designElem xmlns:p16="http://schemas.microsoft.com/office/powerpoint/2015/main" val="1"/>
                 </p:ext>
               </p:extLst>
             </p:nvPr>
@@ -11515,7 +12469,7 @@
           <p:cNvPr id="6" name="Group 17">
             <a:extLst>
               <a:ext uri="{FF2B5EF4-FFF2-40B4-BE49-F238E27FC236}">
-                <a16:creationId xmlns:a16="http://schemas.microsoft.com/office/drawing/2014/main" xmlns="" id="{A2E861A3-F23C-46B8-A38A-4A22E453D993}"/>
+                <a16:creationId xmlns:a16="http://schemas.microsoft.com/office/drawing/2014/main" id="{A2E861A3-F23C-46B8-A38A-4A22E453D993}"/>
               </a:ext>
             </a:extLst>
           </p:cNvPr>
@@ -11525,7 +12479,7 @@
           <p:nvPr>
             <p:extLst>
               <p:ext uri="{386F3935-93C4-4BCD-93E2-E3B085C9AB24}">
-                <p16:designElem xmlns:p16="http://schemas.microsoft.com/office/powerpoint/2015/main" xmlns="" val="1"/>
+                <p16:designElem xmlns:p16="http://schemas.microsoft.com/office/powerpoint/2015/main" val="1"/>
               </p:ext>
             </p:extLst>
           </p:nvPr>
@@ -11543,7 +12497,7 @@
             <p:cNvPr id="19" name="Freeform 6">
               <a:extLst>
                 <a:ext uri="{FF2B5EF4-FFF2-40B4-BE49-F238E27FC236}">
-                  <a16:creationId xmlns:a16="http://schemas.microsoft.com/office/drawing/2014/main" xmlns="" id="{8BC3D220-643B-4160-B5A9-59DF5D21F410}"/>
+                  <a16:creationId xmlns:a16="http://schemas.microsoft.com/office/drawing/2014/main" id="{8BC3D220-643B-4160-B5A9-59DF5D21F410}"/>
                 </a:ext>
               </a:extLst>
             </p:cNvPr>
@@ -11551,7 +12505,7 @@
             <p:nvPr>
               <p:extLst>
                 <p:ext uri="{386F3935-93C4-4BCD-93E2-E3B085C9AB24}">
-                  <p16:designElem xmlns:p16="http://schemas.microsoft.com/office/powerpoint/2015/main" xmlns="" val="1"/>
+                  <p16:designElem xmlns:p16="http://schemas.microsoft.com/office/powerpoint/2015/main" val="1"/>
                 </p:ext>
               </p:extLst>
             </p:nvPr>
@@ -11601,7 +12555,7 @@
             <p:cNvPr id="20" name="Freeform 7">
               <a:extLst>
                 <a:ext uri="{FF2B5EF4-FFF2-40B4-BE49-F238E27FC236}">
-                  <a16:creationId xmlns:a16="http://schemas.microsoft.com/office/drawing/2014/main" xmlns="" id="{B92237DE-D518-4625-8392-66D7084588A0}"/>
+                  <a16:creationId xmlns:a16="http://schemas.microsoft.com/office/drawing/2014/main" id="{B92237DE-D518-4625-8392-66D7084588A0}"/>
                 </a:ext>
               </a:extLst>
             </p:cNvPr>
@@ -11609,7 +12563,7 @@
             <p:nvPr>
               <p:extLst>
                 <p:ext uri="{386F3935-93C4-4BCD-93E2-E3B085C9AB24}">
-                  <p16:designElem xmlns:p16="http://schemas.microsoft.com/office/powerpoint/2015/main" xmlns="" val="1"/>
+                  <p16:designElem xmlns:p16="http://schemas.microsoft.com/office/powerpoint/2015/main" val="1"/>
                 </p:ext>
               </p:extLst>
             </p:nvPr>
@@ -11662,7 +12616,7 @@
             <p:cNvPr id="21" name="Freeform 8">
               <a:extLst>
                 <a:ext uri="{FF2B5EF4-FFF2-40B4-BE49-F238E27FC236}">
-                  <a16:creationId xmlns:a16="http://schemas.microsoft.com/office/drawing/2014/main" xmlns="" id="{F290F0DD-E80A-4263-94E1-A41F57D84CC5}"/>
+                  <a16:creationId xmlns:a16="http://schemas.microsoft.com/office/drawing/2014/main" id="{F290F0DD-E80A-4263-94E1-A41F57D84CC5}"/>
                 </a:ext>
               </a:extLst>
             </p:cNvPr>
@@ -11670,7 +12624,7 @@
             <p:nvPr>
               <p:extLst>
                 <p:ext uri="{386F3935-93C4-4BCD-93E2-E3B085C9AB24}">
-                  <p16:designElem xmlns:p16="http://schemas.microsoft.com/office/powerpoint/2015/main" xmlns="" val="1"/>
+                  <p16:designElem xmlns:p16="http://schemas.microsoft.com/office/powerpoint/2015/main" val="1"/>
                 </p:ext>
               </p:extLst>
             </p:nvPr>
@@ -11720,7 +12674,7 @@
             <p:cNvPr id="22" name="Freeform 9">
               <a:extLst>
                 <a:ext uri="{FF2B5EF4-FFF2-40B4-BE49-F238E27FC236}">
-                  <a16:creationId xmlns:a16="http://schemas.microsoft.com/office/drawing/2014/main" xmlns="" id="{D78EA7D2-CCEA-435E-873D-36BF0522FFED}"/>
+                  <a16:creationId xmlns:a16="http://schemas.microsoft.com/office/drawing/2014/main" id="{D78EA7D2-CCEA-435E-873D-36BF0522FFED}"/>
                 </a:ext>
               </a:extLst>
             </p:cNvPr>
@@ -11728,7 +12682,7 @@
             <p:nvPr>
               <p:extLst>
                 <p:ext uri="{386F3935-93C4-4BCD-93E2-E3B085C9AB24}">
-                  <p16:designElem xmlns:p16="http://schemas.microsoft.com/office/powerpoint/2015/main" xmlns="" val="1"/>
+                  <p16:designElem xmlns:p16="http://schemas.microsoft.com/office/powerpoint/2015/main" val="1"/>
                 </p:ext>
               </p:extLst>
             </p:nvPr>
@@ -11777,7 +12731,7 @@
             <p:cNvPr id="23" name="Freeform 10">
               <a:extLst>
                 <a:ext uri="{FF2B5EF4-FFF2-40B4-BE49-F238E27FC236}">
-                  <a16:creationId xmlns:a16="http://schemas.microsoft.com/office/drawing/2014/main" xmlns="" id="{9DFA731E-D6BB-42CC-AA05-64023DC81FE6}"/>
+                  <a16:creationId xmlns:a16="http://schemas.microsoft.com/office/drawing/2014/main" id="{9DFA731E-D6BB-42CC-AA05-64023DC81FE6}"/>
                 </a:ext>
               </a:extLst>
             </p:cNvPr>
@@ -11785,7 +12739,7 @@
             <p:nvPr>
               <p:extLst>
                 <p:ext uri="{386F3935-93C4-4BCD-93E2-E3B085C9AB24}">
-                  <p16:designElem xmlns:p16="http://schemas.microsoft.com/office/powerpoint/2015/main" xmlns="" val="1"/>
+                  <p16:designElem xmlns:p16="http://schemas.microsoft.com/office/powerpoint/2015/main" val="1"/>
                 </p:ext>
               </p:extLst>
             </p:nvPr>
@@ -11840,7 +12794,7 @@
             <p:cNvPr id="24" name="Freeform 11">
               <a:extLst>
                 <a:ext uri="{FF2B5EF4-FFF2-40B4-BE49-F238E27FC236}">
-                  <a16:creationId xmlns:a16="http://schemas.microsoft.com/office/drawing/2014/main" xmlns="" id="{B00D0483-90FB-4EB4-9770-CA8A310D503B}"/>
+                  <a16:creationId xmlns:a16="http://schemas.microsoft.com/office/drawing/2014/main" id="{B00D0483-90FB-4EB4-9770-CA8A310D503B}"/>
                 </a:ext>
               </a:extLst>
             </p:cNvPr>
@@ -11848,7 +12802,7 @@
             <p:nvPr>
               <p:extLst>
                 <p:ext uri="{386F3935-93C4-4BCD-93E2-E3B085C9AB24}">
-                  <p16:designElem xmlns:p16="http://schemas.microsoft.com/office/powerpoint/2015/main" xmlns="" val="1"/>
+                  <p16:designElem xmlns:p16="http://schemas.microsoft.com/office/powerpoint/2015/main" val="1"/>
                 </p:ext>
               </p:extLst>
             </p:nvPr>
@@ -11917,7 +12871,7 @@
           <p:cNvPr id="26" name="Rounded Rectangle 16">
             <a:extLst>
               <a:ext uri="{FF2B5EF4-FFF2-40B4-BE49-F238E27FC236}">
-                <a16:creationId xmlns:a16="http://schemas.microsoft.com/office/drawing/2014/main" xmlns="" id="{DD7EED39-224E-4230-8FD1-B1E1AF6C6E36}"/>
+                <a16:creationId xmlns:a16="http://schemas.microsoft.com/office/drawing/2014/main" id="{DD7EED39-224E-4230-8FD1-B1E1AF6C6E36}"/>
               </a:ext>
             </a:extLst>
           </p:cNvPr>
@@ -11927,7 +12881,7 @@
           <p:nvPr>
             <p:extLst>
               <p:ext uri="{386F3935-93C4-4BCD-93E2-E3B085C9AB24}">
-                <p16:designElem xmlns:p16="http://schemas.microsoft.com/office/powerpoint/2015/main" xmlns="" val="1"/>
+                <p16:designElem xmlns:p16="http://schemas.microsoft.com/office/powerpoint/2015/main" val="1"/>
               </p:ext>
             </p:extLst>
           </p:nvPr>
@@ -11999,7 +12953,7 @@
           <p:cNvPr id="5" name="Marcador de contenido 4">
             <a:extLst>
               <a:ext uri="{FF2B5EF4-FFF2-40B4-BE49-F238E27FC236}">
-                <a16:creationId xmlns:a16="http://schemas.microsoft.com/office/drawing/2014/main" xmlns="" id="{8F1622F1-3240-439D-85C8-B09D21C0E237}"/>
+                <a16:creationId xmlns:a16="http://schemas.microsoft.com/office/drawing/2014/main" id="{8F1622F1-3240-439D-85C8-B09D21C0E237}"/>
               </a:ext>
             </a:extLst>
           </p:cNvPr>
@@ -12030,7 +12984,7 @@
           <p:cNvPr id="2" name="Título 1">
             <a:extLst>
               <a:ext uri="{FF2B5EF4-FFF2-40B4-BE49-F238E27FC236}">
-                <a16:creationId xmlns:a16="http://schemas.microsoft.com/office/drawing/2014/main" xmlns="" id="{03D4C93A-1385-4FF7-ADC1-E1AC598A057F}"/>
+                <a16:creationId xmlns:a16="http://schemas.microsoft.com/office/drawing/2014/main" id="{03D4C93A-1385-4FF7-ADC1-E1AC598A057F}"/>
               </a:ext>
             </a:extLst>
           </p:cNvPr>
@@ -12065,7 +13019,7 @@
           <p:cNvPr id="4" name="Marcador de texto 3">
             <a:extLst>
               <a:ext uri="{FF2B5EF4-FFF2-40B4-BE49-F238E27FC236}">
-                <a16:creationId xmlns:a16="http://schemas.microsoft.com/office/drawing/2014/main" xmlns="" id="{B1AA6F1D-07D8-4462-B892-831272FBC4E5}"/>
+                <a16:creationId xmlns:a16="http://schemas.microsoft.com/office/drawing/2014/main" id="{B1AA6F1D-07D8-4462-B892-831272FBC4E5}"/>
               </a:ext>
             </a:extLst>
           </p:cNvPr>
@@ -12226,7 +13180,7 @@
     </p:spTree>
     <p:extLst>
       <p:ext uri="{BB962C8B-B14F-4D97-AF65-F5344CB8AC3E}">
-        <p14:creationId xmlns:p14="http://schemas.microsoft.com/office/powerpoint/2010/main" xmlns="" val="2576770198"/>
+        <p14:creationId xmlns:p14="http://schemas.microsoft.com/office/powerpoint/2010/main" val="2576770198"/>
       </p:ext>
     </p:extLst>
   </p:cSld>
@@ -12236,7 +13190,7 @@
 </p:sld>
 </file>
 
-<file path=ppt/slides/slide4.xml><?xml version="1.0" encoding="utf-8"?>
+<file path=ppt/slides/slide46.xml><?xml version="1.0" encoding="utf-8"?>
 <p:sld xmlns:a="http://schemas.openxmlformats.org/drawingml/2006/main" xmlns:r="http://schemas.openxmlformats.org/officeDocument/2006/relationships" xmlns:p="http://schemas.openxmlformats.org/presentationml/2006/main">
   <p:cSld>
     <p:spTree>
@@ -12258,7 +13212,7 @@
           <p:cNvPr id="2" name="Título 1">
             <a:extLst>
               <a:ext uri="{FF2B5EF4-FFF2-40B4-BE49-F238E27FC236}">
-                <a16:creationId xmlns:a16="http://schemas.microsoft.com/office/drawing/2014/main" xmlns="" id="{FBD9E5A4-5370-4DA9-A647-51FE54C60D94}"/>
+                <a16:creationId xmlns:a16="http://schemas.microsoft.com/office/drawing/2014/main" id="{B8D1FC69-69C3-4247-8063-2D7898F7A730}"/>
               </a:ext>
             </a:extLst>
           </p:cNvPr>
@@ -12269,53 +13223,391 @@
             <p:ph type="title"/>
           </p:nvPr>
         </p:nvSpPr>
-        <p:spPr/>
+        <p:spPr>
+          <a:xfrm>
+            <a:off x="1598612" y="685799"/>
+            <a:ext cx="3549121" cy="1191126"/>
+          </a:xfrm>
+        </p:spPr>
+        <p:txBody>
+          <a:bodyPr/>
+          <a:lstStyle/>
+          <a:p>
+            <a:r>
+              <a:rPr lang="es-ES" dirty="0"/>
+              <a:t>BECAS DE CARÁCTER PRIVADO </a:t>
+            </a:r>
+            <a:br>
+              <a:rPr lang="es-ES" dirty="0"/>
+            </a:br>
+            <a:endParaRPr lang="es-ES" dirty="0"/>
+          </a:p>
+        </p:txBody>
+      </p:sp>
+      <p:pic>
+        <p:nvPicPr>
+          <p:cNvPr id="6" name="Marcador de contenido 5">
+            <a:extLst>
+              <a:ext uri="{FF2B5EF4-FFF2-40B4-BE49-F238E27FC236}">
+                <a16:creationId xmlns:a16="http://schemas.microsoft.com/office/drawing/2014/main" id="{58D8EAA4-D969-4DBA-BD80-9ABA9F13C8B6}"/>
+              </a:ext>
+            </a:extLst>
+          </p:cNvPr>
+          <p:cNvPicPr>
+            <a:picLocks noGrp="1" noChangeAspect="1"/>
+          </p:cNvPicPr>
+          <p:nvPr>
+            <p:ph idx="1"/>
+          </p:nvPr>
+        </p:nvPicPr>
+        <p:blipFill>
+          <a:blip r:embed="rId2" cstate="print"/>
+          <a:stretch>
+            <a:fillRect/>
+          </a:stretch>
+        </p:blipFill>
+        <p:spPr>
+          <a:xfrm>
+            <a:off x="5262563" y="1312668"/>
+            <a:ext cx="6240462" cy="3851663"/>
+          </a:xfrm>
+          <a:prstGeom prst="rect">
+            <a:avLst/>
+          </a:prstGeom>
+        </p:spPr>
+      </p:pic>
+      <p:sp>
+        <p:nvSpPr>
+          <p:cNvPr id="4" name="Marcador de texto 3">
+            <a:extLst>
+              <a:ext uri="{FF2B5EF4-FFF2-40B4-BE49-F238E27FC236}">
+                <a16:creationId xmlns:a16="http://schemas.microsoft.com/office/drawing/2014/main" id="{66EF58C8-05EE-43D4-89FD-A2FCCD83CA64}"/>
+              </a:ext>
+            </a:extLst>
+          </p:cNvPr>
+          <p:cNvSpPr>
+            <a:spLocks noGrp="1"/>
+          </p:cNvSpPr>
+          <p:nvPr>
+            <p:ph type="body" sz="half" idx="2"/>
+          </p:nvPr>
+        </p:nvSpPr>
+        <p:spPr>
+          <a:xfrm>
+            <a:off x="1484312" y="1612232"/>
+            <a:ext cx="3549121" cy="4178968"/>
+          </a:xfrm>
+        </p:spPr>
         <p:txBody>
           <a:bodyPr>
-            <a:normAutofit fontScale="90000"/>
+            <a:normAutofit fontScale="85000" lnSpcReduction="10000"/>
           </a:bodyPr>
           <a:lstStyle/>
           <a:p>
-            <a:r>
-              <a:rPr lang="es-ES" sz="4800" b="1" dirty="0"/>
-              <a:t/>
-            </a:r>
-            <a:br>
-              <a:rPr lang="es-ES" sz="4800" b="1" dirty="0"/>
-            </a:br>
-            <a:r>
-              <a:rPr lang="es-ES" sz="4800" b="1" dirty="0"/>
-              <a:t/>
-            </a:r>
-            <a:br>
-              <a:rPr lang="es-ES" sz="4800" b="1" dirty="0"/>
-            </a:br>
-            <a:r>
-              <a:rPr lang="es-ES" sz="4800" b="1" dirty="0"/>
-              <a:t/>
-            </a:r>
-            <a:br>
-              <a:rPr lang="es-ES" sz="4800" b="1" dirty="0"/>
-            </a:br>
-            <a:r>
-              <a:rPr lang="es-ES" sz="4800" b="1" dirty="0"/>
-              <a:t/>
-            </a:r>
-            <a:br>
-              <a:rPr lang="es-ES" sz="4800" b="1" dirty="0"/>
-            </a:br>
-            <a:r>
-              <a:rPr lang="es-ES" sz="7300" b="1" dirty="0"/>
-              <a:t>Fuentes de información</a:t>
-            </a:r>
-            <a:endParaRPr lang="es-ES" sz="4800" b="1" dirty="0"/>
+            <a:pPr lvl="0" algn="l">
+              <a:spcBef>
+                <a:spcPts val="0"/>
+              </a:spcBef>
+              <a:spcAft>
+                <a:spcPts val="0"/>
+              </a:spcAft>
+              <a:defRPr sz="1800" b="0" i="0" u="none" strike="noStrike" kern="0" cap="none" spc="0" baseline="0">
+                <a:solidFill>
+                  <a:srgbClr val="000000"/>
+                </a:solidFill>
+                <a:uFillTx/>
+              </a:defRPr>
+            </a:pPr>
+            <a:r>
+              <a:rPr lang="es-ES" dirty="0">
+                <a:solidFill>
+                  <a:srgbClr val="000000"/>
+                </a:solidFill>
+                <a:latin typeface="Corbel" panose="020B0503020204020204" pitchFamily="34" charset="0"/>
+              </a:rPr>
+              <a:t>ESTAS BECAS SON OFRECIDAS POR ENTIDADES PRIVADAS COMO BANCOS Y CAJAS DE AHORRO, COMO EJEMPLO TENEMOS EL SANTANDER</a:t>
+            </a:r>
+          </a:p>
+          <a:p>
+            <a:pPr lvl="0" algn="l">
+              <a:spcBef>
+                <a:spcPts val="0"/>
+              </a:spcBef>
+              <a:spcAft>
+                <a:spcPts val="0"/>
+              </a:spcAft>
+              <a:defRPr sz="1800" b="0" i="0" u="none" strike="noStrike" kern="0" cap="none" spc="0" baseline="0">
+                <a:solidFill>
+                  <a:srgbClr val="000000"/>
+                </a:solidFill>
+                <a:uFillTx/>
+              </a:defRPr>
+            </a:pPr>
+            <a:endParaRPr lang="es-ES" dirty="0">
+              <a:solidFill>
+                <a:srgbClr val="000000"/>
+              </a:solidFill>
+              <a:latin typeface="Corbel" panose="020B0503020204020204" pitchFamily="34" charset="0"/>
+            </a:endParaRPr>
+          </a:p>
+          <a:p>
+            <a:pPr marL="285750" lvl="0" indent="-285750" algn="l">
+              <a:spcBef>
+                <a:spcPts val="0"/>
+              </a:spcBef>
+              <a:spcAft>
+                <a:spcPts val="0"/>
+              </a:spcAft>
+              <a:buSzPct val="100000"/>
+              <a:buChar char="-"/>
+              <a:defRPr sz="1800" b="0" i="0" u="none" strike="noStrike" kern="0" cap="none" spc="0" baseline="0">
+                <a:solidFill>
+                  <a:srgbClr val="000000"/>
+                </a:solidFill>
+                <a:uFillTx/>
+              </a:defRPr>
+            </a:pPr>
+            <a:r>
+              <a:rPr lang="es-ES" u="sng" dirty="0">
+                <a:solidFill>
+                  <a:srgbClr val="000000"/>
+                </a:solidFill>
+                <a:latin typeface="Corbel" panose="020B0503020204020204" pitchFamily="34" charset="0"/>
+              </a:rPr>
+              <a:t>Becas Iberoamérica Santander Grado</a:t>
+            </a:r>
+            <a:r>
+              <a:rPr lang="es-ES" dirty="0">
+                <a:solidFill>
+                  <a:srgbClr val="000000"/>
+                </a:solidFill>
+                <a:latin typeface="Corbel" panose="020B0503020204020204" pitchFamily="34" charset="0"/>
+              </a:rPr>
+              <a:t> </a:t>
+            </a:r>
+          </a:p>
+          <a:p>
+            <a:pPr marL="285750" lvl="0" indent="-285750" algn="l">
+              <a:spcBef>
+                <a:spcPts val="0"/>
+              </a:spcBef>
+              <a:spcAft>
+                <a:spcPts val="0"/>
+              </a:spcAft>
+              <a:buSzPct val="100000"/>
+              <a:buChar char="-"/>
+              <a:defRPr sz="1800" b="0" i="0" u="none" strike="noStrike" kern="0" cap="none" spc="0" baseline="0">
+                <a:solidFill>
+                  <a:srgbClr val="000000"/>
+                </a:solidFill>
+                <a:uFillTx/>
+              </a:defRPr>
+            </a:pPr>
+            <a:endParaRPr lang="es-ES" dirty="0">
+              <a:solidFill>
+                <a:srgbClr val="000000"/>
+              </a:solidFill>
+              <a:latin typeface="Corbel" panose="020B0503020204020204" pitchFamily="34" charset="0"/>
+            </a:endParaRPr>
+          </a:p>
+          <a:p>
+            <a:pPr marL="285750" lvl="0" indent="-285750" algn="l">
+              <a:spcBef>
+                <a:spcPts val="0"/>
+              </a:spcBef>
+              <a:spcAft>
+                <a:spcPts val="0"/>
+              </a:spcAft>
+              <a:buSzPct val="100000"/>
+              <a:buChar char="-"/>
+              <a:defRPr sz="1800" b="0" i="0" u="none" strike="noStrike" kern="0" cap="none" spc="0" baseline="0">
+                <a:solidFill>
+                  <a:srgbClr val="000000"/>
+                </a:solidFill>
+                <a:uFillTx/>
+              </a:defRPr>
+            </a:pPr>
+            <a:r>
+              <a:rPr lang="es-ES" u="sng" dirty="0">
+                <a:solidFill>
+                  <a:srgbClr val="000000"/>
+                </a:solidFill>
+                <a:latin typeface="Corbel" panose="020B0503020204020204" pitchFamily="34" charset="0"/>
+              </a:rPr>
+              <a:t>Becas Iberoamérica Santander Investigación</a:t>
+            </a:r>
+          </a:p>
+          <a:p>
+            <a:pPr marL="285750" lvl="0" indent="-285750" algn="l">
+              <a:spcBef>
+                <a:spcPts val="0"/>
+              </a:spcBef>
+              <a:spcAft>
+                <a:spcPts val="0"/>
+              </a:spcAft>
+              <a:buSzPct val="100000"/>
+              <a:buChar char="-"/>
+              <a:defRPr sz="1800" b="0" i="0" u="none" strike="noStrike" kern="0" cap="none" spc="0" baseline="0">
+                <a:solidFill>
+                  <a:srgbClr val="000000"/>
+                </a:solidFill>
+                <a:uFillTx/>
+              </a:defRPr>
+            </a:pPr>
+            <a:endParaRPr lang="es-ES" u="sng" dirty="0">
+              <a:solidFill>
+                <a:srgbClr val="000000"/>
+              </a:solidFill>
+              <a:latin typeface="Corbel" panose="020B0503020204020204" pitchFamily="34" charset="0"/>
+            </a:endParaRPr>
+          </a:p>
+          <a:p>
+            <a:pPr marL="285750" lvl="0" indent="-285750" algn="l">
+              <a:spcBef>
+                <a:spcPts val="0"/>
+              </a:spcBef>
+              <a:spcAft>
+                <a:spcPts val="0"/>
+              </a:spcAft>
+              <a:buSzPct val="100000"/>
+              <a:buChar char="-"/>
+              <a:defRPr sz="1800" b="0" i="0" u="none" strike="noStrike" kern="0" cap="none" spc="0" baseline="0">
+                <a:solidFill>
+                  <a:srgbClr val="000000"/>
+                </a:solidFill>
+                <a:uFillTx/>
+              </a:defRPr>
+            </a:pPr>
+            <a:r>
+              <a:rPr lang="es-ES" u="sng" dirty="0">
+                <a:solidFill>
+                  <a:srgbClr val="000000"/>
+                </a:solidFill>
+                <a:latin typeface="Corbel" panose="020B0503020204020204" pitchFamily="34" charset="0"/>
+              </a:rPr>
+              <a:t>Becas colaboración Universidad Politécnica de Madrid</a:t>
+            </a:r>
+          </a:p>
+          <a:p>
+            <a:pPr marL="285750" lvl="0" indent="-285750" algn="l">
+              <a:spcBef>
+                <a:spcPts val="0"/>
+              </a:spcBef>
+              <a:spcAft>
+                <a:spcPts val="0"/>
+              </a:spcAft>
+              <a:buSzPct val="100000"/>
+              <a:buChar char="-"/>
+              <a:defRPr sz="1800" b="0" i="0" u="none" strike="noStrike" kern="0" cap="none" spc="0" baseline="0">
+                <a:solidFill>
+                  <a:srgbClr val="000000"/>
+                </a:solidFill>
+                <a:uFillTx/>
+              </a:defRPr>
+            </a:pPr>
+            <a:endParaRPr lang="es-ES" u="sng" dirty="0">
+              <a:solidFill>
+                <a:srgbClr val="000000"/>
+              </a:solidFill>
+              <a:latin typeface="Corbel" panose="020B0503020204020204" pitchFamily="34" charset="0"/>
+            </a:endParaRPr>
+          </a:p>
+          <a:p>
+            <a:pPr marL="285750" lvl="0" indent="-285750" algn="l">
+              <a:spcBef>
+                <a:spcPts val="0"/>
+              </a:spcBef>
+              <a:spcAft>
+                <a:spcPts val="0"/>
+              </a:spcAft>
+              <a:buSzPct val="100000"/>
+              <a:buChar char="-"/>
+              <a:defRPr sz="1800" b="0" i="0" u="none" strike="noStrike" kern="0" cap="none" spc="0" baseline="0">
+                <a:solidFill>
+                  <a:srgbClr val="000000"/>
+                </a:solidFill>
+                <a:uFillTx/>
+              </a:defRPr>
+            </a:pPr>
+            <a:r>
+              <a:rPr lang="es-ES" u="sng" dirty="0">
+                <a:solidFill>
+                  <a:srgbClr val="000000"/>
+                </a:solidFill>
+                <a:latin typeface="Corbel" panose="020B0503020204020204" pitchFamily="34" charset="0"/>
+              </a:rPr>
+              <a:t>Aula universitaria del Estrecho. Universidad de Cádiz</a:t>
+            </a:r>
+          </a:p>
+          <a:p>
+            <a:pPr marL="285750" lvl="0" indent="-285750" algn="l">
+              <a:spcBef>
+                <a:spcPts val="0"/>
+              </a:spcBef>
+              <a:spcAft>
+                <a:spcPts val="0"/>
+              </a:spcAft>
+              <a:buSzPct val="100000"/>
+              <a:buChar char="-"/>
+              <a:defRPr sz="1800" b="0" i="0" u="none" strike="noStrike" kern="0" cap="none" spc="0" baseline="0">
+                <a:solidFill>
+                  <a:srgbClr val="000000"/>
+                </a:solidFill>
+                <a:uFillTx/>
+              </a:defRPr>
+            </a:pPr>
+            <a:endParaRPr lang="es-ES" u="sng" dirty="0">
+              <a:solidFill>
+                <a:srgbClr val="000000"/>
+              </a:solidFill>
+              <a:latin typeface="Corbel" panose="020B0503020204020204" pitchFamily="34" charset="0"/>
+            </a:endParaRPr>
+          </a:p>
+          <a:p>
+            <a:pPr marL="285750" lvl="0" indent="-285750" algn="l">
+              <a:spcBef>
+                <a:spcPts val="0"/>
+              </a:spcBef>
+              <a:spcAft>
+                <a:spcPts val="0"/>
+              </a:spcAft>
+              <a:buSzPct val="100000"/>
+              <a:buChar char="-"/>
+              <a:defRPr sz="1800" b="0" i="0" u="none" strike="noStrike" kern="0" cap="none" spc="0" baseline="0">
+                <a:solidFill>
+                  <a:srgbClr val="000000"/>
+                </a:solidFill>
+                <a:uFillTx/>
+              </a:defRPr>
+            </a:pPr>
+            <a:r>
+              <a:rPr lang="es-ES" u="sng" dirty="0">
+                <a:solidFill>
+                  <a:srgbClr val="000000"/>
+                </a:solidFill>
+                <a:latin typeface="Corbel" panose="020B0503020204020204" pitchFamily="34" charset="0"/>
+              </a:rPr>
+              <a:t>Becas y ayudas a la movilidad Investigadora</a:t>
+            </a:r>
+            <a:r>
+              <a:rPr lang="es-ES" dirty="0">
+                <a:solidFill>
+                  <a:srgbClr val="000000"/>
+                </a:solidFill>
+                <a:latin typeface="Corbel" panose="020B0503020204020204" pitchFamily="34" charset="0"/>
+              </a:rPr>
+              <a:t>  </a:t>
+            </a:r>
+          </a:p>
+          <a:p>
+            <a:endParaRPr lang="es-ES" dirty="0"/>
           </a:p>
         </p:txBody>
       </p:sp>
     </p:spTree>
     <p:extLst>
       <p:ext uri="{BB962C8B-B14F-4D97-AF65-F5344CB8AC3E}">
-        <p14:creationId xmlns:p14="http://schemas.microsoft.com/office/powerpoint/2010/main" xmlns="" val="1418678560"/>
+        <p14:creationId xmlns:p14="http://schemas.microsoft.com/office/powerpoint/2010/main" val="1202826474"/>
       </p:ext>
     </p:extLst>
   </p:cSld>
@@ -12325,7 +13617,7 @@
 </p:sld>
 </file>
 
-<file path=ppt/slides/slide40.xml><?xml version="1.0" encoding="utf-8"?>
+<file path=ppt/slides/slide47.xml><?xml version="1.0" encoding="utf-8"?>
 <p:sld xmlns:a="http://schemas.openxmlformats.org/drawingml/2006/main" xmlns:r="http://schemas.openxmlformats.org/officeDocument/2006/relationships" xmlns:p="http://schemas.openxmlformats.org/presentationml/2006/main">
   <p:cSld>
     <p:spTree>
@@ -12347,7 +13639,7 @@
           <p:cNvPr id="2" name="Título 1">
             <a:extLst>
               <a:ext uri="{FF2B5EF4-FFF2-40B4-BE49-F238E27FC236}">
-                <a16:creationId xmlns:a16="http://schemas.microsoft.com/office/drawing/2014/main" xmlns="" id="{B8D1FC69-69C3-4247-8063-2D7898F7A730}"/>
+                <a16:creationId xmlns:a16="http://schemas.microsoft.com/office/drawing/2014/main" id="{FBD9E5A4-5370-4DA9-A647-51FE54C60D94}"/>
               </a:ext>
             </a:extLst>
           </p:cNvPr>
@@ -12358,391 +13650,37 @@
             <p:ph type="title"/>
           </p:nvPr>
         </p:nvSpPr>
-        <p:spPr>
-          <a:xfrm>
-            <a:off x="1598612" y="685799"/>
-            <a:ext cx="3549121" cy="1191126"/>
-          </a:xfrm>
-        </p:spPr>
-        <p:txBody>
-          <a:bodyPr/>
-          <a:lstStyle/>
-          <a:p>
-            <a:r>
-              <a:rPr lang="es-ES" dirty="0"/>
-              <a:t>BECAS DE CARÁCTER PRIVADO </a:t>
-            </a:r>
+        <p:spPr/>
+        <p:txBody>
+          <a:bodyPr>
+            <a:normAutofit fontScale="90000"/>
+          </a:bodyPr>
+          <a:lstStyle/>
+          <a:p>
             <a:br>
-              <a:rPr lang="es-ES" dirty="0"/>
+              <a:rPr lang="es-ES" sz="4800" b="1" dirty="0"/>
             </a:br>
-            <a:endParaRPr lang="es-ES" dirty="0"/>
-          </a:p>
-        </p:txBody>
-      </p:sp>
-      <p:pic>
-        <p:nvPicPr>
-          <p:cNvPr id="6" name="Marcador de contenido 5">
-            <a:extLst>
-              <a:ext uri="{FF2B5EF4-FFF2-40B4-BE49-F238E27FC236}">
-                <a16:creationId xmlns:a16="http://schemas.microsoft.com/office/drawing/2014/main" xmlns="" id="{58D8EAA4-D969-4DBA-BD80-9ABA9F13C8B6}"/>
-              </a:ext>
-            </a:extLst>
-          </p:cNvPr>
-          <p:cNvPicPr>
-            <a:picLocks noGrp="1" noChangeAspect="1"/>
-          </p:cNvPicPr>
-          <p:nvPr>
-            <p:ph idx="1"/>
-          </p:nvPr>
-        </p:nvPicPr>
-        <p:blipFill>
-          <a:blip r:embed="rId2" cstate="print"/>
-          <a:stretch>
-            <a:fillRect/>
-          </a:stretch>
-        </p:blipFill>
-        <p:spPr>
-          <a:xfrm>
-            <a:off x="5262563" y="1312668"/>
-            <a:ext cx="6240462" cy="3851663"/>
-          </a:xfrm>
-          <a:prstGeom prst="rect">
-            <a:avLst/>
-          </a:prstGeom>
-        </p:spPr>
-      </p:pic>
-      <p:sp>
-        <p:nvSpPr>
-          <p:cNvPr id="4" name="Marcador de texto 3">
-            <a:extLst>
-              <a:ext uri="{FF2B5EF4-FFF2-40B4-BE49-F238E27FC236}">
-                <a16:creationId xmlns:a16="http://schemas.microsoft.com/office/drawing/2014/main" xmlns="" id="{66EF58C8-05EE-43D4-89FD-A2FCCD83CA64}"/>
-              </a:ext>
-            </a:extLst>
-          </p:cNvPr>
-          <p:cNvSpPr>
-            <a:spLocks noGrp="1"/>
-          </p:cNvSpPr>
-          <p:nvPr>
-            <p:ph type="body" sz="half" idx="2"/>
-          </p:nvPr>
-        </p:nvSpPr>
-        <p:spPr>
-          <a:xfrm>
-            <a:off x="1484312" y="1612232"/>
-            <a:ext cx="3549121" cy="4178968"/>
-          </a:xfrm>
-        </p:spPr>
-        <p:txBody>
-          <a:bodyPr>
-            <a:normAutofit fontScale="85000" lnSpcReduction="10000"/>
-          </a:bodyPr>
-          <a:lstStyle/>
-          <a:p>
-            <a:pPr lvl="0" algn="l">
-              <a:spcBef>
-                <a:spcPts val="0"/>
-              </a:spcBef>
-              <a:spcAft>
-                <a:spcPts val="0"/>
-              </a:spcAft>
-              <a:defRPr sz="1800" b="0" i="0" u="none" strike="noStrike" kern="0" cap="none" spc="0" baseline="0">
-                <a:solidFill>
-                  <a:srgbClr val="000000"/>
-                </a:solidFill>
-                <a:uFillTx/>
-              </a:defRPr>
-            </a:pPr>
-            <a:r>
-              <a:rPr lang="es-ES" dirty="0">
-                <a:solidFill>
-                  <a:srgbClr val="000000"/>
-                </a:solidFill>
-                <a:latin typeface="Corbel" panose="020B0503020204020204" pitchFamily="34" charset="0"/>
-              </a:rPr>
-              <a:t>ESTAS BECAS SON OFRECIDAS POR ENTIDADES PRIVADAS COMO BANCOS Y CAJAS DE AHORRO, COMO EJEMPLO TENEMOS EL SANTANDER</a:t>
-            </a:r>
-          </a:p>
-          <a:p>
-            <a:pPr lvl="0" algn="l">
-              <a:spcBef>
-                <a:spcPts val="0"/>
-              </a:spcBef>
-              <a:spcAft>
-                <a:spcPts val="0"/>
-              </a:spcAft>
-              <a:defRPr sz="1800" b="0" i="0" u="none" strike="noStrike" kern="0" cap="none" spc="0" baseline="0">
-                <a:solidFill>
-                  <a:srgbClr val="000000"/>
-                </a:solidFill>
-                <a:uFillTx/>
-              </a:defRPr>
-            </a:pPr>
-            <a:endParaRPr lang="es-ES" dirty="0">
-              <a:solidFill>
-                <a:srgbClr val="000000"/>
-              </a:solidFill>
-              <a:latin typeface="Corbel" panose="020B0503020204020204" pitchFamily="34" charset="0"/>
-            </a:endParaRPr>
-          </a:p>
-          <a:p>
-            <a:pPr marL="285750" lvl="0" indent="-285750" algn="l">
-              <a:spcBef>
-                <a:spcPts val="0"/>
-              </a:spcBef>
-              <a:spcAft>
-                <a:spcPts val="0"/>
-              </a:spcAft>
-              <a:buSzPct val="100000"/>
-              <a:buChar char="-"/>
-              <a:defRPr sz="1800" b="0" i="0" u="none" strike="noStrike" kern="0" cap="none" spc="0" baseline="0">
-                <a:solidFill>
-                  <a:srgbClr val="000000"/>
-                </a:solidFill>
-                <a:uFillTx/>
-              </a:defRPr>
-            </a:pPr>
-            <a:r>
-              <a:rPr lang="es-ES" u="sng" dirty="0">
-                <a:solidFill>
-                  <a:srgbClr val="000000"/>
-                </a:solidFill>
-                <a:latin typeface="Corbel" panose="020B0503020204020204" pitchFamily="34" charset="0"/>
-              </a:rPr>
-              <a:t>Becas Iberoamérica Santander Grado</a:t>
-            </a:r>
-            <a:r>
-              <a:rPr lang="es-ES" dirty="0">
-                <a:solidFill>
-                  <a:srgbClr val="000000"/>
-                </a:solidFill>
-                <a:latin typeface="Corbel" panose="020B0503020204020204" pitchFamily="34" charset="0"/>
-              </a:rPr>
-              <a:t> </a:t>
-            </a:r>
-          </a:p>
-          <a:p>
-            <a:pPr marL="285750" lvl="0" indent="-285750" algn="l">
-              <a:spcBef>
-                <a:spcPts val="0"/>
-              </a:spcBef>
-              <a:spcAft>
-                <a:spcPts val="0"/>
-              </a:spcAft>
-              <a:buSzPct val="100000"/>
-              <a:buChar char="-"/>
-              <a:defRPr sz="1800" b="0" i="0" u="none" strike="noStrike" kern="0" cap="none" spc="0" baseline="0">
-                <a:solidFill>
-                  <a:srgbClr val="000000"/>
-                </a:solidFill>
-                <a:uFillTx/>
-              </a:defRPr>
-            </a:pPr>
-            <a:endParaRPr lang="es-ES" dirty="0">
-              <a:solidFill>
-                <a:srgbClr val="000000"/>
-              </a:solidFill>
-              <a:latin typeface="Corbel" panose="020B0503020204020204" pitchFamily="34" charset="0"/>
-            </a:endParaRPr>
-          </a:p>
-          <a:p>
-            <a:pPr marL="285750" lvl="0" indent="-285750" algn="l">
-              <a:spcBef>
-                <a:spcPts val="0"/>
-              </a:spcBef>
-              <a:spcAft>
-                <a:spcPts val="0"/>
-              </a:spcAft>
-              <a:buSzPct val="100000"/>
-              <a:buChar char="-"/>
-              <a:defRPr sz="1800" b="0" i="0" u="none" strike="noStrike" kern="0" cap="none" spc="0" baseline="0">
-                <a:solidFill>
-                  <a:srgbClr val="000000"/>
-                </a:solidFill>
-                <a:uFillTx/>
-              </a:defRPr>
-            </a:pPr>
-            <a:r>
-              <a:rPr lang="es-ES" u="sng" dirty="0">
-                <a:solidFill>
-                  <a:srgbClr val="000000"/>
-                </a:solidFill>
-                <a:latin typeface="Corbel" panose="020B0503020204020204" pitchFamily="34" charset="0"/>
-              </a:rPr>
-              <a:t>Becas Iberoamérica Santander Investigación</a:t>
-            </a:r>
-          </a:p>
-          <a:p>
-            <a:pPr marL="285750" lvl="0" indent="-285750" algn="l">
-              <a:spcBef>
-                <a:spcPts val="0"/>
-              </a:spcBef>
-              <a:spcAft>
-                <a:spcPts val="0"/>
-              </a:spcAft>
-              <a:buSzPct val="100000"/>
-              <a:buChar char="-"/>
-              <a:defRPr sz="1800" b="0" i="0" u="none" strike="noStrike" kern="0" cap="none" spc="0" baseline="0">
-                <a:solidFill>
-                  <a:srgbClr val="000000"/>
-                </a:solidFill>
-                <a:uFillTx/>
-              </a:defRPr>
-            </a:pPr>
-            <a:endParaRPr lang="es-ES" u="sng" dirty="0">
-              <a:solidFill>
-                <a:srgbClr val="000000"/>
-              </a:solidFill>
-              <a:latin typeface="Corbel" panose="020B0503020204020204" pitchFamily="34" charset="0"/>
-            </a:endParaRPr>
-          </a:p>
-          <a:p>
-            <a:pPr marL="285750" lvl="0" indent="-285750" algn="l">
-              <a:spcBef>
-                <a:spcPts val="0"/>
-              </a:spcBef>
-              <a:spcAft>
-                <a:spcPts val="0"/>
-              </a:spcAft>
-              <a:buSzPct val="100000"/>
-              <a:buChar char="-"/>
-              <a:defRPr sz="1800" b="0" i="0" u="none" strike="noStrike" kern="0" cap="none" spc="0" baseline="0">
-                <a:solidFill>
-                  <a:srgbClr val="000000"/>
-                </a:solidFill>
-                <a:uFillTx/>
-              </a:defRPr>
-            </a:pPr>
-            <a:r>
-              <a:rPr lang="es-ES" u="sng" dirty="0">
-                <a:solidFill>
-                  <a:srgbClr val="000000"/>
-                </a:solidFill>
-                <a:latin typeface="Corbel" panose="020B0503020204020204" pitchFamily="34" charset="0"/>
-              </a:rPr>
-              <a:t>Becas colaboración Universidad Politécnica de Madrid</a:t>
-            </a:r>
-          </a:p>
-          <a:p>
-            <a:pPr marL="285750" lvl="0" indent="-285750" algn="l">
-              <a:spcBef>
-                <a:spcPts val="0"/>
-              </a:spcBef>
-              <a:spcAft>
-                <a:spcPts val="0"/>
-              </a:spcAft>
-              <a:buSzPct val="100000"/>
-              <a:buChar char="-"/>
-              <a:defRPr sz="1800" b="0" i="0" u="none" strike="noStrike" kern="0" cap="none" spc="0" baseline="0">
-                <a:solidFill>
-                  <a:srgbClr val="000000"/>
-                </a:solidFill>
-                <a:uFillTx/>
-              </a:defRPr>
-            </a:pPr>
-            <a:endParaRPr lang="es-ES" u="sng" dirty="0">
-              <a:solidFill>
-                <a:srgbClr val="000000"/>
-              </a:solidFill>
-              <a:latin typeface="Corbel" panose="020B0503020204020204" pitchFamily="34" charset="0"/>
-            </a:endParaRPr>
-          </a:p>
-          <a:p>
-            <a:pPr marL="285750" lvl="0" indent="-285750" algn="l">
-              <a:spcBef>
-                <a:spcPts val="0"/>
-              </a:spcBef>
-              <a:spcAft>
-                <a:spcPts val="0"/>
-              </a:spcAft>
-              <a:buSzPct val="100000"/>
-              <a:buChar char="-"/>
-              <a:defRPr sz="1800" b="0" i="0" u="none" strike="noStrike" kern="0" cap="none" spc="0" baseline="0">
-                <a:solidFill>
-                  <a:srgbClr val="000000"/>
-                </a:solidFill>
-                <a:uFillTx/>
-              </a:defRPr>
-            </a:pPr>
-            <a:r>
-              <a:rPr lang="es-ES" u="sng" dirty="0">
-                <a:solidFill>
-                  <a:srgbClr val="000000"/>
-                </a:solidFill>
-                <a:latin typeface="Corbel" panose="020B0503020204020204" pitchFamily="34" charset="0"/>
-              </a:rPr>
-              <a:t>Aula universitaria del Estrecho. Universidad de Cádiz</a:t>
-            </a:r>
-          </a:p>
-          <a:p>
-            <a:pPr marL="285750" lvl="0" indent="-285750" algn="l">
-              <a:spcBef>
-                <a:spcPts val="0"/>
-              </a:spcBef>
-              <a:spcAft>
-                <a:spcPts val="0"/>
-              </a:spcAft>
-              <a:buSzPct val="100000"/>
-              <a:buChar char="-"/>
-              <a:defRPr sz="1800" b="0" i="0" u="none" strike="noStrike" kern="0" cap="none" spc="0" baseline="0">
-                <a:solidFill>
-                  <a:srgbClr val="000000"/>
-                </a:solidFill>
-                <a:uFillTx/>
-              </a:defRPr>
-            </a:pPr>
-            <a:endParaRPr lang="es-ES" u="sng" dirty="0">
-              <a:solidFill>
-                <a:srgbClr val="000000"/>
-              </a:solidFill>
-              <a:latin typeface="Corbel" panose="020B0503020204020204" pitchFamily="34" charset="0"/>
-            </a:endParaRPr>
-          </a:p>
-          <a:p>
-            <a:pPr marL="285750" lvl="0" indent="-285750" algn="l">
-              <a:spcBef>
-                <a:spcPts val="0"/>
-              </a:spcBef>
-              <a:spcAft>
-                <a:spcPts val="0"/>
-              </a:spcAft>
-              <a:buSzPct val="100000"/>
-              <a:buChar char="-"/>
-              <a:defRPr sz="1800" b="0" i="0" u="none" strike="noStrike" kern="0" cap="none" spc="0" baseline="0">
-                <a:solidFill>
-                  <a:srgbClr val="000000"/>
-                </a:solidFill>
-                <a:uFillTx/>
-              </a:defRPr>
-            </a:pPr>
-            <a:r>
-              <a:rPr lang="es-ES" u="sng" dirty="0">
-                <a:solidFill>
-                  <a:srgbClr val="000000"/>
-                </a:solidFill>
-                <a:latin typeface="Corbel" panose="020B0503020204020204" pitchFamily="34" charset="0"/>
-              </a:rPr>
-              <a:t>Becas y ayudas a la movilidad Investigadora</a:t>
-            </a:r>
-            <a:r>
-              <a:rPr lang="es-ES" dirty="0">
-                <a:solidFill>
-                  <a:srgbClr val="000000"/>
-                </a:solidFill>
-                <a:latin typeface="Corbel" panose="020B0503020204020204" pitchFamily="34" charset="0"/>
-              </a:rPr>
-              <a:t>  </a:t>
-            </a:r>
-          </a:p>
-          <a:p>
-            <a:endParaRPr lang="es-ES" dirty="0"/>
+            <a:br>
+              <a:rPr lang="es-ES" sz="4800" b="1" dirty="0"/>
+            </a:br>
+            <a:br>
+              <a:rPr lang="es-ES" sz="4800" b="1" dirty="0"/>
+            </a:br>
+            <a:br>
+              <a:rPr lang="es-ES" sz="4800" b="1" dirty="0"/>
+            </a:br>
+            <a:r>
+              <a:rPr lang="es-ES" sz="8000" b="1" dirty="0"/>
+              <a:t> Recursos para implementar las tecnologías</a:t>
+            </a:r>
+            <a:endParaRPr lang="es-ES" sz="4800" b="1" dirty="0"/>
           </a:p>
         </p:txBody>
       </p:sp>
     </p:spTree>
     <p:extLst>
       <p:ext uri="{BB962C8B-B14F-4D97-AF65-F5344CB8AC3E}">
-        <p14:creationId xmlns:p14="http://schemas.microsoft.com/office/powerpoint/2010/main" xmlns="" val="1202826474"/>
+        <p14:creationId xmlns:p14="http://schemas.microsoft.com/office/powerpoint/2010/main" val="1418678560"/>
       </p:ext>
     </p:extLst>
   </p:cSld>
@@ -12752,7 +13690,7 @@
 </p:sld>
 </file>
 
-<file path=ppt/slides/slide41.xml><?xml version="1.0" encoding="utf-8"?>
+<file path=ppt/slides/slide48.xml><?xml version="1.0" encoding="utf-8"?>
 <p:sld xmlns:a="http://schemas.openxmlformats.org/drawingml/2006/main" xmlns:r="http://schemas.openxmlformats.org/officeDocument/2006/relationships" xmlns:p="http://schemas.openxmlformats.org/presentationml/2006/main">
   <p:cSld>
     <p:spTree>
@@ -12771,13 +13709,7 @@
       </p:grpSpPr>
       <p:sp>
         <p:nvSpPr>
-          <p:cNvPr id="2" name="Título 1">
-            <a:extLst>
-              <a:ext uri="{FF2B5EF4-FFF2-40B4-BE49-F238E27FC236}">
-                <a16:creationId xmlns:a16="http://schemas.microsoft.com/office/drawing/2014/main" xmlns="" id="{FBD9E5A4-5370-4DA9-A647-51FE54C60D94}"/>
-              </a:ext>
-            </a:extLst>
-          </p:cNvPr>
+          <p:cNvPr id="2" name="1 Título"/>
           <p:cNvSpPr>
             <a:spLocks noGrp="1"/>
           </p:cNvSpPr>
@@ -12787,53 +13719,33 @@
         </p:nvSpPr>
         <p:spPr/>
         <p:txBody>
-          <a:bodyPr>
-            <a:normAutofit fontScale="90000"/>
-          </a:bodyPr>
-          <a:lstStyle/>
-          <a:p>
-            <a:r>
-              <a:rPr lang="es-ES" sz="4800" b="1" dirty="0"/>
-              <a:t/>
-            </a:r>
-            <a:br>
-              <a:rPr lang="es-ES" sz="4800" b="1" dirty="0"/>
-            </a:br>
-            <a:r>
-              <a:rPr lang="es-ES" sz="4800" b="1" dirty="0"/>
-              <a:t/>
-            </a:r>
-            <a:br>
-              <a:rPr lang="es-ES" sz="4800" b="1" dirty="0"/>
-            </a:br>
-            <a:r>
-              <a:rPr lang="es-ES" sz="4800" b="1" dirty="0"/>
-              <a:t/>
-            </a:r>
-            <a:br>
-              <a:rPr lang="es-ES" sz="4800" b="1" dirty="0"/>
-            </a:br>
-            <a:r>
-              <a:rPr lang="es-ES" sz="4800" b="1" dirty="0"/>
-              <a:t/>
-            </a:r>
-            <a:br>
-              <a:rPr lang="es-ES" sz="4800" b="1" dirty="0"/>
-            </a:br>
-            <a:r>
-              <a:rPr lang="es-ES" sz="8000" b="1" dirty="0" smtClean="0"/>
-              <a:t> Recursos para implementar las tecnologías</a:t>
-            </a:r>
-            <a:endParaRPr lang="es-ES" sz="4800" b="1" dirty="0"/>
+          <a:bodyPr/>
+          <a:lstStyle/>
+          <a:p>
+            <a:endParaRPr lang="es-ES"/>
+          </a:p>
+        </p:txBody>
+      </p:sp>
+      <p:sp>
+        <p:nvSpPr>
+          <p:cNvPr id="3" name="2 Marcador de contenido"/>
+          <p:cNvSpPr>
+            <a:spLocks noGrp="1"/>
+          </p:cNvSpPr>
+          <p:nvPr>
+            <p:ph idx="1"/>
+          </p:nvPr>
+        </p:nvSpPr>
+        <p:spPr/>
+        <p:txBody>
+          <a:bodyPr/>
+          <a:lstStyle/>
+          <a:p>
+            <a:endParaRPr lang="es-ES"/>
           </a:p>
         </p:txBody>
       </p:sp>
     </p:spTree>
-    <p:extLst>
-      <p:ext uri="{BB962C8B-B14F-4D97-AF65-F5344CB8AC3E}">
-        <p14:creationId xmlns:p14="http://schemas.microsoft.com/office/powerpoint/2010/main" xmlns="" val="1418678560"/>
-      </p:ext>
-    </p:extLst>
   </p:cSld>
   <p:clrMapOvr>
     <a:masterClrMapping/>
@@ -12841,7 +13753,7 @@
 </p:sld>
 </file>
 
-<file path=ppt/slides/slide42.xml><?xml version="1.0" encoding="utf-8"?>
+<file path=ppt/slides/slide49.xml><?xml version="1.0" encoding="utf-8"?>
 <p:sld xmlns:a="http://schemas.openxmlformats.org/drawingml/2006/main" xmlns:r="http://schemas.openxmlformats.org/officeDocument/2006/relationships" xmlns:p="http://schemas.openxmlformats.org/presentationml/2006/main">
   <p:cSld>
     <p:spTree>
@@ -12860,73 +13772,10 @@
       </p:grpSpPr>
       <p:sp>
         <p:nvSpPr>
-          <p:cNvPr id="2" name="1 Título"/>
-          <p:cNvSpPr>
-            <a:spLocks noGrp="1"/>
-          </p:cNvSpPr>
-          <p:nvPr>
-            <p:ph type="title"/>
-          </p:nvPr>
-        </p:nvSpPr>
-        <p:spPr/>
-        <p:txBody>
-          <a:bodyPr/>
-          <a:lstStyle/>
-          <a:p>
-            <a:endParaRPr lang="es-ES"/>
-          </a:p>
-        </p:txBody>
-      </p:sp>
-      <p:sp>
-        <p:nvSpPr>
-          <p:cNvPr id="3" name="2 Marcador de contenido"/>
-          <p:cNvSpPr>
-            <a:spLocks noGrp="1"/>
-          </p:cNvSpPr>
-          <p:nvPr>
-            <p:ph idx="1"/>
-          </p:nvPr>
-        </p:nvSpPr>
-        <p:spPr/>
-        <p:txBody>
-          <a:bodyPr/>
-          <a:lstStyle/>
-          <a:p>
-            <a:endParaRPr lang="es-ES"/>
-          </a:p>
-        </p:txBody>
-      </p:sp>
-    </p:spTree>
-  </p:cSld>
-  <p:clrMapOvr>
-    <a:masterClrMapping/>
-  </p:clrMapOvr>
-</p:sld>
-</file>
-
-<file path=ppt/slides/slide43.xml><?xml version="1.0" encoding="utf-8"?>
-<p:sld xmlns:a="http://schemas.openxmlformats.org/drawingml/2006/main" xmlns:r="http://schemas.openxmlformats.org/officeDocument/2006/relationships" xmlns:p="http://schemas.openxmlformats.org/presentationml/2006/main">
-  <p:cSld>
-    <p:spTree>
-      <p:nvGrpSpPr>
-        <p:cNvPr id="1" name=""/>
-        <p:cNvGrpSpPr/>
-        <p:nvPr/>
-      </p:nvGrpSpPr>
-      <p:grpSpPr>
-        <a:xfrm>
-          <a:off x="0" y="0"/>
-          <a:ext cx="0" cy="0"/>
-          <a:chOff x="0" y="0"/>
-          <a:chExt cx="0" cy="0"/>
-        </a:xfrm>
-      </p:grpSpPr>
-      <p:sp>
-        <p:nvSpPr>
           <p:cNvPr id="2" name="Título 1">
             <a:extLst>
               <a:ext uri="{FF2B5EF4-FFF2-40B4-BE49-F238E27FC236}">
-                <a16:creationId xmlns:a16="http://schemas.microsoft.com/office/drawing/2014/main" xmlns="" id="{FBD9E5A4-5370-4DA9-A647-51FE54C60D94}"/>
+                <a16:creationId xmlns:a16="http://schemas.microsoft.com/office/drawing/2014/main" id="{FBD9E5A4-5370-4DA9-A647-51FE54C60D94}"/>
               </a:ext>
             </a:extLst>
           </p:cNvPr>
@@ -12944,36 +13793,20 @@
           </a:bodyPr>
           <a:lstStyle/>
           <a:p>
-            <a:r>
-              <a:rPr lang="es-ES" sz="4800" b="1" dirty="0"/>
-              <a:t/>
-            </a:r>
             <a:br>
               <a:rPr lang="es-ES" sz="4800" b="1" dirty="0"/>
             </a:br>
-            <a:r>
-              <a:rPr lang="es-ES" sz="4800" b="1" dirty="0"/>
-              <a:t/>
-            </a:r>
             <a:br>
               <a:rPr lang="es-ES" sz="4800" b="1" dirty="0"/>
             </a:br>
-            <a:r>
-              <a:rPr lang="es-ES" sz="4800" b="1" dirty="0"/>
-              <a:t/>
-            </a:r>
             <a:br>
               <a:rPr lang="es-ES" sz="4800" b="1" dirty="0"/>
             </a:br>
-            <a:r>
-              <a:rPr lang="es-ES" sz="4800" b="1" dirty="0"/>
-              <a:t/>
-            </a:r>
             <a:br>
               <a:rPr lang="es-ES" sz="4800" b="1" dirty="0"/>
             </a:br>
             <a:r>
-              <a:rPr lang="es-ES" sz="8000" b="1" dirty="0" smtClean="0"/>
+              <a:rPr lang="es-ES" sz="8000" b="1" dirty="0"/>
               <a:t> Conclusiones</a:t>
             </a:r>
             <a:endParaRPr lang="es-ES" sz="4800" b="1" dirty="0"/>
@@ -12983,7 +13816,7 @@
     </p:spTree>
     <p:extLst>
       <p:ext uri="{BB962C8B-B14F-4D97-AF65-F5344CB8AC3E}">
-        <p14:creationId xmlns:p14="http://schemas.microsoft.com/office/powerpoint/2010/main" xmlns="" val="1418678560"/>
+        <p14:creationId xmlns:p14="http://schemas.microsoft.com/office/powerpoint/2010/main" val="1418678560"/>
       </p:ext>
     </p:extLst>
   </p:cSld>
@@ -13015,7 +13848,7 @@
           <p:cNvPr id="2" name="Título 1">
             <a:extLst>
               <a:ext uri="{FF2B5EF4-FFF2-40B4-BE49-F238E27FC236}">
-                <a16:creationId xmlns:a16="http://schemas.microsoft.com/office/drawing/2014/main" xmlns="" id="{9FE52B98-D91F-461E-A2FC-8EA927408B7E}"/>
+                <a16:creationId xmlns:a16="http://schemas.microsoft.com/office/drawing/2014/main" id="{9FE52B98-D91F-461E-A2FC-8EA927408B7E}"/>
               </a:ext>
             </a:extLst>
           </p:cNvPr>
@@ -13050,7 +13883,7 @@
           <p:cNvPr id="5" name="Marcador de contenido 4">
             <a:extLst>
               <a:ext uri="{FF2B5EF4-FFF2-40B4-BE49-F238E27FC236}">
-                <a16:creationId xmlns:a16="http://schemas.microsoft.com/office/drawing/2014/main" xmlns="" id="{D674BD60-AD8E-4D0C-9EA0-916A2A0934E9}"/>
+                <a16:creationId xmlns:a16="http://schemas.microsoft.com/office/drawing/2014/main" id="{D674BD60-AD8E-4D0C-9EA0-916A2A0934E9}"/>
               </a:ext>
             </a:extLst>
           </p:cNvPr>
@@ -13065,7 +13898,7 @@
           <a:blip r:embed="rId2" cstate="print">
             <a:extLst>
               <a:ext uri="{28A0092B-C50C-407E-A947-70E740481C1C}">
-                <a14:useLocalDpi xmlns:a14="http://schemas.microsoft.com/office/drawing/2010/main" xmlns="" val="0"/>
+                <a14:useLocalDpi xmlns:a14="http://schemas.microsoft.com/office/drawing/2010/main" val="0"/>
               </a:ext>
             </a:extLst>
           </a:blip>
@@ -13085,7 +13918,7 @@
           <p:cNvPr id="6" name="CuadroTexto 5">
             <a:extLst>
               <a:ext uri="{FF2B5EF4-FFF2-40B4-BE49-F238E27FC236}">
-                <a16:creationId xmlns:a16="http://schemas.microsoft.com/office/drawing/2014/main" xmlns="" id="{D5EE9531-5421-4FBC-A638-90C53CE90464}"/>
+                <a16:creationId xmlns:a16="http://schemas.microsoft.com/office/drawing/2014/main" id="{D5EE9531-5421-4FBC-A638-90C53CE90464}"/>
               </a:ext>
             </a:extLst>
           </p:cNvPr>
@@ -13124,7 +13957,7 @@
     </p:spTree>
     <p:extLst>
       <p:ext uri="{BB962C8B-B14F-4D97-AF65-F5344CB8AC3E}">
-        <p14:creationId xmlns:p14="http://schemas.microsoft.com/office/powerpoint/2010/main" xmlns="" val="4097886922"/>
+        <p14:creationId xmlns:p14="http://schemas.microsoft.com/office/powerpoint/2010/main" val="4097886922"/>
       </p:ext>
     </p:extLst>
   </p:cSld>
@@ -13156,7 +13989,7 @@
           <p:cNvPr id="2" name="Título 1">
             <a:extLst>
               <a:ext uri="{FF2B5EF4-FFF2-40B4-BE49-F238E27FC236}">
-                <a16:creationId xmlns:a16="http://schemas.microsoft.com/office/drawing/2014/main" xmlns="" id="{9FE52B98-D91F-461E-A2FC-8EA927408B7E}"/>
+                <a16:creationId xmlns:a16="http://schemas.microsoft.com/office/drawing/2014/main" id="{9FE52B98-D91F-461E-A2FC-8EA927408B7E}"/>
               </a:ext>
             </a:extLst>
           </p:cNvPr>
@@ -13191,7 +14024,7 @@
           <p:cNvPr id="5" name="Marcador de contenido 4">
             <a:extLst>
               <a:ext uri="{FF2B5EF4-FFF2-40B4-BE49-F238E27FC236}">
-                <a16:creationId xmlns:a16="http://schemas.microsoft.com/office/drawing/2014/main" xmlns="" id="{1348B7E0-BDF7-4C73-AF6B-C8290C8E4F84}"/>
+                <a16:creationId xmlns:a16="http://schemas.microsoft.com/office/drawing/2014/main" id="{1348B7E0-BDF7-4C73-AF6B-C8290C8E4F84}"/>
               </a:ext>
             </a:extLst>
           </p:cNvPr>
@@ -13206,7 +14039,7 @@
           <a:blip r:embed="rId2" cstate="print">
             <a:extLst>
               <a:ext uri="{28A0092B-C50C-407E-A947-70E740481C1C}">
-                <a14:useLocalDpi xmlns:a14="http://schemas.microsoft.com/office/drawing/2010/main" xmlns="" val="0"/>
+                <a14:useLocalDpi xmlns:a14="http://schemas.microsoft.com/office/drawing/2010/main" val="0"/>
               </a:ext>
             </a:extLst>
           </a:blip>
@@ -13226,7 +14059,7 @@
           <p:cNvPr id="6" name="CuadroTexto 5">
             <a:extLst>
               <a:ext uri="{FF2B5EF4-FFF2-40B4-BE49-F238E27FC236}">
-                <a16:creationId xmlns:a16="http://schemas.microsoft.com/office/drawing/2014/main" xmlns="" id="{765C79A1-8D20-4F7E-A072-271B2A2AB8BE}"/>
+                <a16:creationId xmlns:a16="http://schemas.microsoft.com/office/drawing/2014/main" id="{765C79A1-8D20-4F7E-A072-271B2A2AB8BE}"/>
               </a:ext>
             </a:extLst>
           </p:cNvPr>
@@ -13267,7 +14100,7 @@
     </p:spTree>
     <p:extLst>
       <p:ext uri="{BB962C8B-B14F-4D97-AF65-F5344CB8AC3E}">
-        <p14:creationId xmlns:p14="http://schemas.microsoft.com/office/powerpoint/2010/main" xmlns="" val="4207611306"/>
+        <p14:creationId xmlns:p14="http://schemas.microsoft.com/office/powerpoint/2010/main" val="4207611306"/>
       </p:ext>
     </p:extLst>
   </p:cSld>
@@ -13299,7 +14132,7 @@
           <p:cNvPr id="2" name="Título 1">
             <a:extLst>
               <a:ext uri="{FF2B5EF4-FFF2-40B4-BE49-F238E27FC236}">
-                <a16:creationId xmlns:a16="http://schemas.microsoft.com/office/drawing/2014/main" xmlns="" id="{9FE52B98-D91F-461E-A2FC-8EA927408B7E}"/>
+                <a16:creationId xmlns:a16="http://schemas.microsoft.com/office/drawing/2014/main" id="{9FE52B98-D91F-461E-A2FC-8EA927408B7E}"/>
               </a:ext>
             </a:extLst>
           </p:cNvPr>
@@ -13334,7 +14167,7 @@
           <p:cNvPr id="3" name="Marcador de contenido 2">
             <a:extLst>
               <a:ext uri="{FF2B5EF4-FFF2-40B4-BE49-F238E27FC236}">
-                <a16:creationId xmlns:a16="http://schemas.microsoft.com/office/drawing/2014/main" xmlns="" id="{7681CDA9-915F-4AB9-91C1-11D095F86AD8}"/>
+                <a16:creationId xmlns:a16="http://schemas.microsoft.com/office/drawing/2014/main" id="{7681CDA9-915F-4AB9-91C1-11D095F86AD8}"/>
               </a:ext>
             </a:extLst>
           </p:cNvPr>
@@ -13380,7 +14213,7 @@
           <p:cNvPr id="5" name="Imagen 4">
             <a:extLst>
               <a:ext uri="{FF2B5EF4-FFF2-40B4-BE49-F238E27FC236}">
-                <a16:creationId xmlns:a16="http://schemas.microsoft.com/office/drawing/2014/main" xmlns="" id="{7B09F27C-4E02-42A2-8D85-5E1125CD4B6F}"/>
+                <a16:creationId xmlns:a16="http://schemas.microsoft.com/office/drawing/2014/main" id="{7B09F27C-4E02-42A2-8D85-5E1125CD4B6F}"/>
               </a:ext>
             </a:extLst>
           </p:cNvPr>
@@ -13393,7 +14226,7 @@
           <a:blip r:embed="rId2" cstate="print">
             <a:extLst>
               <a:ext uri="{28A0092B-C50C-407E-A947-70E740481C1C}">
-                <a14:useLocalDpi xmlns:a14="http://schemas.microsoft.com/office/drawing/2010/main" xmlns="" val="0"/>
+                <a14:useLocalDpi xmlns:a14="http://schemas.microsoft.com/office/drawing/2010/main" val="0"/>
               </a:ext>
             </a:extLst>
           </a:blip>
@@ -13414,7 +14247,7 @@
     </p:spTree>
     <p:extLst>
       <p:ext uri="{BB962C8B-B14F-4D97-AF65-F5344CB8AC3E}">
-        <p14:creationId xmlns:p14="http://schemas.microsoft.com/office/powerpoint/2010/main" xmlns="" val="1444271549"/>
+        <p14:creationId xmlns:p14="http://schemas.microsoft.com/office/powerpoint/2010/main" val="1444271549"/>
       </p:ext>
     </p:extLst>
   </p:cSld>
@@ -13446,7 +14279,7 @@
           <p:cNvPr id="2" name="Título 1">
             <a:extLst>
               <a:ext uri="{FF2B5EF4-FFF2-40B4-BE49-F238E27FC236}">
-                <a16:creationId xmlns:a16="http://schemas.microsoft.com/office/drawing/2014/main" xmlns="" id="{9FE52B98-D91F-461E-A2FC-8EA927408B7E}"/>
+                <a16:creationId xmlns:a16="http://schemas.microsoft.com/office/drawing/2014/main" id="{9FE52B98-D91F-461E-A2FC-8EA927408B7E}"/>
               </a:ext>
             </a:extLst>
           </p:cNvPr>
@@ -13481,7 +14314,7 @@
           <p:cNvPr id="3" name="Marcador de contenido 2">
             <a:extLst>
               <a:ext uri="{FF2B5EF4-FFF2-40B4-BE49-F238E27FC236}">
-                <a16:creationId xmlns:a16="http://schemas.microsoft.com/office/drawing/2014/main" xmlns="" id="{7681CDA9-915F-4AB9-91C1-11D095F86AD8}"/>
+                <a16:creationId xmlns:a16="http://schemas.microsoft.com/office/drawing/2014/main" id="{7681CDA9-915F-4AB9-91C1-11D095F86AD8}"/>
               </a:ext>
             </a:extLst>
           </p:cNvPr>
@@ -13532,7 +14365,7 @@
           <p:cNvPr id="5" name="Imagen 4">
             <a:extLst>
               <a:ext uri="{FF2B5EF4-FFF2-40B4-BE49-F238E27FC236}">
-                <a16:creationId xmlns:a16="http://schemas.microsoft.com/office/drawing/2014/main" xmlns="" id="{ACA80AA4-3166-4C90-91EA-CBF2BD2EE95C}"/>
+                <a16:creationId xmlns:a16="http://schemas.microsoft.com/office/drawing/2014/main" id="{ACA80AA4-3166-4C90-91EA-CBF2BD2EE95C}"/>
               </a:ext>
             </a:extLst>
           </p:cNvPr>
@@ -13545,7 +14378,7 @@
           <a:blip r:embed="rId2" cstate="print">
             <a:extLst>
               <a:ext uri="{28A0092B-C50C-407E-A947-70E740481C1C}">
-                <a14:useLocalDpi xmlns:a14="http://schemas.microsoft.com/office/drawing/2010/main" xmlns="" val="0"/>
+                <a14:useLocalDpi xmlns:a14="http://schemas.microsoft.com/office/drawing/2010/main" val="0"/>
               </a:ext>
             </a:extLst>
           </a:blip>
@@ -13566,7 +14399,7 @@
     </p:spTree>
     <p:extLst>
       <p:ext uri="{BB962C8B-B14F-4D97-AF65-F5344CB8AC3E}">
-        <p14:creationId xmlns:p14="http://schemas.microsoft.com/office/powerpoint/2010/main" xmlns="" val="4070839768"/>
+        <p14:creationId xmlns:p14="http://schemas.microsoft.com/office/powerpoint/2010/main" val="4070839768"/>
       </p:ext>
     </p:extLst>
   </p:cSld>
@@ -13598,7 +14431,7 @@
           <p:cNvPr id="2" name="Título 1">
             <a:extLst>
               <a:ext uri="{FF2B5EF4-FFF2-40B4-BE49-F238E27FC236}">
-                <a16:creationId xmlns:a16="http://schemas.microsoft.com/office/drawing/2014/main" xmlns="" id="{9FE52B98-D91F-461E-A2FC-8EA927408B7E}"/>
+                <a16:creationId xmlns:a16="http://schemas.microsoft.com/office/drawing/2014/main" id="{9FE52B98-D91F-461E-A2FC-8EA927408B7E}"/>
               </a:ext>
             </a:extLst>
           </p:cNvPr>
@@ -13633,7 +14466,7 @@
           <p:cNvPr id="3" name="Marcador de contenido 2">
             <a:extLst>
               <a:ext uri="{FF2B5EF4-FFF2-40B4-BE49-F238E27FC236}">
-                <a16:creationId xmlns:a16="http://schemas.microsoft.com/office/drawing/2014/main" xmlns="" id="{7681CDA9-915F-4AB9-91C1-11D095F86AD8}"/>
+                <a16:creationId xmlns:a16="http://schemas.microsoft.com/office/drawing/2014/main" id="{7681CDA9-915F-4AB9-91C1-11D095F86AD8}"/>
               </a:ext>
             </a:extLst>
           </p:cNvPr>
@@ -13676,7 +14509,7 @@
           <p:cNvPr id="5" name="Imagen 4">
             <a:extLst>
               <a:ext uri="{FF2B5EF4-FFF2-40B4-BE49-F238E27FC236}">
-                <a16:creationId xmlns:a16="http://schemas.microsoft.com/office/drawing/2014/main" xmlns="" id="{1FF5DEF0-38EC-437D-B284-9DF733E0611A}"/>
+                <a16:creationId xmlns:a16="http://schemas.microsoft.com/office/drawing/2014/main" id="{1FF5DEF0-38EC-437D-B284-9DF733E0611A}"/>
               </a:ext>
             </a:extLst>
           </p:cNvPr>
@@ -13689,7 +14522,7 @@
           <a:blip r:embed="rId2" cstate="print">
             <a:extLst>
               <a:ext uri="{28A0092B-C50C-407E-A947-70E740481C1C}">
-                <a14:useLocalDpi xmlns:a14="http://schemas.microsoft.com/office/drawing/2010/main" xmlns="" val="0"/>
+                <a14:useLocalDpi xmlns:a14="http://schemas.microsoft.com/office/drawing/2010/main" val="0"/>
               </a:ext>
             </a:extLst>
           </a:blip>
@@ -13710,7 +14543,7 @@
     </p:spTree>
     <p:extLst>
       <p:ext uri="{BB962C8B-B14F-4D97-AF65-F5344CB8AC3E}">
-        <p14:creationId xmlns:p14="http://schemas.microsoft.com/office/powerpoint/2010/main" xmlns="" val="4277532580"/>
+        <p14:creationId xmlns:p14="http://schemas.microsoft.com/office/powerpoint/2010/main" val="4277532580"/>
       </p:ext>
     </p:extLst>
   </p:cSld>
@@ -13970,7 +14803,7 @@
   <a:extraClrSchemeLst/>
   <a:extLst>
     <a:ext uri="{05A4C25C-085E-4340-85A3-A5531E510DB2}">
-      <thm15:themeFamily xmlns:thm15="http://schemas.microsoft.com/office/thememl/2012/main" xmlns="" name="Parallax" id="{3388167B-A2EB-4685-9635-1831D9AEF8C4}" vid="{4F7A876A-7598-49CA-AFC8-8EDA2551E4A7}"/>
+      <thm15:themeFamily xmlns:thm15="http://schemas.microsoft.com/office/thememl/2012/main" name="Parallax" id="{3388167B-A2EB-4685-9635-1831D9AEF8C4}" vid="{4F7A876A-7598-49CA-AFC8-8EDA2551E4A7}"/>
     </a:ext>
   </a:extLst>
 </a:theme>
